--- a/Team AOOP-A-P Documents/AOOP Final Presentation Template (2).pptx
+++ b/Team AOOP-A-P Documents/AOOP Final Presentation Template (2).pptx
@@ -1,53 +1,60 @@
 
 <file path=ppt/presentation.xml><?xml version="1.0" encoding="utf-8"?>
-<p:presentation xmlns:a="http://schemas.openxmlformats.org/drawingml/2006/main" xmlns:r="http://schemas.openxmlformats.org/officeDocument/2006/relationships" xmlns:mc="http://schemas.openxmlformats.org/markup-compatibility/2006" xmlns:mv="urn:schemas-microsoft-com:mac:vml" xmlns:p="http://schemas.openxmlformats.org/presentationml/2006/main" xmlns:c="http://schemas.openxmlformats.org/drawingml/2006/chart" xmlns:dgm="http://schemas.openxmlformats.org/drawingml/2006/diagram" xmlns:o="urn:schemas-microsoft-com:office:office" xmlns:v="urn:schemas-microsoft-com:vml" xmlns:pvml="urn:schemas-microsoft-com:office:powerpoint" xmlns:com="http://schemas.openxmlformats.org/drawingml/2006/compatibility" xmlns:p14="http://schemas.microsoft.com/office/powerpoint/2010/main" xmlns:p15="http://schemas.microsoft.com/office/powerpoint/2012/main" xmlns:ahyp="http://schemas.microsoft.com/office/drawing/2018/hyperlinkcolor" autoCompressPictures="0" embedTrueTypeFonts="1" strictFirstAndLastChars="0" saveSubsetFonts="1">
+<p:presentation xmlns:a="http://schemas.openxmlformats.org/drawingml/2006/main" xmlns:r="http://schemas.openxmlformats.org/officeDocument/2006/relationships" xmlns:p="http://schemas.openxmlformats.org/presentationml/2006/main" strictFirstAndLastChars="0" embedTrueTypeFonts="1" saveSubsetFonts="1" autoCompressPictures="0">
   <p:sldMasterIdLst>
-    <p:sldMasterId id="2147483660" r:id="rId3"/>
+    <p:sldMasterId id="2147483660" r:id="rId1"/>
   </p:sldMasterIdLst>
   <p:notesMasterIdLst>
-    <p:notesMasterId r:id="rId4"/>
+    <p:notesMasterId r:id="rId21"/>
   </p:notesMasterIdLst>
   <p:sldIdLst>
-    <p:sldId id="256" r:id="rId5"/>
-    <p:sldId id="257" r:id="rId6"/>
-    <p:sldId id="258" r:id="rId7"/>
-    <p:sldId id="259" r:id="rId8"/>
-    <p:sldId id="260" r:id="rId9"/>
-    <p:sldId id="261" r:id="rId10"/>
-    <p:sldId id="262" r:id="rId11"/>
-    <p:sldId id="263" r:id="rId12"/>
-    <p:sldId id="264" r:id="rId13"/>
-    <p:sldId id="265" r:id="rId14"/>
-    <p:sldId id="266" r:id="rId15"/>
-    <p:sldId id="267" r:id="rId16"/>
-    <p:sldId id="268" r:id="rId17"/>
-    <p:sldId id="269" r:id="rId18"/>
-    <p:sldId id="270" r:id="rId19"/>
-    <p:sldId id="271" r:id="rId20"/>
-    <p:sldId id="272" r:id="rId21"/>
-    <p:sldId id="273" r:id="rId22"/>
-    <p:sldId id="274" r:id="rId23"/>
+    <p:sldId id="256" r:id="rId2"/>
+    <p:sldId id="257" r:id="rId3"/>
+    <p:sldId id="258" r:id="rId4"/>
+    <p:sldId id="259" r:id="rId5"/>
+    <p:sldId id="260" r:id="rId6"/>
+    <p:sldId id="261" r:id="rId7"/>
+    <p:sldId id="262" r:id="rId8"/>
+    <p:sldId id="263" r:id="rId9"/>
+    <p:sldId id="264" r:id="rId10"/>
+    <p:sldId id="265" r:id="rId11"/>
+    <p:sldId id="266" r:id="rId12"/>
+    <p:sldId id="267" r:id="rId13"/>
+    <p:sldId id="268" r:id="rId14"/>
+    <p:sldId id="269" r:id="rId15"/>
+    <p:sldId id="270" r:id="rId16"/>
+    <p:sldId id="271" r:id="rId17"/>
+    <p:sldId id="272" r:id="rId18"/>
+    <p:sldId id="273" r:id="rId19"/>
+    <p:sldId id="274" r:id="rId20"/>
   </p:sldIdLst>
-  <p:sldSz cy="6858000" cx="12192000"/>
+  <p:sldSz cx="12192000" cy="6858000"/>
   <p:notesSz cx="6858000" cy="9144000"/>
   <p:embeddedFontLst>
     <p:embeddedFont>
-      <p:font typeface="Montserrat"/>
-      <p:regular r:id="rId24"/>
-      <p:bold r:id="rId25"/>
-      <p:italic r:id="rId26"/>
-      <p:boldItalic r:id="rId27"/>
+      <p:font typeface="Calibri" panose="020F0502020204030204" pitchFamily="34" charset="0"/>
+      <p:regular r:id="rId22"/>
+      <p:bold r:id="rId23"/>
+      <p:italic r:id="rId24"/>
+      <p:boldItalic r:id="rId25"/>
     </p:embeddedFont>
     <p:embeddedFont>
-      <p:font typeface="Lato"/>
-      <p:regular r:id="rId28"/>
-      <p:bold r:id="rId29"/>
-      <p:italic r:id="rId30"/>
-      <p:boldItalic r:id="rId31"/>
+      <p:font typeface="Lato" panose="020F0502020204030203" pitchFamily="34" charset="0"/>
+      <p:regular r:id="rId26"/>
+      <p:bold r:id="rId27"/>
+      <p:italic r:id="rId28"/>
+      <p:boldItalic r:id="rId29"/>
+    </p:embeddedFont>
+    <p:embeddedFont>
+      <p:font typeface="Montserrat" panose="00000500000000000000" pitchFamily="2" charset="0"/>
+      <p:regular r:id="rId30"/>
+      <p:bold r:id="rId31"/>
+      <p:italic r:id="rId32"/>
+      <p:boldItalic r:id="rId33"/>
     </p:embeddedFont>
   </p:embeddedFontLst>
   <p:defaultTextStyle>
-    <a:defPPr lvl="0" marR="0" rtl="0" algn="l">
+    <a:defPPr marR="0" lvl="0" algn="l" rtl="0">
       <a:lnSpc>
         <a:spcPct val="100000"/>
       </a:lnSpc>
@@ -58,7 +65,7 @@
         <a:spcPts val="0"/>
       </a:spcAft>
     </a:defPPr>
-    <a:lvl1pPr lvl="0" marR="0" rtl="0" algn="l">
+    <a:lvl1pPr marR="0" lvl="0" algn="l" rtl="0">
       <a:lnSpc>
         <a:spcPct val="100000"/>
       </a:lnSpc>
@@ -72,7 +79,7 @@
         <a:srgbClr val="000000"/>
       </a:buClr>
       <a:buFont typeface="Arial"/>
-      <a:defRPr b="0" i="0" sz="1400" u="none" cap="none" strike="noStrike">
+      <a:defRPr sz="1400" b="0" i="0" u="none" strike="noStrike" cap="none">
         <a:solidFill>
           <a:srgbClr val="000000"/>
         </a:solidFill>
@@ -82,7 +89,7 @@
         <a:sym typeface="Arial"/>
       </a:defRPr>
     </a:lvl1pPr>
-    <a:lvl2pPr lvl="1" marR="0" rtl="0" algn="l">
+    <a:lvl2pPr marR="0" lvl="1" algn="l" rtl="0">
       <a:lnSpc>
         <a:spcPct val="100000"/>
       </a:lnSpc>
@@ -96,7 +103,7 @@
         <a:srgbClr val="000000"/>
       </a:buClr>
       <a:buFont typeface="Arial"/>
-      <a:defRPr b="0" i="0" sz="1400" u="none" cap="none" strike="noStrike">
+      <a:defRPr sz="1400" b="0" i="0" u="none" strike="noStrike" cap="none">
         <a:solidFill>
           <a:srgbClr val="000000"/>
         </a:solidFill>
@@ -106,7 +113,7 @@
         <a:sym typeface="Arial"/>
       </a:defRPr>
     </a:lvl2pPr>
-    <a:lvl3pPr lvl="2" marR="0" rtl="0" algn="l">
+    <a:lvl3pPr marR="0" lvl="2" algn="l" rtl="0">
       <a:lnSpc>
         <a:spcPct val="100000"/>
       </a:lnSpc>
@@ -120,7 +127,7 @@
         <a:srgbClr val="000000"/>
       </a:buClr>
       <a:buFont typeface="Arial"/>
-      <a:defRPr b="0" i="0" sz="1400" u="none" cap="none" strike="noStrike">
+      <a:defRPr sz="1400" b="0" i="0" u="none" strike="noStrike" cap="none">
         <a:solidFill>
           <a:srgbClr val="000000"/>
         </a:solidFill>
@@ -130,7 +137,7 @@
         <a:sym typeface="Arial"/>
       </a:defRPr>
     </a:lvl3pPr>
-    <a:lvl4pPr lvl="3" marR="0" rtl="0" algn="l">
+    <a:lvl4pPr marR="0" lvl="3" algn="l" rtl="0">
       <a:lnSpc>
         <a:spcPct val="100000"/>
       </a:lnSpc>
@@ -144,7 +151,7 @@
         <a:srgbClr val="000000"/>
       </a:buClr>
       <a:buFont typeface="Arial"/>
-      <a:defRPr b="0" i="0" sz="1400" u="none" cap="none" strike="noStrike">
+      <a:defRPr sz="1400" b="0" i="0" u="none" strike="noStrike" cap="none">
         <a:solidFill>
           <a:srgbClr val="000000"/>
         </a:solidFill>
@@ -154,7 +161,7 @@
         <a:sym typeface="Arial"/>
       </a:defRPr>
     </a:lvl4pPr>
-    <a:lvl5pPr lvl="4" marR="0" rtl="0" algn="l">
+    <a:lvl5pPr marR="0" lvl="4" algn="l" rtl="0">
       <a:lnSpc>
         <a:spcPct val="100000"/>
       </a:lnSpc>
@@ -168,7 +175,7 @@
         <a:srgbClr val="000000"/>
       </a:buClr>
       <a:buFont typeface="Arial"/>
-      <a:defRPr b="0" i="0" sz="1400" u="none" cap="none" strike="noStrike">
+      <a:defRPr sz="1400" b="0" i="0" u="none" strike="noStrike" cap="none">
         <a:solidFill>
           <a:srgbClr val="000000"/>
         </a:solidFill>
@@ -178,7 +185,7 @@
         <a:sym typeface="Arial"/>
       </a:defRPr>
     </a:lvl5pPr>
-    <a:lvl6pPr lvl="5" marR="0" rtl="0" algn="l">
+    <a:lvl6pPr marR="0" lvl="5" algn="l" rtl="0">
       <a:lnSpc>
         <a:spcPct val="100000"/>
       </a:lnSpc>
@@ -192,7 +199,7 @@
         <a:srgbClr val="000000"/>
       </a:buClr>
       <a:buFont typeface="Arial"/>
-      <a:defRPr b="0" i="0" sz="1400" u="none" cap="none" strike="noStrike">
+      <a:defRPr sz="1400" b="0" i="0" u="none" strike="noStrike" cap="none">
         <a:solidFill>
           <a:srgbClr val="000000"/>
         </a:solidFill>
@@ -202,7 +209,7 @@
         <a:sym typeface="Arial"/>
       </a:defRPr>
     </a:lvl6pPr>
-    <a:lvl7pPr lvl="6" marR="0" rtl="0" algn="l">
+    <a:lvl7pPr marR="0" lvl="6" algn="l" rtl="0">
       <a:lnSpc>
         <a:spcPct val="100000"/>
       </a:lnSpc>
@@ -216,7 +223,7 @@
         <a:srgbClr val="000000"/>
       </a:buClr>
       <a:buFont typeface="Arial"/>
-      <a:defRPr b="0" i="0" sz="1400" u="none" cap="none" strike="noStrike">
+      <a:defRPr sz="1400" b="0" i="0" u="none" strike="noStrike" cap="none">
         <a:solidFill>
           <a:srgbClr val="000000"/>
         </a:solidFill>
@@ -226,7 +233,7 @@
         <a:sym typeface="Arial"/>
       </a:defRPr>
     </a:lvl7pPr>
-    <a:lvl8pPr lvl="7" marR="0" rtl="0" algn="l">
+    <a:lvl8pPr marR="0" lvl="7" algn="l" rtl="0">
       <a:lnSpc>
         <a:spcPct val="100000"/>
       </a:lnSpc>
@@ -240,7 +247,7 @@
         <a:srgbClr val="000000"/>
       </a:buClr>
       <a:buFont typeface="Arial"/>
-      <a:defRPr b="0" i="0" sz="1400" u="none" cap="none" strike="noStrike">
+      <a:defRPr sz="1400" b="0" i="0" u="none" strike="noStrike" cap="none">
         <a:solidFill>
           <a:srgbClr val="000000"/>
         </a:solidFill>
@@ -250,7 +257,7 @@
         <a:sym typeface="Arial"/>
       </a:defRPr>
     </a:lvl8pPr>
-    <a:lvl9pPr lvl="8" marR="0" rtl="0" algn="l">
+    <a:lvl9pPr marR="0" lvl="8" algn="l" rtl="0">
       <a:lnSpc>
         <a:spcPct val="100000"/>
       </a:lnSpc>
@@ -264,7 +271,7 @@
         <a:srgbClr val="000000"/>
       </a:buClr>
       <a:buFont typeface="Arial"/>
-      <a:defRPr b="0" i="0" sz="1400" u="none" cap="none" strike="noStrike">
+      <a:defRPr sz="1400" b="0" i="0" u="none" strike="noStrike" cap="none">
         <a:solidFill>
           <a:srgbClr val="000000"/>
         </a:solidFill>
@@ -279,11 +286,16 @@
 </file>
 
 <file path=ppt/notesMasters/notesMaster1.xml><?xml version="1.0" encoding="utf-8"?>
-<p:notesMaster xmlns:a="http://schemas.openxmlformats.org/drawingml/2006/main" xmlns:r="http://schemas.openxmlformats.org/officeDocument/2006/relationships" xmlns:mc="http://schemas.openxmlformats.org/markup-compatibility/2006" xmlns:mv="urn:schemas-microsoft-com:mac:vml" xmlns:p="http://schemas.openxmlformats.org/presentationml/2006/main" xmlns:c="http://schemas.openxmlformats.org/drawingml/2006/chart" xmlns:dgm="http://schemas.openxmlformats.org/drawingml/2006/diagram" xmlns:o="urn:schemas-microsoft-com:office:office" xmlns:v="urn:schemas-microsoft-com:vml" xmlns:pvml="urn:schemas-microsoft-com:office:powerpoint" xmlns:com="http://schemas.openxmlformats.org/drawingml/2006/compatibility" xmlns:p14="http://schemas.microsoft.com/office/powerpoint/2010/main" xmlns:p15="http://schemas.microsoft.com/office/powerpoint/2012/main" xmlns:ahyp="http://schemas.microsoft.com/office/drawing/2018/hyperlinkcolor">
+<p:notesMaster xmlns:a="http://schemas.openxmlformats.org/drawingml/2006/main" xmlns:r="http://schemas.openxmlformats.org/officeDocument/2006/relationships" xmlns:p="http://schemas.openxmlformats.org/presentationml/2006/main">
   <p:cSld>
+    <p:bg>
+      <p:bgRef idx="1001">
+        <a:schemeClr val="bg1"/>
+      </p:bgRef>
+    </p:bg>
     <p:spTree>
       <p:nvGrpSpPr>
-        <p:cNvPr id="2" name="Shape 2"/>
+        <p:cNvPr id="1" name="Shape 2"/>
         <p:cNvGrpSpPr/>
         <p:nvPr/>
       </p:nvGrpSpPr>
@@ -298,9 +310,11 @@
       <p:sp>
         <p:nvSpPr>
           <p:cNvPr id="3" name="Google Shape;3;n"/>
-          <p:cNvSpPr/>
+          <p:cNvSpPr>
+            <a:spLocks noGrp="1" noRot="1" noChangeAspect="1"/>
+          </p:cNvSpPr>
           <p:nvPr>
-            <p:ph idx="2" type="sldImg"/>
+            <p:ph type="sldImg" idx="2"/>
           </p:nvPr>
         </p:nvSpPr>
         <p:spPr>
@@ -309,9 +323,13 @@
             <a:ext cx="4572225" cy="3429000"/>
           </a:xfrm>
           <a:custGeom>
-            <a:rect b="b" l="l" r="r" t="t"/>
+            <a:avLst/>
+            <a:gdLst/>
+            <a:ahLst/>
+            <a:cxnLst/>
+            <a:rect l="l" t="t" r="r" b="b"/>
             <a:pathLst>
-              <a:path extrusionOk="0" h="120000" w="120000">
+              <a:path w="120000" h="120000" extrusionOk="0">
                 <a:moveTo>
                   <a:pt x="0" y="0"/>
                 </a:moveTo>
@@ -329,23 +347,25 @@
             </a:pathLst>
           </a:custGeom>
           <a:noFill/>
-          <a:ln cap="flat" cmpd="sng" w="9525">
+          <a:ln w="9525" cap="flat" cmpd="sng">
             <a:solidFill>
               <a:srgbClr val="000000"/>
             </a:solidFill>
             <a:prstDash val="solid"/>
             <a:round/>
-            <a:headEnd len="sm" w="sm" type="none"/>
-            <a:tailEnd len="sm" w="sm" type="none"/>
+            <a:headEnd type="none" w="sm" len="sm"/>
+            <a:tailEnd type="none" w="sm" len="sm"/>
           </a:ln>
         </p:spPr>
       </p:sp>
       <p:sp>
         <p:nvSpPr>
           <p:cNvPr id="4" name="Google Shape;4;n"/>
-          <p:cNvSpPr txBox="1"/>
+          <p:cNvSpPr txBox="1">
+            <a:spLocks noGrp="1"/>
+          </p:cNvSpPr>
           <p:nvPr>
-            <p:ph idx="1" type="body"/>
+            <p:ph type="body" idx="1"/>
           </p:nvPr>
         </p:nvSpPr>
         <p:spPr>
@@ -362,11 +382,11 @@
           </a:ln>
         </p:spPr>
         <p:txBody>
-          <a:bodyPr anchorCtr="0" anchor="t" bIns="91425" lIns="91425" spcFirstLastPara="1" rIns="91425" wrap="square" tIns="91425">
+          <a:bodyPr spcFirstLastPara="1" wrap="square" lIns="91425" tIns="91425" rIns="91425" bIns="91425" anchor="t" anchorCtr="0">
             <a:noAutofit/>
           </a:bodyPr>
           <a:lstStyle>
-            <a:lvl1pPr indent="-298450" lvl="0" marL="457200">
+            <a:lvl1pPr marL="457200" lvl="0" indent="-298450">
               <a:spcBef>
                 <a:spcPts val="0"/>
               </a:spcBef>
@@ -377,7 +397,7 @@
               <a:buChar char="●"/>
               <a:defRPr sz="1100"/>
             </a:lvl1pPr>
-            <a:lvl2pPr indent="-298450" lvl="1" marL="914400">
+            <a:lvl2pPr marL="914400" lvl="1" indent="-298450">
               <a:spcBef>
                 <a:spcPts val="0"/>
               </a:spcBef>
@@ -388,7 +408,7 @@
               <a:buChar char="○"/>
               <a:defRPr sz="1100"/>
             </a:lvl2pPr>
-            <a:lvl3pPr indent="-298450" lvl="2" marL="1371600">
+            <a:lvl3pPr marL="1371600" lvl="2" indent="-298450">
               <a:spcBef>
                 <a:spcPts val="0"/>
               </a:spcBef>
@@ -399,7 +419,7 @@
               <a:buChar char="■"/>
               <a:defRPr sz="1100"/>
             </a:lvl3pPr>
-            <a:lvl4pPr indent="-298450" lvl="3" marL="1828800">
+            <a:lvl4pPr marL="1828800" lvl="3" indent="-298450">
               <a:spcBef>
                 <a:spcPts val="0"/>
               </a:spcBef>
@@ -410,7 +430,7 @@
               <a:buChar char="●"/>
               <a:defRPr sz="1100"/>
             </a:lvl4pPr>
-            <a:lvl5pPr indent="-298450" lvl="4" marL="2286000">
+            <a:lvl5pPr marL="2286000" lvl="4" indent="-298450">
               <a:spcBef>
                 <a:spcPts val="0"/>
               </a:spcBef>
@@ -421,7 +441,7 @@
               <a:buChar char="○"/>
               <a:defRPr sz="1100"/>
             </a:lvl5pPr>
-            <a:lvl6pPr indent="-298450" lvl="5" marL="2743200">
+            <a:lvl6pPr marL="2743200" lvl="5" indent="-298450">
               <a:spcBef>
                 <a:spcPts val="0"/>
               </a:spcBef>
@@ -432,7 +452,7 @@
               <a:buChar char="■"/>
               <a:defRPr sz="1100"/>
             </a:lvl6pPr>
-            <a:lvl7pPr indent="-298450" lvl="6" marL="3200400">
+            <a:lvl7pPr marL="3200400" lvl="6" indent="-298450">
               <a:spcBef>
                 <a:spcPts val="0"/>
               </a:spcBef>
@@ -443,7 +463,7 @@
               <a:buChar char="●"/>
               <a:defRPr sz="1100"/>
             </a:lvl7pPr>
-            <a:lvl8pPr indent="-298450" lvl="7" marL="3657600">
+            <a:lvl8pPr marL="3657600" lvl="7" indent="-298450">
               <a:spcBef>
                 <a:spcPts val="0"/>
               </a:spcBef>
@@ -454,7 +474,7 @@
               <a:buChar char="○"/>
               <a:defRPr sz="1100"/>
             </a:lvl8pPr>
-            <a:lvl9pPr indent="-298450" lvl="8" marL="4114800">
+            <a:lvl9pPr marL="4114800" lvl="8" indent="-298450">
               <a:spcBef>
                 <a:spcPts val="0"/>
               </a:spcBef>
@@ -466,14 +486,16 @@
               <a:defRPr sz="1100"/>
             </a:lvl9pPr>
           </a:lstStyle>
-          <a:p/>
+          <a:p>
+            <a:endParaRPr/>
+          </a:p>
         </p:txBody>
       </p:sp>
     </p:spTree>
   </p:cSld>
-  <p:clrMap accent1="accent1" accent2="accent2" accent3="accent3" accent4="accent4" accent5="accent5" accent6="accent6" bg1="lt1" bg2="dk2" tx1="dk1" tx2="lt2" folHlink="folHlink" hlink="hlink"/>
+  <p:clrMap bg1="lt1" tx1="dk1" bg2="dk2" tx2="lt2" accent1="accent1" accent2="accent2" accent3="accent3" accent4="accent4" accent5="accent5" accent6="accent6" hlink="hlink" folHlink="folHlink"/>
   <p:notesStyle>
-    <a:defPPr lvl="0" marR="0" rtl="0" algn="l">
+    <a:defPPr marR="0" lvl="0" algn="l" rtl="0">
       <a:lnSpc>
         <a:spcPct val="100000"/>
       </a:lnSpc>
@@ -484,7 +506,7 @@
         <a:spcPts val="0"/>
       </a:spcAft>
     </a:defPPr>
-    <a:lvl1pPr lvl="0" marR="0" rtl="0" algn="l">
+    <a:lvl1pPr marR="0" lvl="0" algn="l" rtl="0">
       <a:lnSpc>
         <a:spcPct val="100000"/>
       </a:lnSpc>
@@ -498,7 +520,7 @@
         <a:srgbClr val="000000"/>
       </a:buClr>
       <a:buFont typeface="Arial"/>
-      <a:defRPr b="0" i="0" sz="1400" u="none" cap="none" strike="noStrike">
+      <a:defRPr sz="1400" b="0" i="0" u="none" strike="noStrike" cap="none">
         <a:solidFill>
           <a:srgbClr val="000000"/>
         </a:solidFill>
@@ -508,7 +530,7 @@
         <a:sym typeface="Arial"/>
       </a:defRPr>
     </a:lvl1pPr>
-    <a:lvl2pPr lvl="1" marR="0" rtl="0" algn="l">
+    <a:lvl2pPr marR="0" lvl="1" algn="l" rtl="0">
       <a:lnSpc>
         <a:spcPct val="100000"/>
       </a:lnSpc>
@@ -522,7 +544,7 @@
         <a:srgbClr val="000000"/>
       </a:buClr>
       <a:buFont typeface="Arial"/>
-      <a:defRPr b="0" i="0" sz="1400" u="none" cap="none" strike="noStrike">
+      <a:defRPr sz="1400" b="0" i="0" u="none" strike="noStrike" cap="none">
         <a:solidFill>
           <a:srgbClr val="000000"/>
         </a:solidFill>
@@ -532,7 +554,7 @@
         <a:sym typeface="Arial"/>
       </a:defRPr>
     </a:lvl2pPr>
-    <a:lvl3pPr lvl="2" marR="0" rtl="0" algn="l">
+    <a:lvl3pPr marR="0" lvl="2" algn="l" rtl="0">
       <a:lnSpc>
         <a:spcPct val="100000"/>
       </a:lnSpc>
@@ -546,7 +568,7 @@
         <a:srgbClr val="000000"/>
       </a:buClr>
       <a:buFont typeface="Arial"/>
-      <a:defRPr b="0" i="0" sz="1400" u="none" cap="none" strike="noStrike">
+      <a:defRPr sz="1400" b="0" i="0" u="none" strike="noStrike" cap="none">
         <a:solidFill>
           <a:srgbClr val="000000"/>
         </a:solidFill>
@@ -556,7 +578,7 @@
         <a:sym typeface="Arial"/>
       </a:defRPr>
     </a:lvl3pPr>
-    <a:lvl4pPr lvl="3" marR="0" rtl="0" algn="l">
+    <a:lvl4pPr marR="0" lvl="3" algn="l" rtl="0">
       <a:lnSpc>
         <a:spcPct val="100000"/>
       </a:lnSpc>
@@ -570,7 +592,7 @@
         <a:srgbClr val="000000"/>
       </a:buClr>
       <a:buFont typeface="Arial"/>
-      <a:defRPr b="0" i="0" sz="1400" u="none" cap="none" strike="noStrike">
+      <a:defRPr sz="1400" b="0" i="0" u="none" strike="noStrike" cap="none">
         <a:solidFill>
           <a:srgbClr val="000000"/>
         </a:solidFill>
@@ -580,7 +602,7 @@
         <a:sym typeface="Arial"/>
       </a:defRPr>
     </a:lvl4pPr>
-    <a:lvl5pPr lvl="4" marR="0" rtl="0" algn="l">
+    <a:lvl5pPr marR="0" lvl="4" algn="l" rtl="0">
       <a:lnSpc>
         <a:spcPct val="100000"/>
       </a:lnSpc>
@@ -594,7 +616,7 @@
         <a:srgbClr val="000000"/>
       </a:buClr>
       <a:buFont typeface="Arial"/>
-      <a:defRPr b="0" i="0" sz="1400" u="none" cap="none" strike="noStrike">
+      <a:defRPr sz="1400" b="0" i="0" u="none" strike="noStrike" cap="none">
         <a:solidFill>
           <a:srgbClr val="000000"/>
         </a:solidFill>
@@ -604,7 +626,7 @@
         <a:sym typeface="Arial"/>
       </a:defRPr>
     </a:lvl5pPr>
-    <a:lvl6pPr lvl="5" marR="0" rtl="0" algn="l">
+    <a:lvl6pPr marR="0" lvl="5" algn="l" rtl="0">
       <a:lnSpc>
         <a:spcPct val="100000"/>
       </a:lnSpc>
@@ -618,7 +640,7 @@
         <a:srgbClr val="000000"/>
       </a:buClr>
       <a:buFont typeface="Arial"/>
-      <a:defRPr b="0" i="0" sz="1400" u="none" cap="none" strike="noStrike">
+      <a:defRPr sz="1400" b="0" i="0" u="none" strike="noStrike" cap="none">
         <a:solidFill>
           <a:srgbClr val="000000"/>
         </a:solidFill>
@@ -628,7 +650,7 @@
         <a:sym typeface="Arial"/>
       </a:defRPr>
     </a:lvl6pPr>
-    <a:lvl7pPr lvl="6" marR="0" rtl="0" algn="l">
+    <a:lvl7pPr marR="0" lvl="6" algn="l" rtl="0">
       <a:lnSpc>
         <a:spcPct val="100000"/>
       </a:lnSpc>
@@ -642,7 +664,7 @@
         <a:srgbClr val="000000"/>
       </a:buClr>
       <a:buFont typeface="Arial"/>
-      <a:defRPr b="0" i="0" sz="1400" u="none" cap="none" strike="noStrike">
+      <a:defRPr sz="1400" b="0" i="0" u="none" strike="noStrike" cap="none">
         <a:solidFill>
           <a:srgbClr val="000000"/>
         </a:solidFill>
@@ -652,7 +674,7 @@
         <a:sym typeface="Arial"/>
       </a:defRPr>
     </a:lvl7pPr>
-    <a:lvl8pPr lvl="7" marR="0" rtl="0" algn="l">
+    <a:lvl8pPr marR="0" lvl="7" algn="l" rtl="0">
       <a:lnSpc>
         <a:spcPct val="100000"/>
       </a:lnSpc>
@@ -666,7 +688,7 @@
         <a:srgbClr val="000000"/>
       </a:buClr>
       <a:buFont typeface="Arial"/>
-      <a:defRPr b="0" i="0" sz="1400" u="none" cap="none" strike="noStrike">
+      <a:defRPr sz="1400" b="0" i="0" u="none" strike="noStrike" cap="none">
         <a:solidFill>
           <a:srgbClr val="000000"/>
         </a:solidFill>
@@ -676,7 +698,7 @@
         <a:sym typeface="Arial"/>
       </a:defRPr>
     </a:lvl8pPr>
-    <a:lvl9pPr lvl="8" marR="0" rtl="0" algn="l">
+    <a:lvl9pPr marR="0" lvl="8" algn="l" rtl="0">
       <a:lnSpc>
         <a:spcPct val="100000"/>
       </a:lnSpc>
@@ -690,7 +712,7 @@
         <a:srgbClr val="000000"/>
       </a:buClr>
       <a:buFont typeface="Arial"/>
-      <a:defRPr b="0" i="0" sz="1400" u="none" cap="none" strike="noStrike">
+      <a:defRPr sz="1400" b="0" i="0" u="none" strike="noStrike" cap="none">
         <a:solidFill>
           <a:srgbClr val="000000"/>
         </a:solidFill>
@@ -705,11 +727,11 @@
 </file>
 
 <file path=ppt/notesSlides/notesSlide1.xml><?xml version="1.0" encoding="utf-8"?>
-<p:notes xmlns:a="http://schemas.openxmlformats.org/drawingml/2006/main" xmlns:r="http://schemas.openxmlformats.org/officeDocument/2006/relationships" xmlns:mc="http://schemas.openxmlformats.org/markup-compatibility/2006" xmlns:mv="urn:schemas-microsoft-com:mac:vml" xmlns:p="http://schemas.openxmlformats.org/presentationml/2006/main" xmlns:c="http://schemas.openxmlformats.org/drawingml/2006/chart" xmlns:dgm="http://schemas.openxmlformats.org/drawingml/2006/diagram" xmlns:o="urn:schemas-microsoft-com:office:office" xmlns:v="urn:schemas-microsoft-com:vml" xmlns:pvml="urn:schemas-microsoft-com:office:powerpoint" xmlns:com="http://schemas.openxmlformats.org/drawingml/2006/compatibility" xmlns:p14="http://schemas.microsoft.com/office/powerpoint/2010/main" xmlns:p15="http://schemas.microsoft.com/office/powerpoint/2012/main" xmlns:ahyp="http://schemas.microsoft.com/office/drawing/2018/hyperlinkcolor" showMasterPhAnim="0" showMasterSp="0">
+<p:notes xmlns:a="http://schemas.openxmlformats.org/drawingml/2006/main" xmlns:r="http://schemas.openxmlformats.org/officeDocument/2006/relationships" xmlns:p="http://schemas.openxmlformats.org/presentationml/2006/main" showMasterSp="0" showMasterPhAnim="0">
   <p:cSld>
     <p:spTree>
       <p:nvGrpSpPr>
-        <p:cNvPr id="136" name="Shape 136"/>
+        <p:cNvPr id="1" name="Shape 136"/>
         <p:cNvGrpSpPr/>
         <p:nvPr/>
       </p:nvGrpSpPr>
@@ -724,9 +746,11 @@
       <p:sp>
         <p:nvSpPr>
           <p:cNvPr id="137" name="Google Shape;137;p1:notes"/>
-          <p:cNvSpPr txBox="1"/>
+          <p:cNvSpPr txBox="1">
+            <a:spLocks noGrp="1"/>
+          </p:cNvSpPr>
           <p:nvPr>
-            <p:ph idx="1" type="body"/>
+            <p:ph type="body" idx="1"/>
           </p:nvPr>
         </p:nvSpPr>
         <p:spPr>
@@ -739,12 +763,12 @@
           </a:prstGeom>
         </p:spPr>
         <p:txBody>
-          <a:bodyPr anchorCtr="0" anchor="t" bIns="91425" lIns="91425" spcFirstLastPara="1" rIns="91425" wrap="square" tIns="91425">
+          <a:bodyPr spcFirstLastPara="1" wrap="square" lIns="91425" tIns="91425" rIns="91425" bIns="91425" anchor="t" anchorCtr="0">
             <a:noAutofit/>
           </a:bodyPr>
           <a:lstStyle/>
           <a:p>
-            <a:pPr indent="0" lvl="0" marL="0" rtl="0" algn="l">
+            <a:pPr marL="0" lvl="0" indent="0" algn="l" rtl="0">
               <a:spcBef>
                 <a:spcPts val="0"/>
               </a:spcBef>
@@ -753,9 +777,6 @@
               </a:spcAft>
               <a:buNone/>
             </a:pPr>
-            <a:r>
-              <a:t/>
-            </a:r>
             <a:endParaRPr/>
           </a:p>
         </p:txBody>
@@ -763,9 +784,11 @@
       <p:sp>
         <p:nvSpPr>
           <p:cNvPr id="138" name="Google Shape;138;p1:notes"/>
-          <p:cNvSpPr/>
+          <p:cNvSpPr>
+            <a:spLocks noGrp="1" noRot="1" noChangeAspect="1"/>
+          </p:cNvSpPr>
           <p:nvPr>
-            <p:ph idx="2" type="sldImg"/>
+            <p:ph type="sldImg" idx="2"/>
           </p:nvPr>
         </p:nvSpPr>
         <p:spPr>
@@ -774,9 +797,13 @@
             <a:ext cx="4572225" cy="3429000"/>
           </a:xfrm>
           <a:custGeom>
-            <a:rect b="b" l="l" r="r" t="t"/>
+            <a:avLst/>
+            <a:gdLst/>
+            <a:ahLst/>
+            <a:cxnLst/>
+            <a:rect l="l" t="t" r="r" b="b"/>
             <a:pathLst>
-              <a:path extrusionOk="0" h="120000" w="120000">
+              <a:path w="120000" h="120000" extrusionOk="0">
                 <a:moveTo>
                   <a:pt x="0" y="0"/>
                 </a:moveTo>
@@ -804,11 +831,11 @@
 </file>
 
 <file path=ppt/notesSlides/notesSlide10.xml><?xml version="1.0" encoding="utf-8"?>
-<p:notes xmlns:a="http://schemas.openxmlformats.org/drawingml/2006/main" xmlns:r="http://schemas.openxmlformats.org/officeDocument/2006/relationships" xmlns:mc="http://schemas.openxmlformats.org/markup-compatibility/2006" xmlns:mv="urn:schemas-microsoft-com:mac:vml" xmlns:p="http://schemas.openxmlformats.org/presentationml/2006/main" xmlns:c="http://schemas.openxmlformats.org/drawingml/2006/chart" xmlns:dgm="http://schemas.openxmlformats.org/drawingml/2006/diagram" xmlns:o="urn:schemas-microsoft-com:office:office" xmlns:v="urn:schemas-microsoft-com:vml" xmlns:pvml="urn:schemas-microsoft-com:office:powerpoint" xmlns:com="http://schemas.openxmlformats.org/drawingml/2006/compatibility" xmlns:p14="http://schemas.microsoft.com/office/powerpoint/2010/main" xmlns:p15="http://schemas.microsoft.com/office/powerpoint/2012/main" xmlns:ahyp="http://schemas.microsoft.com/office/drawing/2018/hyperlinkcolor" showMasterPhAnim="0" showMasterSp="0">
+<p:notes xmlns:a="http://schemas.openxmlformats.org/drawingml/2006/main" xmlns:r="http://schemas.openxmlformats.org/officeDocument/2006/relationships" xmlns:p="http://schemas.openxmlformats.org/presentationml/2006/main" showMasterSp="0" showMasterPhAnim="0">
   <p:cSld>
     <p:spTree>
       <p:nvGrpSpPr>
-        <p:cNvPr id="190" name="Shape 190"/>
+        <p:cNvPr id="1" name="Shape 190"/>
         <p:cNvGrpSpPr/>
         <p:nvPr/>
       </p:nvGrpSpPr>
@@ -823,9 +850,11 @@
       <p:sp>
         <p:nvSpPr>
           <p:cNvPr id="191" name="Google Shape;191;p8:notes"/>
-          <p:cNvSpPr txBox="1"/>
+          <p:cNvSpPr txBox="1">
+            <a:spLocks noGrp="1"/>
+          </p:cNvSpPr>
           <p:nvPr>
-            <p:ph idx="1" type="body"/>
+            <p:ph type="body" idx="1"/>
           </p:nvPr>
         </p:nvSpPr>
         <p:spPr>
@@ -838,12 +867,12 @@
           </a:prstGeom>
         </p:spPr>
         <p:txBody>
-          <a:bodyPr anchorCtr="0" anchor="t" bIns="91425" lIns="91425" spcFirstLastPara="1" rIns="91425" wrap="square" tIns="91425">
+          <a:bodyPr spcFirstLastPara="1" wrap="square" lIns="91425" tIns="91425" rIns="91425" bIns="91425" anchor="t" anchorCtr="0">
             <a:noAutofit/>
           </a:bodyPr>
           <a:lstStyle/>
           <a:p>
-            <a:pPr indent="0" lvl="0" marL="0" rtl="0" algn="l">
+            <a:pPr marL="0" lvl="0" indent="0" algn="l" rtl="0">
               <a:spcBef>
                 <a:spcPts val="0"/>
               </a:spcBef>
@@ -852,9 +881,6 @@
               </a:spcAft>
               <a:buNone/>
             </a:pPr>
-            <a:r>
-              <a:t/>
-            </a:r>
             <a:endParaRPr/>
           </a:p>
         </p:txBody>
@@ -862,9 +888,11 @@
       <p:sp>
         <p:nvSpPr>
           <p:cNvPr id="192" name="Google Shape;192;p8:notes"/>
-          <p:cNvSpPr/>
+          <p:cNvSpPr>
+            <a:spLocks noGrp="1" noRot="1" noChangeAspect="1"/>
+          </p:cNvSpPr>
           <p:nvPr>
-            <p:ph idx="2" type="sldImg"/>
+            <p:ph type="sldImg" idx="2"/>
           </p:nvPr>
         </p:nvSpPr>
         <p:spPr>
@@ -873,9 +901,13 @@
             <a:ext cx="4572225" cy="3429000"/>
           </a:xfrm>
           <a:custGeom>
-            <a:rect b="b" l="l" r="r" t="t"/>
+            <a:avLst/>
+            <a:gdLst/>
+            <a:ahLst/>
+            <a:cxnLst/>
+            <a:rect l="l" t="t" r="r" b="b"/>
             <a:pathLst>
-              <a:path extrusionOk="0" h="120000" w="120000">
+              <a:path w="120000" h="120000" extrusionOk="0">
                 <a:moveTo>
                   <a:pt x="0" y="0"/>
                 </a:moveTo>
@@ -903,11 +935,11 @@
 </file>
 
 <file path=ppt/notesSlides/notesSlide11.xml><?xml version="1.0" encoding="utf-8"?>
-<p:notes xmlns:a="http://schemas.openxmlformats.org/drawingml/2006/main" xmlns:r="http://schemas.openxmlformats.org/officeDocument/2006/relationships" xmlns:mc="http://schemas.openxmlformats.org/markup-compatibility/2006" xmlns:mv="urn:schemas-microsoft-com:mac:vml" xmlns:p="http://schemas.openxmlformats.org/presentationml/2006/main" xmlns:c="http://schemas.openxmlformats.org/drawingml/2006/chart" xmlns:dgm="http://schemas.openxmlformats.org/drawingml/2006/diagram" xmlns:o="urn:schemas-microsoft-com:office:office" xmlns:v="urn:schemas-microsoft-com:vml" xmlns:pvml="urn:schemas-microsoft-com:office:powerpoint" xmlns:com="http://schemas.openxmlformats.org/drawingml/2006/compatibility" xmlns:p14="http://schemas.microsoft.com/office/powerpoint/2010/main" xmlns:p15="http://schemas.microsoft.com/office/powerpoint/2012/main" xmlns:ahyp="http://schemas.microsoft.com/office/drawing/2018/hyperlinkcolor" showMasterPhAnim="0" showMasterSp="0">
+<p:notes xmlns:a="http://schemas.openxmlformats.org/drawingml/2006/main" xmlns:r="http://schemas.openxmlformats.org/officeDocument/2006/relationships" xmlns:p="http://schemas.openxmlformats.org/presentationml/2006/main" showMasterSp="0" showMasterPhAnim="0">
   <p:cSld>
     <p:spTree>
       <p:nvGrpSpPr>
-        <p:cNvPr id="196" name="Shape 196"/>
+        <p:cNvPr id="1" name="Shape 196"/>
         <p:cNvGrpSpPr/>
         <p:nvPr/>
       </p:nvGrpSpPr>
@@ -922,9 +954,11 @@
       <p:sp>
         <p:nvSpPr>
           <p:cNvPr id="197" name="Google Shape;197;p9:notes"/>
-          <p:cNvSpPr txBox="1"/>
+          <p:cNvSpPr txBox="1">
+            <a:spLocks noGrp="1"/>
+          </p:cNvSpPr>
           <p:nvPr>
-            <p:ph idx="1" type="body"/>
+            <p:ph type="body" idx="1"/>
           </p:nvPr>
         </p:nvSpPr>
         <p:spPr>
@@ -937,12 +971,12 @@
           </a:prstGeom>
         </p:spPr>
         <p:txBody>
-          <a:bodyPr anchorCtr="0" anchor="t" bIns="91425" lIns="91425" spcFirstLastPara="1" rIns="91425" wrap="square" tIns="91425">
+          <a:bodyPr spcFirstLastPara="1" wrap="square" lIns="91425" tIns="91425" rIns="91425" bIns="91425" anchor="t" anchorCtr="0">
             <a:noAutofit/>
           </a:bodyPr>
           <a:lstStyle/>
           <a:p>
-            <a:pPr indent="0" lvl="0" marL="0" rtl="0" algn="l">
+            <a:pPr marL="0" lvl="0" indent="0" algn="l" rtl="0">
               <a:spcBef>
                 <a:spcPts val="0"/>
               </a:spcBef>
@@ -951,9 +985,6 @@
               </a:spcAft>
               <a:buNone/>
             </a:pPr>
-            <a:r>
-              <a:t/>
-            </a:r>
             <a:endParaRPr/>
           </a:p>
         </p:txBody>
@@ -961,9 +992,11 @@
       <p:sp>
         <p:nvSpPr>
           <p:cNvPr id="198" name="Google Shape;198;p9:notes"/>
-          <p:cNvSpPr/>
+          <p:cNvSpPr>
+            <a:spLocks noGrp="1" noRot="1" noChangeAspect="1"/>
+          </p:cNvSpPr>
           <p:nvPr>
-            <p:ph idx="2" type="sldImg"/>
+            <p:ph type="sldImg" idx="2"/>
           </p:nvPr>
         </p:nvSpPr>
         <p:spPr>
@@ -972,9 +1005,13 @@
             <a:ext cx="4572225" cy="3429000"/>
           </a:xfrm>
           <a:custGeom>
-            <a:rect b="b" l="l" r="r" t="t"/>
+            <a:avLst/>
+            <a:gdLst/>
+            <a:ahLst/>
+            <a:cxnLst/>
+            <a:rect l="l" t="t" r="r" b="b"/>
             <a:pathLst>
-              <a:path extrusionOk="0" h="120000" w="120000">
+              <a:path w="120000" h="120000" extrusionOk="0">
                 <a:moveTo>
                   <a:pt x="0" y="0"/>
                 </a:moveTo>
@@ -1002,11 +1039,11 @@
 </file>
 
 <file path=ppt/notesSlides/notesSlide12.xml><?xml version="1.0" encoding="utf-8"?>
-<p:notes xmlns:a="http://schemas.openxmlformats.org/drawingml/2006/main" xmlns:r="http://schemas.openxmlformats.org/officeDocument/2006/relationships" xmlns:mc="http://schemas.openxmlformats.org/markup-compatibility/2006" xmlns:mv="urn:schemas-microsoft-com:mac:vml" xmlns:p="http://schemas.openxmlformats.org/presentationml/2006/main" xmlns:c="http://schemas.openxmlformats.org/drawingml/2006/chart" xmlns:dgm="http://schemas.openxmlformats.org/drawingml/2006/diagram" xmlns:o="urn:schemas-microsoft-com:office:office" xmlns:v="urn:schemas-microsoft-com:vml" xmlns:pvml="urn:schemas-microsoft-com:office:powerpoint" xmlns:com="http://schemas.openxmlformats.org/drawingml/2006/compatibility" xmlns:p14="http://schemas.microsoft.com/office/powerpoint/2010/main" xmlns:p15="http://schemas.microsoft.com/office/powerpoint/2012/main" xmlns:ahyp="http://schemas.microsoft.com/office/drawing/2018/hyperlinkcolor" showMasterPhAnim="0" showMasterSp="0">
+<p:notes xmlns:a="http://schemas.openxmlformats.org/drawingml/2006/main" xmlns:r="http://schemas.openxmlformats.org/officeDocument/2006/relationships" xmlns:p="http://schemas.openxmlformats.org/presentationml/2006/main" showMasterSp="0" showMasterPhAnim="0">
   <p:cSld>
     <p:spTree>
       <p:nvGrpSpPr>
-        <p:cNvPr id="203" name="Shape 203"/>
+        <p:cNvPr id="1" name="Shape 203"/>
         <p:cNvGrpSpPr/>
         <p:nvPr/>
       </p:nvGrpSpPr>
@@ -1021,9 +1058,11 @@
       <p:sp>
         <p:nvSpPr>
           <p:cNvPr id="204" name="Google Shape;204;g125a615a75b_0_4:notes"/>
-          <p:cNvSpPr/>
+          <p:cNvSpPr>
+            <a:spLocks noGrp="1" noRot="1" noChangeAspect="1"/>
+          </p:cNvSpPr>
           <p:nvPr>
-            <p:ph idx="2" type="sldImg"/>
+            <p:ph type="sldImg" idx="2"/>
           </p:nvPr>
         </p:nvSpPr>
         <p:spPr>
@@ -1032,9 +1071,13 @@
             <a:ext cx="4572300" cy="3429000"/>
           </a:xfrm>
           <a:custGeom>
-            <a:rect b="b" l="l" r="r" t="t"/>
+            <a:avLst/>
+            <a:gdLst/>
+            <a:ahLst/>
+            <a:cxnLst/>
+            <a:rect l="l" t="t" r="r" b="b"/>
             <a:pathLst>
-              <a:path extrusionOk="0" h="120000" w="120000">
+              <a:path w="120000" h="120000" extrusionOk="0">
                 <a:moveTo>
                   <a:pt x="0" y="0"/>
                 </a:moveTo>
@@ -1056,9 +1099,11 @@
       <p:sp>
         <p:nvSpPr>
           <p:cNvPr id="205" name="Google Shape;205;g125a615a75b_0_4:notes"/>
-          <p:cNvSpPr txBox="1"/>
+          <p:cNvSpPr txBox="1">
+            <a:spLocks noGrp="1"/>
+          </p:cNvSpPr>
           <p:nvPr>
-            <p:ph idx="1" type="body"/>
+            <p:ph type="body" idx="1"/>
           </p:nvPr>
         </p:nvSpPr>
         <p:spPr>
@@ -1071,12 +1116,12 @@
           </a:prstGeom>
         </p:spPr>
         <p:txBody>
-          <a:bodyPr anchorCtr="0" anchor="t" bIns="91425" lIns="91425" spcFirstLastPara="1" rIns="91425" wrap="square" tIns="91425">
+          <a:bodyPr spcFirstLastPara="1" wrap="square" lIns="91425" tIns="91425" rIns="91425" bIns="91425" anchor="t" anchorCtr="0">
             <a:noAutofit/>
           </a:bodyPr>
           <a:lstStyle/>
           <a:p>
-            <a:pPr indent="0" lvl="0" marL="0" rtl="0" algn="l">
+            <a:pPr marL="0" lvl="0" indent="0" algn="l" rtl="0">
               <a:spcBef>
                 <a:spcPts val="0"/>
               </a:spcBef>
@@ -1085,9 +1130,6 @@
               </a:spcAft>
               <a:buNone/>
             </a:pPr>
-            <a:r>
-              <a:t/>
-            </a:r>
             <a:endParaRPr/>
           </a:p>
         </p:txBody>
@@ -1101,11 +1143,11 @@
 </file>
 
 <file path=ppt/notesSlides/notesSlide13.xml><?xml version="1.0" encoding="utf-8"?>
-<p:notes xmlns:a="http://schemas.openxmlformats.org/drawingml/2006/main" xmlns:r="http://schemas.openxmlformats.org/officeDocument/2006/relationships" xmlns:mc="http://schemas.openxmlformats.org/markup-compatibility/2006" xmlns:mv="urn:schemas-microsoft-com:mac:vml" xmlns:p="http://schemas.openxmlformats.org/presentationml/2006/main" xmlns:c="http://schemas.openxmlformats.org/drawingml/2006/chart" xmlns:dgm="http://schemas.openxmlformats.org/drawingml/2006/diagram" xmlns:o="urn:schemas-microsoft-com:office:office" xmlns:v="urn:schemas-microsoft-com:vml" xmlns:pvml="urn:schemas-microsoft-com:office:powerpoint" xmlns:com="http://schemas.openxmlformats.org/drawingml/2006/compatibility" xmlns:p14="http://schemas.microsoft.com/office/powerpoint/2010/main" xmlns:p15="http://schemas.microsoft.com/office/powerpoint/2012/main" xmlns:ahyp="http://schemas.microsoft.com/office/drawing/2018/hyperlinkcolor" showMasterPhAnim="0" showMasterSp="0">
+<p:notes xmlns:a="http://schemas.openxmlformats.org/drawingml/2006/main" xmlns:r="http://schemas.openxmlformats.org/officeDocument/2006/relationships" xmlns:p="http://schemas.openxmlformats.org/presentationml/2006/main" showMasterSp="0" showMasterPhAnim="0">
   <p:cSld>
     <p:spTree>
       <p:nvGrpSpPr>
-        <p:cNvPr id="210" name="Shape 210"/>
+        <p:cNvPr id="1" name="Shape 210"/>
         <p:cNvGrpSpPr/>
         <p:nvPr/>
       </p:nvGrpSpPr>
@@ -1120,9 +1162,11 @@
       <p:sp>
         <p:nvSpPr>
           <p:cNvPr id="211" name="Google Shape;211;g125a615a75b_0_9:notes"/>
-          <p:cNvSpPr/>
+          <p:cNvSpPr>
+            <a:spLocks noGrp="1" noRot="1" noChangeAspect="1"/>
+          </p:cNvSpPr>
           <p:nvPr>
-            <p:ph idx="2" type="sldImg"/>
+            <p:ph type="sldImg" idx="2"/>
           </p:nvPr>
         </p:nvSpPr>
         <p:spPr>
@@ -1131,9 +1175,13 @@
             <a:ext cx="4572300" cy="3429000"/>
           </a:xfrm>
           <a:custGeom>
-            <a:rect b="b" l="l" r="r" t="t"/>
+            <a:avLst/>
+            <a:gdLst/>
+            <a:ahLst/>
+            <a:cxnLst/>
+            <a:rect l="l" t="t" r="r" b="b"/>
             <a:pathLst>
-              <a:path extrusionOk="0" h="120000" w="120000">
+              <a:path w="120000" h="120000" extrusionOk="0">
                 <a:moveTo>
                   <a:pt x="0" y="0"/>
                 </a:moveTo>
@@ -1155,9 +1203,11 @@
       <p:sp>
         <p:nvSpPr>
           <p:cNvPr id="212" name="Google Shape;212;g125a615a75b_0_9:notes"/>
-          <p:cNvSpPr txBox="1"/>
+          <p:cNvSpPr txBox="1">
+            <a:spLocks noGrp="1"/>
+          </p:cNvSpPr>
           <p:nvPr>
-            <p:ph idx="1" type="body"/>
+            <p:ph type="body" idx="1"/>
           </p:nvPr>
         </p:nvSpPr>
         <p:spPr>
@@ -1170,12 +1220,12 @@
           </a:prstGeom>
         </p:spPr>
         <p:txBody>
-          <a:bodyPr anchorCtr="0" anchor="t" bIns="91425" lIns="91425" spcFirstLastPara="1" rIns="91425" wrap="square" tIns="91425">
+          <a:bodyPr spcFirstLastPara="1" wrap="square" lIns="91425" tIns="91425" rIns="91425" bIns="91425" anchor="t" anchorCtr="0">
             <a:noAutofit/>
           </a:bodyPr>
           <a:lstStyle/>
           <a:p>
-            <a:pPr indent="0" lvl="0" marL="0" rtl="0" algn="l">
+            <a:pPr marL="0" lvl="0" indent="0" algn="l" rtl="0">
               <a:spcBef>
                 <a:spcPts val="0"/>
               </a:spcBef>
@@ -1184,9 +1234,6 @@
               </a:spcAft>
               <a:buNone/>
             </a:pPr>
-            <a:r>
-              <a:t/>
-            </a:r>
             <a:endParaRPr/>
           </a:p>
         </p:txBody>
@@ -1200,11 +1247,11 @@
 </file>
 
 <file path=ppt/notesSlides/notesSlide14.xml><?xml version="1.0" encoding="utf-8"?>
-<p:notes xmlns:a="http://schemas.openxmlformats.org/drawingml/2006/main" xmlns:r="http://schemas.openxmlformats.org/officeDocument/2006/relationships" xmlns:mc="http://schemas.openxmlformats.org/markup-compatibility/2006" xmlns:mv="urn:schemas-microsoft-com:mac:vml" xmlns:p="http://schemas.openxmlformats.org/presentationml/2006/main" xmlns:c="http://schemas.openxmlformats.org/drawingml/2006/chart" xmlns:dgm="http://schemas.openxmlformats.org/drawingml/2006/diagram" xmlns:o="urn:schemas-microsoft-com:office:office" xmlns:v="urn:schemas-microsoft-com:vml" xmlns:pvml="urn:schemas-microsoft-com:office:powerpoint" xmlns:com="http://schemas.openxmlformats.org/drawingml/2006/compatibility" xmlns:p14="http://schemas.microsoft.com/office/powerpoint/2010/main" xmlns:p15="http://schemas.microsoft.com/office/powerpoint/2012/main" xmlns:ahyp="http://schemas.microsoft.com/office/drawing/2018/hyperlinkcolor" showMasterPhAnim="0" showMasterSp="0">
+<p:notes xmlns:a="http://schemas.openxmlformats.org/drawingml/2006/main" xmlns:r="http://schemas.openxmlformats.org/officeDocument/2006/relationships" xmlns:p="http://schemas.openxmlformats.org/presentationml/2006/main" showMasterSp="0" showMasterPhAnim="0">
   <p:cSld>
     <p:spTree>
       <p:nvGrpSpPr>
-        <p:cNvPr id="217" name="Shape 217"/>
+        <p:cNvPr id="1" name="Shape 217"/>
         <p:cNvGrpSpPr/>
         <p:nvPr/>
       </p:nvGrpSpPr>
@@ -1219,9 +1266,11 @@
       <p:sp>
         <p:nvSpPr>
           <p:cNvPr id="218" name="Google Shape;218;g125a615a75b_2_2:notes"/>
-          <p:cNvSpPr/>
+          <p:cNvSpPr>
+            <a:spLocks noGrp="1" noRot="1" noChangeAspect="1"/>
+          </p:cNvSpPr>
           <p:nvPr>
-            <p:ph idx="2" type="sldImg"/>
+            <p:ph type="sldImg" idx="2"/>
           </p:nvPr>
         </p:nvSpPr>
         <p:spPr>
@@ -1230,9 +1279,13 @@
             <a:ext cx="4572300" cy="3429000"/>
           </a:xfrm>
           <a:custGeom>
-            <a:rect b="b" l="l" r="r" t="t"/>
+            <a:avLst/>
+            <a:gdLst/>
+            <a:ahLst/>
+            <a:cxnLst/>
+            <a:rect l="l" t="t" r="r" b="b"/>
             <a:pathLst>
-              <a:path extrusionOk="0" h="120000" w="120000">
+              <a:path w="120000" h="120000" extrusionOk="0">
                 <a:moveTo>
                   <a:pt x="0" y="0"/>
                 </a:moveTo>
@@ -1254,9 +1307,11 @@
       <p:sp>
         <p:nvSpPr>
           <p:cNvPr id="219" name="Google Shape;219;g125a615a75b_2_2:notes"/>
-          <p:cNvSpPr txBox="1"/>
+          <p:cNvSpPr txBox="1">
+            <a:spLocks noGrp="1"/>
+          </p:cNvSpPr>
           <p:nvPr>
-            <p:ph idx="1" type="body"/>
+            <p:ph type="body" idx="1"/>
           </p:nvPr>
         </p:nvSpPr>
         <p:spPr>
@@ -1269,12 +1324,12 @@
           </a:prstGeom>
         </p:spPr>
         <p:txBody>
-          <a:bodyPr anchorCtr="0" anchor="t" bIns="91425" lIns="91425" spcFirstLastPara="1" rIns="91425" wrap="square" tIns="91425">
+          <a:bodyPr spcFirstLastPara="1" wrap="square" lIns="91425" tIns="91425" rIns="91425" bIns="91425" anchor="t" anchorCtr="0">
             <a:noAutofit/>
           </a:bodyPr>
           <a:lstStyle/>
           <a:p>
-            <a:pPr indent="0" lvl="0" marL="0" rtl="0" algn="l">
+            <a:pPr marL="0" lvl="0" indent="0" algn="l" rtl="0">
               <a:spcBef>
                 <a:spcPts val="0"/>
               </a:spcBef>
@@ -1283,9 +1338,6 @@
               </a:spcAft>
               <a:buNone/>
             </a:pPr>
-            <a:r>
-              <a:t/>
-            </a:r>
             <a:endParaRPr/>
           </a:p>
         </p:txBody>
@@ -1299,11 +1351,11 @@
 </file>
 
 <file path=ppt/notesSlides/notesSlide15.xml><?xml version="1.0" encoding="utf-8"?>
-<p:notes xmlns:a="http://schemas.openxmlformats.org/drawingml/2006/main" xmlns:r="http://schemas.openxmlformats.org/officeDocument/2006/relationships" xmlns:mc="http://schemas.openxmlformats.org/markup-compatibility/2006" xmlns:mv="urn:schemas-microsoft-com:mac:vml" xmlns:p="http://schemas.openxmlformats.org/presentationml/2006/main" xmlns:c="http://schemas.openxmlformats.org/drawingml/2006/chart" xmlns:dgm="http://schemas.openxmlformats.org/drawingml/2006/diagram" xmlns:o="urn:schemas-microsoft-com:office:office" xmlns:v="urn:schemas-microsoft-com:vml" xmlns:pvml="urn:schemas-microsoft-com:office:powerpoint" xmlns:com="http://schemas.openxmlformats.org/drawingml/2006/compatibility" xmlns:p14="http://schemas.microsoft.com/office/powerpoint/2010/main" xmlns:p15="http://schemas.microsoft.com/office/powerpoint/2012/main" xmlns:ahyp="http://schemas.microsoft.com/office/drawing/2018/hyperlinkcolor" showMasterPhAnim="0" showMasterSp="0">
+<p:notes xmlns:a="http://schemas.openxmlformats.org/drawingml/2006/main" xmlns:r="http://schemas.openxmlformats.org/officeDocument/2006/relationships" xmlns:p="http://schemas.openxmlformats.org/presentationml/2006/main" showMasterSp="0" showMasterPhAnim="0">
   <p:cSld>
     <p:spTree>
       <p:nvGrpSpPr>
-        <p:cNvPr id="224" name="Shape 224"/>
+        <p:cNvPr id="1" name="Shape 224"/>
         <p:cNvGrpSpPr/>
         <p:nvPr/>
       </p:nvGrpSpPr>
@@ -1318,9 +1370,11 @@
       <p:sp>
         <p:nvSpPr>
           <p:cNvPr id="225" name="Google Shape;225;g125a615a75b_2_7:notes"/>
-          <p:cNvSpPr/>
+          <p:cNvSpPr>
+            <a:spLocks noGrp="1" noRot="1" noChangeAspect="1"/>
+          </p:cNvSpPr>
           <p:nvPr>
-            <p:ph idx="2" type="sldImg"/>
+            <p:ph type="sldImg" idx="2"/>
           </p:nvPr>
         </p:nvSpPr>
         <p:spPr>
@@ -1329,9 +1383,13 @@
             <a:ext cx="4572300" cy="3429000"/>
           </a:xfrm>
           <a:custGeom>
-            <a:rect b="b" l="l" r="r" t="t"/>
+            <a:avLst/>
+            <a:gdLst/>
+            <a:ahLst/>
+            <a:cxnLst/>
+            <a:rect l="l" t="t" r="r" b="b"/>
             <a:pathLst>
-              <a:path extrusionOk="0" h="120000" w="120000">
+              <a:path w="120000" h="120000" extrusionOk="0">
                 <a:moveTo>
                   <a:pt x="0" y="0"/>
                 </a:moveTo>
@@ -1353,9 +1411,11 @@
       <p:sp>
         <p:nvSpPr>
           <p:cNvPr id="226" name="Google Shape;226;g125a615a75b_2_7:notes"/>
-          <p:cNvSpPr txBox="1"/>
+          <p:cNvSpPr txBox="1">
+            <a:spLocks noGrp="1"/>
+          </p:cNvSpPr>
           <p:nvPr>
-            <p:ph idx="1" type="body"/>
+            <p:ph type="body" idx="1"/>
           </p:nvPr>
         </p:nvSpPr>
         <p:spPr>
@@ -1368,12 +1428,12 @@
           </a:prstGeom>
         </p:spPr>
         <p:txBody>
-          <a:bodyPr anchorCtr="0" anchor="t" bIns="91425" lIns="91425" spcFirstLastPara="1" rIns="91425" wrap="square" tIns="91425">
+          <a:bodyPr spcFirstLastPara="1" wrap="square" lIns="91425" tIns="91425" rIns="91425" bIns="91425" anchor="t" anchorCtr="0">
             <a:noAutofit/>
           </a:bodyPr>
           <a:lstStyle/>
           <a:p>
-            <a:pPr indent="0" lvl="0" marL="0" rtl="0" algn="l">
+            <a:pPr marL="0" lvl="0" indent="0" algn="l" rtl="0">
               <a:spcBef>
                 <a:spcPts val="0"/>
               </a:spcBef>
@@ -1382,9 +1442,6 @@
               </a:spcAft>
               <a:buNone/>
             </a:pPr>
-            <a:r>
-              <a:t/>
-            </a:r>
             <a:endParaRPr/>
           </a:p>
         </p:txBody>
@@ -1398,11 +1455,11 @@
 </file>
 
 <file path=ppt/notesSlides/notesSlide16.xml><?xml version="1.0" encoding="utf-8"?>
-<p:notes xmlns:a="http://schemas.openxmlformats.org/drawingml/2006/main" xmlns:r="http://schemas.openxmlformats.org/officeDocument/2006/relationships" xmlns:mc="http://schemas.openxmlformats.org/markup-compatibility/2006" xmlns:mv="urn:schemas-microsoft-com:mac:vml" xmlns:p="http://schemas.openxmlformats.org/presentationml/2006/main" xmlns:c="http://schemas.openxmlformats.org/drawingml/2006/chart" xmlns:dgm="http://schemas.openxmlformats.org/drawingml/2006/diagram" xmlns:o="urn:schemas-microsoft-com:office:office" xmlns:v="urn:schemas-microsoft-com:vml" xmlns:pvml="urn:schemas-microsoft-com:office:powerpoint" xmlns:com="http://schemas.openxmlformats.org/drawingml/2006/compatibility" xmlns:p14="http://schemas.microsoft.com/office/powerpoint/2010/main" xmlns:p15="http://schemas.microsoft.com/office/powerpoint/2012/main" xmlns:ahyp="http://schemas.microsoft.com/office/drawing/2018/hyperlinkcolor" showMasterPhAnim="0" showMasterSp="0">
+<p:notes xmlns:a="http://schemas.openxmlformats.org/drawingml/2006/main" xmlns:r="http://schemas.openxmlformats.org/officeDocument/2006/relationships" xmlns:p="http://schemas.openxmlformats.org/presentationml/2006/main" showMasterSp="0" showMasterPhAnim="0">
   <p:cSld>
     <p:spTree>
       <p:nvGrpSpPr>
-        <p:cNvPr id="231" name="Shape 231"/>
+        <p:cNvPr id="1" name="Shape 231"/>
         <p:cNvGrpSpPr/>
         <p:nvPr/>
       </p:nvGrpSpPr>
@@ -1417,9 +1474,11 @@
       <p:sp>
         <p:nvSpPr>
           <p:cNvPr id="232" name="Google Shape;232;g125a615a75b_2_12:notes"/>
-          <p:cNvSpPr/>
+          <p:cNvSpPr>
+            <a:spLocks noGrp="1" noRot="1" noChangeAspect="1"/>
+          </p:cNvSpPr>
           <p:nvPr>
-            <p:ph idx="2" type="sldImg"/>
+            <p:ph type="sldImg" idx="2"/>
           </p:nvPr>
         </p:nvSpPr>
         <p:spPr>
@@ -1428,9 +1487,13 @@
             <a:ext cx="4572300" cy="3429000"/>
           </a:xfrm>
           <a:custGeom>
-            <a:rect b="b" l="l" r="r" t="t"/>
+            <a:avLst/>
+            <a:gdLst/>
+            <a:ahLst/>
+            <a:cxnLst/>
+            <a:rect l="l" t="t" r="r" b="b"/>
             <a:pathLst>
-              <a:path extrusionOk="0" h="120000" w="120000">
+              <a:path w="120000" h="120000" extrusionOk="0">
                 <a:moveTo>
                   <a:pt x="0" y="0"/>
                 </a:moveTo>
@@ -1452,9 +1515,11 @@
       <p:sp>
         <p:nvSpPr>
           <p:cNvPr id="233" name="Google Shape;233;g125a615a75b_2_12:notes"/>
-          <p:cNvSpPr txBox="1"/>
+          <p:cNvSpPr txBox="1">
+            <a:spLocks noGrp="1"/>
+          </p:cNvSpPr>
           <p:nvPr>
-            <p:ph idx="1" type="body"/>
+            <p:ph type="body" idx="1"/>
           </p:nvPr>
         </p:nvSpPr>
         <p:spPr>
@@ -1467,12 +1532,12 @@
           </a:prstGeom>
         </p:spPr>
         <p:txBody>
-          <a:bodyPr anchorCtr="0" anchor="t" bIns="91425" lIns="91425" spcFirstLastPara="1" rIns="91425" wrap="square" tIns="91425">
+          <a:bodyPr spcFirstLastPara="1" wrap="square" lIns="91425" tIns="91425" rIns="91425" bIns="91425" anchor="t" anchorCtr="0">
             <a:noAutofit/>
           </a:bodyPr>
           <a:lstStyle/>
           <a:p>
-            <a:pPr indent="0" lvl="0" marL="0" rtl="0" algn="l">
+            <a:pPr marL="0" lvl="0" indent="0" algn="l" rtl="0">
               <a:spcBef>
                 <a:spcPts val="0"/>
               </a:spcBef>
@@ -1481,9 +1546,6 @@
               </a:spcAft>
               <a:buNone/>
             </a:pPr>
-            <a:r>
-              <a:t/>
-            </a:r>
             <a:endParaRPr/>
           </a:p>
         </p:txBody>
@@ -1497,11 +1559,11 @@
 </file>
 
 <file path=ppt/notesSlides/notesSlide17.xml><?xml version="1.0" encoding="utf-8"?>
-<p:notes xmlns:a="http://schemas.openxmlformats.org/drawingml/2006/main" xmlns:r="http://schemas.openxmlformats.org/officeDocument/2006/relationships" xmlns:mc="http://schemas.openxmlformats.org/markup-compatibility/2006" xmlns:mv="urn:schemas-microsoft-com:mac:vml" xmlns:p="http://schemas.openxmlformats.org/presentationml/2006/main" xmlns:c="http://schemas.openxmlformats.org/drawingml/2006/chart" xmlns:dgm="http://schemas.openxmlformats.org/drawingml/2006/diagram" xmlns:o="urn:schemas-microsoft-com:office:office" xmlns:v="urn:schemas-microsoft-com:vml" xmlns:pvml="urn:schemas-microsoft-com:office:powerpoint" xmlns:com="http://schemas.openxmlformats.org/drawingml/2006/compatibility" xmlns:p14="http://schemas.microsoft.com/office/powerpoint/2010/main" xmlns:p15="http://schemas.microsoft.com/office/powerpoint/2012/main" xmlns:ahyp="http://schemas.microsoft.com/office/drawing/2018/hyperlinkcolor" showMasterPhAnim="0" showMasterSp="0">
+<p:notes xmlns:a="http://schemas.openxmlformats.org/drawingml/2006/main" xmlns:r="http://schemas.openxmlformats.org/officeDocument/2006/relationships" xmlns:p="http://schemas.openxmlformats.org/presentationml/2006/main" showMasterSp="0" showMasterPhAnim="0">
   <p:cSld>
     <p:spTree>
       <p:nvGrpSpPr>
-        <p:cNvPr id="238" name="Shape 238"/>
+        <p:cNvPr id="1" name="Shape 238"/>
         <p:cNvGrpSpPr/>
         <p:nvPr/>
       </p:nvGrpSpPr>
@@ -1516,9 +1578,11 @@
       <p:sp>
         <p:nvSpPr>
           <p:cNvPr id="239" name="Google Shape;239;g125a615a75b_2_17:notes"/>
-          <p:cNvSpPr/>
+          <p:cNvSpPr>
+            <a:spLocks noGrp="1" noRot="1" noChangeAspect="1"/>
+          </p:cNvSpPr>
           <p:nvPr>
-            <p:ph idx="2" type="sldImg"/>
+            <p:ph type="sldImg" idx="2"/>
           </p:nvPr>
         </p:nvSpPr>
         <p:spPr>
@@ -1527,9 +1591,13 @@
             <a:ext cx="4572300" cy="3429000"/>
           </a:xfrm>
           <a:custGeom>
-            <a:rect b="b" l="l" r="r" t="t"/>
+            <a:avLst/>
+            <a:gdLst/>
+            <a:ahLst/>
+            <a:cxnLst/>
+            <a:rect l="l" t="t" r="r" b="b"/>
             <a:pathLst>
-              <a:path extrusionOk="0" h="120000" w="120000">
+              <a:path w="120000" h="120000" extrusionOk="0">
                 <a:moveTo>
                   <a:pt x="0" y="0"/>
                 </a:moveTo>
@@ -1551,9 +1619,11 @@
       <p:sp>
         <p:nvSpPr>
           <p:cNvPr id="240" name="Google Shape;240;g125a615a75b_2_17:notes"/>
-          <p:cNvSpPr txBox="1"/>
+          <p:cNvSpPr txBox="1">
+            <a:spLocks noGrp="1"/>
+          </p:cNvSpPr>
           <p:nvPr>
-            <p:ph idx="1" type="body"/>
+            <p:ph type="body" idx="1"/>
           </p:nvPr>
         </p:nvSpPr>
         <p:spPr>
@@ -1566,12 +1636,12 @@
           </a:prstGeom>
         </p:spPr>
         <p:txBody>
-          <a:bodyPr anchorCtr="0" anchor="t" bIns="91425" lIns="91425" spcFirstLastPara="1" rIns="91425" wrap="square" tIns="91425">
+          <a:bodyPr spcFirstLastPara="1" wrap="square" lIns="91425" tIns="91425" rIns="91425" bIns="91425" anchor="t" anchorCtr="0">
             <a:noAutofit/>
           </a:bodyPr>
           <a:lstStyle/>
           <a:p>
-            <a:pPr indent="0" lvl="0" marL="0" rtl="0" algn="l">
+            <a:pPr marL="0" lvl="0" indent="0" algn="l" rtl="0">
               <a:spcBef>
                 <a:spcPts val="0"/>
               </a:spcBef>
@@ -1580,9 +1650,6 @@
               </a:spcAft>
               <a:buNone/>
             </a:pPr>
-            <a:r>
-              <a:t/>
-            </a:r>
             <a:endParaRPr/>
           </a:p>
         </p:txBody>
@@ -1596,11 +1663,11 @@
 </file>
 
 <file path=ppt/notesSlides/notesSlide18.xml><?xml version="1.0" encoding="utf-8"?>
-<p:notes xmlns:a="http://schemas.openxmlformats.org/drawingml/2006/main" xmlns:r="http://schemas.openxmlformats.org/officeDocument/2006/relationships" xmlns:mc="http://schemas.openxmlformats.org/markup-compatibility/2006" xmlns:mv="urn:schemas-microsoft-com:mac:vml" xmlns:p="http://schemas.openxmlformats.org/presentationml/2006/main" xmlns:c="http://schemas.openxmlformats.org/drawingml/2006/chart" xmlns:dgm="http://schemas.openxmlformats.org/drawingml/2006/diagram" xmlns:o="urn:schemas-microsoft-com:office:office" xmlns:v="urn:schemas-microsoft-com:vml" xmlns:pvml="urn:schemas-microsoft-com:office:powerpoint" xmlns:com="http://schemas.openxmlformats.org/drawingml/2006/compatibility" xmlns:p14="http://schemas.microsoft.com/office/powerpoint/2010/main" xmlns:p15="http://schemas.microsoft.com/office/powerpoint/2012/main" xmlns:ahyp="http://schemas.microsoft.com/office/drawing/2018/hyperlinkcolor" showMasterPhAnim="0" showMasterSp="0">
+<p:notes xmlns:a="http://schemas.openxmlformats.org/drawingml/2006/main" xmlns:r="http://schemas.openxmlformats.org/officeDocument/2006/relationships" xmlns:p="http://schemas.openxmlformats.org/presentationml/2006/main" showMasterSp="0" showMasterPhAnim="0">
   <p:cSld>
     <p:spTree>
       <p:nvGrpSpPr>
-        <p:cNvPr id="245" name="Shape 245"/>
+        <p:cNvPr id="1" name="Shape 245"/>
         <p:cNvGrpSpPr/>
         <p:nvPr/>
       </p:nvGrpSpPr>
@@ -1615,9 +1682,11 @@
       <p:sp>
         <p:nvSpPr>
           <p:cNvPr id="246" name="Google Shape;246;p10:notes"/>
-          <p:cNvSpPr txBox="1"/>
+          <p:cNvSpPr txBox="1">
+            <a:spLocks noGrp="1"/>
+          </p:cNvSpPr>
           <p:nvPr>
-            <p:ph idx="1" type="body"/>
+            <p:ph type="body" idx="1"/>
           </p:nvPr>
         </p:nvSpPr>
         <p:spPr>
@@ -1630,12 +1699,12 @@
           </a:prstGeom>
         </p:spPr>
         <p:txBody>
-          <a:bodyPr anchorCtr="0" anchor="t" bIns="91425" lIns="91425" spcFirstLastPara="1" rIns="91425" wrap="square" tIns="91425">
+          <a:bodyPr spcFirstLastPara="1" wrap="square" lIns="91425" tIns="91425" rIns="91425" bIns="91425" anchor="t" anchorCtr="0">
             <a:noAutofit/>
           </a:bodyPr>
           <a:lstStyle/>
           <a:p>
-            <a:pPr indent="0" lvl="0" marL="0" rtl="0" algn="l">
+            <a:pPr marL="0" lvl="0" indent="0" algn="l" rtl="0">
               <a:spcBef>
                 <a:spcPts val="0"/>
               </a:spcBef>
@@ -1644,9 +1713,6 @@
               </a:spcAft>
               <a:buNone/>
             </a:pPr>
-            <a:r>
-              <a:t/>
-            </a:r>
             <a:endParaRPr/>
           </a:p>
         </p:txBody>
@@ -1654,20 +1720,26 @@
       <p:sp>
         <p:nvSpPr>
           <p:cNvPr id="247" name="Google Shape;247;p10:notes"/>
-          <p:cNvSpPr/>
+          <p:cNvSpPr>
+            <a:spLocks noGrp="1" noRot="1" noChangeAspect="1"/>
+          </p:cNvSpPr>
           <p:nvPr>
-            <p:ph idx="2" type="sldImg"/>
+            <p:ph type="sldImg" idx="2"/>
           </p:nvPr>
         </p:nvSpPr>
         <p:spPr>
           <a:xfrm>
-            <a:off x="1143225" y="685800"/>
-            <a:ext cx="4572225" cy="3429000"/>
+            <a:off x="381000" y="685800"/>
+            <a:ext cx="6096000" cy="3429000"/>
           </a:xfrm>
           <a:custGeom>
-            <a:rect b="b" l="l" r="r" t="t"/>
+            <a:avLst/>
+            <a:gdLst/>
+            <a:ahLst/>
+            <a:cxnLst/>
+            <a:rect l="l" t="t" r="r" b="b"/>
             <a:pathLst>
-              <a:path extrusionOk="0" h="120000" w="120000">
+              <a:path w="120000" h="120000" extrusionOk="0">
                 <a:moveTo>
                   <a:pt x="0" y="0"/>
                 </a:moveTo>
@@ -1695,11 +1767,11 @@
 </file>
 
 <file path=ppt/notesSlides/notesSlide19.xml><?xml version="1.0" encoding="utf-8"?>
-<p:notes xmlns:a="http://schemas.openxmlformats.org/drawingml/2006/main" xmlns:r="http://schemas.openxmlformats.org/officeDocument/2006/relationships" xmlns:mc="http://schemas.openxmlformats.org/markup-compatibility/2006" xmlns:mv="urn:schemas-microsoft-com:mac:vml" xmlns:p="http://schemas.openxmlformats.org/presentationml/2006/main" xmlns:c="http://schemas.openxmlformats.org/drawingml/2006/chart" xmlns:dgm="http://schemas.openxmlformats.org/drawingml/2006/diagram" xmlns:o="urn:schemas-microsoft-com:office:office" xmlns:v="urn:schemas-microsoft-com:vml" xmlns:pvml="urn:schemas-microsoft-com:office:powerpoint" xmlns:com="http://schemas.openxmlformats.org/drawingml/2006/compatibility" xmlns:p14="http://schemas.microsoft.com/office/powerpoint/2010/main" xmlns:p15="http://schemas.microsoft.com/office/powerpoint/2012/main" xmlns:ahyp="http://schemas.microsoft.com/office/drawing/2018/hyperlinkcolor" showMasterPhAnim="0" showMasterSp="0">
+<p:notes xmlns:a="http://schemas.openxmlformats.org/drawingml/2006/main" xmlns:r="http://schemas.openxmlformats.org/officeDocument/2006/relationships" xmlns:p="http://schemas.openxmlformats.org/presentationml/2006/main" showMasterSp="0" showMasterPhAnim="0">
   <p:cSld>
     <p:spTree>
       <p:nvGrpSpPr>
-        <p:cNvPr id="251" name="Shape 251"/>
+        <p:cNvPr id="1" name="Shape 251"/>
         <p:cNvGrpSpPr/>
         <p:nvPr/>
       </p:nvGrpSpPr>
@@ -1714,9 +1786,11 @@
       <p:sp>
         <p:nvSpPr>
           <p:cNvPr id="252" name="Google Shape;252;p11:notes"/>
-          <p:cNvSpPr txBox="1"/>
+          <p:cNvSpPr txBox="1">
+            <a:spLocks noGrp="1"/>
+          </p:cNvSpPr>
           <p:nvPr>
-            <p:ph idx="1" type="body"/>
+            <p:ph type="body" idx="1"/>
           </p:nvPr>
         </p:nvSpPr>
         <p:spPr>
@@ -1729,12 +1803,12 @@
           </a:prstGeom>
         </p:spPr>
         <p:txBody>
-          <a:bodyPr anchorCtr="0" anchor="t" bIns="91425" lIns="91425" spcFirstLastPara="1" rIns="91425" wrap="square" tIns="91425">
+          <a:bodyPr spcFirstLastPara="1" wrap="square" lIns="91425" tIns="91425" rIns="91425" bIns="91425" anchor="t" anchorCtr="0">
             <a:noAutofit/>
           </a:bodyPr>
           <a:lstStyle/>
           <a:p>
-            <a:pPr indent="0" lvl="0" marL="0" rtl="0" algn="l">
+            <a:pPr marL="0" lvl="0" indent="0" algn="l" rtl="0">
               <a:spcBef>
                 <a:spcPts val="0"/>
               </a:spcBef>
@@ -1743,9 +1817,6 @@
               </a:spcAft>
               <a:buNone/>
             </a:pPr>
-            <a:r>
-              <a:t/>
-            </a:r>
             <a:endParaRPr/>
           </a:p>
         </p:txBody>
@@ -1753,9 +1824,11 @@
       <p:sp>
         <p:nvSpPr>
           <p:cNvPr id="253" name="Google Shape;253;p11:notes"/>
-          <p:cNvSpPr/>
+          <p:cNvSpPr>
+            <a:spLocks noGrp="1" noRot="1" noChangeAspect="1"/>
+          </p:cNvSpPr>
           <p:nvPr>
-            <p:ph idx="2" type="sldImg"/>
+            <p:ph type="sldImg" idx="2"/>
           </p:nvPr>
         </p:nvSpPr>
         <p:spPr>
@@ -1764,9 +1837,13 @@
             <a:ext cx="4572225" cy="3429000"/>
           </a:xfrm>
           <a:custGeom>
-            <a:rect b="b" l="l" r="r" t="t"/>
+            <a:avLst/>
+            <a:gdLst/>
+            <a:ahLst/>
+            <a:cxnLst/>
+            <a:rect l="l" t="t" r="r" b="b"/>
             <a:pathLst>
-              <a:path extrusionOk="0" h="120000" w="120000">
+              <a:path w="120000" h="120000" extrusionOk="0">
                 <a:moveTo>
                   <a:pt x="0" y="0"/>
                 </a:moveTo>
@@ -1794,11 +1871,11 @@
 </file>
 
 <file path=ppt/notesSlides/notesSlide2.xml><?xml version="1.0" encoding="utf-8"?>
-<p:notes xmlns:a="http://schemas.openxmlformats.org/drawingml/2006/main" xmlns:r="http://schemas.openxmlformats.org/officeDocument/2006/relationships" xmlns:mc="http://schemas.openxmlformats.org/markup-compatibility/2006" xmlns:mv="urn:schemas-microsoft-com:mac:vml" xmlns:p="http://schemas.openxmlformats.org/presentationml/2006/main" xmlns:c="http://schemas.openxmlformats.org/drawingml/2006/chart" xmlns:dgm="http://schemas.openxmlformats.org/drawingml/2006/diagram" xmlns:o="urn:schemas-microsoft-com:office:office" xmlns:v="urn:schemas-microsoft-com:vml" xmlns:pvml="urn:schemas-microsoft-com:office:powerpoint" xmlns:com="http://schemas.openxmlformats.org/drawingml/2006/compatibility" xmlns:p14="http://schemas.microsoft.com/office/powerpoint/2010/main" xmlns:p15="http://schemas.microsoft.com/office/powerpoint/2012/main" xmlns:ahyp="http://schemas.microsoft.com/office/drawing/2018/hyperlinkcolor" showMasterPhAnim="0" showMasterSp="0">
+<p:notes xmlns:a="http://schemas.openxmlformats.org/drawingml/2006/main" xmlns:r="http://schemas.openxmlformats.org/officeDocument/2006/relationships" xmlns:p="http://schemas.openxmlformats.org/presentationml/2006/main" showMasterSp="0" showMasterPhAnim="0">
   <p:cSld>
     <p:spTree>
       <p:nvGrpSpPr>
-        <p:cNvPr id="142" name="Shape 142"/>
+        <p:cNvPr id="1" name="Shape 142"/>
         <p:cNvGrpSpPr/>
         <p:nvPr/>
       </p:nvGrpSpPr>
@@ -1813,9 +1890,11 @@
       <p:sp>
         <p:nvSpPr>
           <p:cNvPr id="143" name="Google Shape;143;p2:notes"/>
-          <p:cNvSpPr txBox="1"/>
+          <p:cNvSpPr txBox="1">
+            <a:spLocks noGrp="1"/>
+          </p:cNvSpPr>
           <p:nvPr>
-            <p:ph idx="1" type="body"/>
+            <p:ph type="body" idx="1"/>
           </p:nvPr>
         </p:nvSpPr>
         <p:spPr>
@@ -1828,12 +1907,12 @@
           </a:prstGeom>
         </p:spPr>
         <p:txBody>
-          <a:bodyPr anchorCtr="0" anchor="t" bIns="91425" lIns="91425" spcFirstLastPara="1" rIns="91425" wrap="square" tIns="91425">
+          <a:bodyPr spcFirstLastPara="1" wrap="square" lIns="91425" tIns="91425" rIns="91425" bIns="91425" anchor="t" anchorCtr="0">
             <a:noAutofit/>
           </a:bodyPr>
           <a:lstStyle/>
           <a:p>
-            <a:pPr indent="0" lvl="0" marL="0" rtl="0" algn="l">
+            <a:pPr marL="0" lvl="0" indent="0" algn="l" rtl="0">
               <a:spcBef>
                 <a:spcPts val="0"/>
               </a:spcBef>
@@ -1842,9 +1921,6 @@
               </a:spcAft>
               <a:buNone/>
             </a:pPr>
-            <a:r>
-              <a:t/>
-            </a:r>
             <a:endParaRPr/>
           </a:p>
         </p:txBody>
@@ -1852,9 +1928,11 @@
       <p:sp>
         <p:nvSpPr>
           <p:cNvPr id="144" name="Google Shape;144;p2:notes"/>
-          <p:cNvSpPr/>
+          <p:cNvSpPr>
+            <a:spLocks noGrp="1" noRot="1" noChangeAspect="1"/>
+          </p:cNvSpPr>
           <p:nvPr>
-            <p:ph idx="2" type="sldImg"/>
+            <p:ph type="sldImg" idx="2"/>
           </p:nvPr>
         </p:nvSpPr>
         <p:spPr>
@@ -1863,9 +1941,13 @@
             <a:ext cx="4572225" cy="3429000"/>
           </a:xfrm>
           <a:custGeom>
-            <a:rect b="b" l="l" r="r" t="t"/>
+            <a:avLst/>
+            <a:gdLst/>
+            <a:ahLst/>
+            <a:cxnLst/>
+            <a:rect l="l" t="t" r="r" b="b"/>
             <a:pathLst>
-              <a:path extrusionOk="0" h="120000" w="120000">
+              <a:path w="120000" h="120000" extrusionOk="0">
                 <a:moveTo>
                   <a:pt x="0" y="0"/>
                 </a:moveTo>
@@ -1893,11 +1975,11 @@
 </file>
 
 <file path=ppt/notesSlides/notesSlide3.xml><?xml version="1.0" encoding="utf-8"?>
-<p:notes xmlns:a="http://schemas.openxmlformats.org/drawingml/2006/main" xmlns:r="http://schemas.openxmlformats.org/officeDocument/2006/relationships" xmlns:mc="http://schemas.openxmlformats.org/markup-compatibility/2006" xmlns:mv="urn:schemas-microsoft-com:mac:vml" xmlns:p="http://schemas.openxmlformats.org/presentationml/2006/main" xmlns:c="http://schemas.openxmlformats.org/drawingml/2006/chart" xmlns:dgm="http://schemas.openxmlformats.org/drawingml/2006/diagram" xmlns:o="urn:schemas-microsoft-com:office:office" xmlns:v="urn:schemas-microsoft-com:vml" xmlns:pvml="urn:schemas-microsoft-com:office:powerpoint" xmlns:com="http://schemas.openxmlformats.org/drawingml/2006/compatibility" xmlns:p14="http://schemas.microsoft.com/office/powerpoint/2010/main" xmlns:p15="http://schemas.microsoft.com/office/powerpoint/2012/main" xmlns:ahyp="http://schemas.microsoft.com/office/drawing/2018/hyperlinkcolor" showMasterPhAnim="0" showMasterSp="0">
+<p:notes xmlns:a="http://schemas.openxmlformats.org/drawingml/2006/main" xmlns:r="http://schemas.openxmlformats.org/officeDocument/2006/relationships" xmlns:p="http://schemas.openxmlformats.org/presentationml/2006/main" showMasterSp="0" showMasterPhAnim="0">
   <p:cSld>
     <p:spTree>
       <p:nvGrpSpPr>
-        <p:cNvPr id="148" name="Shape 148"/>
+        <p:cNvPr id="1" name="Shape 148"/>
         <p:cNvGrpSpPr/>
         <p:nvPr/>
       </p:nvGrpSpPr>
@@ -1912,9 +1994,11 @@
       <p:sp>
         <p:nvSpPr>
           <p:cNvPr id="149" name="Google Shape;149;g125a615a75b_2_29:notes"/>
-          <p:cNvSpPr/>
+          <p:cNvSpPr>
+            <a:spLocks noGrp="1" noRot="1" noChangeAspect="1"/>
+          </p:cNvSpPr>
           <p:nvPr>
-            <p:ph idx="2" type="sldImg"/>
+            <p:ph type="sldImg" idx="2"/>
           </p:nvPr>
         </p:nvSpPr>
         <p:spPr>
@@ -1923,9 +2007,13 @@
             <a:ext cx="4572300" cy="3429000"/>
           </a:xfrm>
           <a:custGeom>
-            <a:rect b="b" l="l" r="r" t="t"/>
+            <a:avLst/>
+            <a:gdLst/>
+            <a:ahLst/>
+            <a:cxnLst/>
+            <a:rect l="l" t="t" r="r" b="b"/>
             <a:pathLst>
-              <a:path extrusionOk="0" h="120000" w="120000">
+              <a:path w="120000" h="120000" extrusionOk="0">
                 <a:moveTo>
                   <a:pt x="0" y="0"/>
                 </a:moveTo>
@@ -1947,9 +2035,11 @@
       <p:sp>
         <p:nvSpPr>
           <p:cNvPr id="150" name="Google Shape;150;g125a615a75b_2_29:notes"/>
-          <p:cNvSpPr txBox="1"/>
+          <p:cNvSpPr txBox="1">
+            <a:spLocks noGrp="1"/>
+          </p:cNvSpPr>
           <p:nvPr>
-            <p:ph idx="1" type="body"/>
+            <p:ph type="body" idx="1"/>
           </p:nvPr>
         </p:nvSpPr>
         <p:spPr>
@@ -1962,12 +2052,12 @@
           </a:prstGeom>
         </p:spPr>
         <p:txBody>
-          <a:bodyPr anchorCtr="0" anchor="t" bIns="91425" lIns="91425" spcFirstLastPara="1" rIns="91425" wrap="square" tIns="91425">
+          <a:bodyPr spcFirstLastPara="1" wrap="square" lIns="91425" tIns="91425" rIns="91425" bIns="91425" anchor="t" anchorCtr="0">
             <a:noAutofit/>
           </a:bodyPr>
           <a:lstStyle/>
           <a:p>
-            <a:pPr indent="0" lvl="0" marL="0" rtl="0" algn="l">
+            <a:pPr marL="0" lvl="0" indent="0" algn="l" rtl="0">
               <a:spcBef>
                 <a:spcPts val="0"/>
               </a:spcBef>
@@ -1976,9 +2066,6 @@
               </a:spcAft>
               <a:buNone/>
             </a:pPr>
-            <a:r>
-              <a:t/>
-            </a:r>
             <a:endParaRPr/>
           </a:p>
         </p:txBody>
@@ -1992,11 +2079,11 @@
 </file>
 
 <file path=ppt/notesSlides/notesSlide4.xml><?xml version="1.0" encoding="utf-8"?>
-<p:notes xmlns:a="http://schemas.openxmlformats.org/drawingml/2006/main" xmlns:r="http://schemas.openxmlformats.org/officeDocument/2006/relationships" xmlns:mc="http://schemas.openxmlformats.org/markup-compatibility/2006" xmlns:mv="urn:schemas-microsoft-com:mac:vml" xmlns:p="http://schemas.openxmlformats.org/presentationml/2006/main" xmlns:c="http://schemas.openxmlformats.org/drawingml/2006/chart" xmlns:dgm="http://schemas.openxmlformats.org/drawingml/2006/diagram" xmlns:o="urn:schemas-microsoft-com:office:office" xmlns:v="urn:schemas-microsoft-com:vml" xmlns:pvml="urn:schemas-microsoft-com:office:powerpoint" xmlns:com="http://schemas.openxmlformats.org/drawingml/2006/compatibility" xmlns:p14="http://schemas.microsoft.com/office/powerpoint/2010/main" xmlns:p15="http://schemas.microsoft.com/office/powerpoint/2012/main" xmlns:ahyp="http://schemas.microsoft.com/office/drawing/2018/hyperlinkcolor" showMasterPhAnim="0" showMasterSp="0">
+<p:notes xmlns:a="http://schemas.openxmlformats.org/drawingml/2006/main" xmlns:r="http://schemas.openxmlformats.org/officeDocument/2006/relationships" xmlns:p="http://schemas.openxmlformats.org/presentationml/2006/main" showMasterSp="0" showMasterPhAnim="0">
   <p:cSld>
     <p:spTree>
       <p:nvGrpSpPr>
-        <p:cNvPr id="154" name="Shape 154"/>
+        <p:cNvPr id="1" name="Shape 154"/>
         <p:cNvGrpSpPr/>
         <p:nvPr/>
       </p:nvGrpSpPr>
@@ -2011,9 +2098,11 @@
       <p:sp>
         <p:nvSpPr>
           <p:cNvPr id="155" name="Google Shape;155;p3:notes"/>
-          <p:cNvSpPr txBox="1"/>
+          <p:cNvSpPr txBox="1">
+            <a:spLocks noGrp="1"/>
+          </p:cNvSpPr>
           <p:nvPr>
-            <p:ph idx="1" type="body"/>
+            <p:ph type="body" idx="1"/>
           </p:nvPr>
         </p:nvSpPr>
         <p:spPr>
@@ -2026,12 +2115,12 @@
           </a:prstGeom>
         </p:spPr>
         <p:txBody>
-          <a:bodyPr anchorCtr="0" anchor="t" bIns="91425" lIns="91425" spcFirstLastPara="1" rIns="91425" wrap="square" tIns="91425">
+          <a:bodyPr spcFirstLastPara="1" wrap="square" lIns="91425" tIns="91425" rIns="91425" bIns="91425" anchor="t" anchorCtr="0">
             <a:noAutofit/>
           </a:bodyPr>
           <a:lstStyle/>
           <a:p>
-            <a:pPr indent="0" lvl="0" marL="0" rtl="0" algn="l">
+            <a:pPr marL="0" lvl="0" indent="0" algn="l" rtl="0">
               <a:spcBef>
                 <a:spcPts val="0"/>
               </a:spcBef>
@@ -2040,9 +2129,6 @@
               </a:spcAft>
               <a:buNone/>
             </a:pPr>
-            <a:r>
-              <a:t/>
-            </a:r>
             <a:endParaRPr/>
           </a:p>
         </p:txBody>
@@ -2050,9 +2136,11 @@
       <p:sp>
         <p:nvSpPr>
           <p:cNvPr id="156" name="Google Shape;156;p3:notes"/>
-          <p:cNvSpPr/>
+          <p:cNvSpPr>
+            <a:spLocks noGrp="1" noRot="1" noChangeAspect="1"/>
+          </p:cNvSpPr>
           <p:nvPr>
-            <p:ph idx="2" type="sldImg"/>
+            <p:ph type="sldImg" idx="2"/>
           </p:nvPr>
         </p:nvSpPr>
         <p:spPr>
@@ -2061,9 +2149,13 @@
             <a:ext cx="4572225" cy="3429000"/>
           </a:xfrm>
           <a:custGeom>
-            <a:rect b="b" l="l" r="r" t="t"/>
+            <a:avLst/>
+            <a:gdLst/>
+            <a:ahLst/>
+            <a:cxnLst/>
+            <a:rect l="l" t="t" r="r" b="b"/>
             <a:pathLst>
-              <a:path extrusionOk="0" h="120000" w="120000">
+              <a:path w="120000" h="120000" extrusionOk="0">
                 <a:moveTo>
                   <a:pt x="0" y="0"/>
                 </a:moveTo>
@@ -2091,11 +2183,11 @@
 </file>
 
 <file path=ppt/notesSlides/notesSlide5.xml><?xml version="1.0" encoding="utf-8"?>
-<p:notes xmlns:a="http://schemas.openxmlformats.org/drawingml/2006/main" xmlns:r="http://schemas.openxmlformats.org/officeDocument/2006/relationships" xmlns:mc="http://schemas.openxmlformats.org/markup-compatibility/2006" xmlns:mv="urn:schemas-microsoft-com:mac:vml" xmlns:p="http://schemas.openxmlformats.org/presentationml/2006/main" xmlns:c="http://schemas.openxmlformats.org/drawingml/2006/chart" xmlns:dgm="http://schemas.openxmlformats.org/drawingml/2006/diagram" xmlns:o="urn:schemas-microsoft-com:office:office" xmlns:v="urn:schemas-microsoft-com:vml" xmlns:pvml="urn:schemas-microsoft-com:office:powerpoint" xmlns:com="http://schemas.openxmlformats.org/drawingml/2006/compatibility" xmlns:p14="http://schemas.microsoft.com/office/powerpoint/2010/main" xmlns:p15="http://schemas.microsoft.com/office/powerpoint/2012/main" xmlns:ahyp="http://schemas.microsoft.com/office/drawing/2018/hyperlinkcolor" showMasterPhAnim="0" showMasterSp="0">
+<p:notes xmlns:a="http://schemas.openxmlformats.org/drawingml/2006/main" xmlns:r="http://schemas.openxmlformats.org/officeDocument/2006/relationships" xmlns:p="http://schemas.openxmlformats.org/presentationml/2006/main" showMasterSp="0" showMasterPhAnim="0">
   <p:cSld>
     <p:spTree>
       <p:nvGrpSpPr>
-        <p:cNvPr id="160" name="Shape 160"/>
+        <p:cNvPr id="1" name="Shape 160"/>
         <p:cNvGrpSpPr/>
         <p:nvPr/>
       </p:nvGrpSpPr>
@@ -2110,9 +2202,11 @@
       <p:sp>
         <p:nvSpPr>
           <p:cNvPr id="161" name="Google Shape;161;g1224e17ff2f_0_0:notes"/>
-          <p:cNvSpPr txBox="1"/>
+          <p:cNvSpPr txBox="1">
+            <a:spLocks noGrp="1"/>
+          </p:cNvSpPr>
           <p:nvPr>
-            <p:ph idx="1" type="body"/>
+            <p:ph type="body" idx="1"/>
           </p:nvPr>
         </p:nvSpPr>
         <p:spPr>
@@ -2125,12 +2219,12 @@
           </a:prstGeom>
         </p:spPr>
         <p:txBody>
-          <a:bodyPr anchorCtr="0" anchor="t" bIns="91425" lIns="91425" spcFirstLastPara="1" rIns="91425" wrap="square" tIns="91425">
+          <a:bodyPr spcFirstLastPara="1" wrap="square" lIns="91425" tIns="91425" rIns="91425" bIns="91425" anchor="t" anchorCtr="0">
             <a:noAutofit/>
           </a:bodyPr>
           <a:lstStyle/>
           <a:p>
-            <a:pPr indent="0" lvl="0" marL="0" rtl="0" algn="l">
+            <a:pPr marL="0" lvl="0" indent="0" algn="l" rtl="0">
               <a:spcBef>
                 <a:spcPts val="0"/>
               </a:spcBef>
@@ -2139,9 +2233,6 @@
               </a:spcAft>
               <a:buNone/>
             </a:pPr>
-            <a:r>
-              <a:t/>
-            </a:r>
             <a:endParaRPr/>
           </a:p>
         </p:txBody>
@@ -2149,9 +2240,11 @@
       <p:sp>
         <p:nvSpPr>
           <p:cNvPr id="162" name="Google Shape;162;g1224e17ff2f_0_0:notes"/>
-          <p:cNvSpPr/>
+          <p:cNvSpPr>
+            <a:spLocks noGrp="1" noRot="1" noChangeAspect="1"/>
+          </p:cNvSpPr>
           <p:nvPr>
-            <p:ph idx="2" type="sldImg"/>
+            <p:ph type="sldImg" idx="2"/>
           </p:nvPr>
         </p:nvSpPr>
         <p:spPr>
@@ -2160,9 +2253,13 @@
             <a:ext cx="4572300" cy="3429000"/>
           </a:xfrm>
           <a:custGeom>
-            <a:rect b="b" l="l" r="r" t="t"/>
+            <a:avLst/>
+            <a:gdLst/>
+            <a:ahLst/>
+            <a:cxnLst/>
+            <a:rect l="l" t="t" r="r" b="b"/>
             <a:pathLst>
-              <a:path extrusionOk="0" h="120000" w="120000">
+              <a:path w="120000" h="120000" extrusionOk="0">
                 <a:moveTo>
                   <a:pt x="0" y="0"/>
                 </a:moveTo>
@@ -2190,11 +2287,11 @@
 </file>
 
 <file path=ppt/notesSlides/notesSlide6.xml><?xml version="1.0" encoding="utf-8"?>
-<p:notes xmlns:a="http://schemas.openxmlformats.org/drawingml/2006/main" xmlns:r="http://schemas.openxmlformats.org/officeDocument/2006/relationships" xmlns:mc="http://schemas.openxmlformats.org/markup-compatibility/2006" xmlns:mv="urn:schemas-microsoft-com:mac:vml" xmlns:p="http://schemas.openxmlformats.org/presentationml/2006/main" xmlns:c="http://schemas.openxmlformats.org/drawingml/2006/chart" xmlns:dgm="http://schemas.openxmlformats.org/drawingml/2006/diagram" xmlns:o="urn:schemas-microsoft-com:office:office" xmlns:v="urn:schemas-microsoft-com:vml" xmlns:pvml="urn:schemas-microsoft-com:office:powerpoint" xmlns:com="http://schemas.openxmlformats.org/drawingml/2006/compatibility" xmlns:p14="http://schemas.microsoft.com/office/powerpoint/2010/main" xmlns:p15="http://schemas.microsoft.com/office/powerpoint/2012/main" xmlns:ahyp="http://schemas.microsoft.com/office/drawing/2018/hyperlinkcolor" showMasterPhAnim="0" showMasterSp="0">
+<p:notes xmlns:a="http://schemas.openxmlformats.org/drawingml/2006/main" xmlns:r="http://schemas.openxmlformats.org/officeDocument/2006/relationships" xmlns:p="http://schemas.openxmlformats.org/presentationml/2006/main" showMasterSp="0" showMasterPhAnim="0">
   <p:cSld>
     <p:spTree>
       <p:nvGrpSpPr>
-        <p:cNvPr id="166" name="Shape 166"/>
+        <p:cNvPr id="1" name="Shape 166"/>
         <p:cNvGrpSpPr/>
         <p:nvPr/>
       </p:nvGrpSpPr>
@@ -2209,9 +2306,11 @@
       <p:sp>
         <p:nvSpPr>
           <p:cNvPr id="167" name="Google Shape;167;g1254a4f4fc0_0_8:notes"/>
-          <p:cNvSpPr/>
+          <p:cNvSpPr>
+            <a:spLocks noGrp="1" noRot="1" noChangeAspect="1"/>
+          </p:cNvSpPr>
           <p:nvPr>
-            <p:ph idx="2" type="sldImg"/>
+            <p:ph type="sldImg" idx="2"/>
           </p:nvPr>
         </p:nvSpPr>
         <p:spPr>
@@ -2220,9 +2319,13 @@
             <a:ext cx="4572300" cy="3429000"/>
           </a:xfrm>
           <a:custGeom>
-            <a:rect b="b" l="l" r="r" t="t"/>
+            <a:avLst/>
+            <a:gdLst/>
+            <a:ahLst/>
+            <a:cxnLst/>
+            <a:rect l="l" t="t" r="r" b="b"/>
             <a:pathLst>
-              <a:path extrusionOk="0" h="120000" w="120000">
+              <a:path w="120000" h="120000" extrusionOk="0">
                 <a:moveTo>
                   <a:pt x="0" y="0"/>
                 </a:moveTo>
@@ -2244,9 +2347,11 @@
       <p:sp>
         <p:nvSpPr>
           <p:cNvPr id="168" name="Google Shape;168;g1254a4f4fc0_0_8:notes"/>
-          <p:cNvSpPr txBox="1"/>
+          <p:cNvSpPr txBox="1">
+            <a:spLocks noGrp="1"/>
+          </p:cNvSpPr>
           <p:nvPr>
-            <p:ph idx="1" type="body"/>
+            <p:ph type="body" idx="1"/>
           </p:nvPr>
         </p:nvSpPr>
         <p:spPr>
@@ -2259,12 +2364,12 @@
           </a:prstGeom>
         </p:spPr>
         <p:txBody>
-          <a:bodyPr anchorCtr="0" anchor="t" bIns="91425" lIns="91425" spcFirstLastPara="1" rIns="91425" wrap="square" tIns="91425">
+          <a:bodyPr spcFirstLastPara="1" wrap="square" lIns="91425" tIns="91425" rIns="91425" bIns="91425" anchor="t" anchorCtr="0">
             <a:noAutofit/>
           </a:bodyPr>
           <a:lstStyle/>
           <a:p>
-            <a:pPr indent="0" lvl="0" marL="0" rtl="0" algn="l">
+            <a:pPr marL="0" lvl="0" indent="0" algn="l" rtl="0">
               <a:spcBef>
                 <a:spcPts val="0"/>
               </a:spcBef>
@@ -2273,9 +2378,6 @@
               </a:spcAft>
               <a:buNone/>
             </a:pPr>
-            <a:r>
-              <a:t/>
-            </a:r>
             <a:endParaRPr/>
           </a:p>
         </p:txBody>
@@ -2289,11 +2391,11 @@
 </file>
 
 <file path=ppt/notesSlides/notesSlide7.xml><?xml version="1.0" encoding="utf-8"?>
-<p:notes xmlns:a="http://schemas.openxmlformats.org/drawingml/2006/main" xmlns:r="http://schemas.openxmlformats.org/officeDocument/2006/relationships" xmlns:mc="http://schemas.openxmlformats.org/markup-compatibility/2006" xmlns:mv="urn:schemas-microsoft-com:mac:vml" xmlns:p="http://schemas.openxmlformats.org/presentationml/2006/main" xmlns:c="http://schemas.openxmlformats.org/drawingml/2006/chart" xmlns:dgm="http://schemas.openxmlformats.org/drawingml/2006/diagram" xmlns:o="urn:schemas-microsoft-com:office:office" xmlns:v="urn:schemas-microsoft-com:vml" xmlns:pvml="urn:schemas-microsoft-com:office:powerpoint" xmlns:com="http://schemas.openxmlformats.org/drawingml/2006/compatibility" xmlns:p14="http://schemas.microsoft.com/office/powerpoint/2010/main" xmlns:p15="http://schemas.microsoft.com/office/powerpoint/2012/main" xmlns:ahyp="http://schemas.microsoft.com/office/drawing/2018/hyperlinkcolor" showMasterPhAnim="0" showMasterSp="0">
+<p:notes xmlns:a="http://schemas.openxmlformats.org/drawingml/2006/main" xmlns:r="http://schemas.openxmlformats.org/officeDocument/2006/relationships" xmlns:p="http://schemas.openxmlformats.org/presentationml/2006/main" showMasterSp="0" showMasterPhAnim="0">
   <p:cSld>
     <p:spTree>
       <p:nvGrpSpPr>
-        <p:cNvPr id="172" name="Shape 172"/>
+        <p:cNvPr id="1" name="Shape 172"/>
         <p:cNvGrpSpPr/>
         <p:nvPr/>
       </p:nvGrpSpPr>
@@ -2308,9 +2410,11 @@
       <p:sp>
         <p:nvSpPr>
           <p:cNvPr id="173" name="Google Shape;173;p5:notes"/>
-          <p:cNvSpPr txBox="1"/>
+          <p:cNvSpPr txBox="1">
+            <a:spLocks noGrp="1"/>
+          </p:cNvSpPr>
           <p:nvPr>
-            <p:ph idx="1" type="body"/>
+            <p:ph type="body" idx="1"/>
           </p:nvPr>
         </p:nvSpPr>
         <p:spPr>
@@ -2323,12 +2427,12 @@
           </a:prstGeom>
         </p:spPr>
         <p:txBody>
-          <a:bodyPr anchorCtr="0" anchor="t" bIns="91425" lIns="91425" spcFirstLastPara="1" rIns="91425" wrap="square" tIns="91425">
+          <a:bodyPr spcFirstLastPara="1" wrap="square" lIns="91425" tIns="91425" rIns="91425" bIns="91425" anchor="t" anchorCtr="0">
             <a:noAutofit/>
           </a:bodyPr>
           <a:lstStyle/>
           <a:p>
-            <a:pPr indent="0" lvl="0" marL="0" rtl="0" algn="l">
+            <a:pPr marL="0" lvl="0" indent="0" algn="l" rtl="0">
               <a:spcBef>
                 <a:spcPts val="0"/>
               </a:spcBef>
@@ -2337,9 +2441,6 @@
               </a:spcAft>
               <a:buNone/>
             </a:pPr>
-            <a:r>
-              <a:t/>
-            </a:r>
             <a:endParaRPr/>
           </a:p>
         </p:txBody>
@@ -2347,9 +2448,11 @@
       <p:sp>
         <p:nvSpPr>
           <p:cNvPr id="174" name="Google Shape;174;p5:notes"/>
-          <p:cNvSpPr/>
+          <p:cNvSpPr>
+            <a:spLocks noGrp="1" noRot="1" noChangeAspect="1"/>
+          </p:cNvSpPr>
           <p:nvPr>
-            <p:ph idx="2" type="sldImg"/>
+            <p:ph type="sldImg" idx="2"/>
           </p:nvPr>
         </p:nvSpPr>
         <p:spPr>
@@ -2358,9 +2461,13 @@
             <a:ext cx="4572225" cy="3429000"/>
           </a:xfrm>
           <a:custGeom>
-            <a:rect b="b" l="l" r="r" t="t"/>
+            <a:avLst/>
+            <a:gdLst/>
+            <a:ahLst/>
+            <a:cxnLst/>
+            <a:rect l="l" t="t" r="r" b="b"/>
             <a:pathLst>
-              <a:path extrusionOk="0" h="120000" w="120000">
+              <a:path w="120000" h="120000" extrusionOk="0">
                 <a:moveTo>
                   <a:pt x="0" y="0"/>
                 </a:moveTo>
@@ -2388,11 +2495,11 @@
 </file>
 
 <file path=ppt/notesSlides/notesSlide8.xml><?xml version="1.0" encoding="utf-8"?>
-<p:notes xmlns:a="http://schemas.openxmlformats.org/drawingml/2006/main" xmlns:r="http://schemas.openxmlformats.org/officeDocument/2006/relationships" xmlns:mc="http://schemas.openxmlformats.org/markup-compatibility/2006" xmlns:mv="urn:schemas-microsoft-com:mac:vml" xmlns:p="http://schemas.openxmlformats.org/presentationml/2006/main" xmlns:c="http://schemas.openxmlformats.org/drawingml/2006/chart" xmlns:dgm="http://schemas.openxmlformats.org/drawingml/2006/diagram" xmlns:o="urn:schemas-microsoft-com:office:office" xmlns:v="urn:schemas-microsoft-com:vml" xmlns:pvml="urn:schemas-microsoft-com:office:powerpoint" xmlns:com="http://schemas.openxmlformats.org/drawingml/2006/compatibility" xmlns:p14="http://schemas.microsoft.com/office/powerpoint/2010/main" xmlns:p15="http://schemas.microsoft.com/office/powerpoint/2012/main" xmlns:ahyp="http://schemas.microsoft.com/office/drawing/2018/hyperlinkcolor" showMasterPhAnim="0" showMasterSp="0">
+<p:notes xmlns:a="http://schemas.openxmlformats.org/drawingml/2006/main" xmlns:r="http://schemas.openxmlformats.org/officeDocument/2006/relationships" xmlns:p="http://schemas.openxmlformats.org/presentationml/2006/main" showMasterSp="0" showMasterPhAnim="0">
   <p:cSld>
     <p:spTree>
       <p:nvGrpSpPr>
-        <p:cNvPr id="178" name="Shape 178"/>
+        <p:cNvPr id="1" name="Shape 178"/>
         <p:cNvGrpSpPr/>
         <p:nvPr/>
       </p:nvGrpSpPr>
@@ -2407,9 +2514,11 @@
       <p:sp>
         <p:nvSpPr>
           <p:cNvPr id="179" name="Google Shape;179;p6:notes"/>
-          <p:cNvSpPr txBox="1"/>
+          <p:cNvSpPr txBox="1">
+            <a:spLocks noGrp="1"/>
+          </p:cNvSpPr>
           <p:nvPr>
-            <p:ph idx="1" type="body"/>
+            <p:ph type="body" idx="1"/>
           </p:nvPr>
         </p:nvSpPr>
         <p:spPr>
@@ -2422,12 +2531,12 @@
           </a:prstGeom>
         </p:spPr>
         <p:txBody>
-          <a:bodyPr anchorCtr="0" anchor="t" bIns="91425" lIns="91425" spcFirstLastPara="1" rIns="91425" wrap="square" tIns="91425">
+          <a:bodyPr spcFirstLastPara="1" wrap="square" lIns="91425" tIns="91425" rIns="91425" bIns="91425" anchor="t" anchorCtr="0">
             <a:noAutofit/>
           </a:bodyPr>
           <a:lstStyle/>
           <a:p>
-            <a:pPr indent="0" lvl="0" marL="0" rtl="0" algn="l">
+            <a:pPr marL="0" lvl="0" indent="0" algn="l" rtl="0">
               <a:spcBef>
                 <a:spcPts val="0"/>
               </a:spcBef>
@@ -2436,9 +2545,6 @@
               </a:spcAft>
               <a:buNone/>
             </a:pPr>
-            <a:r>
-              <a:t/>
-            </a:r>
             <a:endParaRPr/>
           </a:p>
         </p:txBody>
@@ -2446,9 +2552,11 @@
       <p:sp>
         <p:nvSpPr>
           <p:cNvPr id="180" name="Google Shape;180;p6:notes"/>
-          <p:cNvSpPr/>
+          <p:cNvSpPr>
+            <a:spLocks noGrp="1" noRot="1" noChangeAspect="1"/>
+          </p:cNvSpPr>
           <p:nvPr>
-            <p:ph idx="2" type="sldImg"/>
+            <p:ph type="sldImg" idx="2"/>
           </p:nvPr>
         </p:nvSpPr>
         <p:spPr>
@@ -2457,9 +2565,13 @@
             <a:ext cx="4572225" cy="3429000"/>
           </a:xfrm>
           <a:custGeom>
-            <a:rect b="b" l="l" r="r" t="t"/>
+            <a:avLst/>
+            <a:gdLst/>
+            <a:ahLst/>
+            <a:cxnLst/>
+            <a:rect l="l" t="t" r="r" b="b"/>
             <a:pathLst>
-              <a:path extrusionOk="0" h="120000" w="120000">
+              <a:path w="120000" h="120000" extrusionOk="0">
                 <a:moveTo>
                   <a:pt x="0" y="0"/>
                 </a:moveTo>
@@ -2487,11 +2599,11 @@
 </file>
 
 <file path=ppt/notesSlides/notesSlide9.xml><?xml version="1.0" encoding="utf-8"?>
-<p:notes xmlns:a="http://schemas.openxmlformats.org/drawingml/2006/main" xmlns:r="http://schemas.openxmlformats.org/officeDocument/2006/relationships" xmlns:mc="http://schemas.openxmlformats.org/markup-compatibility/2006" xmlns:mv="urn:schemas-microsoft-com:mac:vml" xmlns:p="http://schemas.openxmlformats.org/presentationml/2006/main" xmlns:c="http://schemas.openxmlformats.org/drawingml/2006/chart" xmlns:dgm="http://schemas.openxmlformats.org/drawingml/2006/diagram" xmlns:o="urn:schemas-microsoft-com:office:office" xmlns:v="urn:schemas-microsoft-com:vml" xmlns:pvml="urn:schemas-microsoft-com:office:powerpoint" xmlns:com="http://schemas.openxmlformats.org/drawingml/2006/compatibility" xmlns:p14="http://schemas.microsoft.com/office/powerpoint/2010/main" xmlns:p15="http://schemas.microsoft.com/office/powerpoint/2012/main" xmlns:ahyp="http://schemas.microsoft.com/office/drawing/2018/hyperlinkcolor" showMasterPhAnim="0" showMasterSp="0">
+<p:notes xmlns:a="http://schemas.openxmlformats.org/drawingml/2006/main" xmlns:r="http://schemas.openxmlformats.org/officeDocument/2006/relationships" xmlns:p="http://schemas.openxmlformats.org/presentationml/2006/main" showMasterSp="0" showMasterPhAnim="0">
   <p:cSld>
     <p:spTree>
       <p:nvGrpSpPr>
-        <p:cNvPr id="184" name="Shape 184"/>
+        <p:cNvPr id="1" name="Shape 184"/>
         <p:cNvGrpSpPr/>
         <p:nvPr/>
       </p:nvGrpSpPr>
@@ -2506,9 +2618,11 @@
       <p:sp>
         <p:nvSpPr>
           <p:cNvPr id="185" name="Google Shape;185;p7:notes"/>
-          <p:cNvSpPr txBox="1"/>
+          <p:cNvSpPr txBox="1">
+            <a:spLocks noGrp="1"/>
+          </p:cNvSpPr>
           <p:nvPr>
-            <p:ph idx="1" type="body"/>
+            <p:ph type="body" idx="1"/>
           </p:nvPr>
         </p:nvSpPr>
         <p:spPr>
@@ -2521,12 +2635,12 @@
           </a:prstGeom>
         </p:spPr>
         <p:txBody>
-          <a:bodyPr anchorCtr="0" anchor="t" bIns="91425" lIns="91425" spcFirstLastPara="1" rIns="91425" wrap="square" tIns="91425">
+          <a:bodyPr spcFirstLastPara="1" wrap="square" lIns="91425" tIns="91425" rIns="91425" bIns="91425" anchor="t" anchorCtr="0">
             <a:noAutofit/>
           </a:bodyPr>
           <a:lstStyle/>
           <a:p>
-            <a:pPr indent="0" lvl="0" marL="0" rtl="0" algn="l">
+            <a:pPr marL="0" lvl="0" indent="0" algn="l" rtl="0">
               <a:spcBef>
                 <a:spcPts val="0"/>
               </a:spcBef>
@@ -2535,9 +2649,6 @@
               </a:spcAft>
               <a:buNone/>
             </a:pPr>
-            <a:r>
-              <a:t/>
-            </a:r>
             <a:endParaRPr/>
           </a:p>
         </p:txBody>
@@ -2545,9 +2656,11 @@
       <p:sp>
         <p:nvSpPr>
           <p:cNvPr id="186" name="Google Shape;186;p7:notes"/>
-          <p:cNvSpPr/>
+          <p:cNvSpPr>
+            <a:spLocks noGrp="1" noRot="1" noChangeAspect="1"/>
+          </p:cNvSpPr>
           <p:nvPr>
-            <p:ph idx="2" type="sldImg"/>
+            <p:ph type="sldImg" idx="2"/>
           </p:nvPr>
         </p:nvSpPr>
         <p:spPr>
@@ -2556,9 +2669,13 @@
             <a:ext cx="4572225" cy="3429000"/>
           </a:xfrm>
           <a:custGeom>
-            <a:rect b="b" l="l" r="r" t="t"/>
+            <a:avLst/>
+            <a:gdLst/>
+            <a:ahLst/>
+            <a:cxnLst/>
+            <a:rect l="l" t="t" r="r" b="b"/>
             <a:pathLst>
-              <a:path extrusionOk="0" h="120000" w="120000">
+              <a:path w="120000" h="120000" extrusionOk="0">
                 <a:moveTo>
                   <a:pt x="0" y="0"/>
                 </a:moveTo>
@@ -2586,11 +2703,11 @@
 </file>
 
 <file path=ppt/slideLayouts/slideLayout1.xml><?xml version="1.0" encoding="utf-8"?>
-<p:sldLayout xmlns:a="http://schemas.openxmlformats.org/drawingml/2006/main" xmlns:r="http://schemas.openxmlformats.org/officeDocument/2006/relationships" xmlns:mc="http://schemas.openxmlformats.org/markup-compatibility/2006" xmlns:mv="urn:schemas-microsoft-com:mac:vml" xmlns:p="http://schemas.openxmlformats.org/presentationml/2006/main" xmlns:c="http://schemas.openxmlformats.org/drawingml/2006/chart" xmlns:dgm="http://schemas.openxmlformats.org/drawingml/2006/diagram" xmlns:o="urn:schemas-microsoft-com:office:office" xmlns:v="urn:schemas-microsoft-com:vml" xmlns:pvml="urn:schemas-microsoft-com:office:powerpoint" xmlns:com="http://schemas.openxmlformats.org/drawingml/2006/compatibility" xmlns:p14="http://schemas.microsoft.com/office/powerpoint/2010/main" xmlns:p15="http://schemas.microsoft.com/office/powerpoint/2012/main" xmlns:ahyp="http://schemas.microsoft.com/office/drawing/2018/hyperlinkcolor" matchingName="Title slide" type="title">
+<p:sldLayout xmlns:a="http://schemas.openxmlformats.org/drawingml/2006/main" xmlns:r="http://schemas.openxmlformats.org/officeDocument/2006/relationships" xmlns:p="http://schemas.openxmlformats.org/presentationml/2006/main" matchingName="Title slide" type="title">
   <p:cSld name="TITLE">
     <p:spTree>
       <p:nvGrpSpPr>
-        <p:cNvPr id="9" name="Shape 9"/>
+        <p:cNvPr id="1" name="Shape 9"/>
         <p:cNvGrpSpPr/>
         <p:nvPr/>
       </p:nvGrpSpPr>
@@ -2615,7 +2732,7 @@
           </a:xfrm>
           <a:prstGeom prst="diagStripe">
             <a:avLst>
-              <a:gd fmla="val 0" name="adj"/>
+              <a:gd name="adj" fmla="val 0"/>
             </a:avLst>
           </a:prstGeom>
           <a:solidFill>
@@ -2628,12 +2745,12 @@
           </a:ln>
         </p:spPr>
         <p:txBody>
-          <a:bodyPr anchorCtr="0" anchor="ctr" bIns="121900" lIns="121900" spcFirstLastPara="1" rIns="121900" wrap="square" tIns="121900">
+          <a:bodyPr spcFirstLastPara="1" wrap="square" lIns="121900" tIns="121900" rIns="121900" bIns="121900" anchor="ctr" anchorCtr="0">
             <a:noAutofit/>
           </a:bodyPr>
           <a:lstStyle/>
           <a:p>
-            <a:pPr indent="0" lvl="0" marL="0" rtl="0" algn="l">
+            <a:pPr marL="0" lvl="0" indent="0" algn="l" rtl="0">
               <a:spcBef>
                 <a:spcPts val="0"/>
               </a:spcBef>
@@ -2642,9 +2759,6 @@
               </a:spcAft>
               <a:buNone/>
             </a:pPr>
-            <a:r>
-              <a:t/>
-            </a:r>
             <a:endParaRPr/>
           </a:p>
         </p:txBody>
@@ -2676,7 +2790,7 @@
             </a:xfrm>
             <a:prstGeom prst="diagStripe">
               <a:avLst>
-                <a:gd fmla="val 50000" name="adj"/>
+                <a:gd name="adj" fmla="val 50000"/>
               </a:avLst>
             </a:prstGeom>
             <a:solidFill>
@@ -2689,12 +2803,12 @@
             </a:ln>
           </p:spPr>
           <p:txBody>
-            <a:bodyPr anchorCtr="0" anchor="ctr" bIns="121900" lIns="121900" spcFirstLastPara="1" rIns="121900" wrap="square" tIns="121900">
+            <a:bodyPr spcFirstLastPara="1" wrap="square" lIns="121900" tIns="121900" rIns="121900" bIns="121900" anchor="ctr" anchorCtr="0">
               <a:noAutofit/>
             </a:bodyPr>
             <a:lstStyle/>
             <a:p>
-              <a:pPr indent="0" lvl="0" marL="0" rtl="0" algn="l">
+              <a:pPr marL="0" lvl="0" indent="0" algn="l" rtl="0">
                 <a:spcBef>
                   <a:spcPts val="0"/>
                 </a:spcBef>
@@ -2703,9 +2817,6 @@
                 </a:spcAft>
                 <a:buNone/>
               </a:pPr>
-              <a:r>
-                <a:t/>
-              </a:r>
               <a:endParaRPr/>
             </a:p>
           </p:txBody>
@@ -2723,7 +2834,7 @@
             </a:xfrm>
             <a:prstGeom prst="diagStripe">
               <a:avLst>
-                <a:gd fmla="val 58774" name="adj"/>
+                <a:gd name="adj" fmla="val 58774"/>
               </a:avLst>
             </a:prstGeom>
             <a:solidFill>
@@ -2736,12 +2847,12 @@
             </a:ln>
           </p:spPr>
           <p:txBody>
-            <a:bodyPr anchorCtr="0" anchor="ctr" bIns="121900" lIns="121900" spcFirstLastPara="1" rIns="121900" wrap="square" tIns="121900">
+            <a:bodyPr spcFirstLastPara="1" wrap="square" lIns="121900" tIns="121900" rIns="121900" bIns="121900" anchor="ctr" anchorCtr="0">
               <a:noAutofit/>
             </a:bodyPr>
             <a:lstStyle/>
             <a:p>
-              <a:pPr indent="0" lvl="0" marL="0" rtl="0" algn="l">
+              <a:pPr marL="0" lvl="0" indent="0" algn="l" rtl="0">
                 <a:spcBef>
                   <a:spcPts val="0"/>
                 </a:spcBef>
@@ -2750,9 +2861,6 @@
                 </a:spcAft>
                 <a:buNone/>
               </a:pPr>
-              <a:r>
-                <a:t/>
-              </a:r>
               <a:endParaRPr/>
             </a:p>
           </p:txBody>
@@ -2770,7 +2878,7 @@
             </a:xfrm>
             <a:prstGeom prst="diagStripe">
               <a:avLst>
-                <a:gd fmla="val 50000" name="adj"/>
+                <a:gd name="adj" fmla="val 50000"/>
               </a:avLst>
             </a:prstGeom>
             <a:solidFill>
@@ -2781,12 +2889,12 @@
             </a:ln>
           </p:spPr>
           <p:txBody>
-            <a:bodyPr anchorCtr="0" anchor="ctr" bIns="121900" lIns="121900" spcFirstLastPara="1" rIns="121900" wrap="square" tIns="121900">
+            <a:bodyPr spcFirstLastPara="1" wrap="square" lIns="121900" tIns="121900" rIns="121900" bIns="121900" anchor="ctr" anchorCtr="0">
               <a:noAutofit/>
             </a:bodyPr>
             <a:lstStyle/>
             <a:p>
-              <a:pPr indent="0" lvl="0" marL="0" rtl="0" algn="l">
+              <a:pPr marL="0" lvl="0" indent="0" algn="l" rtl="0">
                 <a:spcBef>
                   <a:spcPts val="0"/>
                 </a:spcBef>
@@ -2795,9 +2903,6 @@
                 </a:spcAft>
                 <a:buNone/>
               </a:pPr>
-              <a:r>
-                <a:t/>
-              </a:r>
               <a:endParaRPr/>
             </a:p>
           </p:txBody>
@@ -2815,7 +2920,7 @@
             </a:xfrm>
             <a:prstGeom prst="diagStripe">
               <a:avLst>
-                <a:gd fmla="val 50000" name="adj"/>
+                <a:gd name="adj" fmla="val 50000"/>
               </a:avLst>
             </a:prstGeom>
             <a:solidFill>
@@ -2826,12 +2931,12 @@
             </a:ln>
           </p:spPr>
           <p:txBody>
-            <a:bodyPr anchorCtr="0" anchor="ctr" bIns="121900" lIns="121900" spcFirstLastPara="1" rIns="121900" wrap="square" tIns="121900">
+            <a:bodyPr spcFirstLastPara="1" wrap="square" lIns="121900" tIns="121900" rIns="121900" bIns="121900" anchor="ctr" anchorCtr="0">
               <a:noAutofit/>
             </a:bodyPr>
             <a:lstStyle/>
             <a:p>
-              <a:pPr indent="0" lvl="0" marL="0" rtl="0" algn="l">
+              <a:pPr marL="0" lvl="0" indent="0" algn="l" rtl="0">
                 <a:spcBef>
                   <a:spcPts val="0"/>
                 </a:spcBef>
@@ -2840,9 +2945,6 @@
                 </a:spcAft>
                 <a:buNone/>
               </a:pPr>
-              <a:r>
-                <a:t/>
-              </a:r>
               <a:endParaRPr/>
             </a:p>
           </p:txBody>
@@ -2851,7 +2953,9 @@
       <p:sp>
         <p:nvSpPr>
           <p:cNvPr id="16" name="Google Shape;16;p2"/>
-          <p:cNvSpPr txBox="1"/>
+          <p:cNvSpPr txBox="1">
+            <a:spLocks noGrp="1"/>
+          </p:cNvSpPr>
           <p:nvPr>
             <p:ph type="ctrTitle"/>
           </p:nvPr>
@@ -2866,7 +2970,7 @@
           </a:prstGeom>
         </p:spPr>
         <p:txBody>
-          <a:bodyPr anchorCtr="0" anchor="t" bIns="121900" lIns="121900" spcFirstLastPara="1" rIns="121900" wrap="square" tIns="121900">
+          <a:bodyPr spcFirstLastPara="1" wrap="square" lIns="121900" tIns="121900" rIns="121900" bIns="121900" anchor="t" anchorCtr="0">
             <a:normAutofit/>
           </a:bodyPr>
           <a:lstStyle>
@@ -2970,15 +3074,19 @@
               <a:defRPr sz="5300"/>
             </a:lvl9pPr>
           </a:lstStyle>
-          <a:p/>
+          <a:p>
+            <a:endParaRPr/>
+          </a:p>
         </p:txBody>
       </p:sp>
       <p:sp>
         <p:nvSpPr>
           <p:cNvPr id="17" name="Google Shape;17;p2"/>
-          <p:cNvSpPr txBox="1"/>
+          <p:cNvSpPr txBox="1">
+            <a:spLocks noGrp="1"/>
+          </p:cNvSpPr>
           <p:nvPr>
-            <p:ph idx="1" type="subTitle"/>
+            <p:ph type="subTitle" idx="1"/>
           </p:nvPr>
         </p:nvSpPr>
         <p:spPr>
@@ -2991,7 +3099,7 @@
           </a:prstGeom>
         </p:spPr>
         <p:txBody>
-          <a:bodyPr anchorCtr="0" anchor="t" bIns="121900" lIns="121900" spcFirstLastPara="1" rIns="121900" wrap="square" tIns="121900">
+          <a:bodyPr spcFirstLastPara="1" wrap="square" lIns="121900" tIns="121900" rIns="121900" bIns="121900" anchor="t" anchorCtr="0">
             <a:normAutofit/>
           </a:bodyPr>
           <a:lstStyle>
@@ -3122,15 +3230,19 @@
               <a:defRPr sz="1700"/>
             </a:lvl9pPr>
           </a:lstStyle>
-          <a:p/>
+          <a:p>
+            <a:endParaRPr/>
+          </a:p>
         </p:txBody>
       </p:sp>
       <p:sp>
         <p:nvSpPr>
           <p:cNvPr id="18" name="Google Shape;18;p2"/>
-          <p:cNvSpPr txBox="1"/>
+          <p:cNvSpPr txBox="1">
+            <a:spLocks noGrp="1"/>
+          </p:cNvSpPr>
           <p:nvPr>
-            <p:ph idx="12" type="sldNum"/>
+            <p:ph type="sldNum" idx="12"/>
           </p:nvPr>
         </p:nvSpPr>
         <p:spPr>
@@ -3143,7 +3255,7 @@
           </a:prstGeom>
         </p:spPr>
         <p:txBody>
-          <a:bodyPr anchorCtr="0" anchor="ctr" bIns="121900" lIns="121900" spcFirstLastPara="1" rIns="121900" wrap="square" tIns="121900">
+          <a:bodyPr spcFirstLastPara="1" wrap="square" lIns="121900" tIns="121900" rIns="121900" bIns="121900" anchor="ctr" anchorCtr="0">
             <a:normAutofit/>
           </a:bodyPr>
           <a:lstStyle>
@@ -3185,7 +3297,7 @@
             </a:lvl9pPr>
           </a:lstStyle>
           <a:p>
-            <a:pPr indent="0" lvl="0" marL="0" rtl="0" algn="r">
+            <a:pPr marL="0" lvl="0" indent="0" algn="r" rtl="0">
               <a:spcBef>
                 <a:spcPts val="0"/>
               </a:spcBef>
@@ -3211,11 +3323,11 @@
 </file>
 
 <file path=ppt/slideLayouts/slideLayout10.xml><?xml version="1.0" encoding="utf-8"?>
-<p:sldLayout xmlns:a="http://schemas.openxmlformats.org/drawingml/2006/main" xmlns:r="http://schemas.openxmlformats.org/officeDocument/2006/relationships" xmlns:mc="http://schemas.openxmlformats.org/markup-compatibility/2006" xmlns:mv="urn:schemas-microsoft-com:mac:vml" xmlns:p="http://schemas.openxmlformats.org/presentationml/2006/main" xmlns:c="http://schemas.openxmlformats.org/drawingml/2006/chart" xmlns:dgm="http://schemas.openxmlformats.org/drawingml/2006/diagram" xmlns:o="urn:schemas-microsoft-com:office:office" xmlns:v="urn:schemas-microsoft-com:vml" xmlns:pvml="urn:schemas-microsoft-com:office:powerpoint" xmlns:com="http://schemas.openxmlformats.org/drawingml/2006/compatibility" xmlns:p14="http://schemas.microsoft.com/office/powerpoint/2010/main" xmlns:p15="http://schemas.microsoft.com/office/powerpoint/2012/main" xmlns:ahyp="http://schemas.microsoft.com/office/drawing/2018/hyperlinkcolor" matchingName="Big number">
+<p:sldLayout xmlns:a="http://schemas.openxmlformats.org/drawingml/2006/main" xmlns:r="http://schemas.openxmlformats.org/officeDocument/2006/relationships" xmlns:p="http://schemas.openxmlformats.org/presentationml/2006/main" matchingName="Big number">
   <p:cSld name="BIG_NUMBER">
     <p:spTree>
       <p:nvGrpSpPr>
-        <p:cNvPr id="105" name="Shape 105"/>
+        <p:cNvPr id="1" name="Shape 105"/>
         <p:cNvGrpSpPr/>
         <p:nvPr/>
       </p:nvGrpSpPr>
@@ -3254,7 +3366,7 @@
             </a:xfrm>
             <a:prstGeom prst="diagStripe">
               <a:avLst>
-                <a:gd fmla="val 49469" name="adj"/>
+                <a:gd name="adj" fmla="val 49469"/>
               </a:avLst>
             </a:prstGeom>
             <a:solidFill>
@@ -3267,12 +3379,12 @@
             </a:ln>
           </p:spPr>
           <p:txBody>
-            <a:bodyPr anchorCtr="0" anchor="ctr" bIns="121900" lIns="121900" spcFirstLastPara="1" rIns="121900" wrap="square" tIns="121900">
+            <a:bodyPr spcFirstLastPara="1" wrap="square" lIns="121900" tIns="121900" rIns="121900" bIns="121900" anchor="ctr" anchorCtr="0">
               <a:noAutofit/>
             </a:bodyPr>
             <a:lstStyle/>
             <a:p>
-              <a:pPr indent="0" lvl="0" marL="0" rtl="0" algn="l">
+              <a:pPr marL="0" lvl="0" indent="0" algn="l" rtl="0">
                 <a:spcBef>
                   <a:spcPts val="0"/>
                 </a:spcBef>
@@ -3281,9 +3393,6 @@
                 </a:spcAft>
                 <a:buNone/>
               </a:pPr>
-              <a:r>
-                <a:t/>
-              </a:r>
               <a:endParaRPr/>
             </a:p>
           </p:txBody>
@@ -3301,7 +3410,7 @@
             </a:xfrm>
             <a:prstGeom prst="diagStripe">
               <a:avLst>
-                <a:gd fmla="val 0" name="adj"/>
+                <a:gd name="adj" fmla="val 0"/>
               </a:avLst>
             </a:prstGeom>
             <a:solidFill>
@@ -3314,12 +3423,12 @@
             </a:ln>
           </p:spPr>
           <p:txBody>
-            <a:bodyPr anchorCtr="0" anchor="ctr" bIns="121900" lIns="121900" spcFirstLastPara="1" rIns="121900" wrap="square" tIns="121900">
+            <a:bodyPr spcFirstLastPara="1" wrap="square" lIns="121900" tIns="121900" rIns="121900" bIns="121900" anchor="ctr" anchorCtr="0">
               <a:noAutofit/>
             </a:bodyPr>
             <a:lstStyle/>
             <a:p>
-              <a:pPr indent="0" lvl="0" marL="0" rtl="0" algn="l">
+              <a:pPr marL="0" lvl="0" indent="0" algn="l" rtl="0">
                 <a:spcBef>
                   <a:spcPts val="0"/>
                 </a:spcBef>
@@ -3328,9 +3437,6 @@
                 </a:spcAft>
                 <a:buNone/>
               </a:pPr>
-              <a:r>
-                <a:t/>
-              </a:r>
               <a:endParaRPr/>
             </a:p>
           </p:txBody>
@@ -3348,7 +3454,7 @@
             </a:xfrm>
             <a:prstGeom prst="diagStripe">
               <a:avLst>
-                <a:gd fmla="val 50000" name="adj"/>
+                <a:gd name="adj" fmla="val 50000"/>
               </a:avLst>
             </a:prstGeom>
             <a:solidFill>
@@ -3361,12 +3467,12 @@
             </a:ln>
           </p:spPr>
           <p:txBody>
-            <a:bodyPr anchorCtr="0" anchor="ctr" bIns="121900" lIns="121900" spcFirstLastPara="1" rIns="121900" wrap="square" tIns="121900">
+            <a:bodyPr spcFirstLastPara="1" wrap="square" lIns="121900" tIns="121900" rIns="121900" bIns="121900" anchor="ctr" anchorCtr="0">
               <a:noAutofit/>
             </a:bodyPr>
             <a:lstStyle/>
             <a:p>
-              <a:pPr indent="0" lvl="0" marL="0" rtl="0" algn="l">
+              <a:pPr marL="0" lvl="0" indent="0" algn="l" rtl="0">
                 <a:spcBef>
                   <a:spcPts val="0"/>
                 </a:spcBef>
@@ -3375,9 +3481,6 @@
                 </a:spcAft>
                 <a:buNone/>
               </a:pPr>
-              <a:r>
-                <a:t/>
-              </a:r>
               <a:endParaRPr/>
             </a:p>
           </p:txBody>
@@ -3395,7 +3498,7 @@
             </a:xfrm>
             <a:prstGeom prst="diagStripe">
               <a:avLst>
-                <a:gd fmla="val 50000" name="adj"/>
+                <a:gd name="adj" fmla="val 50000"/>
               </a:avLst>
             </a:prstGeom>
             <a:solidFill>
@@ -3408,12 +3511,12 @@
             </a:ln>
           </p:spPr>
           <p:txBody>
-            <a:bodyPr anchorCtr="0" anchor="ctr" bIns="121900" lIns="121900" spcFirstLastPara="1" rIns="121900" wrap="square" tIns="121900">
+            <a:bodyPr spcFirstLastPara="1" wrap="square" lIns="121900" tIns="121900" rIns="121900" bIns="121900" anchor="ctr" anchorCtr="0">
               <a:noAutofit/>
             </a:bodyPr>
             <a:lstStyle/>
             <a:p>
-              <a:pPr indent="0" lvl="0" marL="0" rtl="0" algn="l">
+              <a:pPr marL="0" lvl="0" indent="0" algn="l" rtl="0">
                 <a:spcBef>
                   <a:spcPts val="0"/>
                 </a:spcBef>
@@ -3422,9 +3525,6 @@
                 </a:spcAft>
                 <a:buNone/>
               </a:pPr>
-              <a:r>
-                <a:t/>
-              </a:r>
               <a:endParaRPr/>
             </a:p>
           </p:txBody>
@@ -3442,7 +3542,7 @@
             </a:xfrm>
             <a:prstGeom prst="diagStripe">
               <a:avLst>
-                <a:gd fmla="val 50000" name="adj"/>
+                <a:gd name="adj" fmla="val 50000"/>
               </a:avLst>
             </a:prstGeom>
             <a:solidFill>
@@ -3455,12 +3555,12 @@
             </a:ln>
           </p:spPr>
           <p:txBody>
-            <a:bodyPr anchorCtr="0" anchor="ctr" bIns="121900" lIns="121900" spcFirstLastPara="1" rIns="121900" wrap="square" tIns="121900">
+            <a:bodyPr spcFirstLastPara="1" wrap="square" lIns="121900" tIns="121900" rIns="121900" bIns="121900" anchor="ctr" anchorCtr="0">
               <a:noAutofit/>
             </a:bodyPr>
             <a:lstStyle/>
             <a:p>
-              <a:pPr indent="0" lvl="0" marL="0" rtl="0" algn="l">
+              <a:pPr marL="0" lvl="0" indent="0" algn="l" rtl="0">
                 <a:spcBef>
                   <a:spcPts val="0"/>
                 </a:spcBef>
@@ -3469,9 +3569,6 @@
                 </a:spcAft>
                 <a:buNone/>
               </a:pPr>
-              <a:r>
-                <a:t/>
-              </a:r>
               <a:endParaRPr/>
             </a:p>
           </p:txBody>
@@ -3489,7 +3586,7 @@
             </a:xfrm>
             <a:prstGeom prst="diagStripe">
               <a:avLst>
-                <a:gd fmla="val 50000" name="adj"/>
+                <a:gd name="adj" fmla="val 50000"/>
               </a:avLst>
             </a:prstGeom>
             <a:solidFill>
@@ -3502,12 +3599,12 @@
             </a:ln>
           </p:spPr>
           <p:txBody>
-            <a:bodyPr anchorCtr="0" anchor="ctr" bIns="121900" lIns="121900" spcFirstLastPara="1" rIns="121900" wrap="square" tIns="121900">
+            <a:bodyPr spcFirstLastPara="1" wrap="square" lIns="121900" tIns="121900" rIns="121900" bIns="121900" anchor="ctr" anchorCtr="0">
               <a:noAutofit/>
             </a:bodyPr>
             <a:lstStyle/>
             <a:p>
-              <a:pPr indent="0" lvl="0" marL="0" rtl="0" algn="l">
+              <a:pPr marL="0" lvl="0" indent="0" algn="l" rtl="0">
                 <a:spcBef>
                   <a:spcPts val="0"/>
                 </a:spcBef>
@@ -3516,9 +3613,6 @@
                 </a:spcAft>
                 <a:buNone/>
               </a:pPr>
-              <a:r>
-                <a:t/>
-              </a:r>
               <a:endParaRPr/>
             </a:p>
           </p:txBody>
@@ -3536,7 +3630,7 @@
             </a:xfrm>
             <a:prstGeom prst="diagStripe">
               <a:avLst>
-                <a:gd fmla="val 50000" name="adj"/>
+                <a:gd name="adj" fmla="val 50000"/>
               </a:avLst>
             </a:prstGeom>
             <a:solidFill>
@@ -3549,12 +3643,12 @@
             </a:ln>
           </p:spPr>
           <p:txBody>
-            <a:bodyPr anchorCtr="0" anchor="ctr" bIns="121900" lIns="121900" spcFirstLastPara="1" rIns="121900" wrap="square" tIns="121900">
+            <a:bodyPr spcFirstLastPara="1" wrap="square" lIns="121900" tIns="121900" rIns="121900" bIns="121900" anchor="ctr" anchorCtr="0">
               <a:noAutofit/>
             </a:bodyPr>
             <a:lstStyle/>
             <a:p>
-              <a:pPr indent="0" lvl="0" marL="0" rtl="0" algn="l">
+              <a:pPr marL="0" lvl="0" indent="0" algn="l" rtl="0">
                 <a:spcBef>
                   <a:spcPts val="0"/>
                 </a:spcBef>
@@ -3563,9 +3657,6 @@
                 </a:spcAft>
                 <a:buNone/>
               </a:pPr>
-              <a:r>
-                <a:t/>
-              </a:r>
               <a:endParaRPr/>
             </a:p>
           </p:txBody>
@@ -3583,7 +3674,7 @@
             </a:xfrm>
             <a:prstGeom prst="diagStripe">
               <a:avLst>
-                <a:gd fmla="val 50000" name="adj"/>
+                <a:gd name="adj" fmla="val 50000"/>
               </a:avLst>
             </a:prstGeom>
             <a:solidFill>
@@ -3594,12 +3685,12 @@
             </a:ln>
           </p:spPr>
           <p:txBody>
-            <a:bodyPr anchorCtr="0" anchor="ctr" bIns="121900" lIns="121900" spcFirstLastPara="1" rIns="121900" wrap="square" tIns="121900">
+            <a:bodyPr spcFirstLastPara="1" wrap="square" lIns="121900" tIns="121900" rIns="121900" bIns="121900" anchor="ctr" anchorCtr="0">
               <a:noAutofit/>
             </a:bodyPr>
             <a:lstStyle/>
             <a:p>
-              <a:pPr indent="0" lvl="0" marL="0" rtl="0" algn="l">
+              <a:pPr marL="0" lvl="0" indent="0" algn="l" rtl="0">
                 <a:spcBef>
                   <a:spcPts val="0"/>
                 </a:spcBef>
@@ -3608,9 +3699,6 @@
                 </a:spcAft>
                 <a:buNone/>
               </a:pPr>
-              <a:r>
-                <a:t/>
-              </a:r>
               <a:endParaRPr/>
             </a:p>
           </p:txBody>
@@ -3628,7 +3716,7 @@
             </a:xfrm>
             <a:prstGeom prst="diagStripe">
               <a:avLst>
-                <a:gd fmla="val 50000" name="adj"/>
+                <a:gd name="adj" fmla="val 50000"/>
               </a:avLst>
             </a:prstGeom>
             <a:solidFill>
@@ -3641,12 +3729,12 @@
             </a:ln>
           </p:spPr>
           <p:txBody>
-            <a:bodyPr anchorCtr="0" anchor="ctr" bIns="121900" lIns="121900" spcFirstLastPara="1" rIns="121900" wrap="square" tIns="121900">
+            <a:bodyPr spcFirstLastPara="1" wrap="square" lIns="121900" tIns="121900" rIns="121900" bIns="121900" anchor="ctr" anchorCtr="0">
               <a:noAutofit/>
             </a:bodyPr>
             <a:lstStyle/>
             <a:p>
-              <a:pPr indent="0" lvl="0" marL="0" rtl="0" algn="l">
+              <a:pPr marL="0" lvl="0" indent="0" algn="l" rtl="0">
                 <a:spcBef>
                   <a:spcPts val="0"/>
                 </a:spcBef>
@@ -3655,9 +3743,6 @@
                 </a:spcAft>
                 <a:buNone/>
               </a:pPr>
-              <a:r>
-                <a:t/>
-              </a:r>
               <a:endParaRPr/>
             </a:p>
           </p:txBody>
@@ -3675,7 +3760,7 @@
             </a:xfrm>
             <a:prstGeom prst="diagStripe">
               <a:avLst>
-                <a:gd fmla="val 50000" name="adj"/>
+                <a:gd name="adj" fmla="val 50000"/>
               </a:avLst>
             </a:prstGeom>
             <a:solidFill>
@@ -3688,12 +3773,12 @@
             </a:ln>
           </p:spPr>
           <p:txBody>
-            <a:bodyPr anchorCtr="0" anchor="ctr" bIns="121900" lIns="121900" spcFirstLastPara="1" rIns="121900" wrap="square" tIns="121900">
+            <a:bodyPr spcFirstLastPara="1" wrap="square" lIns="121900" tIns="121900" rIns="121900" bIns="121900" anchor="ctr" anchorCtr="0">
               <a:noAutofit/>
             </a:bodyPr>
             <a:lstStyle/>
             <a:p>
-              <a:pPr indent="0" lvl="0" marL="0" rtl="0" algn="l">
+              <a:pPr marL="0" lvl="0" indent="0" algn="l" rtl="0">
                 <a:spcBef>
                   <a:spcPts val="0"/>
                 </a:spcBef>
@@ -3702,9 +3787,6 @@
                 </a:spcAft>
                 <a:buNone/>
               </a:pPr>
-              <a:r>
-                <a:t/>
-              </a:r>
               <a:endParaRPr/>
             </a:p>
           </p:txBody>
@@ -3722,7 +3804,7 @@
             </a:xfrm>
             <a:prstGeom prst="diagStripe">
               <a:avLst>
-                <a:gd fmla="val 50000" name="adj"/>
+                <a:gd name="adj" fmla="val 50000"/>
               </a:avLst>
             </a:prstGeom>
             <a:solidFill>
@@ -3735,12 +3817,12 @@
             </a:ln>
           </p:spPr>
           <p:txBody>
-            <a:bodyPr anchorCtr="0" anchor="ctr" bIns="121900" lIns="121900" spcFirstLastPara="1" rIns="121900" wrap="square" tIns="121900">
+            <a:bodyPr spcFirstLastPara="1" wrap="square" lIns="121900" tIns="121900" rIns="121900" bIns="121900" anchor="ctr" anchorCtr="0">
               <a:noAutofit/>
             </a:bodyPr>
             <a:lstStyle/>
             <a:p>
-              <a:pPr indent="0" lvl="0" marL="0" rtl="0" algn="l">
+              <a:pPr marL="0" lvl="0" indent="0" algn="l" rtl="0">
                 <a:spcBef>
                   <a:spcPts val="0"/>
                 </a:spcBef>
@@ -3749,9 +3831,6 @@
                 </a:spcAft>
                 <a:buNone/>
               </a:pPr>
-              <a:r>
-                <a:t/>
-              </a:r>
               <a:endParaRPr/>
             </a:p>
           </p:txBody>
@@ -3769,7 +3848,7 @@
             </a:xfrm>
             <a:prstGeom prst="diagStripe">
               <a:avLst>
-                <a:gd fmla="val 50000" name="adj"/>
+                <a:gd name="adj" fmla="val 50000"/>
               </a:avLst>
             </a:prstGeom>
             <a:solidFill>
@@ -3782,12 +3861,12 @@
             </a:ln>
           </p:spPr>
           <p:txBody>
-            <a:bodyPr anchorCtr="0" anchor="ctr" bIns="121900" lIns="121900" spcFirstLastPara="1" rIns="121900" wrap="square" tIns="121900">
+            <a:bodyPr spcFirstLastPara="1" wrap="square" lIns="121900" tIns="121900" rIns="121900" bIns="121900" anchor="ctr" anchorCtr="0">
               <a:noAutofit/>
             </a:bodyPr>
             <a:lstStyle/>
             <a:p>
-              <a:pPr indent="0" lvl="0" marL="0" rtl="0" algn="l">
+              <a:pPr marL="0" lvl="0" indent="0" algn="l" rtl="0">
                 <a:spcBef>
                   <a:spcPts val="0"/>
                 </a:spcBef>
@@ -3796,9 +3875,6 @@
                 </a:spcAft>
                 <a:buNone/>
               </a:pPr>
-              <a:r>
-                <a:t/>
-              </a:r>
               <a:endParaRPr/>
             </a:p>
           </p:txBody>
@@ -3816,7 +3892,7 @@
             </a:xfrm>
             <a:prstGeom prst="diagStripe">
               <a:avLst>
-                <a:gd fmla="val 50000" name="adj"/>
+                <a:gd name="adj" fmla="val 50000"/>
               </a:avLst>
             </a:prstGeom>
             <a:solidFill>
@@ -3829,12 +3905,12 @@
             </a:ln>
           </p:spPr>
           <p:txBody>
-            <a:bodyPr anchorCtr="0" anchor="ctr" bIns="121900" lIns="121900" spcFirstLastPara="1" rIns="121900" wrap="square" tIns="121900">
+            <a:bodyPr spcFirstLastPara="1" wrap="square" lIns="121900" tIns="121900" rIns="121900" bIns="121900" anchor="ctr" anchorCtr="0">
               <a:noAutofit/>
             </a:bodyPr>
             <a:lstStyle/>
             <a:p>
-              <a:pPr indent="0" lvl="0" marL="0" rtl="0" algn="l">
+              <a:pPr marL="0" lvl="0" indent="0" algn="l" rtl="0">
                 <a:spcBef>
                   <a:spcPts val="0"/>
                 </a:spcBef>
@@ -3843,9 +3919,6 @@
                 </a:spcAft>
                 <a:buNone/>
               </a:pPr>
-              <a:r>
-                <a:t/>
-              </a:r>
               <a:endParaRPr/>
             </a:p>
           </p:txBody>
@@ -3863,7 +3936,7 @@
             </a:xfrm>
             <a:prstGeom prst="diagStripe">
               <a:avLst>
-                <a:gd fmla="val 50000" name="adj"/>
+                <a:gd name="adj" fmla="val 50000"/>
               </a:avLst>
             </a:prstGeom>
             <a:solidFill>
@@ -3874,12 +3947,12 @@
             </a:ln>
           </p:spPr>
           <p:txBody>
-            <a:bodyPr anchorCtr="0" anchor="ctr" bIns="121900" lIns="121900" spcFirstLastPara="1" rIns="121900" wrap="square" tIns="121900">
+            <a:bodyPr spcFirstLastPara="1" wrap="square" lIns="121900" tIns="121900" rIns="121900" bIns="121900" anchor="ctr" anchorCtr="0">
               <a:noAutofit/>
             </a:bodyPr>
             <a:lstStyle/>
             <a:p>
-              <a:pPr indent="0" lvl="0" marL="0" rtl="0" algn="l">
+              <a:pPr marL="0" lvl="0" indent="0" algn="l" rtl="0">
                 <a:spcBef>
                   <a:spcPts val="0"/>
                 </a:spcBef>
@@ -3888,9 +3961,6 @@
                 </a:spcAft>
                 <a:buNone/>
               </a:pPr>
-              <a:r>
-                <a:t/>
-              </a:r>
               <a:endParaRPr/>
             </a:p>
           </p:txBody>
@@ -3908,7 +3978,7 @@
             </a:xfrm>
             <a:prstGeom prst="diagStripe">
               <a:avLst>
-                <a:gd fmla="val 50000" name="adj"/>
+                <a:gd name="adj" fmla="val 50000"/>
               </a:avLst>
             </a:prstGeom>
             <a:solidFill>
@@ -3921,12 +3991,12 @@
             </a:ln>
           </p:spPr>
           <p:txBody>
-            <a:bodyPr anchorCtr="0" anchor="ctr" bIns="121900" lIns="121900" spcFirstLastPara="1" rIns="121900" wrap="square" tIns="121900">
+            <a:bodyPr spcFirstLastPara="1" wrap="square" lIns="121900" tIns="121900" rIns="121900" bIns="121900" anchor="ctr" anchorCtr="0">
               <a:noAutofit/>
             </a:bodyPr>
             <a:lstStyle/>
             <a:p>
-              <a:pPr indent="0" lvl="0" marL="0" rtl="0" algn="l">
+              <a:pPr marL="0" lvl="0" indent="0" algn="l" rtl="0">
                 <a:spcBef>
                   <a:spcPts val="0"/>
                 </a:spcBef>
@@ -3935,9 +4005,6 @@
                 </a:spcAft>
                 <a:buNone/>
               </a:pPr>
-              <a:r>
-                <a:t/>
-              </a:r>
               <a:endParaRPr/>
             </a:p>
           </p:txBody>
@@ -3955,7 +4022,7 @@
             </a:xfrm>
             <a:prstGeom prst="diagStripe">
               <a:avLst>
-                <a:gd fmla="val 50000" name="adj"/>
+                <a:gd name="adj" fmla="val 50000"/>
               </a:avLst>
             </a:prstGeom>
             <a:solidFill>
@@ -3968,12 +4035,12 @@
             </a:ln>
           </p:spPr>
           <p:txBody>
-            <a:bodyPr anchorCtr="0" anchor="ctr" bIns="121900" lIns="121900" spcFirstLastPara="1" rIns="121900" wrap="square" tIns="121900">
+            <a:bodyPr spcFirstLastPara="1" wrap="square" lIns="121900" tIns="121900" rIns="121900" bIns="121900" anchor="ctr" anchorCtr="0">
               <a:noAutofit/>
             </a:bodyPr>
             <a:lstStyle/>
             <a:p>
-              <a:pPr indent="0" lvl="0" marL="0" rtl="0" algn="l">
+              <a:pPr marL="0" lvl="0" indent="0" algn="l" rtl="0">
                 <a:spcBef>
                   <a:spcPts val="0"/>
                 </a:spcBef>
@@ -3982,9 +4049,6 @@
                 </a:spcAft>
                 <a:buNone/>
               </a:pPr>
-              <a:r>
-                <a:t/>
-              </a:r>
               <a:endParaRPr/>
             </a:p>
           </p:txBody>
@@ -4002,7 +4066,7 @@
             </a:xfrm>
             <a:prstGeom prst="diagStripe">
               <a:avLst>
-                <a:gd fmla="val 50000" name="adj"/>
+                <a:gd name="adj" fmla="val 50000"/>
               </a:avLst>
             </a:prstGeom>
             <a:solidFill>
@@ -4015,12 +4079,12 @@
             </a:ln>
           </p:spPr>
           <p:txBody>
-            <a:bodyPr anchorCtr="0" anchor="ctr" bIns="121900" lIns="121900" spcFirstLastPara="1" rIns="121900" wrap="square" tIns="121900">
+            <a:bodyPr spcFirstLastPara="1" wrap="square" lIns="121900" tIns="121900" rIns="121900" bIns="121900" anchor="ctr" anchorCtr="0">
               <a:noAutofit/>
             </a:bodyPr>
             <a:lstStyle/>
             <a:p>
-              <a:pPr indent="0" lvl="0" marL="0" rtl="0" algn="l">
+              <a:pPr marL="0" lvl="0" indent="0" algn="l" rtl="0">
                 <a:spcBef>
                   <a:spcPts val="0"/>
                 </a:spcBef>
@@ -4029,9 +4093,6 @@
                 </a:spcAft>
                 <a:buNone/>
               </a:pPr>
-              <a:r>
-                <a:t/>
-              </a:r>
               <a:endParaRPr/>
             </a:p>
           </p:txBody>
@@ -4049,7 +4110,7 @@
             </a:xfrm>
             <a:prstGeom prst="diagStripe">
               <a:avLst>
-                <a:gd fmla="val 50000" name="adj"/>
+                <a:gd name="adj" fmla="val 50000"/>
               </a:avLst>
             </a:prstGeom>
             <a:solidFill>
@@ -4062,12 +4123,12 @@
             </a:ln>
           </p:spPr>
           <p:txBody>
-            <a:bodyPr anchorCtr="0" anchor="ctr" bIns="121900" lIns="121900" spcFirstLastPara="1" rIns="121900" wrap="square" tIns="121900">
+            <a:bodyPr spcFirstLastPara="1" wrap="square" lIns="121900" tIns="121900" rIns="121900" bIns="121900" anchor="ctr" anchorCtr="0">
               <a:noAutofit/>
             </a:bodyPr>
             <a:lstStyle/>
             <a:p>
-              <a:pPr indent="0" lvl="0" marL="0" rtl="0" algn="l">
+              <a:pPr marL="0" lvl="0" indent="0" algn="l" rtl="0">
                 <a:spcBef>
                   <a:spcPts val="0"/>
                 </a:spcBef>
@@ -4076,9 +4137,6 @@
                 </a:spcAft>
                 <a:buNone/>
               </a:pPr>
-              <a:r>
-                <a:t/>
-              </a:r>
               <a:endParaRPr/>
             </a:p>
           </p:txBody>
@@ -4087,9 +4145,11 @@
       <p:sp>
         <p:nvSpPr>
           <p:cNvPr id="125" name="Google Shape;125;p11"/>
-          <p:cNvSpPr txBox="1"/>
+          <p:cNvSpPr txBox="1">
+            <a:spLocks noGrp="1"/>
+          </p:cNvSpPr>
           <p:nvPr>
-            <p:ph hasCustomPrompt="1" type="title"/>
+            <p:ph type="title" hasCustomPrompt="1"/>
           </p:nvPr>
         </p:nvSpPr>
         <p:spPr>
@@ -4102,7 +4162,7 @@
           </a:prstGeom>
         </p:spPr>
         <p:txBody>
-          <a:bodyPr anchorCtr="0" anchor="t" bIns="121900" lIns="121900" spcFirstLastPara="1" rIns="121900" wrap="square" tIns="121900">
+          <a:bodyPr spcFirstLastPara="1" wrap="square" lIns="121900" tIns="121900" rIns="121900" bIns="121900" anchor="t" anchorCtr="0">
             <a:normAutofit/>
           </a:bodyPr>
           <a:lstStyle>
@@ -4216,9 +4276,11 @@
       <p:sp>
         <p:nvSpPr>
           <p:cNvPr id="126" name="Google Shape;126;p11"/>
-          <p:cNvSpPr txBox="1"/>
+          <p:cNvSpPr txBox="1">
+            <a:spLocks noGrp="1"/>
+          </p:cNvSpPr>
           <p:nvPr>
-            <p:ph idx="1" type="body"/>
+            <p:ph type="body" idx="1"/>
           </p:nvPr>
         </p:nvSpPr>
         <p:spPr>
@@ -4231,11 +4293,11 @@
           </a:prstGeom>
         </p:spPr>
         <p:txBody>
-          <a:bodyPr anchorCtr="0" anchor="t" bIns="121900" lIns="121900" spcFirstLastPara="1" rIns="121900" wrap="square" tIns="121900">
+          <a:bodyPr spcFirstLastPara="1" wrap="square" lIns="121900" tIns="121900" rIns="121900" bIns="121900" anchor="t" anchorCtr="0">
             <a:normAutofit/>
           </a:bodyPr>
           <a:lstStyle>
-            <a:lvl1pPr indent="-336550" lvl="0" marL="457200">
+            <a:lvl1pPr marL="457200" lvl="0" indent="-336550">
               <a:spcBef>
                 <a:spcPts val="0"/>
               </a:spcBef>
@@ -4246,7 +4308,7 @@
               <a:buChar char="●"/>
               <a:defRPr/>
             </a:lvl1pPr>
-            <a:lvl2pPr indent="-323850" lvl="1" marL="914400">
+            <a:lvl2pPr marL="914400" lvl="1" indent="-323850">
               <a:spcBef>
                 <a:spcPts val="0"/>
               </a:spcBef>
@@ -4257,7 +4319,7 @@
               <a:buChar char="○"/>
               <a:defRPr/>
             </a:lvl2pPr>
-            <a:lvl3pPr indent="-323850" lvl="2" marL="1371600">
+            <a:lvl3pPr marL="1371600" lvl="2" indent="-323850">
               <a:spcBef>
                 <a:spcPts val="0"/>
               </a:spcBef>
@@ -4268,7 +4330,7 @@
               <a:buChar char="■"/>
               <a:defRPr/>
             </a:lvl3pPr>
-            <a:lvl4pPr indent="-323850" lvl="3" marL="1828800">
+            <a:lvl4pPr marL="1828800" lvl="3" indent="-323850">
               <a:spcBef>
                 <a:spcPts val="0"/>
               </a:spcBef>
@@ -4279,7 +4341,7 @@
               <a:buChar char="●"/>
               <a:defRPr/>
             </a:lvl4pPr>
-            <a:lvl5pPr indent="-323850" lvl="4" marL="2286000">
+            <a:lvl5pPr marL="2286000" lvl="4" indent="-323850">
               <a:spcBef>
                 <a:spcPts val="0"/>
               </a:spcBef>
@@ -4290,7 +4352,7 @@
               <a:buChar char="○"/>
               <a:defRPr/>
             </a:lvl5pPr>
-            <a:lvl6pPr indent="-323850" lvl="5" marL="2743200">
+            <a:lvl6pPr marL="2743200" lvl="5" indent="-323850">
               <a:spcBef>
                 <a:spcPts val="0"/>
               </a:spcBef>
@@ -4301,7 +4363,7 @@
               <a:buChar char="■"/>
               <a:defRPr/>
             </a:lvl6pPr>
-            <a:lvl7pPr indent="-323850" lvl="6" marL="3200400">
+            <a:lvl7pPr marL="3200400" lvl="6" indent="-323850">
               <a:spcBef>
                 <a:spcPts val="0"/>
               </a:spcBef>
@@ -4312,7 +4374,7 @@
               <a:buChar char="●"/>
               <a:defRPr/>
             </a:lvl7pPr>
-            <a:lvl8pPr indent="-323850" lvl="7" marL="3657600">
+            <a:lvl8pPr marL="3657600" lvl="7" indent="-323850">
               <a:spcBef>
                 <a:spcPts val="0"/>
               </a:spcBef>
@@ -4323,7 +4385,7 @@
               <a:buChar char="○"/>
               <a:defRPr/>
             </a:lvl8pPr>
-            <a:lvl9pPr indent="-323850" lvl="8" marL="4114800">
+            <a:lvl9pPr marL="4114800" lvl="8" indent="-323850">
               <a:spcBef>
                 <a:spcPts val="0"/>
               </a:spcBef>
@@ -4335,15 +4397,19 @@
               <a:defRPr/>
             </a:lvl9pPr>
           </a:lstStyle>
-          <a:p/>
+          <a:p>
+            <a:endParaRPr/>
+          </a:p>
         </p:txBody>
       </p:sp>
       <p:sp>
         <p:nvSpPr>
           <p:cNvPr id="127" name="Google Shape;127;p11"/>
-          <p:cNvSpPr txBox="1"/>
+          <p:cNvSpPr txBox="1">
+            <a:spLocks noGrp="1"/>
+          </p:cNvSpPr>
           <p:nvPr>
-            <p:ph idx="12" type="sldNum"/>
+            <p:ph type="sldNum" idx="12"/>
           </p:nvPr>
         </p:nvSpPr>
         <p:spPr>
@@ -4356,7 +4422,7 @@
           </a:prstGeom>
         </p:spPr>
         <p:txBody>
-          <a:bodyPr anchorCtr="0" anchor="ctr" bIns="121900" lIns="121900" spcFirstLastPara="1" rIns="121900" wrap="square" tIns="121900">
+          <a:bodyPr spcFirstLastPara="1" wrap="square" lIns="121900" tIns="121900" rIns="121900" bIns="121900" anchor="ctr" anchorCtr="0">
             <a:normAutofit/>
           </a:bodyPr>
           <a:lstStyle>
@@ -4398,7 +4464,7 @@
             </a:lvl9pPr>
           </a:lstStyle>
           <a:p>
-            <a:pPr indent="0" lvl="0" marL="0" rtl="0" algn="r">
+            <a:pPr marL="0" lvl="0" indent="0" algn="r" rtl="0">
               <a:spcBef>
                 <a:spcPts val="0"/>
               </a:spcBef>
@@ -4424,11 +4490,11 @@
 </file>
 
 <file path=ppt/slideLayouts/slideLayout11.xml><?xml version="1.0" encoding="utf-8"?>
-<p:sldLayout xmlns:a="http://schemas.openxmlformats.org/drawingml/2006/main" xmlns:r="http://schemas.openxmlformats.org/officeDocument/2006/relationships" xmlns:mc="http://schemas.openxmlformats.org/markup-compatibility/2006" xmlns:mv="urn:schemas-microsoft-com:mac:vml" xmlns:p="http://schemas.openxmlformats.org/presentationml/2006/main" xmlns:c="http://schemas.openxmlformats.org/drawingml/2006/chart" xmlns:dgm="http://schemas.openxmlformats.org/drawingml/2006/diagram" xmlns:o="urn:schemas-microsoft-com:office:office" xmlns:v="urn:schemas-microsoft-com:vml" xmlns:pvml="urn:schemas-microsoft-com:office:powerpoint" xmlns:com="http://schemas.openxmlformats.org/drawingml/2006/compatibility" xmlns:p14="http://schemas.microsoft.com/office/powerpoint/2010/main" xmlns:p15="http://schemas.microsoft.com/office/powerpoint/2012/main" xmlns:ahyp="http://schemas.microsoft.com/office/drawing/2018/hyperlinkcolor" matchingName="Blank" type="blank">
+<p:sldLayout xmlns:a="http://schemas.openxmlformats.org/drawingml/2006/main" xmlns:r="http://schemas.openxmlformats.org/officeDocument/2006/relationships" xmlns:p="http://schemas.openxmlformats.org/presentationml/2006/main" matchingName="Blank" type="blank">
   <p:cSld name="BLANK">
     <p:spTree>
       <p:nvGrpSpPr>
-        <p:cNvPr id="128" name="Shape 128"/>
+        <p:cNvPr id="1" name="Shape 128"/>
         <p:cNvGrpSpPr/>
         <p:nvPr/>
       </p:nvGrpSpPr>
@@ -4443,9 +4509,11 @@
       <p:sp>
         <p:nvSpPr>
           <p:cNvPr id="129" name="Google Shape;129;p12"/>
-          <p:cNvSpPr txBox="1"/>
+          <p:cNvSpPr txBox="1">
+            <a:spLocks noGrp="1"/>
+          </p:cNvSpPr>
           <p:nvPr>
-            <p:ph idx="12" type="sldNum"/>
+            <p:ph type="sldNum" idx="12"/>
           </p:nvPr>
         </p:nvSpPr>
         <p:spPr>
@@ -4458,7 +4526,7 @@
           </a:prstGeom>
         </p:spPr>
         <p:txBody>
-          <a:bodyPr anchorCtr="0" anchor="ctr" bIns="121900" lIns="121900" spcFirstLastPara="1" rIns="121900" wrap="square" tIns="121900">
+          <a:bodyPr spcFirstLastPara="1" wrap="square" lIns="121900" tIns="121900" rIns="121900" bIns="121900" anchor="ctr" anchorCtr="0">
             <a:normAutofit/>
           </a:bodyPr>
           <a:lstStyle>
@@ -4500,7 +4568,7 @@
             </a:lvl9pPr>
           </a:lstStyle>
           <a:p>
-            <a:pPr indent="0" lvl="0" marL="0" rtl="0" algn="r">
+            <a:pPr marL="0" lvl="0" indent="0" algn="r" rtl="0">
               <a:spcBef>
                 <a:spcPts val="0"/>
               </a:spcBef>
@@ -4526,11 +4594,11 @@
 </file>
 
 <file path=ppt/slideLayouts/slideLayout12.xml><?xml version="1.0" encoding="utf-8"?>
-<p:sldLayout xmlns:a="http://schemas.openxmlformats.org/drawingml/2006/main" xmlns:r="http://schemas.openxmlformats.org/officeDocument/2006/relationships" xmlns:mc="http://schemas.openxmlformats.org/markup-compatibility/2006" xmlns:mv="urn:schemas-microsoft-com:mac:vml" xmlns:p="http://schemas.openxmlformats.org/presentationml/2006/main" xmlns:c="http://schemas.openxmlformats.org/drawingml/2006/chart" xmlns:dgm="http://schemas.openxmlformats.org/drawingml/2006/diagram" xmlns:o="urn:schemas-microsoft-com:office:office" xmlns:v="urn:schemas-microsoft-com:vml" xmlns:pvml="urn:schemas-microsoft-com:office:powerpoint" xmlns:com="http://schemas.openxmlformats.org/drawingml/2006/compatibility" xmlns:p14="http://schemas.microsoft.com/office/powerpoint/2010/main" xmlns:p15="http://schemas.microsoft.com/office/powerpoint/2012/main" xmlns:ahyp="http://schemas.microsoft.com/office/drawing/2018/hyperlinkcolor" matchingName="Title and Content" type="obj">
+<p:sldLayout xmlns:a="http://schemas.openxmlformats.org/drawingml/2006/main" xmlns:r="http://schemas.openxmlformats.org/officeDocument/2006/relationships" xmlns:p="http://schemas.openxmlformats.org/presentationml/2006/main" matchingName="Title and Content" type="obj">
   <p:cSld name="OBJECT">
     <p:spTree>
       <p:nvGrpSpPr>
-        <p:cNvPr id="130" name="Shape 130"/>
+        <p:cNvPr id="1" name="Shape 130"/>
         <p:cNvGrpSpPr/>
         <p:nvPr/>
       </p:nvGrpSpPr>
@@ -4545,7 +4613,9 @@
       <p:sp>
         <p:nvSpPr>
           <p:cNvPr id="131" name="Google Shape;131;p13"/>
-          <p:cNvSpPr txBox="1"/>
+          <p:cNvSpPr txBox="1">
+            <a:spLocks noGrp="1"/>
+          </p:cNvSpPr>
           <p:nvPr>
             <p:ph type="title"/>
           </p:nvPr>
@@ -4564,11 +4634,11 @@
           </a:ln>
         </p:spPr>
         <p:txBody>
-          <a:bodyPr anchorCtr="0" anchor="ctr" bIns="45700" lIns="91425" spcFirstLastPara="1" rIns="91425" wrap="square" tIns="45700">
+          <a:bodyPr spcFirstLastPara="1" wrap="square" lIns="91425" tIns="45700" rIns="91425" bIns="45700" anchor="ctr" anchorCtr="0">
             <a:normAutofit/>
           </a:bodyPr>
           <a:lstStyle>
-            <a:lvl1pPr lvl="0" rtl="0" algn="l">
+            <a:lvl1pPr lvl="0" algn="l" rtl="0">
               <a:lnSpc>
                 <a:spcPct val="90000"/>
               </a:lnSpc>
@@ -4674,15 +4744,19 @@
               <a:defRPr/>
             </a:lvl9pPr>
           </a:lstStyle>
-          <a:p/>
+          <a:p>
+            <a:endParaRPr/>
+          </a:p>
         </p:txBody>
       </p:sp>
       <p:sp>
         <p:nvSpPr>
           <p:cNvPr id="132" name="Google Shape;132;p13"/>
-          <p:cNvSpPr txBox="1"/>
+          <p:cNvSpPr txBox="1">
+            <a:spLocks noGrp="1"/>
+          </p:cNvSpPr>
           <p:nvPr>
-            <p:ph idx="1" type="body"/>
+            <p:ph type="body" idx="1"/>
           </p:nvPr>
         </p:nvSpPr>
         <p:spPr>
@@ -4699,11 +4773,11 @@
           </a:ln>
         </p:spPr>
         <p:txBody>
-          <a:bodyPr anchorCtr="0" anchor="t" bIns="45700" lIns="91425" spcFirstLastPara="1" rIns="91425" wrap="square" tIns="45700">
+          <a:bodyPr spcFirstLastPara="1" wrap="square" lIns="91425" tIns="45700" rIns="91425" bIns="45700" anchor="t" anchorCtr="0">
             <a:normAutofit/>
           </a:bodyPr>
           <a:lstStyle>
-            <a:lvl1pPr indent="-342900" lvl="0" marL="457200" rtl="0" algn="l">
+            <a:lvl1pPr marL="457200" lvl="0" indent="-342900" algn="l" rtl="0">
               <a:lnSpc>
                 <a:spcPct val="90000"/>
               </a:lnSpc>
@@ -4720,7 +4794,7 @@
               <a:buChar char="●"/>
               <a:defRPr/>
             </a:lvl1pPr>
-            <a:lvl2pPr indent="-342900" lvl="1" marL="914400" rtl="0" algn="l">
+            <a:lvl2pPr marL="914400" lvl="1" indent="-342900" algn="l" rtl="0">
               <a:lnSpc>
                 <a:spcPct val="90000"/>
               </a:lnSpc>
@@ -4737,7 +4811,7 @@
               <a:buChar char="○"/>
               <a:defRPr/>
             </a:lvl2pPr>
-            <a:lvl3pPr indent="-342900" lvl="2" marL="1371600" rtl="0" algn="l">
+            <a:lvl3pPr marL="1371600" lvl="2" indent="-342900" algn="l" rtl="0">
               <a:lnSpc>
                 <a:spcPct val="90000"/>
               </a:lnSpc>
@@ -4754,7 +4828,7 @@
               <a:buChar char="■"/>
               <a:defRPr/>
             </a:lvl3pPr>
-            <a:lvl4pPr indent="-342900" lvl="3" marL="1828800" rtl="0" algn="l">
+            <a:lvl4pPr marL="1828800" lvl="3" indent="-342900" algn="l" rtl="0">
               <a:lnSpc>
                 <a:spcPct val="90000"/>
               </a:lnSpc>
@@ -4771,7 +4845,7 @@
               <a:buChar char="●"/>
               <a:defRPr/>
             </a:lvl4pPr>
-            <a:lvl5pPr indent="-342900" lvl="4" marL="2286000" rtl="0" algn="l">
+            <a:lvl5pPr marL="2286000" lvl="4" indent="-342900" algn="l" rtl="0">
               <a:lnSpc>
                 <a:spcPct val="90000"/>
               </a:lnSpc>
@@ -4788,7 +4862,7 @@
               <a:buChar char="○"/>
               <a:defRPr/>
             </a:lvl5pPr>
-            <a:lvl6pPr indent="-342900" lvl="5" marL="2743200" rtl="0" algn="l">
+            <a:lvl6pPr marL="2743200" lvl="5" indent="-342900" algn="l" rtl="0">
               <a:lnSpc>
                 <a:spcPct val="90000"/>
               </a:lnSpc>
@@ -4805,7 +4879,7 @@
               <a:buChar char="■"/>
               <a:defRPr/>
             </a:lvl6pPr>
-            <a:lvl7pPr indent="-342900" lvl="6" marL="3200400" rtl="0" algn="l">
+            <a:lvl7pPr marL="3200400" lvl="6" indent="-342900" algn="l" rtl="0">
               <a:lnSpc>
                 <a:spcPct val="90000"/>
               </a:lnSpc>
@@ -4822,7 +4896,7 @@
               <a:buChar char="●"/>
               <a:defRPr/>
             </a:lvl7pPr>
-            <a:lvl8pPr indent="-342900" lvl="7" marL="3657600" rtl="0" algn="l">
+            <a:lvl8pPr marL="3657600" lvl="7" indent="-342900" algn="l" rtl="0">
               <a:lnSpc>
                 <a:spcPct val="90000"/>
               </a:lnSpc>
@@ -4839,7 +4913,7 @@
               <a:buChar char="○"/>
               <a:defRPr/>
             </a:lvl8pPr>
-            <a:lvl9pPr indent="-342900" lvl="8" marL="4114800" rtl="0" algn="l">
+            <a:lvl9pPr marL="4114800" lvl="8" indent="-342900" algn="l" rtl="0">
               <a:lnSpc>
                 <a:spcPct val="90000"/>
               </a:lnSpc>
@@ -4857,15 +4931,19 @@
               <a:defRPr/>
             </a:lvl9pPr>
           </a:lstStyle>
-          <a:p/>
+          <a:p>
+            <a:endParaRPr/>
+          </a:p>
         </p:txBody>
       </p:sp>
       <p:sp>
         <p:nvSpPr>
           <p:cNvPr id="133" name="Google Shape;133;p13"/>
-          <p:cNvSpPr txBox="1"/>
+          <p:cNvSpPr txBox="1">
+            <a:spLocks noGrp="1"/>
+          </p:cNvSpPr>
           <p:nvPr>
-            <p:ph idx="10" type="dt"/>
+            <p:ph type="dt" idx="10"/>
           </p:nvPr>
         </p:nvSpPr>
         <p:spPr>
@@ -4882,11 +4960,11 @@
           </a:ln>
         </p:spPr>
         <p:txBody>
-          <a:bodyPr anchorCtr="0" anchor="ctr" bIns="45700" lIns="91425" spcFirstLastPara="1" rIns="91425" wrap="square" tIns="45700">
+          <a:bodyPr spcFirstLastPara="1" wrap="square" lIns="91425" tIns="45700" rIns="91425" bIns="45700" anchor="ctr" anchorCtr="0">
             <a:noAutofit/>
           </a:bodyPr>
           <a:lstStyle>
-            <a:lvl1pPr lvl="0" rtl="0" algn="l">
+            <a:lvl1pPr lvl="0" algn="l" rtl="0">
               <a:spcBef>
                 <a:spcPts val="0"/>
               </a:spcBef>
@@ -4897,7 +4975,7 @@
               <a:buNone/>
               <a:defRPr/>
             </a:lvl1pPr>
-            <a:lvl2pPr lvl="1" rtl="0" algn="l">
+            <a:lvl2pPr lvl="1" algn="l" rtl="0">
               <a:spcBef>
                 <a:spcPts val="0"/>
               </a:spcBef>
@@ -4908,7 +4986,7 @@
               <a:buNone/>
               <a:defRPr/>
             </a:lvl2pPr>
-            <a:lvl3pPr lvl="2" rtl="0" algn="l">
+            <a:lvl3pPr lvl="2" algn="l" rtl="0">
               <a:spcBef>
                 <a:spcPts val="0"/>
               </a:spcBef>
@@ -4919,7 +4997,7 @@
               <a:buNone/>
               <a:defRPr/>
             </a:lvl3pPr>
-            <a:lvl4pPr lvl="3" rtl="0" algn="l">
+            <a:lvl4pPr lvl="3" algn="l" rtl="0">
               <a:spcBef>
                 <a:spcPts val="0"/>
               </a:spcBef>
@@ -4930,7 +5008,7 @@
               <a:buNone/>
               <a:defRPr/>
             </a:lvl4pPr>
-            <a:lvl5pPr lvl="4" rtl="0" algn="l">
+            <a:lvl5pPr lvl="4" algn="l" rtl="0">
               <a:spcBef>
                 <a:spcPts val="0"/>
               </a:spcBef>
@@ -4941,7 +5019,7 @@
               <a:buNone/>
               <a:defRPr/>
             </a:lvl5pPr>
-            <a:lvl6pPr lvl="5" rtl="0" algn="l">
+            <a:lvl6pPr lvl="5" algn="l" rtl="0">
               <a:spcBef>
                 <a:spcPts val="0"/>
               </a:spcBef>
@@ -4952,7 +5030,7 @@
               <a:buNone/>
               <a:defRPr/>
             </a:lvl6pPr>
-            <a:lvl7pPr lvl="6" rtl="0" algn="l">
+            <a:lvl7pPr lvl="6" algn="l" rtl="0">
               <a:spcBef>
                 <a:spcPts val="0"/>
               </a:spcBef>
@@ -4963,7 +5041,7 @@
               <a:buNone/>
               <a:defRPr/>
             </a:lvl7pPr>
-            <a:lvl8pPr lvl="7" rtl="0" algn="l">
+            <a:lvl8pPr lvl="7" algn="l" rtl="0">
               <a:spcBef>
                 <a:spcPts val="0"/>
               </a:spcBef>
@@ -4974,7 +5052,7 @@
               <a:buNone/>
               <a:defRPr/>
             </a:lvl8pPr>
-            <a:lvl9pPr lvl="8" rtl="0" algn="l">
+            <a:lvl9pPr lvl="8" algn="l" rtl="0">
               <a:spcBef>
                 <a:spcPts val="0"/>
               </a:spcBef>
@@ -4986,15 +5064,19 @@
               <a:defRPr/>
             </a:lvl9pPr>
           </a:lstStyle>
-          <a:p/>
+          <a:p>
+            <a:endParaRPr/>
+          </a:p>
         </p:txBody>
       </p:sp>
       <p:sp>
         <p:nvSpPr>
           <p:cNvPr id="134" name="Google Shape;134;p13"/>
-          <p:cNvSpPr txBox="1"/>
+          <p:cNvSpPr txBox="1">
+            <a:spLocks noGrp="1"/>
+          </p:cNvSpPr>
           <p:nvPr>
-            <p:ph idx="11" type="ftr"/>
+            <p:ph type="ftr" idx="11"/>
           </p:nvPr>
         </p:nvSpPr>
         <p:spPr>
@@ -5011,11 +5093,11 @@
           </a:ln>
         </p:spPr>
         <p:txBody>
-          <a:bodyPr anchorCtr="0" anchor="ctr" bIns="45700" lIns="91425" spcFirstLastPara="1" rIns="91425" wrap="square" tIns="45700">
+          <a:bodyPr spcFirstLastPara="1" wrap="square" lIns="91425" tIns="45700" rIns="91425" bIns="45700" anchor="ctr" anchorCtr="0">
             <a:noAutofit/>
           </a:bodyPr>
           <a:lstStyle>
-            <a:lvl1pPr lvl="0" rtl="0" algn="ctr">
+            <a:lvl1pPr lvl="0" algn="ctr" rtl="0">
               <a:spcBef>
                 <a:spcPts val="0"/>
               </a:spcBef>
@@ -5026,7 +5108,7 @@
               <a:buNone/>
               <a:defRPr/>
             </a:lvl1pPr>
-            <a:lvl2pPr lvl="1" rtl="0" algn="l">
+            <a:lvl2pPr lvl="1" algn="l" rtl="0">
               <a:spcBef>
                 <a:spcPts val="0"/>
               </a:spcBef>
@@ -5037,7 +5119,7 @@
               <a:buNone/>
               <a:defRPr/>
             </a:lvl2pPr>
-            <a:lvl3pPr lvl="2" rtl="0" algn="l">
+            <a:lvl3pPr lvl="2" algn="l" rtl="0">
               <a:spcBef>
                 <a:spcPts val="0"/>
               </a:spcBef>
@@ -5048,7 +5130,7 @@
               <a:buNone/>
               <a:defRPr/>
             </a:lvl3pPr>
-            <a:lvl4pPr lvl="3" rtl="0" algn="l">
+            <a:lvl4pPr lvl="3" algn="l" rtl="0">
               <a:spcBef>
                 <a:spcPts val="0"/>
               </a:spcBef>
@@ -5059,7 +5141,7 @@
               <a:buNone/>
               <a:defRPr/>
             </a:lvl4pPr>
-            <a:lvl5pPr lvl="4" rtl="0" algn="l">
+            <a:lvl5pPr lvl="4" algn="l" rtl="0">
               <a:spcBef>
                 <a:spcPts val="0"/>
               </a:spcBef>
@@ -5070,7 +5152,7 @@
               <a:buNone/>
               <a:defRPr/>
             </a:lvl5pPr>
-            <a:lvl6pPr lvl="5" rtl="0" algn="l">
+            <a:lvl6pPr lvl="5" algn="l" rtl="0">
               <a:spcBef>
                 <a:spcPts val="0"/>
               </a:spcBef>
@@ -5081,7 +5163,7 @@
               <a:buNone/>
               <a:defRPr/>
             </a:lvl6pPr>
-            <a:lvl7pPr lvl="6" rtl="0" algn="l">
+            <a:lvl7pPr lvl="6" algn="l" rtl="0">
               <a:spcBef>
                 <a:spcPts val="0"/>
               </a:spcBef>
@@ -5092,7 +5174,7 @@
               <a:buNone/>
               <a:defRPr/>
             </a:lvl7pPr>
-            <a:lvl8pPr lvl="7" rtl="0" algn="l">
+            <a:lvl8pPr lvl="7" algn="l" rtl="0">
               <a:spcBef>
                 <a:spcPts val="0"/>
               </a:spcBef>
@@ -5103,7 +5185,7 @@
               <a:buNone/>
               <a:defRPr/>
             </a:lvl8pPr>
-            <a:lvl9pPr lvl="8" rtl="0" algn="l">
+            <a:lvl9pPr lvl="8" algn="l" rtl="0">
               <a:spcBef>
                 <a:spcPts val="0"/>
               </a:spcBef>
@@ -5115,15 +5197,19 @@
               <a:defRPr/>
             </a:lvl9pPr>
           </a:lstStyle>
-          <a:p/>
+          <a:p>
+            <a:endParaRPr/>
+          </a:p>
         </p:txBody>
       </p:sp>
       <p:sp>
         <p:nvSpPr>
           <p:cNvPr id="135" name="Google Shape;135;p13"/>
-          <p:cNvSpPr txBox="1"/>
+          <p:cNvSpPr txBox="1">
+            <a:spLocks noGrp="1"/>
+          </p:cNvSpPr>
           <p:nvPr>
-            <p:ph idx="12" type="sldNum"/>
+            <p:ph type="sldNum" idx="12"/>
           </p:nvPr>
         </p:nvSpPr>
         <p:spPr>
@@ -5140,67 +5226,67 @@
           </a:ln>
         </p:spPr>
         <p:txBody>
-          <a:bodyPr anchorCtr="0" anchor="ctr" bIns="45700" lIns="91425" spcFirstLastPara="1" rIns="91425" wrap="square" tIns="45700">
+          <a:bodyPr spcFirstLastPara="1" wrap="square" lIns="91425" tIns="45700" rIns="91425" bIns="45700" anchor="ctr" anchorCtr="0">
             <a:normAutofit/>
           </a:bodyPr>
           <a:lstStyle>
-            <a:lvl1pPr indent="0" lvl="0" marL="0" rtl="0" algn="r">
+            <a:lvl1pPr marL="0" lvl="0" indent="0" algn="r" rtl="0">
               <a:spcBef>
                 <a:spcPts val="0"/>
               </a:spcBef>
               <a:buNone/>
               <a:defRPr/>
             </a:lvl1pPr>
-            <a:lvl2pPr indent="0" lvl="1" marL="0" rtl="0" algn="r">
+            <a:lvl2pPr marL="0" lvl="1" indent="0" algn="r" rtl="0">
               <a:spcBef>
                 <a:spcPts val="0"/>
               </a:spcBef>
               <a:buNone/>
               <a:defRPr/>
             </a:lvl2pPr>
-            <a:lvl3pPr indent="0" lvl="2" marL="0" rtl="0" algn="r">
+            <a:lvl3pPr marL="0" lvl="2" indent="0" algn="r" rtl="0">
               <a:spcBef>
                 <a:spcPts val="0"/>
               </a:spcBef>
               <a:buNone/>
               <a:defRPr/>
             </a:lvl3pPr>
-            <a:lvl4pPr indent="0" lvl="3" marL="0" rtl="0" algn="r">
+            <a:lvl4pPr marL="0" lvl="3" indent="0" algn="r" rtl="0">
               <a:spcBef>
                 <a:spcPts val="0"/>
               </a:spcBef>
               <a:buNone/>
               <a:defRPr/>
             </a:lvl4pPr>
-            <a:lvl5pPr indent="0" lvl="4" marL="0" rtl="0" algn="r">
+            <a:lvl5pPr marL="0" lvl="4" indent="0" algn="r" rtl="0">
               <a:spcBef>
                 <a:spcPts val="0"/>
               </a:spcBef>
               <a:buNone/>
               <a:defRPr/>
             </a:lvl5pPr>
-            <a:lvl6pPr indent="0" lvl="5" marL="0" rtl="0" algn="r">
+            <a:lvl6pPr marL="0" lvl="5" indent="0" algn="r" rtl="0">
               <a:spcBef>
                 <a:spcPts val="0"/>
               </a:spcBef>
               <a:buNone/>
               <a:defRPr/>
             </a:lvl6pPr>
-            <a:lvl7pPr indent="0" lvl="6" marL="0" rtl="0" algn="r">
+            <a:lvl7pPr marL="0" lvl="6" indent="0" algn="r" rtl="0">
               <a:spcBef>
                 <a:spcPts val="0"/>
               </a:spcBef>
               <a:buNone/>
               <a:defRPr/>
             </a:lvl7pPr>
-            <a:lvl8pPr indent="0" lvl="7" marL="0" rtl="0" algn="r">
+            <a:lvl8pPr marL="0" lvl="7" indent="0" algn="r" rtl="0">
               <a:spcBef>
                 <a:spcPts val="0"/>
               </a:spcBef>
               <a:buNone/>
               <a:defRPr/>
             </a:lvl8pPr>
-            <a:lvl9pPr indent="0" lvl="8" marL="0" rtl="0" algn="r">
+            <a:lvl9pPr marL="0" lvl="8" indent="0" algn="r" rtl="0">
               <a:spcBef>
                 <a:spcPts val="0"/>
               </a:spcBef>
@@ -5209,7 +5295,7 @@
             </a:lvl9pPr>
           </a:lstStyle>
           <a:p>
-            <a:pPr indent="0" lvl="0" marL="0" rtl="0" algn="r">
+            <a:pPr marL="0" lvl="0" indent="0" algn="r" rtl="0">
               <a:spcBef>
                 <a:spcPts val="0"/>
               </a:spcBef>
@@ -5235,11 +5321,11 @@
 </file>
 
 <file path=ppt/slideLayouts/slideLayout2.xml><?xml version="1.0" encoding="utf-8"?>
-<p:sldLayout xmlns:a="http://schemas.openxmlformats.org/drawingml/2006/main" xmlns:r="http://schemas.openxmlformats.org/officeDocument/2006/relationships" xmlns:mc="http://schemas.openxmlformats.org/markup-compatibility/2006" xmlns:mv="urn:schemas-microsoft-com:mac:vml" xmlns:p="http://schemas.openxmlformats.org/presentationml/2006/main" xmlns:c="http://schemas.openxmlformats.org/drawingml/2006/chart" xmlns:dgm="http://schemas.openxmlformats.org/drawingml/2006/diagram" xmlns:o="urn:schemas-microsoft-com:office:office" xmlns:v="urn:schemas-microsoft-com:vml" xmlns:pvml="urn:schemas-microsoft-com:office:powerpoint" xmlns:com="http://schemas.openxmlformats.org/drawingml/2006/compatibility" xmlns:p14="http://schemas.microsoft.com/office/powerpoint/2010/main" xmlns:p15="http://schemas.microsoft.com/office/powerpoint/2012/main" xmlns:ahyp="http://schemas.microsoft.com/office/drawing/2018/hyperlinkcolor" matchingName="Section header" type="secHead">
+<p:sldLayout xmlns:a="http://schemas.openxmlformats.org/drawingml/2006/main" xmlns:r="http://schemas.openxmlformats.org/officeDocument/2006/relationships" xmlns:p="http://schemas.openxmlformats.org/presentationml/2006/main" matchingName="Section header" type="secHead">
   <p:cSld name="SECTION_HEADER">
     <p:spTree>
       <p:nvGrpSpPr>
-        <p:cNvPr id="19" name="Shape 19"/>
+        <p:cNvPr id="1" name="Shape 19"/>
         <p:cNvGrpSpPr/>
         <p:nvPr/>
       </p:nvGrpSpPr>
@@ -5278,7 +5364,7 @@
             </a:xfrm>
             <a:prstGeom prst="diagStripe">
               <a:avLst>
-                <a:gd fmla="val 49469" name="adj"/>
+                <a:gd name="adj" fmla="val 49469"/>
               </a:avLst>
             </a:prstGeom>
             <a:solidFill>
@@ -5291,12 +5377,12 @@
             </a:ln>
           </p:spPr>
           <p:txBody>
-            <a:bodyPr anchorCtr="0" anchor="ctr" bIns="121900" lIns="121900" spcFirstLastPara="1" rIns="121900" wrap="square" tIns="121900">
+            <a:bodyPr spcFirstLastPara="1" wrap="square" lIns="121900" tIns="121900" rIns="121900" bIns="121900" anchor="ctr" anchorCtr="0">
               <a:noAutofit/>
             </a:bodyPr>
             <a:lstStyle/>
             <a:p>
-              <a:pPr indent="0" lvl="0" marL="0" rtl="0" algn="l">
+              <a:pPr marL="0" lvl="0" indent="0" algn="l" rtl="0">
                 <a:spcBef>
                   <a:spcPts val="0"/>
                 </a:spcBef>
@@ -5305,9 +5391,6 @@
                 </a:spcAft>
                 <a:buNone/>
               </a:pPr>
-              <a:r>
-                <a:t/>
-              </a:r>
               <a:endParaRPr/>
             </a:p>
           </p:txBody>
@@ -5325,7 +5408,7 @@
             </a:xfrm>
             <a:prstGeom prst="diagStripe">
               <a:avLst>
-                <a:gd fmla="val 0" name="adj"/>
+                <a:gd name="adj" fmla="val 0"/>
               </a:avLst>
             </a:prstGeom>
             <a:solidFill>
@@ -5338,12 +5421,12 @@
             </a:ln>
           </p:spPr>
           <p:txBody>
-            <a:bodyPr anchorCtr="0" anchor="ctr" bIns="121900" lIns="121900" spcFirstLastPara="1" rIns="121900" wrap="square" tIns="121900">
+            <a:bodyPr spcFirstLastPara="1" wrap="square" lIns="121900" tIns="121900" rIns="121900" bIns="121900" anchor="ctr" anchorCtr="0">
               <a:noAutofit/>
             </a:bodyPr>
             <a:lstStyle/>
             <a:p>
-              <a:pPr indent="0" lvl="0" marL="0" rtl="0" algn="l">
+              <a:pPr marL="0" lvl="0" indent="0" algn="l" rtl="0">
                 <a:spcBef>
                   <a:spcPts val="0"/>
                 </a:spcBef>
@@ -5352,9 +5435,6 @@
                 </a:spcAft>
                 <a:buNone/>
               </a:pPr>
-              <a:r>
-                <a:t/>
-              </a:r>
               <a:endParaRPr/>
             </a:p>
           </p:txBody>
@@ -5372,7 +5452,7 @@
             </a:xfrm>
             <a:prstGeom prst="diagStripe">
               <a:avLst>
-                <a:gd fmla="val 50000" name="adj"/>
+                <a:gd name="adj" fmla="val 50000"/>
               </a:avLst>
             </a:prstGeom>
             <a:solidFill>
@@ -5385,12 +5465,12 @@
             </a:ln>
           </p:spPr>
           <p:txBody>
-            <a:bodyPr anchorCtr="0" anchor="ctr" bIns="121900" lIns="121900" spcFirstLastPara="1" rIns="121900" wrap="square" tIns="121900">
+            <a:bodyPr spcFirstLastPara="1" wrap="square" lIns="121900" tIns="121900" rIns="121900" bIns="121900" anchor="ctr" anchorCtr="0">
               <a:noAutofit/>
             </a:bodyPr>
             <a:lstStyle/>
             <a:p>
-              <a:pPr indent="0" lvl="0" marL="0" rtl="0" algn="l">
+              <a:pPr marL="0" lvl="0" indent="0" algn="l" rtl="0">
                 <a:spcBef>
                   <a:spcPts val="0"/>
                 </a:spcBef>
@@ -5399,9 +5479,6 @@
                 </a:spcAft>
                 <a:buNone/>
               </a:pPr>
-              <a:r>
-                <a:t/>
-              </a:r>
               <a:endParaRPr/>
             </a:p>
           </p:txBody>
@@ -5419,7 +5496,7 @@
             </a:xfrm>
             <a:prstGeom prst="diagStripe">
               <a:avLst>
-                <a:gd fmla="val 50000" name="adj"/>
+                <a:gd name="adj" fmla="val 50000"/>
               </a:avLst>
             </a:prstGeom>
             <a:solidFill>
@@ -5432,12 +5509,12 @@
             </a:ln>
           </p:spPr>
           <p:txBody>
-            <a:bodyPr anchorCtr="0" anchor="ctr" bIns="121900" lIns="121900" spcFirstLastPara="1" rIns="121900" wrap="square" tIns="121900">
+            <a:bodyPr spcFirstLastPara="1" wrap="square" lIns="121900" tIns="121900" rIns="121900" bIns="121900" anchor="ctr" anchorCtr="0">
               <a:noAutofit/>
             </a:bodyPr>
             <a:lstStyle/>
             <a:p>
-              <a:pPr indent="0" lvl="0" marL="0" rtl="0" algn="l">
+              <a:pPr marL="0" lvl="0" indent="0" algn="l" rtl="0">
                 <a:spcBef>
                   <a:spcPts val="0"/>
                 </a:spcBef>
@@ -5446,9 +5523,6 @@
                 </a:spcAft>
                 <a:buNone/>
               </a:pPr>
-              <a:r>
-                <a:t/>
-              </a:r>
               <a:endParaRPr/>
             </a:p>
           </p:txBody>
@@ -5466,7 +5540,7 @@
             </a:xfrm>
             <a:prstGeom prst="diagStripe">
               <a:avLst>
-                <a:gd fmla="val 50000" name="adj"/>
+                <a:gd name="adj" fmla="val 50000"/>
               </a:avLst>
             </a:prstGeom>
             <a:solidFill>
@@ -5479,12 +5553,12 @@
             </a:ln>
           </p:spPr>
           <p:txBody>
-            <a:bodyPr anchorCtr="0" anchor="ctr" bIns="121900" lIns="121900" spcFirstLastPara="1" rIns="121900" wrap="square" tIns="121900">
+            <a:bodyPr spcFirstLastPara="1" wrap="square" lIns="121900" tIns="121900" rIns="121900" bIns="121900" anchor="ctr" anchorCtr="0">
               <a:noAutofit/>
             </a:bodyPr>
             <a:lstStyle/>
             <a:p>
-              <a:pPr indent="0" lvl="0" marL="0" rtl="0" algn="l">
+              <a:pPr marL="0" lvl="0" indent="0" algn="l" rtl="0">
                 <a:spcBef>
                   <a:spcPts val="0"/>
                 </a:spcBef>
@@ -5493,9 +5567,6 @@
                 </a:spcAft>
                 <a:buNone/>
               </a:pPr>
-              <a:r>
-                <a:t/>
-              </a:r>
               <a:endParaRPr/>
             </a:p>
           </p:txBody>
@@ -5513,7 +5584,7 @@
             </a:xfrm>
             <a:prstGeom prst="diagStripe">
               <a:avLst>
-                <a:gd fmla="val 50000" name="adj"/>
+                <a:gd name="adj" fmla="val 50000"/>
               </a:avLst>
             </a:prstGeom>
             <a:solidFill>
@@ -5526,12 +5597,12 @@
             </a:ln>
           </p:spPr>
           <p:txBody>
-            <a:bodyPr anchorCtr="0" anchor="ctr" bIns="121900" lIns="121900" spcFirstLastPara="1" rIns="121900" wrap="square" tIns="121900">
+            <a:bodyPr spcFirstLastPara="1" wrap="square" lIns="121900" tIns="121900" rIns="121900" bIns="121900" anchor="ctr" anchorCtr="0">
               <a:noAutofit/>
             </a:bodyPr>
             <a:lstStyle/>
             <a:p>
-              <a:pPr indent="0" lvl="0" marL="0" rtl="0" algn="l">
+              <a:pPr marL="0" lvl="0" indent="0" algn="l" rtl="0">
                 <a:spcBef>
                   <a:spcPts val="0"/>
                 </a:spcBef>
@@ -5540,9 +5611,6 @@
                 </a:spcAft>
                 <a:buNone/>
               </a:pPr>
-              <a:r>
-                <a:t/>
-              </a:r>
               <a:endParaRPr/>
             </a:p>
           </p:txBody>
@@ -5560,7 +5628,7 @@
             </a:xfrm>
             <a:prstGeom prst="diagStripe">
               <a:avLst>
-                <a:gd fmla="val 50000" name="adj"/>
+                <a:gd name="adj" fmla="val 50000"/>
               </a:avLst>
             </a:prstGeom>
             <a:solidFill>
@@ -5573,12 +5641,12 @@
             </a:ln>
           </p:spPr>
           <p:txBody>
-            <a:bodyPr anchorCtr="0" anchor="ctr" bIns="121900" lIns="121900" spcFirstLastPara="1" rIns="121900" wrap="square" tIns="121900">
+            <a:bodyPr spcFirstLastPara="1" wrap="square" lIns="121900" tIns="121900" rIns="121900" bIns="121900" anchor="ctr" anchorCtr="0">
               <a:noAutofit/>
             </a:bodyPr>
             <a:lstStyle/>
             <a:p>
-              <a:pPr indent="0" lvl="0" marL="0" rtl="0" algn="l">
+              <a:pPr marL="0" lvl="0" indent="0" algn="l" rtl="0">
                 <a:spcBef>
                   <a:spcPts val="0"/>
                 </a:spcBef>
@@ -5587,9 +5655,6 @@
                 </a:spcAft>
                 <a:buNone/>
               </a:pPr>
-              <a:r>
-                <a:t/>
-              </a:r>
               <a:endParaRPr/>
             </a:p>
           </p:txBody>
@@ -5607,7 +5672,7 @@
             </a:xfrm>
             <a:prstGeom prst="diagStripe">
               <a:avLst>
-                <a:gd fmla="val 50000" name="adj"/>
+                <a:gd name="adj" fmla="val 50000"/>
               </a:avLst>
             </a:prstGeom>
             <a:solidFill>
@@ -5618,12 +5683,12 @@
             </a:ln>
           </p:spPr>
           <p:txBody>
-            <a:bodyPr anchorCtr="0" anchor="ctr" bIns="121900" lIns="121900" spcFirstLastPara="1" rIns="121900" wrap="square" tIns="121900">
+            <a:bodyPr spcFirstLastPara="1" wrap="square" lIns="121900" tIns="121900" rIns="121900" bIns="121900" anchor="ctr" anchorCtr="0">
               <a:noAutofit/>
             </a:bodyPr>
             <a:lstStyle/>
             <a:p>
-              <a:pPr indent="0" lvl="0" marL="0" rtl="0" algn="l">
+              <a:pPr marL="0" lvl="0" indent="0" algn="l" rtl="0">
                 <a:spcBef>
                   <a:spcPts val="0"/>
                 </a:spcBef>
@@ -5632,9 +5697,6 @@
                 </a:spcAft>
                 <a:buNone/>
               </a:pPr>
-              <a:r>
-                <a:t/>
-              </a:r>
               <a:endParaRPr/>
             </a:p>
           </p:txBody>
@@ -5652,7 +5714,7 @@
             </a:xfrm>
             <a:prstGeom prst="diagStripe">
               <a:avLst>
-                <a:gd fmla="val 50000" name="adj"/>
+                <a:gd name="adj" fmla="val 50000"/>
               </a:avLst>
             </a:prstGeom>
             <a:solidFill>
@@ -5665,12 +5727,12 @@
             </a:ln>
           </p:spPr>
           <p:txBody>
-            <a:bodyPr anchorCtr="0" anchor="ctr" bIns="121900" lIns="121900" spcFirstLastPara="1" rIns="121900" wrap="square" tIns="121900">
+            <a:bodyPr spcFirstLastPara="1" wrap="square" lIns="121900" tIns="121900" rIns="121900" bIns="121900" anchor="ctr" anchorCtr="0">
               <a:noAutofit/>
             </a:bodyPr>
             <a:lstStyle/>
             <a:p>
-              <a:pPr indent="0" lvl="0" marL="0" rtl="0" algn="l">
+              <a:pPr marL="0" lvl="0" indent="0" algn="l" rtl="0">
                 <a:spcBef>
                   <a:spcPts val="0"/>
                 </a:spcBef>
@@ -5679,9 +5741,6 @@
                 </a:spcAft>
                 <a:buNone/>
               </a:pPr>
-              <a:r>
-                <a:t/>
-              </a:r>
               <a:endParaRPr/>
             </a:p>
           </p:txBody>
@@ -5699,7 +5758,7 @@
             </a:xfrm>
             <a:prstGeom prst="diagStripe">
               <a:avLst>
-                <a:gd fmla="val 50000" name="adj"/>
+                <a:gd name="adj" fmla="val 50000"/>
               </a:avLst>
             </a:prstGeom>
             <a:solidFill>
@@ -5712,12 +5771,12 @@
             </a:ln>
           </p:spPr>
           <p:txBody>
-            <a:bodyPr anchorCtr="0" anchor="ctr" bIns="121900" lIns="121900" spcFirstLastPara="1" rIns="121900" wrap="square" tIns="121900">
+            <a:bodyPr spcFirstLastPara="1" wrap="square" lIns="121900" tIns="121900" rIns="121900" bIns="121900" anchor="ctr" anchorCtr="0">
               <a:noAutofit/>
             </a:bodyPr>
             <a:lstStyle/>
             <a:p>
-              <a:pPr indent="0" lvl="0" marL="0" rtl="0" algn="l">
+              <a:pPr marL="0" lvl="0" indent="0" algn="l" rtl="0">
                 <a:spcBef>
                   <a:spcPts val="0"/>
                 </a:spcBef>
@@ -5726,9 +5785,6 @@
                 </a:spcAft>
                 <a:buNone/>
               </a:pPr>
-              <a:r>
-                <a:t/>
-              </a:r>
               <a:endParaRPr/>
             </a:p>
           </p:txBody>
@@ -5746,7 +5802,7 @@
             </a:xfrm>
             <a:prstGeom prst="diagStripe">
               <a:avLst>
-                <a:gd fmla="val 50000" name="adj"/>
+                <a:gd name="adj" fmla="val 50000"/>
               </a:avLst>
             </a:prstGeom>
             <a:solidFill>
@@ -5759,12 +5815,12 @@
             </a:ln>
           </p:spPr>
           <p:txBody>
-            <a:bodyPr anchorCtr="0" anchor="ctr" bIns="121900" lIns="121900" spcFirstLastPara="1" rIns="121900" wrap="square" tIns="121900">
+            <a:bodyPr spcFirstLastPara="1" wrap="square" lIns="121900" tIns="121900" rIns="121900" bIns="121900" anchor="ctr" anchorCtr="0">
               <a:noAutofit/>
             </a:bodyPr>
             <a:lstStyle/>
             <a:p>
-              <a:pPr indent="0" lvl="0" marL="0" rtl="0" algn="l">
+              <a:pPr marL="0" lvl="0" indent="0" algn="l" rtl="0">
                 <a:spcBef>
                   <a:spcPts val="0"/>
                 </a:spcBef>
@@ -5773,9 +5829,6 @@
                 </a:spcAft>
                 <a:buNone/>
               </a:pPr>
-              <a:r>
-                <a:t/>
-              </a:r>
               <a:endParaRPr/>
             </a:p>
           </p:txBody>
@@ -5793,7 +5846,7 @@
             </a:xfrm>
             <a:prstGeom prst="diagStripe">
               <a:avLst>
-                <a:gd fmla="val 50000" name="adj"/>
+                <a:gd name="adj" fmla="val 50000"/>
               </a:avLst>
             </a:prstGeom>
             <a:solidFill>
@@ -5806,12 +5859,12 @@
             </a:ln>
           </p:spPr>
           <p:txBody>
-            <a:bodyPr anchorCtr="0" anchor="ctr" bIns="121900" lIns="121900" spcFirstLastPara="1" rIns="121900" wrap="square" tIns="121900">
+            <a:bodyPr spcFirstLastPara="1" wrap="square" lIns="121900" tIns="121900" rIns="121900" bIns="121900" anchor="ctr" anchorCtr="0">
               <a:noAutofit/>
             </a:bodyPr>
             <a:lstStyle/>
             <a:p>
-              <a:pPr indent="0" lvl="0" marL="0" rtl="0" algn="l">
+              <a:pPr marL="0" lvl="0" indent="0" algn="l" rtl="0">
                 <a:spcBef>
                   <a:spcPts val="0"/>
                 </a:spcBef>
@@ -5820,9 +5873,6 @@
                 </a:spcAft>
                 <a:buNone/>
               </a:pPr>
-              <a:r>
-                <a:t/>
-              </a:r>
               <a:endParaRPr/>
             </a:p>
           </p:txBody>
@@ -5840,7 +5890,7 @@
             </a:xfrm>
             <a:prstGeom prst="diagStripe">
               <a:avLst>
-                <a:gd fmla="val 50000" name="adj"/>
+                <a:gd name="adj" fmla="val 50000"/>
               </a:avLst>
             </a:prstGeom>
             <a:solidFill>
@@ -5853,12 +5903,12 @@
             </a:ln>
           </p:spPr>
           <p:txBody>
-            <a:bodyPr anchorCtr="0" anchor="ctr" bIns="121900" lIns="121900" spcFirstLastPara="1" rIns="121900" wrap="square" tIns="121900">
+            <a:bodyPr spcFirstLastPara="1" wrap="square" lIns="121900" tIns="121900" rIns="121900" bIns="121900" anchor="ctr" anchorCtr="0">
               <a:noAutofit/>
             </a:bodyPr>
             <a:lstStyle/>
             <a:p>
-              <a:pPr indent="0" lvl="0" marL="0" rtl="0" algn="l">
+              <a:pPr marL="0" lvl="0" indent="0" algn="l" rtl="0">
                 <a:spcBef>
                   <a:spcPts val="0"/>
                 </a:spcBef>
@@ -5867,9 +5917,6 @@
                 </a:spcAft>
                 <a:buNone/>
               </a:pPr>
-              <a:r>
-                <a:t/>
-              </a:r>
               <a:endParaRPr/>
             </a:p>
           </p:txBody>
@@ -5887,7 +5934,7 @@
             </a:xfrm>
             <a:prstGeom prst="diagStripe">
               <a:avLst>
-                <a:gd fmla="val 50000" name="adj"/>
+                <a:gd name="adj" fmla="val 50000"/>
               </a:avLst>
             </a:prstGeom>
             <a:solidFill>
@@ -5898,12 +5945,12 @@
             </a:ln>
           </p:spPr>
           <p:txBody>
-            <a:bodyPr anchorCtr="0" anchor="ctr" bIns="121900" lIns="121900" spcFirstLastPara="1" rIns="121900" wrap="square" tIns="121900">
+            <a:bodyPr spcFirstLastPara="1" wrap="square" lIns="121900" tIns="121900" rIns="121900" bIns="121900" anchor="ctr" anchorCtr="0">
               <a:noAutofit/>
             </a:bodyPr>
             <a:lstStyle/>
             <a:p>
-              <a:pPr indent="0" lvl="0" marL="0" rtl="0" algn="l">
+              <a:pPr marL="0" lvl="0" indent="0" algn="l" rtl="0">
                 <a:spcBef>
                   <a:spcPts val="0"/>
                 </a:spcBef>
@@ -5912,9 +5959,6 @@
                 </a:spcAft>
                 <a:buNone/>
               </a:pPr>
-              <a:r>
-                <a:t/>
-              </a:r>
               <a:endParaRPr/>
             </a:p>
           </p:txBody>
@@ -5932,7 +5976,7 @@
             </a:xfrm>
             <a:prstGeom prst="diagStripe">
               <a:avLst>
-                <a:gd fmla="val 50000" name="adj"/>
+                <a:gd name="adj" fmla="val 50000"/>
               </a:avLst>
             </a:prstGeom>
             <a:solidFill>
@@ -5945,12 +5989,12 @@
             </a:ln>
           </p:spPr>
           <p:txBody>
-            <a:bodyPr anchorCtr="0" anchor="ctr" bIns="121900" lIns="121900" spcFirstLastPara="1" rIns="121900" wrap="square" tIns="121900">
+            <a:bodyPr spcFirstLastPara="1" wrap="square" lIns="121900" tIns="121900" rIns="121900" bIns="121900" anchor="ctr" anchorCtr="0">
               <a:noAutofit/>
             </a:bodyPr>
             <a:lstStyle/>
             <a:p>
-              <a:pPr indent="0" lvl="0" marL="0" rtl="0" algn="l">
+              <a:pPr marL="0" lvl="0" indent="0" algn="l" rtl="0">
                 <a:spcBef>
                   <a:spcPts val="0"/>
                 </a:spcBef>
@@ -5959,9 +6003,6 @@
                 </a:spcAft>
                 <a:buNone/>
               </a:pPr>
-              <a:r>
-                <a:t/>
-              </a:r>
               <a:endParaRPr/>
             </a:p>
           </p:txBody>
@@ -5979,7 +6020,7 @@
             </a:xfrm>
             <a:prstGeom prst="diagStripe">
               <a:avLst>
-                <a:gd fmla="val 50000" name="adj"/>
+                <a:gd name="adj" fmla="val 50000"/>
               </a:avLst>
             </a:prstGeom>
             <a:solidFill>
@@ -5992,12 +6033,12 @@
             </a:ln>
           </p:spPr>
           <p:txBody>
-            <a:bodyPr anchorCtr="0" anchor="ctr" bIns="121900" lIns="121900" spcFirstLastPara="1" rIns="121900" wrap="square" tIns="121900">
+            <a:bodyPr spcFirstLastPara="1" wrap="square" lIns="121900" tIns="121900" rIns="121900" bIns="121900" anchor="ctr" anchorCtr="0">
               <a:noAutofit/>
             </a:bodyPr>
             <a:lstStyle/>
             <a:p>
-              <a:pPr indent="0" lvl="0" marL="0" rtl="0" algn="l">
+              <a:pPr marL="0" lvl="0" indent="0" algn="l" rtl="0">
                 <a:spcBef>
                   <a:spcPts val="0"/>
                 </a:spcBef>
@@ -6006,9 +6047,6 @@
                 </a:spcAft>
                 <a:buNone/>
               </a:pPr>
-              <a:r>
-                <a:t/>
-              </a:r>
               <a:endParaRPr/>
             </a:p>
           </p:txBody>
@@ -6026,7 +6064,7 @@
             </a:xfrm>
             <a:prstGeom prst="diagStripe">
               <a:avLst>
-                <a:gd fmla="val 50000" name="adj"/>
+                <a:gd name="adj" fmla="val 50000"/>
               </a:avLst>
             </a:prstGeom>
             <a:solidFill>
@@ -6039,12 +6077,12 @@
             </a:ln>
           </p:spPr>
           <p:txBody>
-            <a:bodyPr anchorCtr="0" anchor="ctr" bIns="121900" lIns="121900" spcFirstLastPara="1" rIns="121900" wrap="square" tIns="121900">
+            <a:bodyPr spcFirstLastPara="1" wrap="square" lIns="121900" tIns="121900" rIns="121900" bIns="121900" anchor="ctr" anchorCtr="0">
               <a:noAutofit/>
             </a:bodyPr>
             <a:lstStyle/>
             <a:p>
-              <a:pPr indent="0" lvl="0" marL="0" rtl="0" algn="l">
+              <a:pPr marL="0" lvl="0" indent="0" algn="l" rtl="0">
                 <a:spcBef>
                   <a:spcPts val="0"/>
                 </a:spcBef>
@@ -6053,9 +6091,6 @@
                 </a:spcAft>
                 <a:buNone/>
               </a:pPr>
-              <a:r>
-                <a:t/>
-              </a:r>
               <a:endParaRPr/>
             </a:p>
           </p:txBody>
@@ -6073,7 +6108,7 @@
             </a:xfrm>
             <a:prstGeom prst="diagStripe">
               <a:avLst>
-                <a:gd fmla="val 50000" name="adj"/>
+                <a:gd name="adj" fmla="val 50000"/>
               </a:avLst>
             </a:prstGeom>
             <a:solidFill>
@@ -6086,12 +6121,12 @@
             </a:ln>
           </p:spPr>
           <p:txBody>
-            <a:bodyPr anchorCtr="0" anchor="ctr" bIns="121900" lIns="121900" spcFirstLastPara="1" rIns="121900" wrap="square" tIns="121900">
+            <a:bodyPr spcFirstLastPara="1" wrap="square" lIns="121900" tIns="121900" rIns="121900" bIns="121900" anchor="ctr" anchorCtr="0">
               <a:noAutofit/>
             </a:bodyPr>
             <a:lstStyle/>
             <a:p>
-              <a:pPr indent="0" lvl="0" marL="0" rtl="0" algn="l">
+              <a:pPr marL="0" lvl="0" indent="0" algn="l" rtl="0">
                 <a:spcBef>
                   <a:spcPts val="0"/>
                 </a:spcBef>
@@ -6100,9 +6135,6 @@
                 </a:spcAft>
                 <a:buNone/>
               </a:pPr>
-              <a:r>
-                <a:t/>
-              </a:r>
               <a:endParaRPr/>
             </a:p>
           </p:txBody>
@@ -6111,7 +6143,9 @@
       <p:sp>
         <p:nvSpPr>
           <p:cNvPr id="39" name="Google Shape;39;p3"/>
-          <p:cNvSpPr txBox="1"/>
+          <p:cNvSpPr txBox="1">
+            <a:spLocks noGrp="1"/>
+          </p:cNvSpPr>
           <p:nvPr>
             <p:ph type="title"/>
           </p:nvPr>
@@ -6126,7 +6160,7 @@
           </a:prstGeom>
         </p:spPr>
         <p:txBody>
-          <a:bodyPr anchorCtr="0" anchor="ctr" bIns="121900" lIns="121900" spcFirstLastPara="1" rIns="121900" wrap="square" tIns="121900">
+          <a:bodyPr spcFirstLastPara="1" wrap="square" lIns="121900" tIns="121900" rIns="121900" bIns="121900" anchor="ctr" anchorCtr="0">
             <a:normAutofit/>
           </a:bodyPr>
           <a:lstStyle>
@@ -6230,15 +6264,19 @@
               <a:defRPr/>
             </a:lvl9pPr>
           </a:lstStyle>
-          <a:p/>
+          <a:p>
+            <a:endParaRPr/>
+          </a:p>
         </p:txBody>
       </p:sp>
       <p:sp>
         <p:nvSpPr>
           <p:cNvPr id="40" name="Google Shape;40;p3"/>
-          <p:cNvSpPr txBox="1"/>
+          <p:cNvSpPr txBox="1">
+            <a:spLocks noGrp="1"/>
+          </p:cNvSpPr>
           <p:nvPr>
-            <p:ph idx="12" type="sldNum"/>
+            <p:ph type="sldNum" idx="12"/>
           </p:nvPr>
         </p:nvSpPr>
         <p:spPr>
@@ -6251,7 +6289,7 @@
           </a:prstGeom>
         </p:spPr>
         <p:txBody>
-          <a:bodyPr anchorCtr="0" anchor="ctr" bIns="121900" lIns="121900" spcFirstLastPara="1" rIns="121900" wrap="square" tIns="121900">
+          <a:bodyPr spcFirstLastPara="1" wrap="square" lIns="121900" tIns="121900" rIns="121900" bIns="121900" anchor="ctr" anchorCtr="0">
             <a:normAutofit/>
           </a:bodyPr>
           <a:lstStyle>
@@ -6293,7 +6331,7 @@
             </a:lvl9pPr>
           </a:lstStyle>
           <a:p>
-            <a:pPr indent="0" lvl="0" marL="0" rtl="0" algn="r">
+            <a:pPr marL="0" lvl="0" indent="0" algn="r" rtl="0">
               <a:spcBef>
                 <a:spcPts val="0"/>
               </a:spcBef>
@@ -6319,11 +6357,11 @@
 </file>
 
 <file path=ppt/slideLayouts/slideLayout3.xml><?xml version="1.0" encoding="utf-8"?>
-<p:sldLayout xmlns:a="http://schemas.openxmlformats.org/drawingml/2006/main" xmlns:r="http://schemas.openxmlformats.org/officeDocument/2006/relationships" xmlns:mc="http://schemas.openxmlformats.org/markup-compatibility/2006" xmlns:mv="urn:schemas-microsoft-com:mac:vml" xmlns:p="http://schemas.openxmlformats.org/presentationml/2006/main" xmlns:c="http://schemas.openxmlformats.org/drawingml/2006/chart" xmlns:dgm="http://schemas.openxmlformats.org/drawingml/2006/diagram" xmlns:o="urn:schemas-microsoft-com:office:office" xmlns:v="urn:schemas-microsoft-com:vml" xmlns:pvml="urn:schemas-microsoft-com:office:powerpoint" xmlns:com="http://schemas.openxmlformats.org/drawingml/2006/compatibility" xmlns:p14="http://schemas.microsoft.com/office/powerpoint/2010/main" xmlns:p15="http://schemas.microsoft.com/office/powerpoint/2012/main" xmlns:ahyp="http://schemas.microsoft.com/office/drawing/2018/hyperlinkcolor" matchingName="Title and body" type="tx">
+<p:sldLayout xmlns:a="http://schemas.openxmlformats.org/drawingml/2006/main" xmlns:r="http://schemas.openxmlformats.org/officeDocument/2006/relationships" xmlns:p="http://schemas.openxmlformats.org/presentationml/2006/main" matchingName="Title and body" type="tx">
   <p:cSld name="TITLE_AND_BODY">
     <p:spTree>
       <p:nvGrpSpPr>
-        <p:cNvPr id="41" name="Shape 41"/>
+        <p:cNvPr id="1" name="Shape 41"/>
         <p:cNvGrpSpPr/>
         <p:nvPr/>
       </p:nvGrpSpPr>
@@ -6362,7 +6400,7 @@
             </a:xfrm>
             <a:prstGeom prst="diagStripe">
               <a:avLst>
-                <a:gd fmla="val 50000" name="adj"/>
+                <a:gd name="adj" fmla="val 50000"/>
               </a:avLst>
             </a:prstGeom>
             <a:solidFill>
@@ -6373,12 +6411,12 @@
             </a:ln>
           </p:spPr>
           <p:txBody>
-            <a:bodyPr anchorCtr="0" anchor="ctr" bIns="121900" lIns="121900" spcFirstLastPara="1" rIns="121900" wrap="square" tIns="121900">
+            <a:bodyPr spcFirstLastPara="1" wrap="square" lIns="121900" tIns="121900" rIns="121900" bIns="121900" anchor="ctr" anchorCtr="0">
               <a:noAutofit/>
             </a:bodyPr>
             <a:lstStyle/>
             <a:p>
-              <a:pPr indent="0" lvl="0" marL="0" rtl="0" algn="l">
+              <a:pPr marL="0" lvl="0" indent="0" algn="l" rtl="0">
                 <a:spcBef>
                   <a:spcPts val="0"/>
                 </a:spcBef>
@@ -6387,9 +6425,6 @@
                 </a:spcAft>
                 <a:buNone/>
               </a:pPr>
-              <a:r>
-                <a:t/>
-              </a:r>
               <a:endParaRPr/>
             </a:p>
           </p:txBody>
@@ -6407,7 +6442,7 @@
             </a:xfrm>
             <a:prstGeom prst="diagStripe">
               <a:avLst>
-                <a:gd fmla="val 50000" name="adj"/>
+                <a:gd name="adj" fmla="val 50000"/>
               </a:avLst>
             </a:prstGeom>
             <a:solidFill>
@@ -6418,12 +6453,12 @@
             </a:ln>
           </p:spPr>
           <p:txBody>
-            <a:bodyPr anchorCtr="0" anchor="ctr" bIns="121900" lIns="121900" spcFirstLastPara="1" rIns="121900" wrap="square" tIns="121900">
+            <a:bodyPr spcFirstLastPara="1" wrap="square" lIns="121900" tIns="121900" rIns="121900" bIns="121900" anchor="ctr" anchorCtr="0">
               <a:noAutofit/>
             </a:bodyPr>
             <a:lstStyle/>
             <a:p>
-              <a:pPr indent="0" lvl="0" marL="0" rtl="0" algn="l">
+              <a:pPr marL="0" lvl="0" indent="0" algn="l" rtl="0">
                 <a:spcBef>
                   <a:spcPts val="0"/>
                 </a:spcBef>
@@ -6432,9 +6467,6 @@
                 </a:spcAft>
                 <a:buNone/>
               </a:pPr>
-              <a:r>
-                <a:t/>
-              </a:r>
               <a:endParaRPr/>
             </a:p>
           </p:txBody>
@@ -6443,7 +6475,9 @@
       <p:sp>
         <p:nvSpPr>
           <p:cNvPr id="45" name="Google Shape;45;p4"/>
-          <p:cNvSpPr txBox="1"/>
+          <p:cNvSpPr txBox="1">
+            <a:spLocks noGrp="1"/>
+          </p:cNvSpPr>
           <p:nvPr>
             <p:ph type="title"/>
           </p:nvPr>
@@ -6458,7 +6492,7 @@
           </a:prstGeom>
         </p:spPr>
         <p:txBody>
-          <a:bodyPr anchorCtr="0" anchor="t" bIns="121900" lIns="121900" spcFirstLastPara="1" rIns="121900" wrap="square" tIns="121900">
+          <a:bodyPr spcFirstLastPara="1" wrap="square" lIns="121900" tIns="121900" rIns="121900" bIns="121900" anchor="t" anchorCtr="0">
             <a:normAutofit/>
           </a:bodyPr>
           <a:lstStyle>
@@ -6562,15 +6596,19 @@
               <a:defRPr sz="3200"/>
             </a:lvl9pPr>
           </a:lstStyle>
-          <a:p/>
+          <a:p>
+            <a:endParaRPr/>
+          </a:p>
         </p:txBody>
       </p:sp>
       <p:sp>
         <p:nvSpPr>
           <p:cNvPr id="46" name="Google Shape;46;p4"/>
-          <p:cNvSpPr txBox="1"/>
+          <p:cNvSpPr txBox="1">
+            <a:spLocks noGrp="1"/>
+          </p:cNvSpPr>
           <p:nvPr>
-            <p:ph idx="1" type="body"/>
+            <p:ph type="body" idx="1"/>
           </p:nvPr>
         </p:nvSpPr>
         <p:spPr>
@@ -6583,11 +6621,11 @@
           </a:prstGeom>
         </p:spPr>
         <p:txBody>
-          <a:bodyPr anchorCtr="0" anchor="t" bIns="121900" lIns="121900" spcFirstLastPara="1" rIns="121900" wrap="square" tIns="121900">
+          <a:bodyPr spcFirstLastPara="1" wrap="square" lIns="121900" tIns="121900" rIns="121900" bIns="121900" anchor="t" anchorCtr="0">
             <a:normAutofit/>
           </a:bodyPr>
           <a:lstStyle>
-            <a:lvl1pPr indent="-336550" lvl="0" marL="457200">
+            <a:lvl1pPr marL="457200" lvl="0" indent="-336550">
               <a:spcBef>
                 <a:spcPts val="0"/>
               </a:spcBef>
@@ -6598,7 +6636,7 @@
               <a:buChar char="●"/>
               <a:defRPr/>
             </a:lvl1pPr>
-            <a:lvl2pPr indent="-323850" lvl="1" marL="914400">
+            <a:lvl2pPr marL="914400" lvl="1" indent="-323850">
               <a:spcBef>
                 <a:spcPts val="0"/>
               </a:spcBef>
@@ -6609,7 +6647,7 @@
               <a:buChar char="○"/>
               <a:defRPr/>
             </a:lvl2pPr>
-            <a:lvl3pPr indent="-323850" lvl="2" marL="1371600">
+            <a:lvl3pPr marL="1371600" lvl="2" indent="-323850">
               <a:spcBef>
                 <a:spcPts val="0"/>
               </a:spcBef>
@@ -6620,7 +6658,7 @@
               <a:buChar char="■"/>
               <a:defRPr/>
             </a:lvl3pPr>
-            <a:lvl4pPr indent="-323850" lvl="3" marL="1828800">
+            <a:lvl4pPr marL="1828800" lvl="3" indent="-323850">
               <a:spcBef>
                 <a:spcPts val="0"/>
               </a:spcBef>
@@ -6631,7 +6669,7 @@
               <a:buChar char="●"/>
               <a:defRPr/>
             </a:lvl4pPr>
-            <a:lvl5pPr indent="-323850" lvl="4" marL="2286000">
+            <a:lvl5pPr marL="2286000" lvl="4" indent="-323850">
               <a:spcBef>
                 <a:spcPts val="0"/>
               </a:spcBef>
@@ -6642,7 +6680,7 @@
               <a:buChar char="○"/>
               <a:defRPr/>
             </a:lvl5pPr>
-            <a:lvl6pPr indent="-323850" lvl="5" marL="2743200">
+            <a:lvl6pPr marL="2743200" lvl="5" indent="-323850">
               <a:spcBef>
                 <a:spcPts val="0"/>
               </a:spcBef>
@@ -6653,7 +6691,7 @@
               <a:buChar char="■"/>
               <a:defRPr/>
             </a:lvl6pPr>
-            <a:lvl7pPr indent="-323850" lvl="6" marL="3200400">
+            <a:lvl7pPr marL="3200400" lvl="6" indent="-323850">
               <a:spcBef>
                 <a:spcPts val="0"/>
               </a:spcBef>
@@ -6664,7 +6702,7 @@
               <a:buChar char="●"/>
               <a:defRPr/>
             </a:lvl7pPr>
-            <a:lvl8pPr indent="-323850" lvl="7" marL="3657600">
+            <a:lvl8pPr marL="3657600" lvl="7" indent="-323850">
               <a:spcBef>
                 <a:spcPts val="0"/>
               </a:spcBef>
@@ -6675,7 +6713,7 @@
               <a:buChar char="○"/>
               <a:defRPr/>
             </a:lvl8pPr>
-            <a:lvl9pPr indent="-323850" lvl="8" marL="4114800">
+            <a:lvl9pPr marL="4114800" lvl="8" indent="-323850">
               <a:spcBef>
                 <a:spcPts val="0"/>
               </a:spcBef>
@@ -6687,15 +6725,19 @@
               <a:defRPr/>
             </a:lvl9pPr>
           </a:lstStyle>
-          <a:p/>
+          <a:p>
+            <a:endParaRPr/>
+          </a:p>
         </p:txBody>
       </p:sp>
       <p:sp>
         <p:nvSpPr>
           <p:cNvPr id="47" name="Google Shape;47;p4"/>
-          <p:cNvSpPr txBox="1"/>
+          <p:cNvSpPr txBox="1">
+            <a:spLocks noGrp="1"/>
+          </p:cNvSpPr>
           <p:nvPr>
-            <p:ph idx="12" type="sldNum"/>
+            <p:ph type="sldNum" idx="12"/>
           </p:nvPr>
         </p:nvSpPr>
         <p:spPr>
@@ -6708,7 +6750,7 @@
           </a:prstGeom>
         </p:spPr>
         <p:txBody>
-          <a:bodyPr anchorCtr="0" anchor="ctr" bIns="121900" lIns="121900" spcFirstLastPara="1" rIns="121900" wrap="square" tIns="121900">
+          <a:bodyPr spcFirstLastPara="1" wrap="square" lIns="121900" tIns="121900" rIns="121900" bIns="121900" anchor="ctr" anchorCtr="0">
             <a:normAutofit/>
           </a:bodyPr>
           <a:lstStyle>
@@ -6750,7 +6792,7 @@
             </a:lvl9pPr>
           </a:lstStyle>
           <a:p>
-            <a:pPr indent="0" lvl="0" marL="0" rtl="0" algn="r">
+            <a:pPr marL="0" lvl="0" indent="0" algn="r" rtl="0">
               <a:spcBef>
                 <a:spcPts val="0"/>
               </a:spcBef>
@@ -6776,11 +6818,11 @@
 </file>
 
 <file path=ppt/slideLayouts/slideLayout4.xml><?xml version="1.0" encoding="utf-8"?>
-<p:sldLayout xmlns:a="http://schemas.openxmlformats.org/drawingml/2006/main" xmlns:r="http://schemas.openxmlformats.org/officeDocument/2006/relationships" xmlns:mc="http://schemas.openxmlformats.org/markup-compatibility/2006" xmlns:mv="urn:schemas-microsoft-com:mac:vml" xmlns:p="http://schemas.openxmlformats.org/presentationml/2006/main" xmlns:c="http://schemas.openxmlformats.org/drawingml/2006/chart" xmlns:dgm="http://schemas.openxmlformats.org/drawingml/2006/diagram" xmlns:o="urn:schemas-microsoft-com:office:office" xmlns:v="urn:schemas-microsoft-com:vml" xmlns:pvml="urn:schemas-microsoft-com:office:powerpoint" xmlns:com="http://schemas.openxmlformats.org/drawingml/2006/compatibility" xmlns:p14="http://schemas.microsoft.com/office/powerpoint/2010/main" xmlns:p15="http://schemas.microsoft.com/office/powerpoint/2012/main" xmlns:ahyp="http://schemas.microsoft.com/office/drawing/2018/hyperlinkcolor" matchingName="Title and two columns" type="twoColTx">
+<p:sldLayout xmlns:a="http://schemas.openxmlformats.org/drawingml/2006/main" xmlns:r="http://schemas.openxmlformats.org/officeDocument/2006/relationships" xmlns:p="http://schemas.openxmlformats.org/presentationml/2006/main" matchingName="Title and two columns" type="twoColTx">
   <p:cSld name="TITLE_AND_TWO_COLUMNS">
     <p:spTree>
       <p:nvGrpSpPr>
-        <p:cNvPr id="48" name="Shape 48"/>
+        <p:cNvPr id="1" name="Shape 48"/>
         <p:cNvGrpSpPr/>
         <p:nvPr/>
       </p:nvGrpSpPr>
@@ -6819,7 +6861,7 @@
             </a:xfrm>
             <a:prstGeom prst="diagStripe">
               <a:avLst>
-                <a:gd fmla="val 50000" name="adj"/>
+                <a:gd name="adj" fmla="val 50000"/>
               </a:avLst>
             </a:prstGeom>
             <a:solidFill>
@@ -6830,12 +6872,12 @@
             </a:ln>
           </p:spPr>
           <p:txBody>
-            <a:bodyPr anchorCtr="0" anchor="ctr" bIns="121900" lIns="121900" spcFirstLastPara="1" rIns="121900" wrap="square" tIns="121900">
+            <a:bodyPr spcFirstLastPara="1" wrap="square" lIns="121900" tIns="121900" rIns="121900" bIns="121900" anchor="ctr" anchorCtr="0">
               <a:noAutofit/>
             </a:bodyPr>
             <a:lstStyle/>
             <a:p>
-              <a:pPr indent="0" lvl="0" marL="0" rtl="0" algn="l">
+              <a:pPr marL="0" lvl="0" indent="0" algn="l" rtl="0">
                 <a:spcBef>
                   <a:spcPts val="0"/>
                 </a:spcBef>
@@ -6844,9 +6886,6 @@
                 </a:spcAft>
                 <a:buNone/>
               </a:pPr>
-              <a:r>
-                <a:t/>
-              </a:r>
               <a:endParaRPr/>
             </a:p>
           </p:txBody>
@@ -6864,7 +6903,7 @@
             </a:xfrm>
             <a:prstGeom prst="diagStripe">
               <a:avLst>
-                <a:gd fmla="val 50000" name="adj"/>
+                <a:gd name="adj" fmla="val 50000"/>
               </a:avLst>
             </a:prstGeom>
             <a:solidFill>
@@ -6875,12 +6914,12 @@
             </a:ln>
           </p:spPr>
           <p:txBody>
-            <a:bodyPr anchorCtr="0" anchor="ctr" bIns="121900" lIns="121900" spcFirstLastPara="1" rIns="121900" wrap="square" tIns="121900">
+            <a:bodyPr spcFirstLastPara="1" wrap="square" lIns="121900" tIns="121900" rIns="121900" bIns="121900" anchor="ctr" anchorCtr="0">
               <a:noAutofit/>
             </a:bodyPr>
             <a:lstStyle/>
             <a:p>
-              <a:pPr indent="0" lvl="0" marL="0" rtl="0" algn="l">
+              <a:pPr marL="0" lvl="0" indent="0" algn="l" rtl="0">
                 <a:spcBef>
                   <a:spcPts val="0"/>
                 </a:spcBef>
@@ -6889,9 +6928,6 @@
                 </a:spcAft>
                 <a:buNone/>
               </a:pPr>
-              <a:r>
-                <a:t/>
-              </a:r>
               <a:endParaRPr/>
             </a:p>
           </p:txBody>
@@ -6900,7 +6936,9 @@
       <p:sp>
         <p:nvSpPr>
           <p:cNvPr id="52" name="Google Shape;52;p5"/>
-          <p:cNvSpPr txBox="1"/>
+          <p:cNvSpPr txBox="1">
+            <a:spLocks noGrp="1"/>
+          </p:cNvSpPr>
           <p:nvPr>
             <p:ph type="title"/>
           </p:nvPr>
@@ -6915,7 +6953,7 @@
           </a:prstGeom>
         </p:spPr>
         <p:txBody>
-          <a:bodyPr anchorCtr="0" anchor="t" bIns="121900" lIns="121900" spcFirstLastPara="1" rIns="121900" wrap="square" tIns="121900">
+          <a:bodyPr spcFirstLastPara="1" wrap="square" lIns="121900" tIns="121900" rIns="121900" bIns="121900" anchor="t" anchorCtr="0">
             <a:normAutofit/>
           </a:bodyPr>
           <a:lstStyle>
@@ -7019,15 +7057,19 @@
               <a:defRPr sz="3200"/>
             </a:lvl9pPr>
           </a:lstStyle>
-          <a:p/>
+          <a:p>
+            <a:endParaRPr/>
+          </a:p>
         </p:txBody>
       </p:sp>
       <p:sp>
         <p:nvSpPr>
           <p:cNvPr id="53" name="Google Shape;53;p5"/>
-          <p:cNvSpPr txBox="1"/>
+          <p:cNvSpPr txBox="1">
+            <a:spLocks noGrp="1"/>
+          </p:cNvSpPr>
           <p:nvPr>
-            <p:ph idx="1" type="body"/>
+            <p:ph type="body" idx="1"/>
           </p:nvPr>
         </p:nvSpPr>
         <p:spPr>
@@ -7040,11 +7082,11 @@
           </a:prstGeom>
         </p:spPr>
         <p:txBody>
-          <a:bodyPr anchorCtr="0" anchor="t" bIns="121900" lIns="121900" spcFirstLastPara="1" rIns="121900" wrap="square" tIns="121900">
+          <a:bodyPr spcFirstLastPara="1" wrap="square" lIns="121900" tIns="121900" rIns="121900" bIns="121900" anchor="t" anchorCtr="0">
             <a:normAutofit/>
           </a:bodyPr>
           <a:lstStyle>
-            <a:lvl1pPr indent="-336550" lvl="0" marL="457200">
+            <a:lvl1pPr marL="457200" lvl="0" indent="-336550">
               <a:spcBef>
                 <a:spcPts val="0"/>
               </a:spcBef>
@@ -7055,7 +7097,7 @@
               <a:buChar char="●"/>
               <a:defRPr/>
             </a:lvl1pPr>
-            <a:lvl2pPr indent="-323850" lvl="1" marL="914400">
+            <a:lvl2pPr marL="914400" lvl="1" indent="-323850">
               <a:spcBef>
                 <a:spcPts val="0"/>
               </a:spcBef>
@@ -7066,7 +7108,7 @@
               <a:buChar char="○"/>
               <a:defRPr/>
             </a:lvl2pPr>
-            <a:lvl3pPr indent="-323850" lvl="2" marL="1371600">
+            <a:lvl3pPr marL="1371600" lvl="2" indent="-323850">
               <a:spcBef>
                 <a:spcPts val="0"/>
               </a:spcBef>
@@ -7077,7 +7119,7 @@
               <a:buChar char="■"/>
               <a:defRPr/>
             </a:lvl3pPr>
-            <a:lvl4pPr indent="-323850" lvl="3" marL="1828800">
+            <a:lvl4pPr marL="1828800" lvl="3" indent="-323850">
               <a:spcBef>
                 <a:spcPts val="0"/>
               </a:spcBef>
@@ -7088,7 +7130,7 @@
               <a:buChar char="●"/>
               <a:defRPr/>
             </a:lvl4pPr>
-            <a:lvl5pPr indent="-323850" lvl="4" marL="2286000">
+            <a:lvl5pPr marL="2286000" lvl="4" indent="-323850">
               <a:spcBef>
                 <a:spcPts val="0"/>
               </a:spcBef>
@@ -7099,7 +7141,7 @@
               <a:buChar char="○"/>
               <a:defRPr/>
             </a:lvl5pPr>
-            <a:lvl6pPr indent="-323850" lvl="5" marL="2743200">
+            <a:lvl6pPr marL="2743200" lvl="5" indent="-323850">
               <a:spcBef>
                 <a:spcPts val="0"/>
               </a:spcBef>
@@ -7110,7 +7152,7 @@
               <a:buChar char="■"/>
               <a:defRPr/>
             </a:lvl6pPr>
-            <a:lvl7pPr indent="-323850" lvl="6" marL="3200400">
+            <a:lvl7pPr marL="3200400" lvl="6" indent="-323850">
               <a:spcBef>
                 <a:spcPts val="0"/>
               </a:spcBef>
@@ -7121,7 +7163,7 @@
               <a:buChar char="●"/>
               <a:defRPr/>
             </a:lvl7pPr>
-            <a:lvl8pPr indent="-323850" lvl="7" marL="3657600">
+            <a:lvl8pPr marL="3657600" lvl="7" indent="-323850">
               <a:spcBef>
                 <a:spcPts val="0"/>
               </a:spcBef>
@@ -7132,7 +7174,7 @@
               <a:buChar char="○"/>
               <a:defRPr/>
             </a:lvl8pPr>
-            <a:lvl9pPr indent="-323850" lvl="8" marL="4114800">
+            <a:lvl9pPr marL="4114800" lvl="8" indent="-323850">
               <a:spcBef>
                 <a:spcPts val="0"/>
               </a:spcBef>
@@ -7144,15 +7186,19 @@
               <a:defRPr/>
             </a:lvl9pPr>
           </a:lstStyle>
-          <a:p/>
+          <a:p>
+            <a:endParaRPr/>
+          </a:p>
         </p:txBody>
       </p:sp>
       <p:sp>
         <p:nvSpPr>
           <p:cNvPr id="54" name="Google Shape;54;p5"/>
-          <p:cNvSpPr txBox="1"/>
+          <p:cNvSpPr txBox="1">
+            <a:spLocks noGrp="1"/>
+          </p:cNvSpPr>
           <p:nvPr>
-            <p:ph idx="2" type="body"/>
+            <p:ph type="body" idx="2"/>
           </p:nvPr>
         </p:nvSpPr>
         <p:spPr>
@@ -7165,11 +7211,11 @@
           </a:prstGeom>
         </p:spPr>
         <p:txBody>
-          <a:bodyPr anchorCtr="0" anchor="t" bIns="121900" lIns="121900" spcFirstLastPara="1" rIns="121900" wrap="square" tIns="121900">
+          <a:bodyPr spcFirstLastPara="1" wrap="square" lIns="121900" tIns="121900" rIns="121900" bIns="121900" anchor="t" anchorCtr="0">
             <a:normAutofit/>
           </a:bodyPr>
           <a:lstStyle>
-            <a:lvl1pPr indent="-336550" lvl="0" marL="457200">
+            <a:lvl1pPr marL="457200" lvl="0" indent="-336550">
               <a:spcBef>
                 <a:spcPts val="0"/>
               </a:spcBef>
@@ -7180,7 +7226,7 @@
               <a:buChar char="●"/>
               <a:defRPr/>
             </a:lvl1pPr>
-            <a:lvl2pPr indent="-323850" lvl="1" marL="914400">
+            <a:lvl2pPr marL="914400" lvl="1" indent="-323850">
               <a:spcBef>
                 <a:spcPts val="0"/>
               </a:spcBef>
@@ -7191,7 +7237,7 @@
               <a:buChar char="○"/>
               <a:defRPr/>
             </a:lvl2pPr>
-            <a:lvl3pPr indent="-323850" lvl="2" marL="1371600">
+            <a:lvl3pPr marL="1371600" lvl="2" indent="-323850">
               <a:spcBef>
                 <a:spcPts val="0"/>
               </a:spcBef>
@@ -7202,7 +7248,7 @@
               <a:buChar char="■"/>
               <a:defRPr/>
             </a:lvl3pPr>
-            <a:lvl4pPr indent="-323850" lvl="3" marL="1828800">
+            <a:lvl4pPr marL="1828800" lvl="3" indent="-323850">
               <a:spcBef>
                 <a:spcPts val="0"/>
               </a:spcBef>
@@ -7213,7 +7259,7 @@
               <a:buChar char="●"/>
               <a:defRPr/>
             </a:lvl4pPr>
-            <a:lvl5pPr indent="-323850" lvl="4" marL="2286000">
+            <a:lvl5pPr marL="2286000" lvl="4" indent="-323850">
               <a:spcBef>
                 <a:spcPts val="0"/>
               </a:spcBef>
@@ -7224,7 +7270,7 @@
               <a:buChar char="○"/>
               <a:defRPr/>
             </a:lvl5pPr>
-            <a:lvl6pPr indent="-323850" lvl="5" marL="2743200">
+            <a:lvl6pPr marL="2743200" lvl="5" indent="-323850">
               <a:spcBef>
                 <a:spcPts val="0"/>
               </a:spcBef>
@@ -7235,7 +7281,7 @@
               <a:buChar char="■"/>
               <a:defRPr/>
             </a:lvl6pPr>
-            <a:lvl7pPr indent="-323850" lvl="6" marL="3200400">
+            <a:lvl7pPr marL="3200400" lvl="6" indent="-323850">
               <a:spcBef>
                 <a:spcPts val="0"/>
               </a:spcBef>
@@ -7246,7 +7292,7 @@
               <a:buChar char="●"/>
               <a:defRPr/>
             </a:lvl7pPr>
-            <a:lvl8pPr indent="-323850" lvl="7" marL="3657600">
+            <a:lvl8pPr marL="3657600" lvl="7" indent="-323850">
               <a:spcBef>
                 <a:spcPts val="0"/>
               </a:spcBef>
@@ -7257,7 +7303,7 @@
               <a:buChar char="○"/>
               <a:defRPr/>
             </a:lvl8pPr>
-            <a:lvl9pPr indent="-323850" lvl="8" marL="4114800">
+            <a:lvl9pPr marL="4114800" lvl="8" indent="-323850">
               <a:spcBef>
                 <a:spcPts val="0"/>
               </a:spcBef>
@@ -7269,15 +7315,19 @@
               <a:defRPr/>
             </a:lvl9pPr>
           </a:lstStyle>
-          <a:p/>
+          <a:p>
+            <a:endParaRPr/>
+          </a:p>
         </p:txBody>
       </p:sp>
       <p:sp>
         <p:nvSpPr>
           <p:cNvPr id="55" name="Google Shape;55;p5"/>
-          <p:cNvSpPr txBox="1"/>
+          <p:cNvSpPr txBox="1">
+            <a:spLocks noGrp="1"/>
+          </p:cNvSpPr>
           <p:nvPr>
-            <p:ph idx="12" type="sldNum"/>
+            <p:ph type="sldNum" idx="12"/>
           </p:nvPr>
         </p:nvSpPr>
         <p:spPr>
@@ -7290,7 +7340,7 @@
           </a:prstGeom>
         </p:spPr>
         <p:txBody>
-          <a:bodyPr anchorCtr="0" anchor="ctr" bIns="121900" lIns="121900" spcFirstLastPara="1" rIns="121900" wrap="square" tIns="121900">
+          <a:bodyPr spcFirstLastPara="1" wrap="square" lIns="121900" tIns="121900" rIns="121900" bIns="121900" anchor="ctr" anchorCtr="0">
             <a:normAutofit/>
           </a:bodyPr>
           <a:lstStyle>
@@ -7332,7 +7382,7 @@
             </a:lvl9pPr>
           </a:lstStyle>
           <a:p>
-            <a:pPr indent="0" lvl="0" marL="0" rtl="0" algn="r">
+            <a:pPr marL="0" lvl="0" indent="0" algn="r" rtl="0">
               <a:spcBef>
                 <a:spcPts val="0"/>
               </a:spcBef>
@@ -7358,11 +7408,11 @@
 </file>
 
 <file path=ppt/slideLayouts/slideLayout5.xml><?xml version="1.0" encoding="utf-8"?>
-<p:sldLayout xmlns:a="http://schemas.openxmlformats.org/drawingml/2006/main" xmlns:r="http://schemas.openxmlformats.org/officeDocument/2006/relationships" xmlns:mc="http://schemas.openxmlformats.org/markup-compatibility/2006" xmlns:mv="urn:schemas-microsoft-com:mac:vml" xmlns:p="http://schemas.openxmlformats.org/presentationml/2006/main" xmlns:c="http://schemas.openxmlformats.org/drawingml/2006/chart" xmlns:dgm="http://schemas.openxmlformats.org/drawingml/2006/diagram" xmlns:o="urn:schemas-microsoft-com:office:office" xmlns:v="urn:schemas-microsoft-com:vml" xmlns:pvml="urn:schemas-microsoft-com:office:powerpoint" xmlns:com="http://schemas.openxmlformats.org/drawingml/2006/compatibility" xmlns:p14="http://schemas.microsoft.com/office/powerpoint/2010/main" xmlns:p15="http://schemas.microsoft.com/office/powerpoint/2012/main" xmlns:ahyp="http://schemas.microsoft.com/office/drawing/2018/hyperlinkcolor" matchingName="Title only" type="titleOnly">
+<p:sldLayout xmlns:a="http://schemas.openxmlformats.org/drawingml/2006/main" xmlns:r="http://schemas.openxmlformats.org/officeDocument/2006/relationships" xmlns:p="http://schemas.openxmlformats.org/presentationml/2006/main" matchingName="Title only" type="titleOnly">
   <p:cSld name="TITLE_ONLY">
     <p:spTree>
       <p:nvGrpSpPr>
-        <p:cNvPr id="56" name="Shape 56"/>
+        <p:cNvPr id="1" name="Shape 56"/>
         <p:cNvGrpSpPr/>
         <p:nvPr/>
       </p:nvGrpSpPr>
@@ -7401,7 +7451,7 @@
             </a:xfrm>
             <a:prstGeom prst="diagStripe">
               <a:avLst>
-                <a:gd fmla="val 50000" name="adj"/>
+                <a:gd name="adj" fmla="val 50000"/>
               </a:avLst>
             </a:prstGeom>
             <a:solidFill>
@@ -7412,12 +7462,12 @@
             </a:ln>
           </p:spPr>
           <p:txBody>
-            <a:bodyPr anchorCtr="0" anchor="ctr" bIns="121900" lIns="121900" spcFirstLastPara="1" rIns="121900" wrap="square" tIns="121900">
+            <a:bodyPr spcFirstLastPara="1" wrap="square" lIns="121900" tIns="121900" rIns="121900" bIns="121900" anchor="ctr" anchorCtr="0">
               <a:noAutofit/>
             </a:bodyPr>
             <a:lstStyle/>
             <a:p>
-              <a:pPr indent="0" lvl="0" marL="0" rtl="0" algn="l">
+              <a:pPr marL="0" lvl="0" indent="0" algn="l" rtl="0">
                 <a:spcBef>
                   <a:spcPts val="0"/>
                 </a:spcBef>
@@ -7426,9 +7476,6 @@
                 </a:spcAft>
                 <a:buNone/>
               </a:pPr>
-              <a:r>
-                <a:t/>
-              </a:r>
               <a:endParaRPr/>
             </a:p>
           </p:txBody>
@@ -7446,7 +7493,7 @@
             </a:xfrm>
             <a:prstGeom prst="diagStripe">
               <a:avLst>
-                <a:gd fmla="val 50000" name="adj"/>
+                <a:gd name="adj" fmla="val 50000"/>
               </a:avLst>
             </a:prstGeom>
             <a:solidFill>
@@ -7457,12 +7504,12 @@
             </a:ln>
           </p:spPr>
           <p:txBody>
-            <a:bodyPr anchorCtr="0" anchor="ctr" bIns="121900" lIns="121900" spcFirstLastPara="1" rIns="121900" wrap="square" tIns="121900">
+            <a:bodyPr spcFirstLastPara="1" wrap="square" lIns="121900" tIns="121900" rIns="121900" bIns="121900" anchor="ctr" anchorCtr="0">
               <a:noAutofit/>
             </a:bodyPr>
             <a:lstStyle/>
             <a:p>
-              <a:pPr indent="0" lvl="0" marL="0" rtl="0" algn="l">
+              <a:pPr marL="0" lvl="0" indent="0" algn="l" rtl="0">
                 <a:spcBef>
                   <a:spcPts val="0"/>
                 </a:spcBef>
@@ -7471,9 +7518,6 @@
                 </a:spcAft>
                 <a:buNone/>
               </a:pPr>
-              <a:r>
-                <a:t/>
-              </a:r>
               <a:endParaRPr/>
             </a:p>
           </p:txBody>
@@ -7482,7 +7526,9 @@
       <p:sp>
         <p:nvSpPr>
           <p:cNvPr id="60" name="Google Shape;60;p6"/>
-          <p:cNvSpPr txBox="1"/>
+          <p:cNvSpPr txBox="1">
+            <a:spLocks noGrp="1"/>
+          </p:cNvSpPr>
           <p:nvPr>
             <p:ph type="title"/>
           </p:nvPr>
@@ -7497,7 +7543,7 @@
           </a:prstGeom>
         </p:spPr>
         <p:txBody>
-          <a:bodyPr anchorCtr="0" anchor="t" bIns="121900" lIns="121900" spcFirstLastPara="1" rIns="121900" wrap="square" tIns="121900">
+          <a:bodyPr spcFirstLastPara="1" wrap="square" lIns="121900" tIns="121900" rIns="121900" bIns="121900" anchor="t" anchorCtr="0">
             <a:normAutofit/>
           </a:bodyPr>
           <a:lstStyle>
@@ -7601,15 +7647,19 @@
               <a:defRPr sz="3200"/>
             </a:lvl9pPr>
           </a:lstStyle>
-          <a:p/>
+          <a:p>
+            <a:endParaRPr/>
+          </a:p>
         </p:txBody>
       </p:sp>
       <p:sp>
         <p:nvSpPr>
           <p:cNvPr id="61" name="Google Shape;61;p6"/>
-          <p:cNvSpPr txBox="1"/>
+          <p:cNvSpPr txBox="1">
+            <a:spLocks noGrp="1"/>
+          </p:cNvSpPr>
           <p:nvPr>
-            <p:ph idx="12" type="sldNum"/>
+            <p:ph type="sldNum" idx="12"/>
           </p:nvPr>
         </p:nvSpPr>
         <p:spPr>
@@ -7622,7 +7672,7 @@
           </a:prstGeom>
         </p:spPr>
         <p:txBody>
-          <a:bodyPr anchorCtr="0" anchor="ctr" bIns="121900" lIns="121900" spcFirstLastPara="1" rIns="121900" wrap="square" tIns="121900">
+          <a:bodyPr spcFirstLastPara="1" wrap="square" lIns="121900" tIns="121900" rIns="121900" bIns="121900" anchor="ctr" anchorCtr="0">
             <a:normAutofit/>
           </a:bodyPr>
           <a:lstStyle>
@@ -7664,7 +7714,7 @@
             </a:lvl9pPr>
           </a:lstStyle>
           <a:p>
-            <a:pPr indent="0" lvl="0" marL="0" rtl="0" algn="r">
+            <a:pPr marL="0" lvl="0" indent="0" algn="r" rtl="0">
               <a:spcBef>
                 <a:spcPts val="0"/>
               </a:spcBef>
@@ -7690,11 +7740,11 @@
 </file>
 
 <file path=ppt/slideLayouts/slideLayout6.xml><?xml version="1.0" encoding="utf-8"?>
-<p:sldLayout xmlns:a="http://schemas.openxmlformats.org/drawingml/2006/main" xmlns:r="http://schemas.openxmlformats.org/officeDocument/2006/relationships" xmlns:mc="http://schemas.openxmlformats.org/markup-compatibility/2006" xmlns:mv="urn:schemas-microsoft-com:mac:vml" xmlns:p="http://schemas.openxmlformats.org/presentationml/2006/main" xmlns:c="http://schemas.openxmlformats.org/drawingml/2006/chart" xmlns:dgm="http://schemas.openxmlformats.org/drawingml/2006/diagram" xmlns:o="urn:schemas-microsoft-com:office:office" xmlns:v="urn:schemas-microsoft-com:vml" xmlns:pvml="urn:schemas-microsoft-com:office:powerpoint" xmlns:com="http://schemas.openxmlformats.org/drawingml/2006/compatibility" xmlns:p14="http://schemas.microsoft.com/office/powerpoint/2010/main" xmlns:p15="http://schemas.microsoft.com/office/powerpoint/2012/main" xmlns:ahyp="http://schemas.microsoft.com/office/drawing/2018/hyperlinkcolor" matchingName="One column text">
+<p:sldLayout xmlns:a="http://schemas.openxmlformats.org/drawingml/2006/main" xmlns:r="http://schemas.openxmlformats.org/officeDocument/2006/relationships" xmlns:p="http://schemas.openxmlformats.org/presentationml/2006/main" matchingName="One column text">
   <p:cSld name="ONE_COLUMN_TEXT">
     <p:spTree>
       <p:nvGrpSpPr>
-        <p:cNvPr id="62" name="Shape 62"/>
+        <p:cNvPr id="1" name="Shape 62"/>
         <p:cNvGrpSpPr/>
         <p:nvPr/>
       </p:nvGrpSpPr>
@@ -7733,7 +7783,7 @@
             </a:xfrm>
             <a:prstGeom prst="diagStripe">
               <a:avLst>
-                <a:gd fmla="val 50000" name="adj"/>
+                <a:gd name="adj" fmla="val 50000"/>
               </a:avLst>
             </a:prstGeom>
             <a:solidFill>
@@ -7744,12 +7794,12 @@
             </a:ln>
           </p:spPr>
           <p:txBody>
-            <a:bodyPr anchorCtr="0" anchor="ctr" bIns="121900" lIns="121900" spcFirstLastPara="1" rIns="121900" wrap="square" tIns="121900">
+            <a:bodyPr spcFirstLastPara="1" wrap="square" lIns="121900" tIns="121900" rIns="121900" bIns="121900" anchor="ctr" anchorCtr="0">
               <a:noAutofit/>
             </a:bodyPr>
             <a:lstStyle/>
             <a:p>
-              <a:pPr indent="0" lvl="0" marL="0" rtl="0" algn="l">
+              <a:pPr marL="0" lvl="0" indent="0" algn="l" rtl="0">
                 <a:spcBef>
                   <a:spcPts val="0"/>
                 </a:spcBef>
@@ -7758,9 +7808,6 @@
                 </a:spcAft>
                 <a:buNone/>
               </a:pPr>
-              <a:r>
-                <a:t/>
-              </a:r>
               <a:endParaRPr/>
             </a:p>
           </p:txBody>
@@ -7778,7 +7825,7 @@
             </a:xfrm>
             <a:prstGeom prst="diagStripe">
               <a:avLst>
-                <a:gd fmla="val 50000" name="adj"/>
+                <a:gd name="adj" fmla="val 50000"/>
               </a:avLst>
             </a:prstGeom>
             <a:solidFill>
@@ -7789,12 +7836,12 @@
             </a:ln>
           </p:spPr>
           <p:txBody>
-            <a:bodyPr anchorCtr="0" anchor="ctr" bIns="121900" lIns="121900" spcFirstLastPara="1" rIns="121900" wrap="square" tIns="121900">
+            <a:bodyPr spcFirstLastPara="1" wrap="square" lIns="121900" tIns="121900" rIns="121900" bIns="121900" anchor="ctr" anchorCtr="0">
               <a:noAutofit/>
             </a:bodyPr>
             <a:lstStyle/>
             <a:p>
-              <a:pPr indent="0" lvl="0" marL="0" rtl="0" algn="l">
+              <a:pPr marL="0" lvl="0" indent="0" algn="l" rtl="0">
                 <a:spcBef>
                   <a:spcPts val="0"/>
                 </a:spcBef>
@@ -7803,9 +7850,6 @@
                 </a:spcAft>
                 <a:buNone/>
               </a:pPr>
-              <a:r>
-                <a:t/>
-              </a:r>
               <a:endParaRPr/>
             </a:p>
           </p:txBody>
@@ -7814,7 +7858,9 @@
       <p:sp>
         <p:nvSpPr>
           <p:cNvPr id="66" name="Google Shape;66;p7"/>
-          <p:cNvSpPr txBox="1"/>
+          <p:cNvSpPr txBox="1">
+            <a:spLocks noGrp="1"/>
+          </p:cNvSpPr>
           <p:nvPr>
             <p:ph type="title"/>
           </p:nvPr>
@@ -7829,7 +7875,7 @@
           </a:prstGeom>
         </p:spPr>
         <p:txBody>
-          <a:bodyPr anchorCtr="0" anchor="t" bIns="121900" lIns="121900" spcFirstLastPara="1" rIns="121900" wrap="square" tIns="121900">
+          <a:bodyPr spcFirstLastPara="1" wrap="square" lIns="121900" tIns="121900" rIns="121900" bIns="121900" anchor="t" anchorCtr="0">
             <a:normAutofit/>
           </a:bodyPr>
           <a:lstStyle>
@@ -7933,15 +7979,19 @@
               <a:defRPr sz="3200"/>
             </a:lvl9pPr>
           </a:lstStyle>
-          <a:p/>
+          <a:p>
+            <a:endParaRPr/>
+          </a:p>
         </p:txBody>
       </p:sp>
       <p:sp>
         <p:nvSpPr>
           <p:cNvPr id="67" name="Google Shape;67;p7"/>
-          <p:cNvSpPr txBox="1"/>
+          <p:cNvSpPr txBox="1">
+            <a:spLocks noGrp="1"/>
+          </p:cNvSpPr>
           <p:nvPr>
-            <p:ph idx="1" type="body"/>
+            <p:ph type="body" idx="1"/>
           </p:nvPr>
         </p:nvSpPr>
         <p:spPr>
@@ -7954,11 +8004,11 @@
           </a:prstGeom>
         </p:spPr>
         <p:txBody>
-          <a:bodyPr anchorCtr="0" anchor="t" bIns="121900" lIns="121900" spcFirstLastPara="1" rIns="121900" wrap="square" tIns="121900">
+          <a:bodyPr spcFirstLastPara="1" wrap="square" lIns="121900" tIns="121900" rIns="121900" bIns="121900" anchor="t" anchorCtr="0">
             <a:normAutofit/>
           </a:bodyPr>
           <a:lstStyle>
-            <a:lvl1pPr indent="-336550" lvl="0" marL="457200">
+            <a:lvl1pPr marL="457200" lvl="0" indent="-336550">
               <a:spcBef>
                 <a:spcPts val="0"/>
               </a:spcBef>
@@ -7969,7 +8019,7 @@
               <a:buChar char="●"/>
               <a:defRPr/>
             </a:lvl1pPr>
-            <a:lvl2pPr indent="-323850" lvl="1" marL="914400">
+            <a:lvl2pPr marL="914400" lvl="1" indent="-323850">
               <a:spcBef>
                 <a:spcPts val="0"/>
               </a:spcBef>
@@ -7980,7 +8030,7 @@
               <a:buChar char="○"/>
               <a:defRPr/>
             </a:lvl2pPr>
-            <a:lvl3pPr indent="-323850" lvl="2" marL="1371600">
+            <a:lvl3pPr marL="1371600" lvl="2" indent="-323850">
               <a:spcBef>
                 <a:spcPts val="0"/>
               </a:spcBef>
@@ -7991,7 +8041,7 @@
               <a:buChar char="■"/>
               <a:defRPr/>
             </a:lvl3pPr>
-            <a:lvl4pPr indent="-323850" lvl="3" marL="1828800">
+            <a:lvl4pPr marL="1828800" lvl="3" indent="-323850">
               <a:spcBef>
                 <a:spcPts val="0"/>
               </a:spcBef>
@@ -8002,7 +8052,7 @@
               <a:buChar char="●"/>
               <a:defRPr/>
             </a:lvl4pPr>
-            <a:lvl5pPr indent="-323850" lvl="4" marL="2286000">
+            <a:lvl5pPr marL="2286000" lvl="4" indent="-323850">
               <a:spcBef>
                 <a:spcPts val="0"/>
               </a:spcBef>
@@ -8013,7 +8063,7 @@
               <a:buChar char="○"/>
               <a:defRPr/>
             </a:lvl5pPr>
-            <a:lvl6pPr indent="-323850" lvl="5" marL="2743200">
+            <a:lvl6pPr marL="2743200" lvl="5" indent="-323850">
               <a:spcBef>
                 <a:spcPts val="0"/>
               </a:spcBef>
@@ -8024,7 +8074,7 @@
               <a:buChar char="■"/>
               <a:defRPr/>
             </a:lvl6pPr>
-            <a:lvl7pPr indent="-323850" lvl="6" marL="3200400">
+            <a:lvl7pPr marL="3200400" lvl="6" indent="-323850">
               <a:spcBef>
                 <a:spcPts val="0"/>
               </a:spcBef>
@@ -8035,7 +8085,7 @@
               <a:buChar char="●"/>
               <a:defRPr/>
             </a:lvl7pPr>
-            <a:lvl8pPr indent="-323850" lvl="7" marL="3657600">
+            <a:lvl8pPr marL="3657600" lvl="7" indent="-323850">
               <a:spcBef>
                 <a:spcPts val="0"/>
               </a:spcBef>
@@ -8046,7 +8096,7 @@
               <a:buChar char="○"/>
               <a:defRPr/>
             </a:lvl8pPr>
-            <a:lvl9pPr indent="-323850" lvl="8" marL="4114800">
+            <a:lvl9pPr marL="4114800" lvl="8" indent="-323850">
               <a:spcBef>
                 <a:spcPts val="0"/>
               </a:spcBef>
@@ -8058,15 +8108,19 @@
               <a:defRPr/>
             </a:lvl9pPr>
           </a:lstStyle>
-          <a:p/>
+          <a:p>
+            <a:endParaRPr/>
+          </a:p>
         </p:txBody>
       </p:sp>
       <p:sp>
         <p:nvSpPr>
           <p:cNvPr id="68" name="Google Shape;68;p7"/>
-          <p:cNvSpPr txBox="1"/>
+          <p:cNvSpPr txBox="1">
+            <a:spLocks noGrp="1"/>
+          </p:cNvSpPr>
           <p:nvPr>
-            <p:ph idx="12" type="sldNum"/>
+            <p:ph type="sldNum" idx="12"/>
           </p:nvPr>
         </p:nvSpPr>
         <p:spPr>
@@ -8079,7 +8133,7 @@
           </a:prstGeom>
         </p:spPr>
         <p:txBody>
-          <a:bodyPr anchorCtr="0" anchor="ctr" bIns="121900" lIns="121900" spcFirstLastPara="1" rIns="121900" wrap="square" tIns="121900">
+          <a:bodyPr spcFirstLastPara="1" wrap="square" lIns="121900" tIns="121900" rIns="121900" bIns="121900" anchor="ctr" anchorCtr="0">
             <a:normAutofit/>
           </a:bodyPr>
           <a:lstStyle>
@@ -8121,7 +8175,7 @@
             </a:lvl9pPr>
           </a:lstStyle>
           <a:p>
-            <a:pPr indent="0" lvl="0" marL="0" rtl="0" algn="r">
+            <a:pPr marL="0" lvl="0" indent="0" algn="r" rtl="0">
               <a:spcBef>
                 <a:spcPts val="0"/>
               </a:spcBef>
@@ -8147,11 +8201,11 @@
 </file>
 
 <file path=ppt/slideLayouts/slideLayout7.xml><?xml version="1.0" encoding="utf-8"?>
-<p:sldLayout xmlns:a="http://schemas.openxmlformats.org/drawingml/2006/main" xmlns:r="http://schemas.openxmlformats.org/officeDocument/2006/relationships" xmlns:mc="http://schemas.openxmlformats.org/markup-compatibility/2006" xmlns:mv="urn:schemas-microsoft-com:mac:vml" xmlns:p="http://schemas.openxmlformats.org/presentationml/2006/main" xmlns:c="http://schemas.openxmlformats.org/drawingml/2006/chart" xmlns:dgm="http://schemas.openxmlformats.org/drawingml/2006/diagram" xmlns:o="urn:schemas-microsoft-com:office:office" xmlns:v="urn:schemas-microsoft-com:vml" xmlns:pvml="urn:schemas-microsoft-com:office:powerpoint" xmlns:com="http://schemas.openxmlformats.org/drawingml/2006/compatibility" xmlns:p14="http://schemas.microsoft.com/office/powerpoint/2010/main" xmlns:p15="http://schemas.microsoft.com/office/powerpoint/2012/main" xmlns:ahyp="http://schemas.microsoft.com/office/drawing/2018/hyperlinkcolor" matchingName="Main point">
+<p:sldLayout xmlns:a="http://schemas.openxmlformats.org/drawingml/2006/main" xmlns:r="http://schemas.openxmlformats.org/officeDocument/2006/relationships" xmlns:p="http://schemas.openxmlformats.org/presentationml/2006/main" matchingName="Main point">
   <p:cSld name="MAIN_POINT">
     <p:spTree>
       <p:nvGrpSpPr>
-        <p:cNvPr id="69" name="Shape 69"/>
+        <p:cNvPr id="1" name="Shape 69"/>
         <p:cNvGrpSpPr/>
         <p:nvPr/>
       </p:nvGrpSpPr>
@@ -8190,7 +8244,7 @@
             </a:xfrm>
             <a:prstGeom prst="diagStripe">
               <a:avLst>
-                <a:gd fmla="val 49469" name="adj"/>
+                <a:gd name="adj" fmla="val 49469"/>
               </a:avLst>
             </a:prstGeom>
             <a:solidFill>
@@ -8203,12 +8257,12 @@
             </a:ln>
           </p:spPr>
           <p:txBody>
-            <a:bodyPr anchorCtr="0" anchor="ctr" bIns="121900" lIns="121900" spcFirstLastPara="1" rIns="121900" wrap="square" tIns="121900">
+            <a:bodyPr spcFirstLastPara="1" wrap="square" lIns="121900" tIns="121900" rIns="121900" bIns="121900" anchor="ctr" anchorCtr="0">
               <a:noAutofit/>
             </a:bodyPr>
             <a:lstStyle/>
             <a:p>
-              <a:pPr indent="0" lvl="0" marL="0" rtl="0" algn="l">
+              <a:pPr marL="0" lvl="0" indent="0" algn="l" rtl="0">
                 <a:spcBef>
                   <a:spcPts val="0"/>
                 </a:spcBef>
@@ -8217,9 +8271,6 @@
                 </a:spcAft>
                 <a:buNone/>
               </a:pPr>
-              <a:r>
-                <a:t/>
-              </a:r>
               <a:endParaRPr/>
             </a:p>
           </p:txBody>
@@ -8237,7 +8288,7 @@
             </a:xfrm>
             <a:prstGeom prst="diagStripe">
               <a:avLst>
-                <a:gd fmla="val 0" name="adj"/>
+                <a:gd name="adj" fmla="val 0"/>
               </a:avLst>
             </a:prstGeom>
             <a:solidFill>
@@ -8250,12 +8301,12 @@
             </a:ln>
           </p:spPr>
           <p:txBody>
-            <a:bodyPr anchorCtr="0" anchor="ctr" bIns="121900" lIns="121900" spcFirstLastPara="1" rIns="121900" wrap="square" tIns="121900">
+            <a:bodyPr spcFirstLastPara="1" wrap="square" lIns="121900" tIns="121900" rIns="121900" bIns="121900" anchor="ctr" anchorCtr="0">
               <a:noAutofit/>
             </a:bodyPr>
             <a:lstStyle/>
             <a:p>
-              <a:pPr indent="0" lvl="0" marL="0" rtl="0" algn="l">
+              <a:pPr marL="0" lvl="0" indent="0" algn="l" rtl="0">
                 <a:spcBef>
                   <a:spcPts val="0"/>
                 </a:spcBef>
@@ -8264,9 +8315,6 @@
                 </a:spcAft>
                 <a:buNone/>
               </a:pPr>
-              <a:r>
-                <a:t/>
-              </a:r>
               <a:endParaRPr/>
             </a:p>
           </p:txBody>
@@ -8284,7 +8332,7 @@
             </a:xfrm>
             <a:prstGeom prst="diagStripe">
               <a:avLst>
-                <a:gd fmla="val 50000" name="adj"/>
+                <a:gd name="adj" fmla="val 50000"/>
               </a:avLst>
             </a:prstGeom>
             <a:solidFill>
@@ -8297,12 +8345,12 @@
             </a:ln>
           </p:spPr>
           <p:txBody>
-            <a:bodyPr anchorCtr="0" anchor="ctr" bIns="121900" lIns="121900" spcFirstLastPara="1" rIns="121900" wrap="square" tIns="121900">
+            <a:bodyPr spcFirstLastPara="1" wrap="square" lIns="121900" tIns="121900" rIns="121900" bIns="121900" anchor="ctr" anchorCtr="0">
               <a:noAutofit/>
             </a:bodyPr>
             <a:lstStyle/>
             <a:p>
-              <a:pPr indent="0" lvl="0" marL="0" rtl="0" algn="l">
+              <a:pPr marL="0" lvl="0" indent="0" algn="l" rtl="0">
                 <a:spcBef>
                   <a:spcPts val="0"/>
                 </a:spcBef>
@@ -8311,9 +8359,6 @@
                 </a:spcAft>
                 <a:buNone/>
               </a:pPr>
-              <a:r>
-                <a:t/>
-              </a:r>
               <a:endParaRPr/>
             </a:p>
           </p:txBody>
@@ -8331,7 +8376,7 @@
             </a:xfrm>
             <a:prstGeom prst="diagStripe">
               <a:avLst>
-                <a:gd fmla="val 50000" name="adj"/>
+                <a:gd name="adj" fmla="val 50000"/>
               </a:avLst>
             </a:prstGeom>
             <a:solidFill>
@@ -8344,12 +8389,12 @@
             </a:ln>
           </p:spPr>
           <p:txBody>
-            <a:bodyPr anchorCtr="0" anchor="ctr" bIns="121900" lIns="121900" spcFirstLastPara="1" rIns="121900" wrap="square" tIns="121900">
+            <a:bodyPr spcFirstLastPara="1" wrap="square" lIns="121900" tIns="121900" rIns="121900" bIns="121900" anchor="ctr" anchorCtr="0">
               <a:noAutofit/>
             </a:bodyPr>
             <a:lstStyle/>
             <a:p>
-              <a:pPr indent="0" lvl="0" marL="0" rtl="0" algn="l">
+              <a:pPr marL="0" lvl="0" indent="0" algn="l" rtl="0">
                 <a:spcBef>
                   <a:spcPts val="0"/>
                 </a:spcBef>
@@ -8358,9 +8403,6 @@
                 </a:spcAft>
                 <a:buNone/>
               </a:pPr>
-              <a:r>
-                <a:t/>
-              </a:r>
               <a:endParaRPr/>
             </a:p>
           </p:txBody>
@@ -8378,7 +8420,7 @@
             </a:xfrm>
             <a:prstGeom prst="diagStripe">
               <a:avLst>
-                <a:gd fmla="val 50000" name="adj"/>
+                <a:gd name="adj" fmla="val 50000"/>
               </a:avLst>
             </a:prstGeom>
             <a:solidFill>
@@ -8391,12 +8433,12 @@
             </a:ln>
           </p:spPr>
           <p:txBody>
-            <a:bodyPr anchorCtr="0" anchor="ctr" bIns="121900" lIns="121900" spcFirstLastPara="1" rIns="121900" wrap="square" tIns="121900">
+            <a:bodyPr spcFirstLastPara="1" wrap="square" lIns="121900" tIns="121900" rIns="121900" bIns="121900" anchor="ctr" anchorCtr="0">
               <a:noAutofit/>
             </a:bodyPr>
             <a:lstStyle/>
             <a:p>
-              <a:pPr indent="0" lvl="0" marL="0" rtl="0" algn="l">
+              <a:pPr marL="0" lvl="0" indent="0" algn="l" rtl="0">
                 <a:spcBef>
                   <a:spcPts val="0"/>
                 </a:spcBef>
@@ -8405,9 +8447,6 @@
                 </a:spcAft>
                 <a:buNone/>
               </a:pPr>
-              <a:r>
-                <a:t/>
-              </a:r>
               <a:endParaRPr/>
             </a:p>
           </p:txBody>
@@ -8425,7 +8464,7 @@
             </a:xfrm>
             <a:prstGeom prst="diagStripe">
               <a:avLst>
-                <a:gd fmla="val 50000" name="adj"/>
+                <a:gd name="adj" fmla="val 50000"/>
               </a:avLst>
             </a:prstGeom>
             <a:solidFill>
@@ -8438,12 +8477,12 @@
             </a:ln>
           </p:spPr>
           <p:txBody>
-            <a:bodyPr anchorCtr="0" anchor="ctr" bIns="121900" lIns="121900" spcFirstLastPara="1" rIns="121900" wrap="square" tIns="121900">
+            <a:bodyPr spcFirstLastPara="1" wrap="square" lIns="121900" tIns="121900" rIns="121900" bIns="121900" anchor="ctr" anchorCtr="0">
               <a:noAutofit/>
             </a:bodyPr>
             <a:lstStyle/>
             <a:p>
-              <a:pPr indent="0" lvl="0" marL="0" rtl="0" algn="l">
+              <a:pPr marL="0" lvl="0" indent="0" algn="l" rtl="0">
                 <a:spcBef>
                   <a:spcPts val="0"/>
                 </a:spcBef>
@@ -8452,9 +8491,6 @@
                 </a:spcAft>
                 <a:buNone/>
               </a:pPr>
-              <a:r>
-                <a:t/>
-              </a:r>
               <a:endParaRPr/>
             </a:p>
           </p:txBody>
@@ -8472,7 +8508,7 @@
             </a:xfrm>
             <a:prstGeom prst="diagStripe">
               <a:avLst>
-                <a:gd fmla="val 50000" name="adj"/>
+                <a:gd name="adj" fmla="val 50000"/>
               </a:avLst>
             </a:prstGeom>
             <a:solidFill>
@@ -8485,12 +8521,12 @@
             </a:ln>
           </p:spPr>
           <p:txBody>
-            <a:bodyPr anchorCtr="0" anchor="ctr" bIns="121900" lIns="121900" spcFirstLastPara="1" rIns="121900" wrap="square" tIns="121900">
+            <a:bodyPr spcFirstLastPara="1" wrap="square" lIns="121900" tIns="121900" rIns="121900" bIns="121900" anchor="ctr" anchorCtr="0">
               <a:noAutofit/>
             </a:bodyPr>
             <a:lstStyle/>
             <a:p>
-              <a:pPr indent="0" lvl="0" marL="0" rtl="0" algn="l">
+              <a:pPr marL="0" lvl="0" indent="0" algn="l" rtl="0">
                 <a:spcBef>
                   <a:spcPts val="0"/>
                 </a:spcBef>
@@ -8499,9 +8535,6 @@
                 </a:spcAft>
                 <a:buNone/>
               </a:pPr>
-              <a:r>
-                <a:t/>
-              </a:r>
               <a:endParaRPr/>
             </a:p>
           </p:txBody>
@@ -8519,7 +8552,7 @@
             </a:xfrm>
             <a:prstGeom prst="diagStripe">
               <a:avLst>
-                <a:gd fmla="val 50000" name="adj"/>
+                <a:gd name="adj" fmla="val 50000"/>
               </a:avLst>
             </a:prstGeom>
             <a:solidFill>
@@ -8530,12 +8563,12 @@
             </a:ln>
           </p:spPr>
           <p:txBody>
-            <a:bodyPr anchorCtr="0" anchor="ctr" bIns="121900" lIns="121900" spcFirstLastPara="1" rIns="121900" wrap="square" tIns="121900">
+            <a:bodyPr spcFirstLastPara="1" wrap="square" lIns="121900" tIns="121900" rIns="121900" bIns="121900" anchor="ctr" anchorCtr="0">
               <a:noAutofit/>
             </a:bodyPr>
             <a:lstStyle/>
             <a:p>
-              <a:pPr indent="0" lvl="0" marL="0" rtl="0" algn="l">
+              <a:pPr marL="0" lvl="0" indent="0" algn="l" rtl="0">
                 <a:spcBef>
                   <a:spcPts val="0"/>
                 </a:spcBef>
@@ -8544,9 +8577,6 @@
                 </a:spcAft>
                 <a:buNone/>
               </a:pPr>
-              <a:r>
-                <a:t/>
-              </a:r>
               <a:endParaRPr/>
             </a:p>
           </p:txBody>
@@ -8564,7 +8594,7 @@
             </a:xfrm>
             <a:prstGeom prst="diagStripe">
               <a:avLst>
-                <a:gd fmla="val 50000" name="adj"/>
+                <a:gd name="adj" fmla="val 50000"/>
               </a:avLst>
             </a:prstGeom>
             <a:solidFill>
@@ -8577,12 +8607,12 @@
             </a:ln>
           </p:spPr>
           <p:txBody>
-            <a:bodyPr anchorCtr="0" anchor="ctr" bIns="121900" lIns="121900" spcFirstLastPara="1" rIns="121900" wrap="square" tIns="121900">
+            <a:bodyPr spcFirstLastPara="1" wrap="square" lIns="121900" tIns="121900" rIns="121900" bIns="121900" anchor="ctr" anchorCtr="0">
               <a:noAutofit/>
             </a:bodyPr>
             <a:lstStyle/>
             <a:p>
-              <a:pPr indent="0" lvl="0" marL="0" rtl="0" algn="l">
+              <a:pPr marL="0" lvl="0" indent="0" algn="l" rtl="0">
                 <a:spcBef>
                   <a:spcPts val="0"/>
                 </a:spcBef>
@@ -8591,9 +8621,6 @@
                 </a:spcAft>
                 <a:buNone/>
               </a:pPr>
-              <a:r>
-                <a:t/>
-              </a:r>
               <a:endParaRPr/>
             </a:p>
           </p:txBody>
@@ -8611,7 +8638,7 @@
             </a:xfrm>
             <a:prstGeom prst="diagStripe">
               <a:avLst>
-                <a:gd fmla="val 50000" name="adj"/>
+                <a:gd name="adj" fmla="val 50000"/>
               </a:avLst>
             </a:prstGeom>
             <a:solidFill>
@@ -8624,12 +8651,12 @@
             </a:ln>
           </p:spPr>
           <p:txBody>
-            <a:bodyPr anchorCtr="0" anchor="ctr" bIns="121900" lIns="121900" spcFirstLastPara="1" rIns="121900" wrap="square" tIns="121900">
+            <a:bodyPr spcFirstLastPara="1" wrap="square" lIns="121900" tIns="121900" rIns="121900" bIns="121900" anchor="ctr" anchorCtr="0">
               <a:noAutofit/>
             </a:bodyPr>
             <a:lstStyle/>
             <a:p>
-              <a:pPr indent="0" lvl="0" marL="0" rtl="0" algn="l">
+              <a:pPr marL="0" lvl="0" indent="0" algn="l" rtl="0">
                 <a:spcBef>
                   <a:spcPts val="0"/>
                 </a:spcBef>
@@ -8638,9 +8665,6 @@
                 </a:spcAft>
                 <a:buNone/>
               </a:pPr>
-              <a:r>
-                <a:t/>
-              </a:r>
               <a:endParaRPr/>
             </a:p>
           </p:txBody>
@@ -8658,7 +8682,7 @@
             </a:xfrm>
             <a:prstGeom prst="diagStripe">
               <a:avLst>
-                <a:gd fmla="val 50000" name="adj"/>
+                <a:gd name="adj" fmla="val 50000"/>
               </a:avLst>
             </a:prstGeom>
             <a:solidFill>
@@ -8671,12 +8695,12 @@
             </a:ln>
           </p:spPr>
           <p:txBody>
-            <a:bodyPr anchorCtr="0" anchor="ctr" bIns="121900" lIns="121900" spcFirstLastPara="1" rIns="121900" wrap="square" tIns="121900">
+            <a:bodyPr spcFirstLastPara="1" wrap="square" lIns="121900" tIns="121900" rIns="121900" bIns="121900" anchor="ctr" anchorCtr="0">
               <a:noAutofit/>
             </a:bodyPr>
             <a:lstStyle/>
             <a:p>
-              <a:pPr indent="0" lvl="0" marL="0" rtl="0" algn="l">
+              <a:pPr marL="0" lvl="0" indent="0" algn="l" rtl="0">
                 <a:spcBef>
                   <a:spcPts val="0"/>
                 </a:spcBef>
@@ -8685,9 +8709,6 @@
                 </a:spcAft>
                 <a:buNone/>
               </a:pPr>
-              <a:r>
-                <a:t/>
-              </a:r>
               <a:endParaRPr/>
             </a:p>
           </p:txBody>
@@ -8705,7 +8726,7 @@
             </a:xfrm>
             <a:prstGeom prst="diagStripe">
               <a:avLst>
-                <a:gd fmla="val 50000" name="adj"/>
+                <a:gd name="adj" fmla="val 50000"/>
               </a:avLst>
             </a:prstGeom>
             <a:solidFill>
@@ -8718,12 +8739,12 @@
             </a:ln>
           </p:spPr>
           <p:txBody>
-            <a:bodyPr anchorCtr="0" anchor="ctr" bIns="121900" lIns="121900" spcFirstLastPara="1" rIns="121900" wrap="square" tIns="121900">
+            <a:bodyPr spcFirstLastPara="1" wrap="square" lIns="121900" tIns="121900" rIns="121900" bIns="121900" anchor="ctr" anchorCtr="0">
               <a:noAutofit/>
             </a:bodyPr>
             <a:lstStyle/>
             <a:p>
-              <a:pPr indent="0" lvl="0" marL="0" rtl="0" algn="l">
+              <a:pPr marL="0" lvl="0" indent="0" algn="l" rtl="0">
                 <a:spcBef>
                   <a:spcPts val="0"/>
                 </a:spcBef>
@@ -8732,9 +8753,6 @@
                 </a:spcAft>
                 <a:buNone/>
               </a:pPr>
-              <a:r>
-                <a:t/>
-              </a:r>
               <a:endParaRPr/>
             </a:p>
           </p:txBody>
@@ -8752,7 +8770,7 @@
             </a:xfrm>
             <a:prstGeom prst="diagStripe">
               <a:avLst>
-                <a:gd fmla="val 50000" name="adj"/>
+                <a:gd name="adj" fmla="val 50000"/>
               </a:avLst>
             </a:prstGeom>
             <a:solidFill>
@@ -8765,12 +8783,12 @@
             </a:ln>
           </p:spPr>
           <p:txBody>
-            <a:bodyPr anchorCtr="0" anchor="ctr" bIns="121900" lIns="121900" spcFirstLastPara="1" rIns="121900" wrap="square" tIns="121900">
+            <a:bodyPr spcFirstLastPara="1" wrap="square" lIns="121900" tIns="121900" rIns="121900" bIns="121900" anchor="ctr" anchorCtr="0">
               <a:noAutofit/>
             </a:bodyPr>
             <a:lstStyle/>
             <a:p>
-              <a:pPr indent="0" lvl="0" marL="0" rtl="0" algn="l">
+              <a:pPr marL="0" lvl="0" indent="0" algn="l" rtl="0">
                 <a:spcBef>
                   <a:spcPts val="0"/>
                 </a:spcBef>
@@ -8779,9 +8797,6 @@
                 </a:spcAft>
                 <a:buNone/>
               </a:pPr>
-              <a:r>
-                <a:t/>
-              </a:r>
               <a:endParaRPr/>
             </a:p>
           </p:txBody>
@@ -8799,7 +8814,7 @@
             </a:xfrm>
             <a:prstGeom prst="diagStripe">
               <a:avLst>
-                <a:gd fmla="val 50000" name="adj"/>
+                <a:gd name="adj" fmla="val 50000"/>
               </a:avLst>
             </a:prstGeom>
             <a:solidFill>
@@ -8810,12 +8825,12 @@
             </a:ln>
           </p:spPr>
           <p:txBody>
-            <a:bodyPr anchorCtr="0" anchor="ctr" bIns="121900" lIns="121900" spcFirstLastPara="1" rIns="121900" wrap="square" tIns="121900">
+            <a:bodyPr spcFirstLastPara="1" wrap="square" lIns="121900" tIns="121900" rIns="121900" bIns="121900" anchor="ctr" anchorCtr="0">
               <a:noAutofit/>
             </a:bodyPr>
             <a:lstStyle/>
             <a:p>
-              <a:pPr indent="0" lvl="0" marL="0" rtl="0" algn="l">
+              <a:pPr marL="0" lvl="0" indent="0" algn="l" rtl="0">
                 <a:spcBef>
                   <a:spcPts val="0"/>
                 </a:spcBef>
@@ -8824,9 +8839,6 @@
                 </a:spcAft>
                 <a:buNone/>
               </a:pPr>
-              <a:r>
-                <a:t/>
-              </a:r>
               <a:endParaRPr/>
             </a:p>
           </p:txBody>
@@ -8844,7 +8856,7 @@
             </a:xfrm>
             <a:prstGeom prst="diagStripe">
               <a:avLst>
-                <a:gd fmla="val 50000" name="adj"/>
+                <a:gd name="adj" fmla="val 50000"/>
               </a:avLst>
             </a:prstGeom>
             <a:solidFill>
@@ -8857,12 +8869,12 @@
             </a:ln>
           </p:spPr>
           <p:txBody>
-            <a:bodyPr anchorCtr="0" anchor="ctr" bIns="121900" lIns="121900" spcFirstLastPara="1" rIns="121900" wrap="square" tIns="121900">
+            <a:bodyPr spcFirstLastPara="1" wrap="square" lIns="121900" tIns="121900" rIns="121900" bIns="121900" anchor="ctr" anchorCtr="0">
               <a:noAutofit/>
             </a:bodyPr>
             <a:lstStyle/>
             <a:p>
-              <a:pPr indent="0" lvl="0" marL="0" rtl="0" algn="l">
+              <a:pPr marL="0" lvl="0" indent="0" algn="l" rtl="0">
                 <a:spcBef>
                   <a:spcPts val="0"/>
                 </a:spcBef>
@@ -8871,9 +8883,6 @@
                 </a:spcAft>
                 <a:buNone/>
               </a:pPr>
-              <a:r>
-                <a:t/>
-              </a:r>
               <a:endParaRPr/>
             </a:p>
           </p:txBody>
@@ -8891,7 +8900,7 @@
             </a:xfrm>
             <a:prstGeom prst="diagStripe">
               <a:avLst>
-                <a:gd fmla="val 50000" name="adj"/>
+                <a:gd name="adj" fmla="val 50000"/>
               </a:avLst>
             </a:prstGeom>
             <a:solidFill>
@@ -8904,12 +8913,12 @@
             </a:ln>
           </p:spPr>
           <p:txBody>
-            <a:bodyPr anchorCtr="0" anchor="ctr" bIns="121900" lIns="121900" spcFirstLastPara="1" rIns="121900" wrap="square" tIns="121900">
+            <a:bodyPr spcFirstLastPara="1" wrap="square" lIns="121900" tIns="121900" rIns="121900" bIns="121900" anchor="ctr" anchorCtr="0">
               <a:noAutofit/>
             </a:bodyPr>
             <a:lstStyle/>
             <a:p>
-              <a:pPr indent="0" lvl="0" marL="0" rtl="0" algn="l">
+              <a:pPr marL="0" lvl="0" indent="0" algn="l" rtl="0">
                 <a:spcBef>
                   <a:spcPts val="0"/>
                 </a:spcBef>
@@ -8918,9 +8927,6 @@
                 </a:spcAft>
                 <a:buNone/>
               </a:pPr>
-              <a:r>
-                <a:t/>
-              </a:r>
               <a:endParaRPr/>
             </a:p>
           </p:txBody>
@@ -8938,7 +8944,7 @@
             </a:xfrm>
             <a:prstGeom prst="diagStripe">
               <a:avLst>
-                <a:gd fmla="val 50000" name="adj"/>
+                <a:gd name="adj" fmla="val 50000"/>
               </a:avLst>
             </a:prstGeom>
             <a:solidFill>
@@ -8951,12 +8957,12 @@
             </a:ln>
           </p:spPr>
           <p:txBody>
-            <a:bodyPr anchorCtr="0" anchor="ctr" bIns="121900" lIns="121900" spcFirstLastPara="1" rIns="121900" wrap="square" tIns="121900">
+            <a:bodyPr spcFirstLastPara="1" wrap="square" lIns="121900" tIns="121900" rIns="121900" bIns="121900" anchor="ctr" anchorCtr="0">
               <a:noAutofit/>
             </a:bodyPr>
             <a:lstStyle/>
             <a:p>
-              <a:pPr indent="0" lvl="0" marL="0" rtl="0" algn="l">
+              <a:pPr marL="0" lvl="0" indent="0" algn="l" rtl="0">
                 <a:spcBef>
                   <a:spcPts val="0"/>
                 </a:spcBef>
@@ -8965,9 +8971,6 @@
                 </a:spcAft>
                 <a:buNone/>
               </a:pPr>
-              <a:r>
-                <a:t/>
-              </a:r>
               <a:endParaRPr/>
             </a:p>
           </p:txBody>
@@ -8985,7 +8988,7 @@
             </a:xfrm>
             <a:prstGeom prst="diagStripe">
               <a:avLst>
-                <a:gd fmla="val 50000" name="adj"/>
+                <a:gd name="adj" fmla="val 50000"/>
               </a:avLst>
             </a:prstGeom>
             <a:solidFill>
@@ -8998,12 +9001,12 @@
             </a:ln>
           </p:spPr>
           <p:txBody>
-            <a:bodyPr anchorCtr="0" anchor="ctr" bIns="121900" lIns="121900" spcFirstLastPara="1" rIns="121900" wrap="square" tIns="121900">
+            <a:bodyPr spcFirstLastPara="1" wrap="square" lIns="121900" tIns="121900" rIns="121900" bIns="121900" anchor="ctr" anchorCtr="0">
               <a:noAutofit/>
             </a:bodyPr>
             <a:lstStyle/>
             <a:p>
-              <a:pPr indent="0" lvl="0" marL="0" rtl="0" algn="l">
+              <a:pPr marL="0" lvl="0" indent="0" algn="l" rtl="0">
                 <a:spcBef>
                   <a:spcPts val="0"/>
                 </a:spcBef>
@@ -9012,9 +9015,6 @@
                 </a:spcAft>
                 <a:buNone/>
               </a:pPr>
-              <a:r>
-                <a:t/>
-              </a:r>
               <a:endParaRPr/>
             </a:p>
           </p:txBody>
@@ -9023,7 +9023,9 @@
       <p:sp>
         <p:nvSpPr>
           <p:cNvPr id="89" name="Google Shape;89;p8"/>
-          <p:cNvSpPr txBox="1"/>
+          <p:cNvSpPr txBox="1">
+            <a:spLocks noGrp="1"/>
+          </p:cNvSpPr>
           <p:nvPr>
             <p:ph type="title"/>
           </p:nvPr>
@@ -9038,7 +9040,7 @@
           </a:prstGeom>
         </p:spPr>
         <p:txBody>
-          <a:bodyPr anchorCtr="0" anchor="ctr" bIns="121900" lIns="121900" spcFirstLastPara="1" rIns="121900" wrap="square" tIns="121900">
+          <a:bodyPr spcFirstLastPara="1" wrap="square" lIns="121900" tIns="121900" rIns="121900" bIns="121900" anchor="ctr" anchorCtr="0">
             <a:normAutofit/>
           </a:bodyPr>
           <a:lstStyle>
@@ -9142,15 +9144,19 @@
               <a:defRPr/>
             </a:lvl9pPr>
           </a:lstStyle>
-          <a:p/>
+          <a:p>
+            <a:endParaRPr/>
+          </a:p>
         </p:txBody>
       </p:sp>
       <p:sp>
         <p:nvSpPr>
           <p:cNvPr id="90" name="Google Shape;90;p8"/>
-          <p:cNvSpPr txBox="1"/>
+          <p:cNvSpPr txBox="1">
+            <a:spLocks noGrp="1"/>
+          </p:cNvSpPr>
           <p:nvPr>
-            <p:ph idx="12" type="sldNum"/>
+            <p:ph type="sldNum" idx="12"/>
           </p:nvPr>
         </p:nvSpPr>
         <p:spPr>
@@ -9163,7 +9169,7 @@
           </a:prstGeom>
         </p:spPr>
         <p:txBody>
-          <a:bodyPr anchorCtr="0" anchor="ctr" bIns="121900" lIns="121900" spcFirstLastPara="1" rIns="121900" wrap="square" tIns="121900">
+          <a:bodyPr spcFirstLastPara="1" wrap="square" lIns="121900" tIns="121900" rIns="121900" bIns="121900" anchor="ctr" anchorCtr="0">
             <a:normAutofit/>
           </a:bodyPr>
           <a:lstStyle>
@@ -9205,7 +9211,7 @@
             </a:lvl9pPr>
           </a:lstStyle>
           <a:p>
-            <a:pPr indent="0" lvl="0" marL="0" rtl="0" algn="r">
+            <a:pPr marL="0" lvl="0" indent="0" algn="r" rtl="0">
               <a:spcBef>
                 <a:spcPts val="0"/>
               </a:spcBef>
@@ -9231,11 +9237,11 @@
 </file>
 
 <file path=ppt/slideLayouts/slideLayout8.xml><?xml version="1.0" encoding="utf-8"?>
-<p:sldLayout xmlns:a="http://schemas.openxmlformats.org/drawingml/2006/main" xmlns:r="http://schemas.openxmlformats.org/officeDocument/2006/relationships" xmlns:mc="http://schemas.openxmlformats.org/markup-compatibility/2006" xmlns:mv="urn:schemas-microsoft-com:mac:vml" xmlns:p="http://schemas.openxmlformats.org/presentationml/2006/main" xmlns:c="http://schemas.openxmlformats.org/drawingml/2006/chart" xmlns:dgm="http://schemas.openxmlformats.org/drawingml/2006/diagram" xmlns:o="urn:schemas-microsoft-com:office:office" xmlns:v="urn:schemas-microsoft-com:vml" xmlns:pvml="urn:schemas-microsoft-com:office:powerpoint" xmlns:com="http://schemas.openxmlformats.org/drawingml/2006/compatibility" xmlns:p14="http://schemas.microsoft.com/office/powerpoint/2010/main" xmlns:p15="http://schemas.microsoft.com/office/powerpoint/2012/main" xmlns:ahyp="http://schemas.microsoft.com/office/drawing/2018/hyperlinkcolor" matchingName="Section title and description">
+<p:sldLayout xmlns:a="http://schemas.openxmlformats.org/drawingml/2006/main" xmlns:r="http://schemas.openxmlformats.org/officeDocument/2006/relationships" xmlns:p="http://schemas.openxmlformats.org/presentationml/2006/main" matchingName="Section title and description">
   <p:cSld name="SECTION_TITLE_AND_DESCRIPTION">
     <p:spTree>
       <p:nvGrpSpPr>
-        <p:cNvPr id="91" name="Shape 91"/>
+        <p:cNvPr id="1" name="Shape 91"/>
         <p:cNvGrpSpPr/>
         <p:nvPr/>
       </p:nvGrpSpPr>
@@ -9274,7 +9280,7 @@
             </a:xfrm>
             <a:prstGeom prst="diagStripe">
               <a:avLst>
-                <a:gd fmla="val 50000" name="adj"/>
+                <a:gd name="adj" fmla="val 50000"/>
               </a:avLst>
             </a:prstGeom>
             <a:solidFill>
@@ -9285,12 +9291,12 @@
             </a:ln>
           </p:spPr>
           <p:txBody>
-            <a:bodyPr anchorCtr="0" anchor="ctr" bIns="121900" lIns="121900" spcFirstLastPara="1" rIns="121900" wrap="square" tIns="121900">
+            <a:bodyPr spcFirstLastPara="1" wrap="square" lIns="121900" tIns="121900" rIns="121900" bIns="121900" anchor="ctr" anchorCtr="0">
               <a:noAutofit/>
             </a:bodyPr>
             <a:lstStyle/>
             <a:p>
-              <a:pPr indent="0" lvl="0" marL="0" rtl="0" algn="l">
+              <a:pPr marL="0" lvl="0" indent="0" algn="l" rtl="0">
                 <a:spcBef>
                   <a:spcPts val="0"/>
                 </a:spcBef>
@@ -9299,9 +9305,6 @@
                 </a:spcAft>
                 <a:buNone/>
               </a:pPr>
-              <a:r>
-                <a:t/>
-              </a:r>
               <a:endParaRPr/>
             </a:p>
           </p:txBody>
@@ -9319,7 +9322,7 @@
             </a:xfrm>
             <a:prstGeom prst="diagStripe">
               <a:avLst>
-                <a:gd fmla="val 50000" name="adj"/>
+                <a:gd name="adj" fmla="val 50000"/>
               </a:avLst>
             </a:prstGeom>
             <a:solidFill>
@@ -9330,12 +9333,12 @@
             </a:ln>
           </p:spPr>
           <p:txBody>
-            <a:bodyPr anchorCtr="0" anchor="ctr" bIns="121900" lIns="121900" spcFirstLastPara="1" rIns="121900" wrap="square" tIns="121900">
+            <a:bodyPr spcFirstLastPara="1" wrap="square" lIns="121900" tIns="121900" rIns="121900" bIns="121900" anchor="ctr" anchorCtr="0">
               <a:noAutofit/>
             </a:bodyPr>
             <a:lstStyle/>
             <a:p>
-              <a:pPr indent="0" lvl="0" marL="0" rtl="0" algn="l">
+              <a:pPr marL="0" lvl="0" indent="0" algn="l" rtl="0">
                 <a:spcBef>
                   <a:spcPts val="0"/>
                 </a:spcBef>
@@ -9344,9 +9347,6 @@
                 </a:spcAft>
                 <a:buNone/>
               </a:pPr>
-              <a:r>
-                <a:t/>
-              </a:r>
               <a:endParaRPr/>
             </a:p>
           </p:txBody>
@@ -9355,7 +9355,9 @@
       <p:sp>
         <p:nvSpPr>
           <p:cNvPr id="95" name="Google Shape;95;p9"/>
-          <p:cNvSpPr txBox="1"/>
+          <p:cNvSpPr txBox="1">
+            <a:spLocks noGrp="1"/>
+          </p:cNvSpPr>
           <p:nvPr>
             <p:ph type="title"/>
           </p:nvPr>
@@ -9370,7 +9372,7 @@
           </a:prstGeom>
         </p:spPr>
         <p:txBody>
-          <a:bodyPr anchorCtr="0" anchor="t" bIns="121900" lIns="121900" spcFirstLastPara="1" rIns="121900" wrap="square" tIns="121900">
+          <a:bodyPr spcFirstLastPara="1" wrap="square" lIns="121900" tIns="121900" rIns="121900" bIns="121900" anchor="t" anchorCtr="0">
             <a:normAutofit/>
           </a:bodyPr>
           <a:lstStyle>
@@ -9474,15 +9476,19 @@
               <a:defRPr sz="3200"/>
             </a:lvl9pPr>
           </a:lstStyle>
-          <a:p/>
+          <a:p>
+            <a:endParaRPr/>
+          </a:p>
         </p:txBody>
       </p:sp>
       <p:sp>
         <p:nvSpPr>
           <p:cNvPr id="96" name="Google Shape;96;p9"/>
-          <p:cNvSpPr txBox="1"/>
+          <p:cNvSpPr txBox="1">
+            <a:spLocks noGrp="1"/>
+          </p:cNvSpPr>
           <p:nvPr>
-            <p:ph idx="1" type="subTitle"/>
+            <p:ph type="subTitle" idx="1"/>
           </p:nvPr>
         </p:nvSpPr>
         <p:spPr>
@@ -9495,7 +9501,7 @@
           </a:prstGeom>
         </p:spPr>
         <p:txBody>
-          <a:bodyPr anchorCtr="0" anchor="t" bIns="121900" lIns="121900" spcFirstLastPara="1" rIns="121900" wrap="square" tIns="121900">
+          <a:bodyPr spcFirstLastPara="1" wrap="square" lIns="121900" tIns="121900" rIns="121900" bIns="121900" anchor="t" anchorCtr="0">
             <a:normAutofit/>
           </a:bodyPr>
           <a:lstStyle>
@@ -9626,15 +9632,19 @@
               <a:defRPr sz="1700"/>
             </a:lvl9pPr>
           </a:lstStyle>
-          <a:p/>
+          <a:p>
+            <a:endParaRPr/>
+          </a:p>
         </p:txBody>
       </p:sp>
       <p:sp>
         <p:nvSpPr>
           <p:cNvPr id="97" name="Google Shape;97;p9"/>
-          <p:cNvSpPr txBox="1"/>
+          <p:cNvSpPr txBox="1">
+            <a:spLocks noGrp="1"/>
+          </p:cNvSpPr>
           <p:nvPr>
-            <p:ph idx="2" type="body"/>
+            <p:ph type="body" idx="2"/>
           </p:nvPr>
         </p:nvSpPr>
         <p:spPr>
@@ -9647,11 +9657,11 @@
           </a:prstGeom>
         </p:spPr>
         <p:txBody>
-          <a:bodyPr anchorCtr="0" anchor="t" bIns="121900" lIns="121900" spcFirstLastPara="1" rIns="121900" wrap="square" tIns="121900">
+          <a:bodyPr spcFirstLastPara="1" wrap="square" lIns="121900" tIns="121900" rIns="121900" bIns="121900" anchor="t" anchorCtr="0">
             <a:normAutofit/>
           </a:bodyPr>
           <a:lstStyle>
-            <a:lvl1pPr indent="-336550" lvl="0" marL="457200">
+            <a:lvl1pPr marL="457200" lvl="0" indent="-336550">
               <a:spcBef>
                 <a:spcPts val="0"/>
               </a:spcBef>
@@ -9662,7 +9672,7 @@
               <a:buChar char="●"/>
               <a:defRPr/>
             </a:lvl1pPr>
-            <a:lvl2pPr indent="-323850" lvl="1" marL="914400">
+            <a:lvl2pPr marL="914400" lvl="1" indent="-323850">
               <a:spcBef>
                 <a:spcPts val="0"/>
               </a:spcBef>
@@ -9673,7 +9683,7 @@
               <a:buChar char="○"/>
               <a:defRPr/>
             </a:lvl2pPr>
-            <a:lvl3pPr indent="-323850" lvl="2" marL="1371600">
+            <a:lvl3pPr marL="1371600" lvl="2" indent="-323850">
               <a:spcBef>
                 <a:spcPts val="0"/>
               </a:spcBef>
@@ -9684,7 +9694,7 @@
               <a:buChar char="■"/>
               <a:defRPr/>
             </a:lvl3pPr>
-            <a:lvl4pPr indent="-323850" lvl="3" marL="1828800">
+            <a:lvl4pPr marL="1828800" lvl="3" indent="-323850">
               <a:spcBef>
                 <a:spcPts val="0"/>
               </a:spcBef>
@@ -9695,7 +9705,7 @@
               <a:buChar char="●"/>
               <a:defRPr/>
             </a:lvl4pPr>
-            <a:lvl5pPr indent="-323850" lvl="4" marL="2286000">
+            <a:lvl5pPr marL="2286000" lvl="4" indent="-323850">
               <a:spcBef>
                 <a:spcPts val="0"/>
               </a:spcBef>
@@ -9706,7 +9716,7 @@
               <a:buChar char="○"/>
               <a:defRPr/>
             </a:lvl5pPr>
-            <a:lvl6pPr indent="-323850" lvl="5" marL="2743200">
+            <a:lvl6pPr marL="2743200" lvl="5" indent="-323850">
               <a:spcBef>
                 <a:spcPts val="0"/>
               </a:spcBef>
@@ -9717,7 +9727,7 @@
               <a:buChar char="■"/>
               <a:defRPr/>
             </a:lvl6pPr>
-            <a:lvl7pPr indent="-323850" lvl="6" marL="3200400">
+            <a:lvl7pPr marL="3200400" lvl="6" indent="-323850">
               <a:spcBef>
                 <a:spcPts val="0"/>
               </a:spcBef>
@@ -9728,7 +9738,7 @@
               <a:buChar char="●"/>
               <a:defRPr/>
             </a:lvl7pPr>
-            <a:lvl8pPr indent="-323850" lvl="7" marL="3657600">
+            <a:lvl8pPr marL="3657600" lvl="7" indent="-323850">
               <a:spcBef>
                 <a:spcPts val="0"/>
               </a:spcBef>
@@ -9739,7 +9749,7 @@
               <a:buChar char="○"/>
               <a:defRPr/>
             </a:lvl8pPr>
-            <a:lvl9pPr indent="-323850" lvl="8" marL="4114800">
+            <a:lvl9pPr marL="4114800" lvl="8" indent="-323850">
               <a:spcBef>
                 <a:spcPts val="0"/>
               </a:spcBef>
@@ -9751,15 +9761,19 @@
               <a:defRPr/>
             </a:lvl9pPr>
           </a:lstStyle>
-          <a:p/>
+          <a:p>
+            <a:endParaRPr/>
+          </a:p>
         </p:txBody>
       </p:sp>
       <p:sp>
         <p:nvSpPr>
           <p:cNvPr id="98" name="Google Shape;98;p9"/>
-          <p:cNvSpPr txBox="1"/>
+          <p:cNvSpPr txBox="1">
+            <a:spLocks noGrp="1"/>
+          </p:cNvSpPr>
           <p:nvPr>
-            <p:ph idx="12" type="sldNum"/>
+            <p:ph type="sldNum" idx="12"/>
           </p:nvPr>
         </p:nvSpPr>
         <p:spPr>
@@ -9772,7 +9786,7 @@
           </a:prstGeom>
         </p:spPr>
         <p:txBody>
-          <a:bodyPr anchorCtr="0" anchor="ctr" bIns="121900" lIns="121900" spcFirstLastPara="1" rIns="121900" wrap="square" tIns="121900">
+          <a:bodyPr spcFirstLastPara="1" wrap="square" lIns="121900" tIns="121900" rIns="121900" bIns="121900" anchor="ctr" anchorCtr="0">
             <a:normAutofit/>
           </a:bodyPr>
           <a:lstStyle>
@@ -9814,7 +9828,7 @@
             </a:lvl9pPr>
           </a:lstStyle>
           <a:p>
-            <a:pPr indent="0" lvl="0" marL="0" rtl="0" algn="r">
+            <a:pPr marL="0" lvl="0" indent="0" algn="r" rtl="0">
               <a:spcBef>
                 <a:spcPts val="0"/>
               </a:spcBef>
@@ -9840,11 +9854,11 @@
 </file>
 
 <file path=ppt/slideLayouts/slideLayout9.xml><?xml version="1.0" encoding="utf-8"?>
-<p:sldLayout xmlns:a="http://schemas.openxmlformats.org/drawingml/2006/main" xmlns:r="http://schemas.openxmlformats.org/officeDocument/2006/relationships" xmlns:mc="http://schemas.openxmlformats.org/markup-compatibility/2006" xmlns:mv="urn:schemas-microsoft-com:mac:vml" xmlns:p="http://schemas.openxmlformats.org/presentationml/2006/main" xmlns:c="http://schemas.openxmlformats.org/drawingml/2006/chart" xmlns:dgm="http://schemas.openxmlformats.org/drawingml/2006/diagram" xmlns:o="urn:schemas-microsoft-com:office:office" xmlns:v="urn:schemas-microsoft-com:vml" xmlns:pvml="urn:schemas-microsoft-com:office:powerpoint" xmlns:com="http://schemas.openxmlformats.org/drawingml/2006/compatibility" xmlns:p14="http://schemas.microsoft.com/office/powerpoint/2010/main" xmlns:p15="http://schemas.microsoft.com/office/powerpoint/2012/main" xmlns:ahyp="http://schemas.microsoft.com/office/drawing/2018/hyperlinkcolor" matchingName="Caption">
+<p:sldLayout xmlns:a="http://schemas.openxmlformats.org/drawingml/2006/main" xmlns:r="http://schemas.openxmlformats.org/officeDocument/2006/relationships" xmlns:p="http://schemas.openxmlformats.org/presentationml/2006/main" matchingName="Caption">
   <p:cSld name="CAPTION_ONLY">
     <p:spTree>
       <p:nvGrpSpPr>
-        <p:cNvPr id="99" name="Shape 99"/>
+        <p:cNvPr id="1" name="Shape 99"/>
         <p:cNvGrpSpPr/>
         <p:nvPr/>
       </p:nvGrpSpPr>
@@ -9883,7 +9897,7 @@
             </a:xfrm>
             <a:prstGeom prst="diagStripe">
               <a:avLst>
-                <a:gd fmla="val 50000" name="adj"/>
+                <a:gd name="adj" fmla="val 50000"/>
               </a:avLst>
             </a:prstGeom>
             <a:solidFill>
@@ -9896,12 +9910,12 @@
             </a:ln>
           </p:spPr>
           <p:txBody>
-            <a:bodyPr anchorCtr="0" anchor="ctr" bIns="121900" lIns="121900" spcFirstLastPara="1" rIns="121900" wrap="square" tIns="121900">
+            <a:bodyPr spcFirstLastPara="1" wrap="square" lIns="121900" tIns="121900" rIns="121900" bIns="121900" anchor="ctr" anchorCtr="0">
               <a:noAutofit/>
             </a:bodyPr>
             <a:lstStyle/>
             <a:p>
-              <a:pPr indent="0" lvl="0" marL="0" rtl="0" algn="l">
+              <a:pPr marL="0" lvl="0" indent="0" algn="l" rtl="0">
                 <a:spcBef>
                   <a:spcPts val="0"/>
                 </a:spcBef>
@@ -9910,9 +9924,6 @@
                 </a:spcAft>
                 <a:buNone/>
               </a:pPr>
-              <a:r>
-                <a:t/>
-              </a:r>
               <a:endParaRPr/>
             </a:p>
           </p:txBody>
@@ -9930,7 +9941,7 @@
             </a:xfrm>
             <a:prstGeom prst="diagStripe">
               <a:avLst>
-                <a:gd fmla="val 50000" name="adj"/>
+                <a:gd name="adj" fmla="val 50000"/>
               </a:avLst>
             </a:prstGeom>
             <a:solidFill>
@@ -9943,12 +9954,12 @@
             </a:ln>
           </p:spPr>
           <p:txBody>
-            <a:bodyPr anchorCtr="0" anchor="ctr" bIns="121900" lIns="121900" spcFirstLastPara="1" rIns="121900" wrap="square" tIns="121900">
+            <a:bodyPr spcFirstLastPara="1" wrap="square" lIns="121900" tIns="121900" rIns="121900" bIns="121900" anchor="ctr" anchorCtr="0">
               <a:noAutofit/>
             </a:bodyPr>
             <a:lstStyle/>
             <a:p>
-              <a:pPr indent="0" lvl="0" marL="0" rtl="0" algn="l">
+              <a:pPr marL="0" lvl="0" indent="0" algn="l" rtl="0">
                 <a:spcBef>
                   <a:spcPts val="0"/>
                 </a:spcBef>
@@ -9957,9 +9968,6 @@
                 </a:spcAft>
                 <a:buNone/>
               </a:pPr>
-              <a:r>
-                <a:t/>
-              </a:r>
               <a:endParaRPr/>
             </a:p>
           </p:txBody>
@@ -9968,9 +9976,11 @@
       <p:sp>
         <p:nvSpPr>
           <p:cNvPr id="103" name="Google Shape;103;p10"/>
-          <p:cNvSpPr txBox="1"/>
+          <p:cNvSpPr txBox="1">
+            <a:spLocks noGrp="1"/>
+          </p:cNvSpPr>
           <p:nvPr>
-            <p:ph idx="1" type="body"/>
+            <p:ph type="body" idx="1"/>
           </p:nvPr>
         </p:nvSpPr>
         <p:spPr>
@@ -9983,11 +9993,11 @@
           </a:prstGeom>
         </p:spPr>
         <p:txBody>
-          <a:bodyPr anchorCtr="0" anchor="ctr" bIns="121900" lIns="121900" spcFirstLastPara="1" rIns="121900" wrap="square" tIns="121900">
+          <a:bodyPr spcFirstLastPara="1" wrap="square" lIns="121900" tIns="121900" rIns="121900" bIns="121900" anchor="ctr" anchorCtr="0">
             <a:normAutofit/>
           </a:bodyPr>
           <a:lstStyle>
-            <a:lvl1pPr indent="-228600" lvl="0" marL="457200">
+            <a:lvl1pPr marL="457200" lvl="0" indent="-228600">
               <a:lnSpc>
                 <a:spcPct val="100000"/>
               </a:lnSpc>
@@ -10002,15 +10012,19 @@
               <a:defRPr/>
             </a:lvl1pPr>
           </a:lstStyle>
-          <a:p/>
+          <a:p>
+            <a:endParaRPr/>
+          </a:p>
         </p:txBody>
       </p:sp>
       <p:sp>
         <p:nvSpPr>
           <p:cNvPr id="104" name="Google Shape;104;p10"/>
-          <p:cNvSpPr txBox="1"/>
+          <p:cNvSpPr txBox="1">
+            <a:spLocks noGrp="1"/>
+          </p:cNvSpPr>
           <p:nvPr>
-            <p:ph idx="12" type="sldNum"/>
+            <p:ph type="sldNum" idx="12"/>
           </p:nvPr>
         </p:nvSpPr>
         <p:spPr>
@@ -10023,7 +10037,7 @@
           </a:prstGeom>
         </p:spPr>
         <p:txBody>
-          <a:bodyPr anchorCtr="0" anchor="ctr" bIns="121900" lIns="121900" spcFirstLastPara="1" rIns="121900" wrap="square" tIns="121900">
+          <a:bodyPr spcFirstLastPara="1" wrap="square" lIns="121900" tIns="121900" rIns="121900" bIns="121900" anchor="ctr" anchorCtr="0">
             <a:normAutofit/>
           </a:bodyPr>
           <a:lstStyle>
@@ -10065,7 +10079,7 @@
             </a:lvl9pPr>
           </a:lstStyle>
           <a:p>
-            <a:pPr indent="0" lvl="0" marL="0" rtl="0" algn="r">
+            <a:pPr marL="0" lvl="0" indent="0" algn="r" rtl="0">
               <a:spcBef>
                 <a:spcPts val="0"/>
               </a:spcBef>
@@ -10091,18 +10105,19 @@
 </file>
 
 <file path=ppt/slideMasters/slideMaster1.xml><?xml version="1.0" encoding="utf-8"?>
-<p:sldMaster xmlns:a="http://schemas.openxmlformats.org/drawingml/2006/main" xmlns:r="http://schemas.openxmlformats.org/officeDocument/2006/relationships" xmlns:mc="http://schemas.openxmlformats.org/markup-compatibility/2006" xmlns:mv="urn:schemas-microsoft-com:mac:vml" xmlns:p="http://schemas.openxmlformats.org/presentationml/2006/main" xmlns:c="http://schemas.openxmlformats.org/drawingml/2006/chart" xmlns:dgm="http://schemas.openxmlformats.org/drawingml/2006/diagram" xmlns:o="urn:schemas-microsoft-com:office:office" xmlns:v="urn:schemas-microsoft-com:vml" xmlns:pvml="urn:schemas-microsoft-com:office:powerpoint" xmlns:com="http://schemas.openxmlformats.org/drawingml/2006/compatibility" xmlns:p14="http://schemas.microsoft.com/office/powerpoint/2010/main" xmlns:p15="http://schemas.microsoft.com/office/powerpoint/2012/main" xmlns:ahyp="http://schemas.microsoft.com/office/drawing/2018/hyperlinkcolor">
+<p:sldMaster xmlns:a="http://schemas.openxmlformats.org/drawingml/2006/main" xmlns:r="http://schemas.openxmlformats.org/officeDocument/2006/relationships" xmlns:p="http://schemas.openxmlformats.org/presentationml/2006/main">
   <p:cSld name="focus">
     <p:bg>
       <p:bgPr>
         <a:solidFill>
           <a:schemeClr val="dk1"/>
         </a:solidFill>
+        <a:effectLst/>
       </p:bgPr>
     </p:bg>
     <p:spTree>
       <p:nvGrpSpPr>
-        <p:cNvPr id="5" name="Shape 5"/>
+        <p:cNvPr id="1" name="Shape 5"/>
         <p:cNvGrpSpPr/>
         <p:nvPr/>
       </p:nvGrpSpPr>
@@ -10117,7 +10132,9 @@
       <p:sp>
         <p:nvSpPr>
           <p:cNvPr id="6" name="Google Shape;6;p1"/>
-          <p:cNvSpPr txBox="1"/>
+          <p:cNvSpPr txBox="1">
+            <a:spLocks noGrp="1"/>
+          </p:cNvSpPr>
           <p:nvPr>
             <p:ph type="title"/>
           </p:nvPr>
@@ -10136,7 +10153,7 @@
           </a:ln>
         </p:spPr>
         <p:txBody>
-          <a:bodyPr anchorCtr="0" anchor="t" bIns="121900" lIns="121900" spcFirstLastPara="1" rIns="121900" wrap="square" tIns="121900">
+          <a:bodyPr spcFirstLastPara="1" wrap="square" lIns="121900" tIns="121900" rIns="121900" bIns="121900" anchor="t" anchorCtr="0">
             <a:normAutofit/>
           </a:bodyPr>
           <a:lstStyle>
@@ -10348,15 +10365,19 @@
               </a:defRPr>
             </a:lvl9pPr>
           </a:lstStyle>
-          <a:p/>
+          <a:p>
+            <a:endParaRPr/>
+          </a:p>
         </p:txBody>
       </p:sp>
       <p:sp>
         <p:nvSpPr>
           <p:cNvPr id="7" name="Google Shape;7;p1"/>
-          <p:cNvSpPr txBox="1"/>
+          <p:cNvSpPr txBox="1">
+            <a:spLocks noGrp="1"/>
+          </p:cNvSpPr>
           <p:nvPr>
-            <p:ph idx="1" type="body"/>
+            <p:ph type="body" idx="1"/>
           </p:nvPr>
         </p:nvSpPr>
         <p:spPr>
@@ -10373,11 +10394,11 @@
           </a:ln>
         </p:spPr>
         <p:txBody>
-          <a:bodyPr anchorCtr="0" anchor="t" bIns="121900" lIns="121900" spcFirstLastPara="1" rIns="121900" wrap="square" tIns="121900">
+          <a:bodyPr spcFirstLastPara="1" wrap="square" lIns="121900" tIns="121900" rIns="121900" bIns="121900" anchor="t" anchorCtr="0">
             <a:normAutofit/>
           </a:bodyPr>
           <a:lstStyle>
-            <a:lvl1pPr indent="-336550" lvl="0" marL="457200">
+            <a:lvl1pPr marL="457200" lvl="0" indent="-336550">
               <a:lnSpc>
                 <a:spcPct val="115000"/>
               </a:lnSpc>
@@ -10403,7 +10424,7 @@
                 <a:sym typeface="Lato"/>
               </a:defRPr>
             </a:lvl1pPr>
-            <a:lvl2pPr indent="-323850" lvl="1" marL="914400">
+            <a:lvl2pPr marL="914400" lvl="1" indent="-323850">
               <a:lnSpc>
                 <a:spcPct val="115000"/>
               </a:lnSpc>
@@ -10429,7 +10450,7 @@
                 <a:sym typeface="Lato"/>
               </a:defRPr>
             </a:lvl2pPr>
-            <a:lvl3pPr indent="-323850" lvl="2" marL="1371600">
+            <a:lvl3pPr marL="1371600" lvl="2" indent="-323850">
               <a:lnSpc>
                 <a:spcPct val="115000"/>
               </a:lnSpc>
@@ -10455,7 +10476,7 @@
                 <a:sym typeface="Lato"/>
               </a:defRPr>
             </a:lvl3pPr>
-            <a:lvl4pPr indent="-323850" lvl="3" marL="1828800">
+            <a:lvl4pPr marL="1828800" lvl="3" indent="-323850">
               <a:lnSpc>
                 <a:spcPct val="115000"/>
               </a:lnSpc>
@@ -10481,7 +10502,7 @@
                 <a:sym typeface="Lato"/>
               </a:defRPr>
             </a:lvl4pPr>
-            <a:lvl5pPr indent="-323850" lvl="4" marL="2286000">
+            <a:lvl5pPr marL="2286000" lvl="4" indent="-323850">
               <a:lnSpc>
                 <a:spcPct val="115000"/>
               </a:lnSpc>
@@ -10507,7 +10528,7 @@
                 <a:sym typeface="Lato"/>
               </a:defRPr>
             </a:lvl5pPr>
-            <a:lvl6pPr indent="-323850" lvl="5" marL="2743200">
+            <a:lvl6pPr marL="2743200" lvl="5" indent="-323850">
               <a:lnSpc>
                 <a:spcPct val="115000"/>
               </a:lnSpc>
@@ -10533,7 +10554,7 @@
                 <a:sym typeface="Lato"/>
               </a:defRPr>
             </a:lvl6pPr>
-            <a:lvl7pPr indent="-323850" lvl="6" marL="3200400">
+            <a:lvl7pPr marL="3200400" lvl="6" indent="-323850">
               <a:lnSpc>
                 <a:spcPct val="115000"/>
               </a:lnSpc>
@@ -10559,7 +10580,7 @@
                 <a:sym typeface="Lato"/>
               </a:defRPr>
             </a:lvl7pPr>
-            <a:lvl8pPr indent="-323850" lvl="7" marL="3657600">
+            <a:lvl8pPr marL="3657600" lvl="7" indent="-323850">
               <a:lnSpc>
                 <a:spcPct val="115000"/>
               </a:lnSpc>
@@ -10585,7 +10606,7 @@
                 <a:sym typeface="Lato"/>
               </a:defRPr>
             </a:lvl8pPr>
-            <a:lvl9pPr indent="-323850" lvl="8" marL="4114800">
+            <a:lvl9pPr marL="4114800" lvl="8" indent="-323850">
               <a:lnSpc>
                 <a:spcPct val="115000"/>
               </a:lnSpc>
@@ -10612,15 +10633,19 @@
               </a:defRPr>
             </a:lvl9pPr>
           </a:lstStyle>
-          <a:p/>
+          <a:p>
+            <a:endParaRPr/>
+          </a:p>
         </p:txBody>
       </p:sp>
       <p:sp>
         <p:nvSpPr>
           <p:cNvPr id="8" name="Google Shape;8;p1"/>
-          <p:cNvSpPr txBox="1"/>
+          <p:cNvSpPr txBox="1">
+            <a:spLocks noGrp="1"/>
+          </p:cNvSpPr>
           <p:nvPr>
-            <p:ph idx="12" type="sldNum"/>
+            <p:ph type="sldNum" idx="12"/>
           </p:nvPr>
         </p:nvSpPr>
         <p:spPr>
@@ -10637,7 +10662,7 @@
           </a:ln>
         </p:spPr>
         <p:txBody>
-          <a:bodyPr anchorCtr="0" anchor="ctr" bIns="121900" lIns="121900" spcFirstLastPara="1" rIns="121900" wrap="square" tIns="121900">
+          <a:bodyPr spcFirstLastPara="1" wrap="square" lIns="121900" tIns="121900" rIns="121900" bIns="121900" anchor="ctr" anchorCtr="0">
             <a:normAutofit/>
           </a:bodyPr>
           <a:lstStyle>
@@ -10751,7 +10776,7 @@
             </a:lvl9pPr>
           </a:lstStyle>
           <a:p>
-            <a:pPr indent="0" lvl="0" marL="0" rtl="0" algn="r">
+            <a:pPr marL="0" lvl="0" indent="0" algn="r" rtl="0">
               <a:spcBef>
                 <a:spcPts val="0"/>
               </a:spcBef>
@@ -10770,7 +10795,7 @@
       </p:sp>
     </p:spTree>
   </p:cSld>
-  <p:clrMap accent1="accent1" accent2="accent2" accent3="accent3" accent4="accent4" accent5="accent5" accent6="accent6" bg1="lt1" bg2="dk2" tx1="dk1" tx2="lt2" folHlink="folHlink" hlink="hlink"/>
+  <p:clrMap bg1="lt1" tx1="dk1" bg2="dk2" tx2="lt2" accent1="accent1" accent2="accent2" accent3="accent3" accent4="accent4" accent5="accent5" accent6="accent6" hlink="hlink" folHlink="folHlink"/>
   <p:sldLayoutIdLst>
     <p:sldLayoutId id="2147483648" r:id="rId1"/>
     <p:sldLayoutId id="2147483649" r:id="rId2"/>
@@ -10785,10 +10810,10 @@
     <p:sldLayoutId id="2147483658" r:id="rId11"/>
     <p:sldLayoutId id="2147483659" r:id="rId12"/>
   </p:sldLayoutIdLst>
-  <p:hf dt="0" ftr="0" hdr="0" sldNum="0"/>
+  <p:hf sldNum="0" hdr="0" ftr="0" dt="0"/>
   <p:txStyles>
     <p:titleStyle>
-      <a:defPPr lvl="0" marR="0" rtl="0" algn="l">
+      <a:defPPr marR="0" lvl="0" algn="l" rtl="0">
         <a:lnSpc>
           <a:spcPct val="100000"/>
         </a:lnSpc>
@@ -10799,7 +10824,7 @@
           <a:spcPts val="0"/>
         </a:spcAft>
       </a:defPPr>
-      <a:lvl1pPr lvl="0" marR="0" rtl="0" algn="l">
+      <a:lvl1pPr marR="0" lvl="0" algn="l" rtl="0">
         <a:lnSpc>
           <a:spcPct val="100000"/>
         </a:lnSpc>
@@ -10813,7 +10838,7 @@
           <a:srgbClr val="000000"/>
         </a:buClr>
         <a:buFont typeface="Arial"/>
-        <a:defRPr b="0" i="0" sz="1400" u="none" cap="none" strike="noStrike">
+        <a:defRPr sz="1400" b="0" i="0" u="none" strike="noStrike" cap="none">
           <a:solidFill>
             <a:srgbClr val="000000"/>
           </a:solidFill>
@@ -10823,7 +10848,7 @@
           <a:sym typeface="Arial"/>
         </a:defRPr>
       </a:lvl1pPr>
-      <a:lvl2pPr lvl="1" marR="0" rtl="0" algn="l">
+      <a:lvl2pPr marR="0" lvl="1" algn="l" rtl="0">
         <a:lnSpc>
           <a:spcPct val="100000"/>
         </a:lnSpc>
@@ -10837,7 +10862,7 @@
           <a:srgbClr val="000000"/>
         </a:buClr>
         <a:buFont typeface="Arial"/>
-        <a:defRPr b="0" i="0" sz="1400" u="none" cap="none" strike="noStrike">
+        <a:defRPr sz="1400" b="0" i="0" u="none" strike="noStrike" cap="none">
           <a:solidFill>
             <a:srgbClr val="000000"/>
           </a:solidFill>
@@ -10847,7 +10872,7 @@
           <a:sym typeface="Arial"/>
         </a:defRPr>
       </a:lvl2pPr>
-      <a:lvl3pPr lvl="2" marR="0" rtl="0" algn="l">
+      <a:lvl3pPr marR="0" lvl="2" algn="l" rtl="0">
         <a:lnSpc>
           <a:spcPct val="100000"/>
         </a:lnSpc>
@@ -10861,7 +10886,7 @@
           <a:srgbClr val="000000"/>
         </a:buClr>
         <a:buFont typeface="Arial"/>
-        <a:defRPr b="0" i="0" sz="1400" u="none" cap="none" strike="noStrike">
+        <a:defRPr sz="1400" b="0" i="0" u="none" strike="noStrike" cap="none">
           <a:solidFill>
             <a:srgbClr val="000000"/>
           </a:solidFill>
@@ -10871,7 +10896,7 @@
           <a:sym typeface="Arial"/>
         </a:defRPr>
       </a:lvl3pPr>
-      <a:lvl4pPr lvl="3" marR="0" rtl="0" algn="l">
+      <a:lvl4pPr marR="0" lvl="3" algn="l" rtl="0">
         <a:lnSpc>
           <a:spcPct val="100000"/>
         </a:lnSpc>
@@ -10885,7 +10910,7 @@
           <a:srgbClr val="000000"/>
         </a:buClr>
         <a:buFont typeface="Arial"/>
-        <a:defRPr b="0" i="0" sz="1400" u="none" cap="none" strike="noStrike">
+        <a:defRPr sz="1400" b="0" i="0" u="none" strike="noStrike" cap="none">
           <a:solidFill>
             <a:srgbClr val="000000"/>
           </a:solidFill>
@@ -10895,7 +10920,7 @@
           <a:sym typeface="Arial"/>
         </a:defRPr>
       </a:lvl4pPr>
-      <a:lvl5pPr lvl="4" marR="0" rtl="0" algn="l">
+      <a:lvl5pPr marR="0" lvl="4" algn="l" rtl="0">
         <a:lnSpc>
           <a:spcPct val="100000"/>
         </a:lnSpc>
@@ -10909,7 +10934,7 @@
           <a:srgbClr val="000000"/>
         </a:buClr>
         <a:buFont typeface="Arial"/>
-        <a:defRPr b="0" i="0" sz="1400" u="none" cap="none" strike="noStrike">
+        <a:defRPr sz="1400" b="0" i="0" u="none" strike="noStrike" cap="none">
           <a:solidFill>
             <a:srgbClr val="000000"/>
           </a:solidFill>
@@ -10919,7 +10944,7 @@
           <a:sym typeface="Arial"/>
         </a:defRPr>
       </a:lvl5pPr>
-      <a:lvl6pPr lvl="5" marR="0" rtl="0" algn="l">
+      <a:lvl6pPr marR="0" lvl="5" algn="l" rtl="0">
         <a:lnSpc>
           <a:spcPct val="100000"/>
         </a:lnSpc>
@@ -10933,7 +10958,7 @@
           <a:srgbClr val="000000"/>
         </a:buClr>
         <a:buFont typeface="Arial"/>
-        <a:defRPr b="0" i="0" sz="1400" u="none" cap="none" strike="noStrike">
+        <a:defRPr sz="1400" b="0" i="0" u="none" strike="noStrike" cap="none">
           <a:solidFill>
             <a:srgbClr val="000000"/>
           </a:solidFill>
@@ -10943,7 +10968,7 @@
           <a:sym typeface="Arial"/>
         </a:defRPr>
       </a:lvl6pPr>
-      <a:lvl7pPr lvl="6" marR="0" rtl="0" algn="l">
+      <a:lvl7pPr marR="0" lvl="6" algn="l" rtl="0">
         <a:lnSpc>
           <a:spcPct val="100000"/>
         </a:lnSpc>
@@ -10957,7 +10982,7 @@
           <a:srgbClr val="000000"/>
         </a:buClr>
         <a:buFont typeface="Arial"/>
-        <a:defRPr b="0" i="0" sz="1400" u="none" cap="none" strike="noStrike">
+        <a:defRPr sz="1400" b="0" i="0" u="none" strike="noStrike" cap="none">
           <a:solidFill>
             <a:srgbClr val="000000"/>
           </a:solidFill>
@@ -10967,7 +10992,7 @@
           <a:sym typeface="Arial"/>
         </a:defRPr>
       </a:lvl7pPr>
-      <a:lvl8pPr lvl="7" marR="0" rtl="0" algn="l">
+      <a:lvl8pPr marR="0" lvl="7" algn="l" rtl="0">
         <a:lnSpc>
           <a:spcPct val="100000"/>
         </a:lnSpc>
@@ -10981,7 +11006,7 @@
           <a:srgbClr val="000000"/>
         </a:buClr>
         <a:buFont typeface="Arial"/>
-        <a:defRPr b="0" i="0" sz="1400" u="none" cap="none" strike="noStrike">
+        <a:defRPr sz="1400" b="0" i="0" u="none" strike="noStrike" cap="none">
           <a:solidFill>
             <a:srgbClr val="000000"/>
           </a:solidFill>
@@ -10991,7 +11016,7 @@
           <a:sym typeface="Arial"/>
         </a:defRPr>
       </a:lvl8pPr>
-      <a:lvl9pPr lvl="8" marR="0" rtl="0" algn="l">
+      <a:lvl9pPr marR="0" lvl="8" algn="l" rtl="0">
         <a:lnSpc>
           <a:spcPct val="100000"/>
         </a:lnSpc>
@@ -11005,7 +11030,7 @@
           <a:srgbClr val="000000"/>
         </a:buClr>
         <a:buFont typeface="Arial"/>
-        <a:defRPr b="0" i="0" sz="1400" u="none" cap="none" strike="noStrike">
+        <a:defRPr sz="1400" b="0" i="0" u="none" strike="noStrike" cap="none">
           <a:solidFill>
             <a:srgbClr val="000000"/>
           </a:solidFill>
@@ -11017,7 +11042,7 @@
       </a:lvl9pPr>
     </p:titleStyle>
     <p:bodyStyle>
-      <a:defPPr lvl="0" marR="0" rtl="0" algn="l">
+      <a:defPPr marR="0" lvl="0" algn="l" rtl="0">
         <a:lnSpc>
           <a:spcPct val="100000"/>
         </a:lnSpc>
@@ -11028,7 +11053,7 @@
           <a:spcPts val="0"/>
         </a:spcAft>
       </a:defPPr>
-      <a:lvl1pPr lvl="0" marR="0" rtl="0" algn="l">
+      <a:lvl1pPr marR="0" lvl="0" algn="l" rtl="0">
         <a:lnSpc>
           <a:spcPct val="100000"/>
         </a:lnSpc>
@@ -11042,7 +11067,7 @@
           <a:srgbClr val="000000"/>
         </a:buClr>
         <a:buFont typeface="Arial"/>
-        <a:defRPr b="0" i="0" sz="1400" u="none" cap="none" strike="noStrike">
+        <a:defRPr sz="1400" b="0" i="0" u="none" strike="noStrike" cap="none">
           <a:solidFill>
             <a:srgbClr val="000000"/>
           </a:solidFill>
@@ -11052,7 +11077,7 @@
           <a:sym typeface="Arial"/>
         </a:defRPr>
       </a:lvl1pPr>
-      <a:lvl2pPr lvl="1" marR="0" rtl="0" algn="l">
+      <a:lvl2pPr marR="0" lvl="1" algn="l" rtl="0">
         <a:lnSpc>
           <a:spcPct val="100000"/>
         </a:lnSpc>
@@ -11066,7 +11091,7 @@
           <a:srgbClr val="000000"/>
         </a:buClr>
         <a:buFont typeface="Arial"/>
-        <a:defRPr b="0" i="0" sz="1400" u="none" cap="none" strike="noStrike">
+        <a:defRPr sz="1400" b="0" i="0" u="none" strike="noStrike" cap="none">
           <a:solidFill>
             <a:srgbClr val="000000"/>
           </a:solidFill>
@@ -11076,7 +11101,7 @@
           <a:sym typeface="Arial"/>
         </a:defRPr>
       </a:lvl2pPr>
-      <a:lvl3pPr lvl="2" marR="0" rtl="0" algn="l">
+      <a:lvl3pPr marR="0" lvl="2" algn="l" rtl="0">
         <a:lnSpc>
           <a:spcPct val="100000"/>
         </a:lnSpc>
@@ -11090,7 +11115,7 @@
           <a:srgbClr val="000000"/>
         </a:buClr>
         <a:buFont typeface="Arial"/>
-        <a:defRPr b="0" i="0" sz="1400" u="none" cap="none" strike="noStrike">
+        <a:defRPr sz="1400" b="0" i="0" u="none" strike="noStrike" cap="none">
           <a:solidFill>
             <a:srgbClr val="000000"/>
           </a:solidFill>
@@ -11100,7 +11125,7 @@
           <a:sym typeface="Arial"/>
         </a:defRPr>
       </a:lvl3pPr>
-      <a:lvl4pPr lvl="3" marR="0" rtl="0" algn="l">
+      <a:lvl4pPr marR="0" lvl="3" algn="l" rtl="0">
         <a:lnSpc>
           <a:spcPct val="100000"/>
         </a:lnSpc>
@@ -11114,7 +11139,7 @@
           <a:srgbClr val="000000"/>
         </a:buClr>
         <a:buFont typeface="Arial"/>
-        <a:defRPr b="0" i="0" sz="1400" u="none" cap="none" strike="noStrike">
+        <a:defRPr sz="1400" b="0" i="0" u="none" strike="noStrike" cap="none">
           <a:solidFill>
             <a:srgbClr val="000000"/>
           </a:solidFill>
@@ -11124,7 +11149,7 @@
           <a:sym typeface="Arial"/>
         </a:defRPr>
       </a:lvl4pPr>
-      <a:lvl5pPr lvl="4" marR="0" rtl="0" algn="l">
+      <a:lvl5pPr marR="0" lvl="4" algn="l" rtl="0">
         <a:lnSpc>
           <a:spcPct val="100000"/>
         </a:lnSpc>
@@ -11138,7 +11163,7 @@
           <a:srgbClr val="000000"/>
         </a:buClr>
         <a:buFont typeface="Arial"/>
-        <a:defRPr b="0" i="0" sz="1400" u="none" cap="none" strike="noStrike">
+        <a:defRPr sz="1400" b="0" i="0" u="none" strike="noStrike" cap="none">
           <a:solidFill>
             <a:srgbClr val="000000"/>
           </a:solidFill>
@@ -11148,7 +11173,7 @@
           <a:sym typeface="Arial"/>
         </a:defRPr>
       </a:lvl5pPr>
-      <a:lvl6pPr lvl="5" marR="0" rtl="0" algn="l">
+      <a:lvl6pPr marR="0" lvl="5" algn="l" rtl="0">
         <a:lnSpc>
           <a:spcPct val="100000"/>
         </a:lnSpc>
@@ -11162,7 +11187,7 @@
           <a:srgbClr val="000000"/>
         </a:buClr>
         <a:buFont typeface="Arial"/>
-        <a:defRPr b="0" i="0" sz="1400" u="none" cap="none" strike="noStrike">
+        <a:defRPr sz="1400" b="0" i="0" u="none" strike="noStrike" cap="none">
           <a:solidFill>
             <a:srgbClr val="000000"/>
           </a:solidFill>
@@ -11172,7 +11197,7 @@
           <a:sym typeface="Arial"/>
         </a:defRPr>
       </a:lvl6pPr>
-      <a:lvl7pPr lvl="6" marR="0" rtl="0" algn="l">
+      <a:lvl7pPr marR="0" lvl="6" algn="l" rtl="0">
         <a:lnSpc>
           <a:spcPct val="100000"/>
         </a:lnSpc>
@@ -11186,7 +11211,7 @@
           <a:srgbClr val="000000"/>
         </a:buClr>
         <a:buFont typeface="Arial"/>
-        <a:defRPr b="0" i="0" sz="1400" u="none" cap="none" strike="noStrike">
+        <a:defRPr sz="1400" b="0" i="0" u="none" strike="noStrike" cap="none">
           <a:solidFill>
             <a:srgbClr val="000000"/>
           </a:solidFill>
@@ -11196,7 +11221,7 @@
           <a:sym typeface="Arial"/>
         </a:defRPr>
       </a:lvl7pPr>
-      <a:lvl8pPr lvl="7" marR="0" rtl="0" algn="l">
+      <a:lvl8pPr marR="0" lvl="7" algn="l" rtl="0">
         <a:lnSpc>
           <a:spcPct val="100000"/>
         </a:lnSpc>
@@ -11210,7 +11235,7 @@
           <a:srgbClr val="000000"/>
         </a:buClr>
         <a:buFont typeface="Arial"/>
-        <a:defRPr b="0" i="0" sz="1400" u="none" cap="none" strike="noStrike">
+        <a:defRPr sz="1400" b="0" i="0" u="none" strike="noStrike" cap="none">
           <a:solidFill>
             <a:srgbClr val="000000"/>
           </a:solidFill>
@@ -11220,7 +11245,7 @@
           <a:sym typeface="Arial"/>
         </a:defRPr>
       </a:lvl8pPr>
-      <a:lvl9pPr lvl="8" marR="0" rtl="0" algn="l">
+      <a:lvl9pPr marR="0" lvl="8" algn="l" rtl="0">
         <a:lnSpc>
           <a:spcPct val="100000"/>
         </a:lnSpc>
@@ -11234,7 +11259,7 @@
           <a:srgbClr val="000000"/>
         </a:buClr>
         <a:buFont typeface="Arial"/>
-        <a:defRPr b="0" i="0" sz="1400" u="none" cap="none" strike="noStrike">
+        <a:defRPr sz="1400" b="0" i="0" u="none" strike="noStrike" cap="none">
           <a:solidFill>
             <a:srgbClr val="000000"/>
           </a:solidFill>
@@ -11246,7 +11271,7 @@
       </a:lvl9pPr>
     </p:bodyStyle>
     <p:otherStyle>
-      <a:defPPr lvl="0" marR="0" rtl="0" algn="l">
+      <a:defPPr marR="0" lvl="0" algn="l" rtl="0">
         <a:lnSpc>
           <a:spcPct val="100000"/>
         </a:lnSpc>
@@ -11257,7 +11282,7 @@
           <a:spcPts val="0"/>
         </a:spcAft>
       </a:defPPr>
-      <a:lvl1pPr lvl="0" marR="0" rtl="0" algn="l">
+      <a:lvl1pPr marR="0" lvl="0" algn="l" rtl="0">
         <a:lnSpc>
           <a:spcPct val="100000"/>
         </a:lnSpc>
@@ -11271,7 +11296,7 @@
           <a:srgbClr val="000000"/>
         </a:buClr>
         <a:buFont typeface="Arial"/>
-        <a:defRPr b="0" i="0" sz="1400" u="none" cap="none" strike="noStrike">
+        <a:defRPr sz="1400" b="0" i="0" u="none" strike="noStrike" cap="none">
           <a:solidFill>
             <a:srgbClr val="000000"/>
           </a:solidFill>
@@ -11281,7 +11306,7 @@
           <a:sym typeface="Arial"/>
         </a:defRPr>
       </a:lvl1pPr>
-      <a:lvl2pPr lvl="1" marR="0" rtl="0" algn="l">
+      <a:lvl2pPr marR="0" lvl="1" algn="l" rtl="0">
         <a:lnSpc>
           <a:spcPct val="100000"/>
         </a:lnSpc>
@@ -11295,7 +11320,7 @@
           <a:srgbClr val="000000"/>
         </a:buClr>
         <a:buFont typeface="Arial"/>
-        <a:defRPr b="0" i="0" sz="1400" u="none" cap="none" strike="noStrike">
+        <a:defRPr sz="1400" b="0" i="0" u="none" strike="noStrike" cap="none">
           <a:solidFill>
             <a:srgbClr val="000000"/>
           </a:solidFill>
@@ -11305,7 +11330,7 @@
           <a:sym typeface="Arial"/>
         </a:defRPr>
       </a:lvl2pPr>
-      <a:lvl3pPr lvl="2" marR="0" rtl="0" algn="l">
+      <a:lvl3pPr marR="0" lvl="2" algn="l" rtl="0">
         <a:lnSpc>
           <a:spcPct val="100000"/>
         </a:lnSpc>
@@ -11319,7 +11344,7 @@
           <a:srgbClr val="000000"/>
         </a:buClr>
         <a:buFont typeface="Arial"/>
-        <a:defRPr b="0" i="0" sz="1400" u="none" cap="none" strike="noStrike">
+        <a:defRPr sz="1400" b="0" i="0" u="none" strike="noStrike" cap="none">
           <a:solidFill>
             <a:srgbClr val="000000"/>
           </a:solidFill>
@@ -11329,7 +11354,7 @@
           <a:sym typeface="Arial"/>
         </a:defRPr>
       </a:lvl3pPr>
-      <a:lvl4pPr lvl="3" marR="0" rtl="0" algn="l">
+      <a:lvl4pPr marR="0" lvl="3" algn="l" rtl="0">
         <a:lnSpc>
           <a:spcPct val="100000"/>
         </a:lnSpc>
@@ -11343,7 +11368,7 @@
           <a:srgbClr val="000000"/>
         </a:buClr>
         <a:buFont typeface="Arial"/>
-        <a:defRPr b="0" i="0" sz="1400" u="none" cap="none" strike="noStrike">
+        <a:defRPr sz="1400" b="0" i="0" u="none" strike="noStrike" cap="none">
           <a:solidFill>
             <a:srgbClr val="000000"/>
           </a:solidFill>
@@ -11353,7 +11378,7 @@
           <a:sym typeface="Arial"/>
         </a:defRPr>
       </a:lvl4pPr>
-      <a:lvl5pPr lvl="4" marR="0" rtl="0" algn="l">
+      <a:lvl5pPr marR="0" lvl="4" algn="l" rtl="0">
         <a:lnSpc>
           <a:spcPct val="100000"/>
         </a:lnSpc>
@@ -11367,7 +11392,7 @@
           <a:srgbClr val="000000"/>
         </a:buClr>
         <a:buFont typeface="Arial"/>
-        <a:defRPr b="0" i="0" sz="1400" u="none" cap="none" strike="noStrike">
+        <a:defRPr sz="1400" b="0" i="0" u="none" strike="noStrike" cap="none">
           <a:solidFill>
             <a:srgbClr val="000000"/>
           </a:solidFill>
@@ -11377,7 +11402,7 @@
           <a:sym typeface="Arial"/>
         </a:defRPr>
       </a:lvl5pPr>
-      <a:lvl6pPr lvl="5" marR="0" rtl="0" algn="l">
+      <a:lvl6pPr marR="0" lvl="5" algn="l" rtl="0">
         <a:lnSpc>
           <a:spcPct val="100000"/>
         </a:lnSpc>
@@ -11391,7 +11416,7 @@
           <a:srgbClr val="000000"/>
         </a:buClr>
         <a:buFont typeface="Arial"/>
-        <a:defRPr b="0" i="0" sz="1400" u="none" cap="none" strike="noStrike">
+        <a:defRPr sz="1400" b="0" i="0" u="none" strike="noStrike" cap="none">
           <a:solidFill>
             <a:srgbClr val="000000"/>
           </a:solidFill>
@@ -11401,7 +11426,7 @@
           <a:sym typeface="Arial"/>
         </a:defRPr>
       </a:lvl6pPr>
-      <a:lvl7pPr lvl="6" marR="0" rtl="0" algn="l">
+      <a:lvl7pPr marR="0" lvl="6" algn="l" rtl="0">
         <a:lnSpc>
           <a:spcPct val="100000"/>
         </a:lnSpc>
@@ -11415,7 +11440,7 @@
           <a:srgbClr val="000000"/>
         </a:buClr>
         <a:buFont typeface="Arial"/>
-        <a:defRPr b="0" i="0" sz="1400" u="none" cap="none" strike="noStrike">
+        <a:defRPr sz="1400" b="0" i="0" u="none" strike="noStrike" cap="none">
           <a:solidFill>
             <a:srgbClr val="000000"/>
           </a:solidFill>
@@ -11425,7 +11450,7 @@
           <a:sym typeface="Arial"/>
         </a:defRPr>
       </a:lvl7pPr>
-      <a:lvl8pPr lvl="7" marR="0" rtl="0" algn="l">
+      <a:lvl8pPr marR="0" lvl="7" algn="l" rtl="0">
         <a:lnSpc>
           <a:spcPct val="100000"/>
         </a:lnSpc>
@@ -11439,7 +11464,7 @@
           <a:srgbClr val="000000"/>
         </a:buClr>
         <a:buFont typeface="Arial"/>
-        <a:defRPr b="0" i="0" sz="1400" u="none" cap="none" strike="noStrike">
+        <a:defRPr sz="1400" b="0" i="0" u="none" strike="noStrike" cap="none">
           <a:solidFill>
             <a:srgbClr val="000000"/>
           </a:solidFill>
@@ -11449,7 +11474,7 @@
           <a:sym typeface="Arial"/>
         </a:defRPr>
       </a:lvl8pPr>
-      <a:lvl9pPr lvl="8" marR="0" rtl="0" algn="l">
+      <a:lvl9pPr marR="0" lvl="8" algn="l" rtl="0">
         <a:lnSpc>
           <a:spcPct val="100000"/>
         </a:lnSpc>
@@ -11463,7 +11488,7 @@
           <a:srgbClr val="000000"/>
         </a:buClr>
         <a:buFont typeface="Arial"/>
-        <a:defRPr b="0" i="0" sz="1400" u="none" cap="none" strike="noStrike">
+        <a:defRPr sz="1400" b="0" i="0" u="none" strike="noStrike" cap="none">
           <a:solidFill>
             <a:srgbClr val="000000"/>
           </a:solidFill>
@@ -11479,11 +11504,11 @@
 </file>
 
 <file path=ppt/slides/slide1.xml><?xml version="1.0" encoding="utf-8"?>
-<p:sld xmlns:a="http://schemas.openxmlformats.org/drawingml/2006/main" xmlns:r="http://schemas.openxmlformats.org/officeDocument/2006/relationships" xmlns:mc="http://schemas.openxmlformats.org/markup-compatibility/2006" xmlns:mv="urn:schemas-microsoft-com:mac:vml" xmlns:p="http://schemas.openxmlformats.org/presentationml/2006/main" xmlns:c="http://schemas.openxmlformats.org/drawingml/2006/chart" xmlns:dgm="http://schemas.openxmlformats.org/drawingml/2006/diagram" xmlns:o="urn:schemas-microsoft-com:office:office" xmlns:v="urn:schemas-microsoft-com:vml" xmlns:pvml="urn:schemas-microsoft-com:office:powerpoint" xmlns:com="http://schemas.openxmlformats.org/drawingml/2006/compatibility" xmlns:p14="http://schemas.microsoft.com/office/powerpoint/2010/main" xmlns:p15="http://schemas.microsoft.com/office/powerpoint/2012/main" xmlns:ahyp="http://schemas.microsoft.com/office/drawing/2018/hyperlinkcolor">
+<p:sld xmlns:a="http://schemas.openxmlformats.org/drawingml/2006/main" xmlns:r="http://schemas.openxmlformats.org/officeDocument/2006/relationships" xmlns:p="http://schemas.openxmlformats.org/presentationml/2006/main">
   <p:cSld>
     <p:spTree>
       <p:nvGrpSpPr>
-        <p:cNvPr id="139" name="Shape 139"/>
+        <p:cNvPr id="1" name="Shape 139"/>
         <p:cNvGrpSpPr/>
         <p:nvPr/>
       </p:nvGrpSpPr>
@@ -11498,7 +11523,9 @@
       <p:sp>
         <p:nvSpPr>
           <p:cNvPr id="140" name="Google Shape;140;p14"/>
-          <p:cNvSpPr txBox="1"/>
+          <p:cNvSpPr txBox="1">
+            <a:spLocks noGrp="1"/>
+          </p:cNvSpPr>
           <p:nvPr>
             <p:ph type="ctrTitle"/>
           </p:nvPr>
@@ -11517,12 +11544,12 @@
           </a:ln>
         </p:spPr>
         <p:txBody>
-          <a:bodyPr anchorCtr="0" anchor="b" bIns="45700" lIns="91425" spcFirstLastPara="1" rIns="91425" wrap="square" tIns="45700">
+          <a:bodyPr spcFirstLastPara="1" wrap="square" lIns="91425" tIns="45700" rIns="91425" bIns="45700" anchor="b" anchorCtr="0">
             <a:normAutofit/>
           </a:bodyPr>
           <a:lstStyle/>
           <a:p>
-            <a:pPr indent="0" lvl="0" marL="0" rtl="0" algn="ctr">
+            <a:pPr marL="0" lvl="0" indent="0" algn="ctr" rtl="0">
               <a:lnSpc>
                 <a:spcPct val="90000"/>
               </a:lnSpc>
@@ -11550,9 +11577,11 @@
       <p:sp>
         <p:nvSpPr>
           <p:cNvPr id="141" name="Google Shape;141;p14"/>
-          <p:cNvSpPr txBox="1"/>
+          <p:cNvSpPr txBox="1">
+            <a:spLocks noGrp="1"/>
+          </p:cNvSpPr>
           <p:nvPr>
-            <p:ph idx="1" type="subTitle"/>
+            <p:ph type="subTitle" idx="1"/>
           </p:nvPr>
         </p:nvSpPr>
         <p:spPr>
@@ -11569,12 +11598,12 @@
           </a:ln>
         </p:spPr>
         <p:txBody>
-          <a:bodyPr anchorCtr="0" anchor="t" bIns="45700" lIns="91425" spcFirstLastPara="1" rIns="91425" wrap="square" tIns="45700">
+          <a:bodyPr spcFirstLastPara="1" wrap="square" lIns="91425" tIns="45700" rIns="91425" bIns="45700" anchor="t" anchorCtr="0">
             <a:normAutofit/>
           </a:bodyPr>
           <a:lstStyle/>
           <a:p>
-            <a:pPr indent="0" lvl="0" marL="0" rtl="0" algn="l">
+            <a:pPr marL="0" lvl="0" indent="0" algn="l" rtl="0">
               <a:spcBef>
                 <a:spcPts val="0"/>
               </a:spcBef>
@@ -11590,16 +11619,12 @@
             </a:pPr>
             <a:r>
               <a:rPr lang="en-US"/>
-              <a:t>By: </a:t>
-            </a:r>
-            <a:r>
-              <a:rPr lang="en-US"/>
-              <a:t>Arturo Olmos, Jaehyeon Park</a:t>
+              <a:t>By: Arturo Olmos, Jaehyeon Park</a:t>
             </a:r>
             <a:endParaRPr/>
           </a:p>
           <a:p>
-            <a:pPr indent="0" lvl="0" marL="0" rtl="0" algn="ctr">
+            <a:pPr marL="0" lvl="0" indent="0" algn="ctr" rtl="0">
               <a:lnSpc>
                 <a:spcPct val="90000"/>
               </a:lnSpc>
@@ -11615,9 +11640,6 @@
               <a:buSzPts val="2400"/>
               <a:buNone/>
             </a:pPr>
-            <a:r>
-              <a:t/>
-            </a:r>
             <a:endParaRPr/>
           </a:p>
         </p:txBody>
@@ -11631,11 +11653,11 @@
 </file>
 
 <file path=ppt/slides/slide10.xml><?xml version="1.0" encoding="utf-8"?>
-<p:sld xmlns:a="http://schemas.openxmlformats.org/drawingml/2006/main" xmlns:r="http://schemas.openxmlformats.org/officeDocument/2006/relationships" xmlns:mc="http://schemas.openxmlformats.org/markup-compatibility/2006" xmlns:mv="urn:schemas-microsoft-com:mac:vml" xmlns:p="http://schemas.openxmlformats.org/presentationml/2006/main" xmlns:c="http://schemas.openxmlformats.org/drawingml/2006/chart" xmlns:dgm="http://schemas.openxmlformats.org/drawingml/2006/diagram" xmlns:o="urn:schemas-microsoft-com:office:office" xmlns:v="urn:schemas-microsoft-com:vml" xmlns:pvml="urn:schemas-microsoft-com:office:powerpoint" xmlns:com="http://schemas.openxmlformats.org/drawingml/2006/compatibility" xmlns:p14="http://schemas.microsoft.com/office/powerpoint/2010/main" xmlns:p15="http://schemas.microsoft.com/office/powerpoint/2012/main" xmlns:ahyp="http://schemas.microsoft.com/office/drawing/2018/hyperlinkcolor">
+<p:sld xmlns:a="http://schemas.openxmlformats.org/drawingml/2006/main" xmlns:r="http://schemas.openxmlformats.org/officeDocument/2006/relationships" xmlns:p="http://schemas.openxmlformats.org/presentationml/2006/main">
   <p:cSld>
     <p:spTree>
       <p:nvGrpSpPr>
-        <p:cNvPr id="193" name="Shape 193"/>
+        <p:cNvPr id="1" name="Shape 193"/>
         <p:cNvGrpSpPr/>
         <p:nvPr/>
       </p:nvGrpSpPr>
@@ -11650,7 +11672,9 @@
       <p:sp>
         <p:nvSpPr>
           <p:cNvPr id="194" name="Google Shape;194;p23"/>
-          <p:cNvSpPr txBox="1"/>
+          <p:cNvSpPr txBox="1">
+            <a:spLocks noGrp="1"/>
+          </p:cNvSpPr>
           <p:nvPr>
             <p:ph type="title"/>
           </p:nvPr>
@@ -11669,12 +11693,12 @@
           </a:ln>
         </p:spPr>
         <p:txBody>
-          <a:bodyPr anchorCtr="0" anchor="ctr" bIns="45700" lIns="91425" spcFirstLastPara="1" rIns="91425" wrap="square" tIns="45700">
+          <a:bodyPr spcFirstLastPara="1" wrap="square" lIns="91425" tIns="45700" rIns="91425" bIns="45700" anchor="ctr" anchorCtr="0">
             <a:normAutofit/>
           </a:bodyPr>
           <a:lstStyle/>
           <a:p>
-            <a:pPr indent="0" lvl="0" marL="0" rtl="0" algn="ctr">
+            <a:pPr marL="0" lvl="0" indent="0" algn="ctr" rtl="0">
               <a:lnSpc>
                 <a:spcPct val="90000"/>
               </a:lnSpc>
@@ -11709,7 +11733,7 @@
           <a:blip r:embed="rId3">
             <a:alphaModFix/>
           </a:blip>
-          <a:srcRect b="6238" l="25115" r="9682" t="14791"/>
+          <a:srcRect l="25115" t="14791" r="9682" b="6238"/>
           <a:stretch/>
         </p:blipFill>
         <p:spPr>
@@ -11735,11 +11759,11 @@
 </file>
 
 <file path=ppt/slides/slide11.xml><?xml version="1.0" encoding="utf-8"?>
-<p:sld xmlns:a="http://schemas.openxmlformats.org/drawingml/2006/main" xmlns:r="http://schemas.openxmlformats.org/officeDocument/2006/relationships" xmlns:mc="http://schemas.openxmlformats.org/markup-compatibility/2006" xmlns:mv="urn:schemas-microsoft-com:mac:vml" xmlns:p="http://schemas.openxmlformats.org/presentationml/2006/main" xmlns:c="http://schemas.openxmlformats.org/drawingml/2006/chart" xmlns:dgm="http://schemas.openxmlformats.org/drawingml/2006/diagram" xmlns:o="urn:schemas-microsoft-com:office:office" xmlns:v="urn:schemas-microsoft-com:vml" xmlns:pvml="urn:schemas-microsoft-com:office:powerpoint" xmlns:com="http://schemas.openxmlformats.org/drawingml/2006/compatibility" xmlns:p14="http://schemas.microsoft.com/office/powerpoint/2010/main" xmlns:p15="http://schemas.microsoft.com/office/powerpoint/2012/main" xmlns:ahyp="http://schemas.microsoft.com/office/drawing/2018/hyperlinkcolor">
+<p:sld xmlns:a="http://schemas.openxmlformats.org/drawingml/2006/main" xmlns:r="http://schemas.openxmlformats.org/officeDocument/2006/relationships" xmlns:p="http://schemas.openxmlformats.org/presentationml/2006/main">
   <p:cSld>
     <p:spTree>
       <p:nvGrpSpPr>
-        <p:cNvPr id="199" name="Shape 199"/>
+        <p:cNvPr id="1" name="Shape 199"/>
         <p:cNvGrpSpPr/>
         <p:nvPr/>
       </p:nvGrpSpPr>
@@ -11754,7 +11778,9 @@
       <p:sp>
         <p:nvSpPr>
           <p:cNvPr id="200" name="Google Shape;200;p24"/>
-          <p:cNvSpPr txBox="1"/>
+          <p:cNvSpPr txBox="1">
+            <a:spLocks noGrp="1"/>
+          </p:cNvSpPr>
           <p:nvPr>
             <p:ph type="title"/>
           </p:nvPr>
@@ -11773,12 +11799,12 @@
           </a:ln>
         </p:spPr>
         <p:txBody>
-          <a:bodyPr anchorCtr="0" anchor="ctr" bIns="45700" lIns="91425" spcFirstLastPara="1" rIns="91425" wrap="square" tIns="45700">
+          <a:bodyPr spcFirstLastPara="1" wrap="square" lIns="91425" tIns="45700" rIns="91425" bIns="45700" anchor="ctr" anchorCtr="0">
             <a:normAutofit/>
           </a:bodyPr>
           <a:lstStyle/>
           <a:p>
-            <a:pPr indent="0" lvl="0" marL="0" rtl="0" algn="ctr">
+            <a:pPr marL="0" lvl="0" indent="0" algn="ctr" rtl="0">
               <a:lnSpc>
                 <a:spcPct val="90000"/>
               </a:lnSpc>
@@ -11806,9 +11832,11 @@
       <p:sp>
         <p:nvSpPr>
           <p:cNvPr id="201" name="Google Shape;201;p24"/>
-          <p:cNvSpPr txBox="1"/>
+          <p:cNvSpPr txBox="1">
+            <a:spLocks noGrp="1"/>
+          </p:cNvSpPr>
           <p:nvPr>
-            <p:ph idx="1" type="body"/>
+            <p:ph type="body" idx="1"/>
           </p:nvPr>
         </p:nvSpPr>
         <p:spPr>
@@ -11825,12 +11853,12 @@
           </a:ln>
         </p:spPr>
         <p:txBody>
-          <a:bodyPr anchorCtr="0" anchor="t" bIns="45700" lIns="91425" spcFirstLastPara="1" rIns="91425" wrap="square" tIns="45700">
+          <a:bodyPr spcFirstLastPara="1" wrap="square" lIns="91425" tIns="45700" rIns="91425" bIns="45700" anchor="t" anchorCtr="0">
             <a:normAutofit/>
           </a:bodyPr>
           <a:lstStyle/>
           <a:p>
-            <a:pPr indent="0" lvl="0" marL="228600" rtl="0" algn="l">
+            <a:pPr marL="228600" lvl="0" indent="0" algn="l" rtl="0">
               <a:lnSpc>
                 <a:spcPct val="90000"/>
               </a:lnSpc>
@@ -11842,9 +11870,6 @@
               </a:spcAft>
               <a:buNone/>
             </a:pPr>
-            <a:r>
-              <a:t/>
-            </a:r>
             <a:endParaRPr/>
           </a:p>
         </p:txBody>
@@ -11859,7 +11884,7 @@
           <a:blip r:embed="rId3">
             <a:alphaModFix/>
           </a:blip>
-          <a:srcRect b="5507" l="0" r="0" t="13729"/>
+          <a:srcRect t="13729" b="5507"/>
           <a:stretch/>
         </p:blipFill>
         <p:spPr>
@@ -11885,11 +11910,11 @@
 </file>
 
 <file path=ppt/slides/slide12.xml><?xml version="1.0" encoding="utf-8"?>
-<p:sld xmlns:a="http://schemas.openxmlformats.org/drawingml/2006/main" xmlns:r="http://schemas.openxmlformats.org/officeDocument/2006/relationships" xmlns:mc="http://schemas.openxmlformats.org/markup-compatibility/2006" xmlns:mv="urn:schemas-microsoft-com:mac:vml" xmlns:p="http://schemas.openxmlformats.org/presentationml/2006/main" xmlns:c="http://schemas.openxmlformats.org/drawingml/2006/chart" xmlns:dgm="http://schemas.openxmlformats.org/drawingml/2006/diagram" xmlns:o="urn:schemas-microsoft-com:office:office" xmlns:v="urn:schemas-microsoft-com:vml" xmlns:pvml="urn:schemas-microsoft-com:office:powerpoint" xmlns:com="http://schemas.openxmlformats.org/drawingml/2006/compatibility" xmlns:p14="http://schemas.microsoft.com/office/powerpoint/2010/main" xmlns:p15="http://schemas.microsoft.com/office/powerpoint/2012/main" xmlns:ahyp="http://schemas.microsoft.com/office/drawing/2018/hyperlinkcolor">
+<p:sld xmlns:a="http://schemas.openxmlformats.org/drawingml/2006/main" xmlns:r="http://schemas.openxmlformats.org/officeDocument/2006/relationships" xmlns:p="http://schemas.openxmlformats.org/presentationml/2006/main">
   <p:cSld>
     <p:spTree>
       <p:nvGrpSpPr>
-        <p:cNvPr id="206" name="Shape 206"/>
+        <p:cNvPr id="1" name="Shape 206"/>
         <p:cNvGrpSpPr/>
         <p:nvPr/>
       </p:nvGrpSpPr>
@@ -11904,7 +11929,9 @@
       <p:sp>
         <p:nvSpPr>
           <p:cNvPr id="207" name="Google Shape;207;p25"/>
-          <p:cNvSpPr txBox="1"/>
+          <p:cNvSpPr txBox="1">
+            <a:spLocks noGrp="1"/>
+          </p:cNvSpPr>
           <p:nvPr>
             <p:ph type="title"/>
           </p:nvPr>
@@ -11919,12 +11946,12 @@
           </a:prstGeom>
         </p:spPr>
         <p:txBody>
-          <a:bodyPr anchorCtr="0" anchor="ctr" bIns="45700" lIns="91425" spcFirstLastPara="1" rIns="91425" wrap="square" tIns="45700">
+          <a:bodyPr spcFirstLastPara="1" wrap="square" lIns="91425" tIns="45700" rIns="91425" bIns="45700" anchor="ctr" anchorCtr="0">
             <a:normAutofit/>
           </a:bodyPr>
           <a:lstStyle/>
           <a:p>
-            <a:pPr indent="0" lvl="0" marL="0" rtl="0" algn="ctr">
+            <a:pPr marL="0" lvl="0" indent="0" algn="ctr" rtl="0">
               <a:spcBef>
                 <a:spcPts val="0"/>
               </a:spcBef>
@@ -11949,9 +11976,11 @@
       <p:sp>
         <p:nvSpPr>
           <p:cNvPr id="208" name="Google Shape;208;p25"/>
-          <p:cNvSpPr txBox="1"/>
+          <p:cNvSpPr txBox="1">
+            <a:spLocks noGrp="1"/>
+          </p:cNvSpPr>
           <p:nvPr>
-            <p:ph idx="1" type="body"/>
+            <p:ph type="body" idx="1"/>
           </p:nvPr>
         </p:nvSpPr>
         <p:spPr>
@@ -11964,12 +11993,12 @@
           </a:prstGeom>
         </p:spPr>
         <p:txBody>
-          <a:bodyPr anchorCtr="0" anchor="t" bIns="45700" lIns="91425" spcFirstLastPara="1" rIns="91425" wrap="square" tIns="45700">
+          <a:bodyPr spcFirstLastPara="1" wrap="square" lIns="91425" tIns="45700" rIns="91425" bIns="45700" anchor="t" anchorCtr="0">
             <a:normAutofit/>
           </a:bodyPr>
           <a:lstStyle/>
           <a:p>
-            <a:pPr indent="0" lvl="0" marL="0" rtl="0" algn="l">
+            <a:pPr marL="0" lvl="0" indent="0" algn="l" rtl="0">
               <a:spcBef>
                 <a:spcPts val="1000"/>
               </a:spcBef>
@@ -11978,9 +12007,6 @@
               </a:spcAft>
               <a:buNone/>
             </a:pPr>
-            <a:r>
-              <a:t/>
-            </a:r>
             <a:endParaRPr/>
           </a:p>
         </p:txBody>
@@ -11995,7 +12021,7 @@
           <a:blip r:embed="rId3">
             <a:alphaModFix/>
           </a:blip>
-          <a:srcRect b="5501" l="0" r="0" t="14299"/>
+          <a:srcRect t="14299" b="5501"/>
           <a:stretch/>
         </p:blipFill>
         <p:spPr>
@@ -12021,11 +12047,11 @@
 </file>
 
 <file path=ppt/slides/slide13.xml><?xml version="1.0" encoding="utf-8"?>
-<p:sld xmlns:a="http://schemas.openxmlformats.org/drawingml/2006/main" xmlns:r="http://schemas.openxmlformats.org/officeDocument/2006/relationships" xmlns:mc="http://schemas.openxmlformats.org/markup-compatibility/2006" xmlns:mv="urn:schemas-microsoft-com:mac:vml" xmlns:p="http://schemas.openxmlformats.org/presentationml/2006/main" xmlns:c="http://schemas.openxmlformats.org/drawingml/2006/chart" xmlns:dgm="http://schemas.openxmlformats.org/drawingml/2006/diagram" xmlns:o="urn:schemas-microsoft-com:office:office" xmlns:v="urn:schemas-microsoft-com:vml" xmlns:pvml="urn:schemas-microsoft-com:office:powerpoint" xmlns:com="http://schemas.openxmlformats.org/drawingml/2006/compatibility" xmlns:p14="http://schemas.microsoft.com/office/powerpoint/2010/main" xmlns:p15="http://schemas.microsoft.com/office/powerpoint/2012/main" xmlns:ahyp="http://schemas.microsoft.com/office/drawing/2018/hyperlinkcolor">
+<p:sld xmlns:a="http://schemas.openxmlformats.org/drawingml/2006/main" xmlns:r="http://schemas.openxmlformats.org/officeDocument/2006/relationships" xmlns:p="http://schemas.openxmlformats.org/presentationml/2006/main">
   <p:cSld>
     <p:spTree>
       <p:nvGrpSpPr>
-        <p:cNvPr id="213" name="Shape 213"/>
+        <p:cNvPr id="1" name="Shape 213"/>
         <p:cNvGrpSpPr/>
         <p:nvPr/>
       </p:nvGrpSpPr>
@@ -12040,7 +12066,9 @@
       <p:sp>
         <p:nvSpPr>
           <p:cNvPr id="214" name="Google Shape;214;p26"/>
-          <p:cNvSpPr txBox="1"/>
+          <p:cNvSpPr txBox="1">
+            <a:spLocks noGrp="1"/>
+          </p:cNvSpPr>
           <p:nvPr>
             <p:ph type="title"/>
           </p:nvPr>
@@ -12055,12 +12083,12 @@
           </a:prstGeom>
         </p:spPr>
         <p:txBody>
-          <a:bodyPr anchorCtr="0" anchor="ctr" bIns="45700" lIns="91425" spcFirstLastPara="1" rIns="91425" wrap="square" tIns="45700">
+          <a:bodyPr spcFirstLastPara="1" wrap="square" lIns="91425" tIns="45700" rIns="91425" bIns="45700" anchor="ctr" anchorCtr="0">
             <a:normAutofit/>
           </a:bodyPr>
           <a:lstStyle/>
           <a:p>
-            <a:pPr indent="0" lvl="0" marL="0" rtl="0" algn="ctr">
+            <a:pPr marL="0" lvl="0" indent="0" algn="ctr" rtl="0">
               <a:spcBef>
                 <a:spcPts val="0"/>
               </a:spcBef>
@@ -12085,9 +12113,11 @@
       <p:sp>
         <p:nvSpPr>
           <p:cNvPr id="215" name="Google Shape;215;p26"/>
-          <p:cNvSpPr txBox="1"/>
+          <p:cNvSpPr txBox="1">
+            <a:spLocks noGrp="1"/>
+          </p:cNvSpPr>
           <p:nvPr>
-            <p:ph idx="1" type="body"/>
+            <p:ph type="body" idx="1"/>
           </p:nvPr>
         </p:nvSpPr>
         <p:spPr>
@@ -12100,12 +12130,12 @@
           </a:prstGeom>
         </p:spPr>
         <p:txBody>
-          <a:bodyPr anchorCtr="0" anchor="t" bIns="45700" lIns="91425" spcFirstLastPara="1" rIns="91425" wrap="square" tIns="45700">
+          <a:bodyPr spcFirstLastPara="1" wrap="square" lIns="91425" tIns="45700" rIns="91425" bIns="45700" anchor="t" anchorCtr="0">
             <a:normAutofit/>
           </a:bodyPr>
           <a:lstStyle/>
           <a:p>
-            <a:pPr indent="0" lvl="0" marL="0" rtl="0" algn="l">
+            <a:pPr marL="0" lvl="0" indent="0" algn="l" rtl="0">
               <a:spcBef>
                 <a:spcPts val="1000"/>
               </a:spcBef>
@@ -12114,9 +12144,6 @@
               </a:spcAft>
               <a:buNone/>
             </a:pPr>
-            <a:r>
-              <a:t/>
-            </a:r>
             <a:endParaRPr/>
           </a:p>
         </p:txBody>
@@ -12131,7 +12158,7 @@
           <a:blip r:embed="rId3">
             <a:alphaModFix/>
           </a:blip>
-          <a:srcRect b="5461" l="0" r="0" t="14339"/>
+          <a:srcRect t="14339" b="5461"/>
           <a:stretch/>
         </p:blipFill>
         <p:spPr>
@@ -12157,11 +12184,11 @@
 </file>
 
 <file path=ppt/slides/slide14.xml><?xml version="1.0" encoding="utf-8"?>
-<p:sld xmlns:a="http://schemas.openxmlformats.org/drawingml/2006/main" xmlns:r="http://schemas.openxmlformats.org/officeDocument/2006/relationships" xmlns:mc="http://schemas.openxmlformats.org/markup-compatibility/2006" xmlns:mv="urn:schemas-microsoft-com:mac:vml" xmlns:p="http://schemas.openxmlformats.org/presentationml/2006/main" xmlns:c="http://schemas.openxmlformats.org/drawingml/2006/chart" xmlns:dgm="http://schemas.openxmlformats.org/drawingml/2006/diagram" xmlns:o="urn:schemas-microsoft-com:office:office" xmlns:v="urn:schemas-microsoft-com:vml" xmlns:pvml="urn:schemas-microsoft-com:office:powerpoint" xmlns:com="http://schemas.openxmlformats.org/drawingml/2006/compatibility" xmlns:p14="http://schemas.microsoft.com/office/powerpoint/2010/main" xmlns:p15="http://schemas.microsoft.com/office/powerpoint/2012/main" xmlns:ahyp="http://schemas.microsoft.com/office/drawing/2018/hyperlinkcolor">
+<p:sld xmlns:a="http://schemas.openxmlformats.org/drawingml/2006/main" xmlns:r="http://schemas.openxmlformats.org/officeDocument/2006/relationships" xmlns:p="http://schemas.openxmlformats.org/presentationml/2006/main">
   <p:cSld>
     <p:spTree>
       <p:nvGrpSpPr>
-        <p:cNvPr id="220" name="Shape 220"/>
+        <p:cNvPr id="1" name="Shape 220"/>
         <p:cNvGrpSpPr/>
         <p:nvPr/>
       </p:nvGrpSpPr>
@@ -12176,7 +12203,9 @@
       <p:sp>
         <p:nvSpPr>
           <p:cNvPr id="221" name="Google Shape;221;p27"/>
-          <p:cNvSpPr txBox="1"/>
+          <p:cNvSpPr txBox="1">
+            <a:spLocks noGrp="1"/>
+          </p:cNvSpPr>
           <p:nvPr>
             <p:ph type="title"/>
           </p:nvPr>
@@ -12191,12 +12220,12 @@
           </a:prstGeom>
         </p:spPr>
         <p:txBody>
-          <a:bodyPr anchorCtr="0" anchor="ctr" bIns="45700" lIns="91425" spcFirstLastPara="1" rIns="91425" wrap="square" tIns="45700">
+          <a:bodyPr spcFirstLastPara="1" wrap="square" lIns="91425" tIns="45700" rIns="91425" bIns="45700" anchor="ctr" anchorCtr="0">
             <a:normAutofit/>
           </a:bodyPr>
           <a:lstStyle/>
           <a:p>
-            <a:pPr indent="0" lvl="0" marL="0" rtl="0" algn="ctr">
+            <a:pPr marL="0" lvl="0" indent="0" algn="ctr" rtl="0">
               <a:spcBef>
                 <a:spcPts val="0"/>
               </a:spcBef>
@@ -12221,9 +12250,11 @@
       <p:sp>
         <p:nvSpPr>
           <p:cNvPr id="222" name="Google Shape;222;p27"/>
-          <p:cNvSpPr txBox="1"/>
+          <p:cNvSpPr txBox="1">
+            <a:spLocks noGrp="1"/>
+          </p:cNvSpPr>
           <p:nvPr>
-            <p:ph idx="1" type="body"/>
+            <p:ph type="body" idx="1"/>
           </p:nvPr>
         </p:nvSpPr>
         <p:spPr>
@@ -12236,12 +12267,12 @@
           </a:prstGeom>
         </p:spPr>
         <p:txBody>
-          <a:bodyPr anchorCtr="0" anchor="t" bIns="45700" lIns="91425" spcFirstLastPara="1" rIns="91425" wrap="square" tIns="45700">
+          <a:bodyPr spcFirstLastPara="1" wrap="square" lIns="91425" tIns="45700" rIns="91425" bIns="45700" anchor="t" anchorCtr="0">
             <a:normAutofit/>
           </a:bodyPr>
           <a:lstStyle/>
           <a:p>
-            <a:pPr indent="0" lvl="0" marL="0" rtl="0" algn="l">
+            <a:pPr marL="0" lvl="0" indent="0" algn="l" rtl="0">
               <a:spcBef>
                 <a:spcPts val="1000"/>
               </a:spcBef>
@@ -12250,9 +12281,6 @@
               </a:spcAft>
               <a:buNone/>
             </a:pPr>
-            <a:r>
-              <a:t/>
-            </a:r>
             <a:endParaRPr/>
           </a:p>
         </p:txBody>
@@ -12267,7 +12295,7 @@
           <a:blip r:embed="rId3">
             <a:alphaModFix/>
           </a:blip>
-          <a:srcRect b="5501" l="0" r="1312" t="14299"/>
+          <a:srcRect t="14299" r="1312" b="5501"/>
           <a:stretch/>
         </p:blipFill>
         <p:spPr>
@@ -12293,11 +12321,11 @@
 </file>
 
 <file path=ppt/slides/slide15.xml><?xml version="1.0" encoding="utf-8"?>
-<p:sld xmlns:a="http://schemas.openxmlformats.org/drawingml/2006/main" xmlns:r="http://schemas.openxmlformats.org/officeDocument/2006/relationships" xmlns:mc="http://schemas.openxmlformats.org/markup-compatibility/2006" xmlns:mv="urn:schemas-microsoft-com:mac:vml" xmlns:p="http://schemas.openxmlformats.org/presentationml/2006/main" xmlns:c="http://schemas.openxmlformats.org/drawingml/2006/chart" xmlns:dgm="http://schemas.openxmlformats.org/drawingml/2006/diagram" xmlns:o="urn:schemas-microsoft-com:office:office" xmlns:v="urn:schemas-microsoft-com:vml" xmlns:pvml="urn:schemas-microsoft-com:office:powerpoint" xmlns:com="http://schemas.openxmlformats.org/drawingml/2006/compatibility" xmlns:p14="http://schemas.microsoft.com/office/powerpoint/2010/main" xmlns:p15="http://schemas.microsoft.com/office/powerpoint/2012/main" xmlns:ahyp="http://schemas.microsoft.com/office/drawing/2018/hyperlinkcolor">
+<p:sld xmlns:a="http://schemas.openxmlformats.org/drawingml/2006/main" xmlns:r="http://schemas.openxmlformats.org/officeDocument/2006/relationships" xmlns:p="http://schemas.openxmlformats.org/presentationml/2006/main">
   <p:cSld>
     <p:spTree>
       <p:nvGrpSpPr>
-        <p:cNvPr id="227" name="Shape 227"/>
+        <p:cNvPr id="1" name="Shape 227"/>
         <p:cNvGrpSpPr/>
         <p:nvPr/>
       </p:nvGrpSpPr>
@@ -12312,7 +12340,9 @@
       <p:sp>
         <p:nvSpPr>
           <p:cNvPr id="228" name="Google Shape;228;p28"/>
-          <p:cNvSpPr txBox="1"/>
+          <p:cNvSpPr txBox="1">
+            <a:spLocks noGrp="1"/>
+          </p:cNvSpPr>
           <p:nvPr>
             <p:ph type="title"/>
           </p:nvPr>
@@ -12327,12 +12357,12 @@
           </a:prstGeom>
         </p:spPr>
         <p:txBody>
-          <a:bodyPr anchorCtr="0" anchor="ctr" bIns="45700" lIns="91425" spcFirstLastPara="1" rIns="91425" wrap="square" tIns="45700">
+          <a:bodyPr spcFirstLastPara="1" wrap="square" lIns="91425" tIns="45700" rIns="91425" bIns="45700" anchor="ctr" anchorCtr="0">
             <a:normAutofit/>
           </a:bodyPr>
           <a:lstStyle/>
           <a:p>
-            <a:pPr indent="0" lvl="0" marL="0" rtl="0" algn="ctr">
+            <a:pPr marL="0" lvl="0" indent="0" algn="ctr" rtl="0">
               <a:spcBef>
                 <a:spcPts val="0"/>
               </a:spcBef>
@@ -12357,9 +12387,11 @@
       <p:sp>
         <p:nvSpPr>
           <p:cNvPr id="229" name="Google Shape;229;p28"/>
-          <p:cNvSpPr txBox="1"/>
+          <p:cNvSpPr txBox="1">
+            <a:spLocks noGrp="1"/>
+          </p:cNvSpPr>
           <p:nvPr>
-            <p:ph idx="1" type="body"/>
+            <p:ph type="body" idx="1"/>
           </p:nvPr>
         </p:nvSpPr>
         <p:spPr>
@@ -12372,12 +12404,12 @@
           </a:prstGeom>
         </p:spPr>
         <p:txBody>
-          <a:bodyPr anchorCtr="0" anchor="t" bIns="45700" lIns="91425" spcFirstLastPara="1" rIns="91425" wrap="square" tIns="45700">
+          <a:bodyPr spcFirstLastPara="1" wrap="square" lIns="91425" tIns="45700" rIns="91425" bIns="45700" anchor="t" anchorCtr="0">
             <a:normAutofit/>
           </a:bodyPr>
           <a:lstStyle/>
           <a:p>
-            <a:pPr indent="0" lvl="0" marL="0" rtl="0" algn="l">
+            <a:pPr marL="0" lvl="0" indent="0" algn="l" rtl="0">
               <a:spcBef>
                 <a:spcPts val="1000"/>
               </a:spcBef>
@@ -12386,9 +12418,6 @@
               </a:spcAft>
               <a:buNone/>
             </a:pPr>
-            <a:r>
-              <a:t/>
-            </a:r>
             <a:endParaRPr/>
           </a:p>
         </p:txBody>
@@ -12403,7 +12432,7 @@
           <a:blip r:embed="rId3">
             <a:alphaModFix/>
           </a:blip>
-          <a:srcRect b="5494" l="0" r="0" t="14054"/>
+          <a:srcRect t="14054" b="5494"/>
           <a:stretch/>
         </p:blipFill>
         <p:spPr>
@@ -12429,11 +12458,11 @@
 </file>
 
 <file path=ppt/slides/slide16.xml><?xml version="1.0" encoding="utf-8"?>
-<p:sld xmlns:a="http://schemas.openxmlformats.org/drawingml/2006/main" xmlns:r="http://schemas.openxmlformats.org/officeDocument/2006/relationships" xmlns:mc="http://schemas.openxmlformats.org/markup-compatibility/2006" xmlns:mv="urn:schemas-microsoft-com:mac:vml" xmlns:p="http://schemas.openxmlformats.org/presentationml/2006/main" xmlns:c="http://schemas.openxmlformats.org/drawingml/2006/chart" xmlns:dgm="http://schemas.openxmlformats.org/drawingml/2006/diagram" xmlns:o="urn:schemas-microsoft-com:office:office" xmlns:v="urn:schemas-microsoft-com:vml" xmlns:pvml="urn:schemas-microsoft-com:office:powerpoint" xmlns:com="http://schemas.openxmlformats.org/drawingml/2006/compatibility" xmlns:p14="http://schemas.microsoft.com/office/powerpoint/2010/main" xmlns:p15="http://schemas.microsoft.com/office/powerpoint/2012/main" xmlns:ahyp="http://schemas.microsoft.com/office/drawing/2018/hyperlinkcolor">
+<p:sld xmlns:a="http://schemas.openxmlformats.org/drawingml/2006/main" xmlns:r="http://schemas.openxmlformats.org/officeDocument/2006/relationships" xmlns:p="http://schemas.openxmlformats.org/presentationml/2006/main">
   <p:cSld>
     <p:spTree>
       <p:nvGrpSpPr>
-        <p:cNvPr id="234" name="Shape 234"/>
+        <p:cNvPr id="1" name="Shape 234"/>
         <p:cNvGrpSpPr/>
         <p:nvPr/>
       </p:nvGrpSpPr>
@@ -12448,7 +12477,9 @@
       <p:sp>
         <p:nvSpPr>
           <p:cNvPr id="235" name="Google Shape;235;p29"/>
-          <p:cNvSpPr txBox="1"/>
+          <p:cNvSpPr txBox="1">
+            <a:spLocks noGrp="1"/>
+          </p:cNvSpPr>
           <p:nvPr>
             <p:ph type="title"/>
           </p:nvPr>
@@ -12463,12 +12494,12 @@
           </a:prstGeom>
         </p:spPr>
         <p:txBody>
-          <a:bodyPr anchorCtr="0" anchor="ctr" bIns="45700" lIns="91425" spcFirstLastPara="1" rIns="91425" wrap="square" tIns="45700">
+          <a:bodyPr spcFirstLastPara="1" wrap="square" lIns="91425" tIns="45700" rIns="91425" bIns="45700" anchor="ctr" anchorCtr="0">
             <a:normAutofit/>
           </a:bodyPr>
           <a:lstStyle/>
           <a:p>
-            <a:pPr indent="0" lvl="0" marL="0" rtl="0" algn="ctr">
+            <a:pPr marL="0" lvl="0" indent="0" algn="ctr" rtl="0">
               <a:spcBef>
                 <a:spcPts val="0"/>
               </a:spcBef>
@@ -12493,9 +12524,11 @@
       <p:sp>
         <p:nvSpPr>
           <p:cNvPr id="236" name="Google Shape;236;p29"/>
-          <p:cNvSpPr txBox="1"/>
+          <p:cNvSpPr txBox="1">
+            <a:spLocks noGrp="1"/>
+          </p:cNvSpPr>
           <p:nvPr>
-            <p:ph idx="1" type="body"/>
+            <p:ph type="body" idx="1"/>
           </p:nvPr>
         </p:nvSpPr>
         <p:spPr>
@@ -12508,12 +12541,12 @@
           </a:prstGeom>
         </p:spPr>
         <p:txBody>
-          <a:bodyPr anchorCtr="0" anchor="t" bIns="45700" lIns="91425" spcFirstLastPara="1" rIns="91425" wrap="square" tIns="45700">
+          <a:bodyPr spcFirstLastPara="1" wrap="square" lIns="91425" tIns="45700" rIns="91425" bIns="45700" anchor="t" anchorCtr="0">
             <a:normAutofit/>
           </a:bodyPr>
           <a:lstStyle/>
           <a:p>
-            <a:pPr indent="0" lvl="0" marL="0" rtl="0" algn="l">
+            <a:pPr marL="0" lvl="0" indent="0" algn="l" rtl="0">
               <a:spcBef>
                 <a:spcPts val="1000"/>
               </a:spcBef>
@@ -12522,9 +12555,6 @@
               </a:spcAft>
               <a:buNone/>
             </a:pPr>
-            <a:r>
-              <a:t/>
-            </a:r>
             <a:endParaRPr/>
           </a:p>
         </p:txBody>
@@ -12539,7 +12569,7 @@
           <a:blip r:embed="rId3">
             <a:alphaModFix/>
           </a:blip>
-          <a:srcRect b="5501" l="0" r="1729" t="14299"/>
+          <a:srcRect t="14299" r="1729" b="5501"/>
           <a:stretch/>
         </p:blipFill>
         <p:spPr>
@@ -12565,11 +12595,11 @@
 </file>
 
 <file path=ppt/slides/slide17.xml><?xml version="1.0" encoding="utf-8"?>
-<p:sld xmlns:a="http://schemas.openxmlformats.org/drawingml/2006/main" xmlns:r="http://schemas.openxmlformats.org/officeDocument/2006/relationships" xmlns:mc="http://schemas.openxmlformats.org/markup-compatibility/2006" xmlns:mv="urn:schemas-microsoft-com:mac:vml" xmlns:p="http://schemas.openxmlformats.org/presentationml/2006/main" xmlns:c="http://schemas.openxmlformats.org/drawingml/2006/chart" xmlns:dgm="http://schemas.openxmlformats.org/drawingml/2006/diagram" xmlns:o="urn:schemas-microsoft-com:office:office" xmlns:v="urn:schemas-microsoft-com:vml" xmlns:pvml="urn:schemas-microsoft-com:office:powerpoint" xmlns:com="http://schemas.openxmlformats.org/drawingml/2006/compatibility" xmlns:p14="http://schemas.microsoft.com/office/powerpoint/2010/main" xmlns:p15="http://schemas.microsoft.com/office/powerpoint/2012/main" xmlns:ahyp="http://schemas.microsoft.com/office/drawing/2018/hyperlinkcolor">
+<p:sld xmlns:a="http://schemas.openxmlformats.org/drawingml/2006/main" xmlns:r="http://schemas.openxmlformats.org/officeDocument/2006/relationships" xmlns:p="http://schemas.openxmlformats.org/presentationml/2006/main">
   <p:cSld>
     <p:spTree>
       <p:nvGrpSpPr>
-        <p:cNvPr id="241" name="Shape 241"/>
+        <p:cNvPr id="1" name="Shape 241"/>
         <p:cNvGrpSpPr/>
         <p:nvPr/>
       </p:nvGrpSpPr>
@@ -12584,7 +12614,9 @@
       <p:sp>
         <p:nvSpPr>
           <p:cNvPr id="242" name="Google Shape;242;p30"/>
-          <p:cNvSpPr txBox="1"/>
+          <p:cNvSpPr txBox="1">
+            <a:spLocks noGrp="1"/>
+          </p:cNvSpPr>
           <p:nvPr>
             <p:ph type="title"/>
           </p:nvPr>
@@ -12599,12 +12631,12 @@
           </a:prstGeom>
         </p:spPr>
         <p:txBody>
-          <a:bodyPr anchorCtr="0" anchor="ctr" bIns="45700" lIns="91425" spcFirstLastPara="1" rIns="91425" wrap="square" tIns="45700">
+          <a:bodyPr spcFirstLastPara="1" wrap="square" lIns="91425" tIns="45700" rIns="91425" bIns="45700" anchor="ctr" anchorCtr="0">
             <a:normAutofit/>
           </a:bodyPr>
           <a:lstStyle/>
           <a:p>
-            <a:pPr indent="0" lvl="0" marL="0" rtl="0" algn="ctr">
+            <a:pPr marL="0" lvl="0" indent="0" algn="ctr" rtl="0">
               <a:spcBef>
                 <a:spcPts val="0"/>
               </a:spcBef>
@@ -12629,9 +12661,11 @@
       <p:sp>
         <p:nvSpPr>
           <p:cNvPr id="243" name="Google Shape;243;p30"/>
-          <p:cNvSpPr txBox="1"/>
+          <p:cNvSpPr txBox="1">
+            <a:spLocks noGrp="1"/>
+          </p:cNvSpPr>
           <p:nvPr>
-            <p:ph idx="1" type="body"/>
+            <p:ph type="body" idx="1"/>
           </p:nvPr>
         </p:nvSpPr>
         <p:spPr>
@@ -12644,12 +12678,12 @@
           </a:prstGeom>
         </p:spPr>
         <p:txBody>
-          <a:bodyPr anchorCtr="0" anchor="t" bIns="45700" lIns="91425" spcFirstLastPara="1" rIns="91425" wrap="square" tIns="45700">
+          <a:bodyPr spcFirstLastPara="1" wrap="square" lIns="91425" tIns="45700" rIns="91425" bIns="45700" anchor="t" anchorCtr="0">
             <a:normAutofit/>
           </a:bodyPr>
           <a:lstStyle/>
           <a:p>
-            <a:pPr indent="0" lvl="0" marL="0" rtl="0" algn="l">
+            <a:pPr marL="0" lvl="0" indent="0" algn="l" rtl="0">
               <a:spcBef>
                 <a:spcPts val="1000"/>
               </a:spcBef>
@@ -12658,9 +12692,6 @@
               </a:spcAft>
               <a:buNone/>
             </a:pPr>
-            <a:r>
-              <a:t/>
-            </a:r>
             <a:endParaRPr/>
           </a:p>
         </p:txBody>
@@ -12675,7 +12706,7 @@
           <a:blip r:embed="rId3">
             <a:alphaModFix/>
           </a:blip>
-          <a:srcRect b="5748" l="0" r="1729" t="14302"/>
+          <a:srcRect t="14302" r="1729" b="5748"/>
           <a:stretch/>
         </p:blipFill>
         <p:spPr>
@@ -12701,11 +12732,11 @@
 </file>
 
 <file path=ppt/slides/slide18.xml><?xml version="1.0" encoding="utf-8"?>
-<p:sld xmlns:a="http://schemas.openxmlformats.org/drawingml/2006/main" xmlns:r="http://schemas.openxmlformats.org/officeDocument/2006/relationships" xmlns:mc="http://schemas.openxmlformats.org/markup-compatibility/2006" xmlns:mv="urn:schemas-microsoft-com:mac:vml" xmlns:p="http://schemas.openxmlformats.org/presentationml/2006/main" xmlns:c="http://schemas.openxmlformats.org/drawingml/2006/chart" xmlns:dgm="http://schemas.openxmlformats.org/drawingml/2006/diagram" xmlns:o="urn:schemas-microsoft-com:office:office" xmlns:v="urn:schemas-microsoft-com:vml" xmlns:pvml="urn:schemas-microsoft-com:office:powerpoint" xmlns:com="http://schemas.openxmlformats.org/drawingml/2006/compatibility" xmlns:p14="http://schemas.microsoft.com/office/powerpoint/2010/main" xmlns:p15="http://schemas.microsoft.com/office/powerpoint/2012/main" xmlns:ahyp="http://schemas.microsoft.com/office/drawing/2018/hyperlinkcolor">
+<p:sld xmlns:a="http://schemas.openxmlformats.org/drawingml/2006/main" xmlns:r="http://schemas.openxmlformats.org/officeDocument/2006/relationships" xmlns:p="http://schemas.openxmlformats.org/presentationml/2006/main">
   <p:cSld>
     <p:spTree>
       <p:nvGrpSpPr>
-        <p:cNvPr id="248" name="Shape 248"/>
+        <p:cNvPr id="1" name="Shape 248"/>
         <p:cNvGrpSpPr/>
         <p:nvPr/>
       </p:nvGrpSpPr>
@@ -12720,7 +12751,9 @@
       <p:sp>
         <p:nvSpPr>
           <p:cNvPr id="249" name="Google Shape;249;p31"/>
-          <p:cNvSpPr txBox="1"/>
+          <p:cNvSpPr txBox="1">
+            <a:spLocks noGrp="1"/>
+          </p:cNvSpPr>
           <p:nvPr>
             <p:ph type="title"/>
           </p:nvPr>
@@ -12739,12 +12772,12 @@
           </a:ln>
         </p:spPr>
         <p:txBody>
-          <a:bodyPr anchorCtr="0" anchor="ctr" bIns="45700" lIns="91425" spcFirstLastPara="1" rIns="91425" wrap="square" tIns="45700">
+          <a:bodyPr spcFirstLastPara="1" wrap="square" lIns="91425" tIns="45700" rIns="91425" bIns="45700" anchor="ctr" anchorCtr="0">
             <a:normAutofit/>
           </a:bodyPr>
           <a:lstStyle/>
           <a:p>
-            <a:pPr indent="0" lvl="0" marL="0" rtl="0" algn="l">
+            <a:pPr marL="0" lvl="0" indent="0" algn="l" rtl="0">
               <a:lnSpc>
                 <a:spcPct val="90000"/>
               </a:lnSpc>
@@ -12772,9 +12805,11 @@
       <p:sp>
         <p:nvSpPr>
           <p:cNvPr id="250" name="Google Shape;250;p31"/>
-          <p:cNvSpPr txBox="1"/>
+          <p:cNvSpPr txBox="1">
+            <a:spLocks noGrp="1"/>
+          </p:cNvSpPr>
           <p:nvPr>
-            <p:ph idx="1" type="body"/>
+            <p:ph type="body" idx="1"/>
           </p:nvPr>
         </p:nvSpPr>
         <p:spPr>
@@ -12791,12 +12826,12 @@
           </a:ln>
         </p:spPr>
         <p:txBody>
-          <a:bodyPr anchorCtr="0" anchor="t" bIns="45700" lIns="91425" spcFirstLastPara="1" rIns="91425" wrap="square" tIns="45700">
-            <a:normAutofit fontScale="70000" lnSpcReduction="10000"/>
+          <a:bodyPr spcFirstLastPara="1" wrap="square" lIns="91425" tIns="45700" rIns="91425" bIns="45700" anchor="t" anchorCtr="0">
+            <a:noAutofit/>
           </a:bodyPr>
           <a:lstStyle/>
           <a:p>
-            <a:pPr indent="-175260" lvl="0" marL="228600" rtl="0" algn="l">
+            <a:pPr marL="228600" lvl="0" indent="-175260" algn="l" rtl="0">
               <a:lnSpc>
                 <a:spcPct val="100000"/>
               </a:lnSpc>
@@ -12813,13 +12848,13 @@
               <a:buChar char="●"/>
             </a:pPr>
             <a:r>
-              <a:rPr lang="en-US"/>
+              <a:rPr lang="en-US" sz="1400" dirty="0"/>
               <a:t>Did these assignments challenge you? </a:t>
             </a:r>
-            <a:endParaRPr/>
+            <a:endParaRPr sz="1400" dirty="0"/>
           </a:p>
           <a:p>
-            <a:pPr indent="-238759" lvl="1" marL="685800" rtl="0" algn="l">
+            <a:pPr marL="685800" lvl="1" indent="-238759" algn="l" rtl="0">
               <a:lnSpc>
                 <a:spcPct val="100000"/>
               </a:lnSpc>
@@ -12836,29 +12871,13 @@
               <a:buChar char="○"/>
             </a:pPr>
             <a:r>
-              <a:rPr b="1" lang="en-US"/>
-              <a:t>I think that yes we were challenged, we would say that </a:t>
+              <a:rPr lang="en-US" sz="1400" b="1" dirty="0"/>
+              <a:t>I think that yes, we were challenged, we would say that implementing new concepts was probably the biggest challenge, such as trying to properly describe relationships between classes in the UML class diagram.</a:t>
             </a:r>
-            <a:r>
-              <a:rPr b="1" lang="en-US"/>
-              <a:t>implementing</a:t>
-            </a:r>
-            <a:r>
-              <a:rPr b="1" lang="en-US"/>
-              <a:t> new concepts was probably the biggest challenge, such as trying to </a:t>
-            </a:r>
-            <a:r>
-              <a:rPr b="1" lang="en-US"/>
-              <a:t>properly</a:t>
-            </a:r>
-            <a:r>
-              <a:rPr b="1" lang="en-US"/>
-              <a:t> describe relationships between classes in the UML class diagram.</a:t>
-            </a:r>
-            <a:endParaRPr b="1"/>
+            <a:endParaRPr sz="1400" b="1" dirty="0"/>
           </a:p>
           <a:p>
-            <a:pPr indent="-175260" lvl="0" marL="228600" rtl="0" algn="l">
+            <a:pPr marL="228600" lvl="0" indent="-175260" algn="l" rtl="0">
               <a:lnSpc>
                 <a:spcPct val="100000"/>
               </a:lnSpc>
@@ -12875,13 +12894,13 @@
               <a:buChar char="●"/>
             </a:pPr>
             <a:r>
-              <a:rPr lang="en-US"/>
+              <a:rPr lang="en-US" sz="1400" dirty="0"/>
               <a:t>What was the easiest/hardest parts of these assignments?</a:t>
             </a:r>
-            <a:endParaRPr/>
+            <a:endParaRPr sz="1400" dirty="0"/>
           </a:p>
           <a:p>
-            <a:pPr indent="-238759" lvl="1" marL="685800" rtl="0" algn="l">
+            <a:pPr marL="685800" lvl="1" indent="-238759" algn="l" rtl="0">
               <a:lnSpc>
                 <a:spcPct val="100000"/>
               </a:lnSpc>
@@ -12898,21 +12917,13 @@
               <a:buChar char="○"/>
             </a:pPr>
             <a:r>
-              <a:rPr b="1" lang="en-US"/>
-              <a:t>I would say the </a:t>
+              <a:rPr lang="en-US" sz="1400" b="1" dirty="0"/>
+              <a:t>I would say the easiest part of this assignment was the coding part. And the hardest was testing the code and making sure the everything worked well, since no matter how much testing we did at the end we still managed to find a small bug.</a:t>
             </a:r>
-            <a:r>
-              <a:rPr b="1" lang="en-US"/>
-              <a:t>easiest</a:t>
-            </a:r>
-            <a:r>
-              <a:rPr b="1" lang="en-US"/>
-              <a:t> part of this assignment was the coding part. And the hardest was testing the code and making sure the everything worked well, since no matter how much testing we did at the end we still managed to find a small bug.</a:t>
-            </a:r>
-            <a:endParaRPr b="1"/>
+            <a:endParaRPr sz="1400" b="1" dirty="0"/>
           </a:p>
           <a:p>
-            <a:pPr indent="-175260" lvl="0" marL="228600" rtl="0" algn="l">
+            <a:pPr marL="228600" lvl="0" indent="-175260" algn="l" rtl="0">
               <a:lnSpc>
                 <a:spcPct val="100000"/>
               </a:lnSpc>
@@ -12929,13 +12940,13 @@
               <a:buChar char="●"/>
             </a:pPr>
             <a:r>
-              <a:rPr lang="en-US"/>
+              <a:rPr lang="en-US" sz="1400" dirty="0"/>
               <a:t>What did we learn with this assignments?</a:t>
             </a:r>
-            <a:endParaRPr/>
+            <a:endParaRPr sz="1400" dirty="0"/>
           </a:p>
           <a:p>
-            <a:pPr indent="-238759" lvl="1" marL="685800" rtl="0" algn="l">
+            <a:pPr marL="685800" lvl="1" indent="-238759" algn="l" rtl="0">
               <a:lnSpc>
                 <a:spcPct val="100000"/>
               </a:lnSpc>
@@ -12952,13 +12963,13 @@
               <a:buChar char="○"/>
             </a:pPr>
             <a:r>
-              <a:rPr b="1" lang="en-US"/>
+              <a:rPr lang="en-US" sz="1400" b="1" dirty="0"/>
               <a:t>I would say that we learned how to implement OOP concepts into actual code.</a:t>
             </a:r>
-            <a:endParaRPr b="1"/>
+            <a:endParaRPr sz="1400" b="1" dirty="0"/>
           </a:p>
           <a:p>
-            <a:pPr indent="-175260" lvl="0" marL="228600" rtl="0" algn="l">
+            <a:pPr marL="228600" lvl="0" indent="-175260" algn="l" rtl="0">
               <a:lnSpc>
                 <a:spcPct val="100000"/>
               </a:lnSpc>
@@ -12975,13 +12986,13 @@
               <a:buChar char="●"/>
             </a:pPr>
             <a:r>
-              <a:rPr lang="en-US"/>
+              <a:rPr lang="en-US" sz="1400" dirty="0"/>
               <a:t>How did we grow as a student?</a:t>
             </a:r>
-            <a:endParaRPr/>
+            <a:endParaRPr sz="1400" dirty="0"/>
           </a:p>
           <a:p>
-            <a:pPr indent="-238759" lvl="1" marL="685800" rtl="0" algn="l">
+            <a:pPr marL="685800" lvl="1" indent="-238759" algn="l" rtl="0">
               <a:lnSpc>
                 <a:spcPct val="100000"/>
               </a:lnSpc>
@@ -12998,13 +13009,13 @@
               <a:buChar char="○"/>
             </a:pPr>
             <a:r>
-              <a:rPr b="1" lang="en-US"/>
+              <a:rPr lang="en-US" sz="1400" b="1" dirty="0"/>
               <a:t>We grew as students since we learned how to work on a bigger assignment and also how to work with others.</a:t>
             </a:r>
-            <a:endParaRPr b="1"/>
+            <a:endParaRPr sz="1400" b="1" dirty="0"/>
           </a:p>
           <a:p>
-            <a:pPr indent="-175260" lvl="0" marL="228600" rtl="0" algn="l">
+            <a:pPr marL="228600" lvl="0" indent="-175260" algn="l" rtl="0">
               <a:lnSpc>
                 <a:spcPct val="100000"/>
               </a:lnSpc>
@@ -13021,13 +13032,13 @@
               <a:buChar char="●"/>
             </a:pPr>
             <a:r>
-              <a:rPr lang="en-US"/>
+              <a:rPr lang="en-US" sz="1400" dirty="0"/>
               <a:t>How did we break up the problem to complete this task?</a:t>
             </a:r>
-            <a:endParaRPr/>
+            <a:endParaRPr sz="1400" dirty="0"/>
           </a:p>
           <a:p>
-            <a:pPr indent="-238759" lvl="1" marL="685800" rtl="0" algn="l">
+            <a:pPr marL="685800" lvl="1" indent="-238759" algn="l" rtl="0">
               <a:lnSpc>
                 <a:spcPct val="100000"/>
               </a:lnSpc>
@@ -13044,21 +13055,13 @@
               <a:buChar char="○"/>
             </a:pPr>
             <a:r>
-              <a:rPr b="1" lang="en-US"/>
-              <a:t>Through the discussion, Arturo got most of coding part and Jay got the documentation parts. Then we helped and supported </a:t>
+              <a:rPr lang="en-US" sz="1400" b="1" dirty="0"/>
+              <a:t>Through the discussion, Arturo got most of coding part and Jay got the documentation parts. Then we helped and supported each other's work.</a:t>
             </a:r>
-            <a:r>
-              <a:rPr b="1" lang="en-US"/>
-              <a:t>each other's</a:t>
-            </a:r>
-            <a:r>
-              <a:rPr b="1" lang="en-US"/>
-              <a:t> work.</a:t>
-            </a:r>
-            <a:endParaRPr b="1"/>
+            <a:endParaRPr sz="1400" b="1" dirty="0"/>
           </a:p>
           <a:p>
-            <a:pPr indent="-175260" lvl="0" marL="228600" rtl="0" algn="l">
+            <a:pPr marL="228600" lvl="0" indent="-175260" algn="l" rtl="0">
               <a:lnSpc>
                 <a:spcPct val="100000"/>
               </a:lnSpc>
@@ -13075,13 +13078,13 @@
               <a:buChar char="●"/>
             </a:pPr>
             <a:r>
-              <a:rPr lang="en-US"/>
+              <a:rPr lang="en-US" sz="1400" dirty="0"/>
               <a:t>How did you all grow in this course?</a:t>
             </a:r>
-            <a:endParaRPr/>
+            <a:endParaRPr sz="1400" dirty="0"/>
           </a:p>
           <a:p>
-            <a:pPr indent="-238759" lvl="1" marL="685800" rtl="0" algn="l">
+            <a:pPr marL="685800" lvl="1" indent="-238759" algn="l" rtl="0">
               <a:lnSpc>
                 <a:spcPct val="100000"/>
               </a:lnSpc>
@@ -13098,42 +13101,10 @@
               <a:buChar char="○"/>
             </a:pPr>
             <a:r>
-              <a:rPr b="1" lang="en-US"/>
-              <a:t>We got a better </a:t>
+              <a:rPr lang="en-US" sz="1400" b="1" dirty="0"/>
+              <a:t>We got a better understanding about object-oriented programming and an experience implementing a program that requires using all the knowledge.</a:t>
             </a:r>
-            <a:r>
-              <a:rPr b="1" lang="en-US"/>
-              <a:t>understanding</a:t>
-            </a:r>
-            <a:r>
-              <a:rPr b="1" lang="en-US"/>
-              <a:t> </a:t>
-            </a:r>
-            <a:r>
-              <a:rPr b="1" lang="en-US"/>
-              <a:t>about</a:t>
-            </a:r>
-            <a:r>
-              <a:rPr b="1" lang="en-US"/>
-              <a:t> object </a:t>
-            </a:r>
-            <a:r>
-              <a:rPr b="1" lang="en-US"/>
-              <a:t>oriented</a:t>
-            </a:r>
-            <a:r>
-              <a:rPr b="1" lang="en-US"/>
-              <a:t> programming and an experience implementing a program that </a:t>
-            </a:r>
-            <a:r>
-              <a:rPr b="1" lang="en-US"/>
-              <a:t>requires</a:t>
-            </a:r>
-            <a:r>
-              <a:rPr b="1" lang="en-US"/>
-              <a:t> using all the knowledge.</a:t>
-            </a:r>
-            <a:endParaRPr b="1"/>
+            <a:endParaRPr sz="1400" b="1" dirty="0"/>
           </a:p>
         </p:txBody>
       </p:sp>
@@ -13146,11 +13117,11 @@
 </file>
 
 <file path=ppt/slides/slide19.xml><?xml version="1.0" encoding="utf-8"?>
-<p:sld xmlns:a="http://schemas.openxmlformats.org/drawingml/2006/main" xmlns:r="http://schemas.openxmlformats.org/officeDocument/2006/relationships" xmlns:mc="http://schemas.openxmlformats.org/markup-compatibility/2006" xmlns:mv="urn:schemas-microsoft-com:mac:vml" xmlns:p="http://schemas.openxmlformats.org/presentationml/2006/main" xmlns:c="http://schemas.openxmlformats.org/drawingml/2006/chart" xmlns:dgm="http://schemas.openxmlformats.org/drawingml/2006/diagram" xmlns:o="urn:schemas-microsoft-com:office:office" xmlns:v="urn:schemas-microsoft-com:vml" xmlns:pvml="urn:schemas-microsoft-com:office:powerpoint" xmlns:com="http://schemas.openxmlformats.org/drawingml/2006/compatibility" xmlns:p14="http://schemas.microsoft.com/office/powerpoint/2010/main" xmlns:p15="http://schemas.microsoft.com/office/powerpoint/2012/main" xmlns:ahyp="http://schemas.microsoft.com/office/drawing/2018/hyperlinkcolor">
+<p:sld xmlns:a="http://schemas.openxmlformats.org/drawingml/2006/main" xmlns:r="http://schemas.openxmlformats.org/officeDocument/2006/relationships" xmlns:p="http://schemas.openxmlformats.org/presentationml/2006/main">
   <p:cSld>
     <p:spTree>
       <p:nvGrpSpPr>
-        <p:cNvPr id="254" name="Shape 254"/>
+        <p:cNvPr id="1" name="Shape 254"/>
         <p:cNvGrpSpPr/>
         <p:nvPr/>
       </p:nvGrpSpPr>
@@ -13165,7 +13136,9 @@
       <p:sp>
         <p:nvSpPr>
           <p:cNvPr id="255" name="Google Shape;255;p32"/>
-          <p:cNvSpPr txBox="1"/>
+          <p:cNvSpPr txBox="1">
+            <a:spLocks noGrp="1"/>
+          </p:cNvSpPr>
           <p:nvPr>
             <p:ph type="title"/>
           </p:nvPr>
@@ -13184,12 +13157,12 @@
           </a:ln>
         </p:spPr>
         <p:txBody>
-          <a:bodyPr anchorCtr="0" anchor="ctr" bIns="45700" lIns="91425" spcFirstLastPara="1" rIns="91425" wrap="square" tIns="45700">
+          <a:bodyPr spcFirstLastPara="1" wrap="square" lIns="91425" tIns="45700" rIns="91425" bIns="45700" anchor="ctr" anchorCtr="0">
             <a:normAutofit/>
           </a:bodyPr>
           <a:lstStyle/>
           <a:p>
-            <a:pPr indent="0" lvl="0" marL="0" rtl="0" algn="l">
+            <a:pPr marL="0" lvl="0" indent="0" algn="l" rtl="0">
               <a:lnSpc>
                 <a:spcPct val="90000"/>
               </a:lnSpc>
@@ -13217,9 +13190,11 @@
       <p:sp>
         <p:nvSpPr>
           <p:cNvPr id="256" name="Google Shape;256;p32"/>
-          <p:cNvSpPr txBox="1"/>
+          <p:cNvSpPr txBox="1">
+            <a:spLocks noGrp="1"/>
+          </p:cNvSpPr>
           <p:nvPr>
-            <p:ph idx="1" type="body"/>
+            <p:ph type="body" idx="1"/>
           </p:nvPr>
         </p:nvSpPr>
         <p:spPr>
@@ -13236,12 +13211,12 @@
           </a:ln>
         </p:spPr>
         <p:txBody>
-          <a:bodyPr anchorCtr="0" anchor="t" bIns="45700" lIns="91425" spcFirstLastPara="1" rIns="91425" wrap="square" tIns="45700">
+          <a:bodyPr spcFirstLastPara="1" wrap="square" lIns="91425" tIns="45700" rIns="91425" bIns="45700" anchor="t" anchorCtr="0">
             <a:normAutofit/>
           </a:bodyPr>
           <a:lstStyle/>
           <a:p>
-            <a:pPr indent="-228600" lvl="0" marL="228600" rtl="0" algn="l">
+            <a:pPr marL="228600" lvl="0" indent="-228600" algn="l" rtl="0">
               <a:lnSpc>
                 <a:spcPct val="90000"/>
               </a:lnSpc>
@@ -13274,11 +13249,11 @@
 </file>
 
 <file path=ppt/slides/slide2.xml><?xml version="1.0" encoding="utf-8"?>
-<p:sld xmlns:a="http://schemas.openxmlformats.org/drawingml/2006/main" xmlns:r="http://schemas.openxmlformats.org/officeDocument/2006/relationships" xmlns:mc="http://schemas.openxmlformats.org/markup-compatibility/2006" xmlns:mv="urn:schemas-microsoft-com:mac:vml" xmlns:p="http://schemas.openxmlformats.org/presentationml/2006/main" xmlns:c="http://schemas.openxmlformats.org/drawingml/2006/chart" xmlns:dgm="http://schemas.openxmlformats.org/drawingml/2006/diagram" xmlns:o="urn:schemas-microsoft-com:office:office" xmlns:v="urn:schemas-microsoft-com:vml" xmlns:pvml="urn:schemas-microsoft-com:office:powerpoint" xmlns:com="http://schemas.openxmlformats.org/drawingml/2006/compatibility" xmlns:p14="http://schemas.microsoft.com/office/powerpoint/2010/main" xmlns:p15="http://schemas.microsoft.com/office/powerpoint/2012/main" xmlns:ahyp="http://schemas.microsoft.com/office/drawing/2018/hyperlinkcolor">
+<p:sld xmlns:a="http://schemas.openxmlformats.org/drawingml/2006/main" xmlns:r="http://schemas.openxmlformats.org/officeDocument/2006/relationships" xmlns:p="http://schemas.openxmlformats.org/presentationml/2006/main">
   <p:cSld>
     <p:spTree>
       <p:nvGrpSpPr>
-        <p:cNvPr id="145" name="Shape 145"/>
+        <p:cNvPr id="1" name="Shape 145"/>
         <p:cNvGrpSpPr/>
         <p:nvPr/>
       </p:nvGrpSpPr>
@@ -13293,7 +13268,9 @@
       <p:sp>
         <p:nvSpPr>
           <p:cNvPr id="146" name="Google Shape;146;p15"/>
-          <p:cNvSpPr txBox="1"/>
+          <p:cNvSpPr txBox="1">
+            <a:spLocks noGrp="1"/>
+          </p:cNvSpPr>
           <p:nvPr>
             <p:ph type="title"/>
           </p:nvPr>
@@ -13312,12 +13289,12 @@
           </a:ln>
         </p:spPr>
         <p:txBody>
-          <a:bodyPr anchorCtr="0" anchor="ctr" bIns="45700" lIns="91425" spcFirstLastPara="1" rIns="91425" wrap="square" tIns="45700">
+          <a:bodyPr spcFirstLastPara="1" wrap="square" lIns="91425" tIns="45700" rIns="91425" bIns="45700" anchor="ctr" anchorCtr="0">
             <a:normAutofit/>
           </a:bodyPr>
           <a:lstStyle/>
           <a:p>
-            <a:pPr indent="0" lvl="0" marL="0" rtl="0" algn="l">
+            <a:pPr marL="0" lvl="0" indent="0" algn="l" rtl="0">
               <a:lnSpc>
                 <a:spcPct val="90000"/>
               </a:lnSpc>
@@ -13345,9 +13322,11 @@
       <p:sp>
         <p:nvSpPr>
           <p:cNvPr id="147" name="Google Shape;147;p15"/>
-          <p:cNvSpPr txBox="1"/>
+          <p:cNvSpPr txBox="1">
+            <a:spLocks noGrp="1"/>
+          </p:cNvSpPr>
           <p:nvPr>
-            <p:ph idx="1" type="body"/>
+            <p:ph type="body" idx="1"/>
           </p:nvPr>
         </p:nvSpPr>
         <p:spPr>
@@ -13364,12 +13343,12 @@
           </a:ln>
         </p:spPr>
         <p:txBody>
-          <a:bodyPr anchorCtr="0" anchor="t" bIns="45700" lIns="91425" spcFirstLastPara="1" rIns="91425" wrap="square" tIns="45700">
+          <a:bodyPr spcFirstLastPara="1" wrap="square" lIns="91425" tIns="45700" rIns="91425" bIns="45700" anchor="t" anchorCtr="0">
             <a:noAutofit/>
           </a:bodyPr>
           <a:lstStyle/>
           <a:p>
-            <a:pPr indent="-215900" lvl="0" marL="228600" rtl="0" algn="l">
+            <a:pPr marL="228600" lvl="0" indent="-215900" algn="l" rtl="0">
               <a:lnSpc>
                 <a:spcPct val="100000"/>
               </a:lnSpc>
@@ -13390,7 +13369,7 @@
             <a:endParaRPr sz="1600"/>
           </a:p>
           <a:p>
-            <a:pPr indent="-215900" lvl="1" marL="685800" rtl="0" algn="l">
+            <a:pPr marL="685800" lvl="1" indent="-215900" algn="l" rtl="0">
               <a:lnSpc>
                 <a:spcPct val="100000"/>
               </a:lnSpc>
@@ -13404,13 +13383,13 @@
               <a:buChar char="○"/>
             </a:pPr>
             <a:r>
-              <a:rPr b="1" lang="en-US" sz="1600"/>
+              <a:rPr lang="en-US" sz="1600" b="1"/>
               <a:t>We used abstract classes and interfaces. Abstract classes helped define a structure for those classes that were inherited, for example, our abstract class Account contained fields and methods that every account should have. We also used interfaces which helped in providing abstraction by hiding away the functionality of our code in classes that implement our interfaces.</a:t>
             </a:r>
-            <a:endParaRPr b="1" sz="1600"/>
+            <a:endParaRPr sz="1600" b="1"/>
           </a:p>
           <a:p>
-            <a:pPr indent="-215900" lvl="0" marL="228600" rtl="0" algn="l">
+            <a:pPr marL="228600" lvl="0" indent="-215900" algn="l" rtl="0">
               <a:lnSpc>
                 <a:spcPct val="100000"/>
               </a:lnSpc>
@@ -13431,7 +13410,7 @@
             <a:endParaRPr sz="1600"/>
           </a:p>
           <a:p>
-            <a:pPr indent="-215900" lvl="1" marL="685800" rtl="0" algn="l">
+            <a:pPr marL="685800" lvl="1" indent="-215900" algn="l" rtl="0">
               <a:lnSpc>
                 <a:spcPct val="100000"/>
               </a:lnSpc>
@@ -13445,13 +13424,13 @@
               <a:buChar char="○"/>
             </a:pPr>
             <a:r>
-              <a:rPr b="1" lang="en-US" sz="1600"/>
+              <a:rPr lang="en-US" sz="1600" b="1"/>
               <a:t>We used encapsulation for our Customer object with many fields that should not be accessed directly. We made the fields private and created the setters and getters method that gives us access for modifying the variables. Therefore, the private variables could be stored safely and prevent direct modification.</a:t>
             </a:r>
-            <a:endParaRPr b="1" sz="1600"/>
+            <a:endParaRPr sz="1600" b="1"/>
           </a:p>
           <a:p>
-            <a:pPr indent="-215900" lvl="0" marL="228600" rtl="0" algn="l">
+            <a:pPr marL="228600" lvl="0" indent="-215900" algn="l" rtl="0">
               <a:lnSpc>
                 <a:spcPct val="100000"/>
               </a:lnSpc>
@@ -13472,7 +13451,7 @@
             <a:endParaRPr sz="1600"/>
           </a:p>
           <a:p>
-            <a:pPr indent="-215900" lvl="1" marL="685800" rtl="0" algn="l">
+            <a:pPr marL="685800" lvl="1" indent="-215900" algn="l" rtl="0">
               <a:lnSpc>
                 <a:spcPct val="100000"/>
               </a:lnSpc>
@@ -13486,13 +13465,13 @@
               <a:buChar char="○"/>
             </a:pPr>
             <a:r>
-              <a:rPr b="1" lang="en-US" sz="1600"/>
+              <a:rPr lang="en-US" sz="1600" b="1"/>
               <a:t>Polymorphism was used to overload methods to get more parameters and to override methods to access abstract classes' methods.</a:t>
             </a:r>
-            <a:endParaRPr b="1" sz="1600"/>
+            <a:endParaRPr sz="1600" b="1"/>
           </a:p>
           <a:p>
-            <a:pPr indent="-215900" lvl="0" marL="228600" rtl="0" algn="l">
+            <a:pPr marL="228600" lvl="0" indent="-215900" algn="l" rtl="0">
               <a:lnSpc>
                 <a:spcPct val="100000"/>
               </a:lnSpc>
@@ -13513,7 +13492,7 @@
             <a:endParaRPr sz="1600"/>
           </a:p>
           <a:p>
-            <a:pPr indent="-215900" lvl="1" marL="685800" rtl="0" algn="l">
+            <a:pPr marL="685800" lvl="1" indent="-215900" algn="l" rtl="0">
               <a:lnSpc>
                 <a:spcPct val="100000"/>
               </a:lnSpc>
@@ -13527,10 +13506,10 @@
               <a:buChar char="○"/>
             </a:pPr>
             <a:r>
-              <a:rPr b="1" lang="en-US" sz="1600"/>
+              <a:rPr lang="en-US" sz="1600" b="1"/>
               <a:t>We also used inheritance since we had abstract classes already defined. We inherited front them instead of rewriting redundant code.</a:t>
             </a:r>
-            <a:endParaRPr b="1" sz="1600"/>
+            <a:endParaRPr sz="1600" b="1"/>
           </a:p>
         </p:txBody>
       </p:sp>
@@ -13543,11 +13522,11 @@
 </file>
 
 <file path=ppt/slides/slide3.xml><?xml version="1.0" encoding="utf-8"?>
-<p:sld xmlns:a="http://schemas.openxmlformats.org/drawingml/2006/main" xmlns:r="http://schemas.openxmlformats.org/officeDocument/2006/relationships" xmlns:mc="http://schemas.openxmlformats.org/markup-compatibility/2006" xmlns:mv="urn:schemas-microsoft-com:mac:vml" xmlns:p="http://schemas.openxmlformats.org/presentationml/2006/main" xmlns:c="http://schemas.openxmlformats.org/drawingml/2006/chart" xmlns:dgm="http://schemas.openxmlformats.org/drawingml/2006/diagram" xmlns:o="urn:schemas-microsoft-com:office:office" xmlns:v="urn:schemas-microsoft-com:vml" xmlns:pvml="urn:schemas-microsoft-com:office:powerpoint" xmlns:com="http://schemas.openxmlformats.org/drawingml/2006/compatibility" xmlns:p14="http://schemas.microsoft.com/office/powerpoint/2010/main" xmlns:p15="http://schemas.microsoft.com/office/powerpoint/2012/main" xmlns:ahyp="http://schemas.microsoft.com/office/drawing/2018/hyperlinkcolor">
+<p:sld xmlns:a="http://schemas.openxmlformats.org/drawingml/2006/main" xmlns:r="http://schemas.openxmlformats.org/officeDocument/2006/relationships" xmlns:p="http://schemas.openxmlformats.org/presentationml/2006/main">
   <p:cSld>
     <p:spTree>
       <p:nvGrpSpPr>
-        <p:cNvPr id="151" name="Shape 151"/>
+        <p:cNvPr id="1" name="Shape 151"/>
         <p:cNvGrpSpPr/>
         <p:nvPr/>
       </p:nvGrpSpPr>
@@ -13562,7 +13541,9 @@
       <p:sp>
         <p:nvSpPr>
           <p:cNvPr id="152" name="Google Shape;152;p16"/>
-          <p:cNvSpPr txBox="1"/>
+          <p:cNvSpPr txBox="1">
+            <a:spLocks noGrp="1"/>
+          </p:cNvSpPr>
           <p:nvPr>
             <p:ph type="title"/>
           </p:nvPr>
@@ -13577,12 +13558,12 @@
           </a:prstGeom>
         </p:spPr>
         <p:txBody>
-          <a:bodyPr anchorCtr="0" anchor="ctr" bIns="45700" lIns="91425" spcFirstLastPara="1" rIns="91425" wrap="square" tIns="45700">
+          <a:bodyPr spcFirstLastPara="1" wrap="square" lIns="91425" tIns="45700" rIns="91425" bIns="45700" anchor="ctr" anchorCtr="0">
             <a:normAutofit/>
           </a:bodyPr>
           <a:lstStyle/>
           <a:p>
-            <a:pPr indent="0" lvl="0" marL="0" rtl="0" algn="l">
+            <a:pPr marL="0" lvl="0" indent="0" algn="l" rtl="0">
               <a:spcBef>
                 <a:spcPts val="0"/>
               </a:spcBef>
@@ -13607,9 +13588,11 @@
       <p:sp>
         <p:nvSpPr>
           <p:cNvPr id="153" name="Google Shape;153;p16"/>
-          <p:cNvSpPr txBox="1"/>
+          <p:cNvSpPr txBox="1">
+            <a:spLocks noGrp="1"/>
+          </p:cNvSpPr>
           <p:nvPr>
-            <p:ph idx="1" type="body"/>
+            <p:ph type="body" idx="1"/>
           </p:nvPr>
         </p:nvSpPr>
         <p:spPr>
@@ -13622,12 +13605,12 @@
           </a:prstGeom>
         </p:spPr>
         <p:txBody>
-          <a:bodyPr anchorCtr="0" anchor="t" bIns="45700" lIns="91425" spcFirstLastPara="1" rIns="91425" wrap="square" tIns="45700">
+          <a:bodyPr spcFirstLastPara="1" wrap="square" lIns="91425" tIns="45700" rIns="91425" bIns="45700" anchor="t" anchorCtr="0">
             <a:normAutofit fontScale="85000" lnSpcReduction="20000"/>
           </a:bodyPr>
           <a:lstStyle/>
           <a:p>
-            <a:pPr indent="-161290" lvl="0" marL="228600" rtl="0" algn="l">
+            <a:pPr marL="228600" lvl="0" indent="-161290" algn="l" rtl="0">
               <a:lnSpc>
                 <a:spcPct val="100000"/>
               </a:lnSpc>
@@ -13647,7 +13630,7 @@
             <a:endParaRPr sz="1800"/>
           </a:p>
           <a:p>
-            <a:pPr indent="-211455" lvl="1" marL="685800" rtl="0" algn="l">
+            <a:pPr marL="685800" lvl="1" indent="-211455" algn="l" rtl="0">
               <a:lnSpc>
                 <a:spcPct val="100000"/>
               </a:lnSpc>
@@ -13661,13 +13644,13 @@
               <a:buChar char="○"/>
             </a:pPr>
             <a:r>
-              <a:rPr b="1" lang="en-US" sz="1800"/>
+              <a:rPr lang="en-US" sz="1800" b="1"/>
               <a:t>We created objects by reading from files that were provided to us and stored the data within those files accordingly.</a:t>
             </a:r>
-            <a:endParaRPr b="1" sz="1800"/>
+            <a:endParaRPr sz="1800" b="1"/>
           </a:p>
           <a:p>
-            <a:pPr indent="-211455" lvl="1" marL="685800" rtl="0" algn="l">
+            <a:pPr marL="685800" lvl="1" indent="-211455" algn="l" rtl="0">
               <a:lnSpc>
                 <a:spcPct val="100000"/>
               </a:lnSpc>
@@ -13681,13 +13664,13 @@
               <a:buChar char="○"/>
             </a:pPr>
             <a:r>
-              <a:rPr b="1" lang="en-US" sz="1800"/>
+              <a:rPr lang="en-US" sz="1800" b="1"/>
               <a:t>We also created objects based on need, such as a menu object to display something to the user.</a:t>
             </a:r>
-            <a:endParaRPr b="1" sz="1800"/>
+            <a:endParaRPr sz="1800" b="1"/>
           </a:p>
           <a:p>
-            <a:pPr indent="-161290" lvl="0" marL="228600" rtl="0" algn="l">
+            <a:pPr marL="228600" lvl="0" indent="-161290" algn="l" rtl="0">
               <a:lnSpc>
                 <a:spcPct val="100000"/>
               </a:lnSpc>
@@ -13707,7 +13690,7 @@
             <a:endParaRPr sz="1800"/>
           </a:p>
           <a:p>
-            <a:pPr indent="-211455" lvl="1" marL="685800" rtl="0" algn="l">
+            <a:pPr marL="685800" lvl="1" indent="-211455" algn="l" rtl="0">
               <a:lnSpc>
                 <a:spcPct val="100000"/>
               </a:lnSpc>
@@ -13721,13 +13704,13 @@
               <a:buChar char="○"/>
             </a:pPr>
             <a:r>
-              <a:rPr b="1" lang="en-US" sz="1800"/>
+              <a:rPr lang="en-US" sz="1800" b="1"/>
               <a:t>we stored objects by putting them in a HashMap.</a:t>
             </a:r>
-            <a:endParaRPr b="1" sz="1800"/>
+            <a:endParaRPr sz="1800" b="1"/>
           </a:p>
           <a:p>
-            <a:pPr indent="-161290" lvl="0" marL="228600" rtl="0" algn="l">
+            <a:pPr marL="228600" lvl="0" indent="-161290" algn="l" rtl="0">
               <a:lnSpc>
                 <a:spcPct val="100000"/>
               </a:lnSpc>
@@ -13747,7 +13730,7 @@
             <a:endParaRPr sz="1800"/>
           </a:p>
           <a:p>
-            <a:pPr indent="-211455" lvl="1" marL="685800" rtl="0" algn="l">
+            <a:pPr marL="685800" lvl="1" indent="-211455" algn="l" rtl="0">
               <a:lnSpc>
                 <a:spcPct val="100000"/>
               </a:lnSpc>
@@ -13761,13 +13744,13 @@
               <a:buChar char="○"/>
             </a:pPr>
             <a:r>
-              <a:rPr b="1" lang="en-US" sz="1800"/>
+              <a:rPr lang="en-US" sz="1800" b="1"/>
               <a:t>In our case we had Object used for storing data. These objects are used to access data and to update them based on actions from a user. We also had objects that helped handle tasks, such as handling a transaction. Lastly We used menu objects to put everything together, since from the menu data can be accessed and actions can be performed.</a:t>
             </a:r>
-            <a:endParaRPr b="1" sz="1800"/>
+            <a:endParaRPr sz="1800" b="1"/>
           </a:p>
           <a:p>
-            <a:pPr indent="-161290" lvl="0" marL="228600" rtl="0" algn="l">
+            <a:pPr marL="228600" lvl="0" indent="-161290" algn="l" rtl="0">
               <a:lnSpc>
                 <a:spcPct val="100000"/>
               </a:lnSpc>
@@ -13787,7 +13770,7 @@
             <a:endParaRPr sz="1800"/>
           </a:p>
           <a:p>
-            <a:pPr indent="-211455" lvl="1" marL="685800" rtl="0" algn="l">
+            <a:pPr marL="685800" lvl="1" indent="-211455" algn="l" rtl="0">
               <a:lnSpc>
                 <a:spcPct val="100000"/>
               </a:lnSpc>
@@ -13801,10 +13784,10 @@
               <a:buChar char="○"/>
             </a:pPr>
             <a:r>
-              <a:rPr b="1" lang="en-US" sz="1800"/>
+              <a:rPr lang="en-US" sz="1800" b="1"/>
               <a:t>I would say that it is modular since we followed our UML class diagram</a:t>
             </a:r>
-            <a:endParaRPr b="1" sz="1800"/>
+            <a:endParaRPr sz="1800" b="1"/>
           </a:p>
         </p:txBody>
       </p:sp>
@@ -13817,11 +13800,11 @@
 </file>
 
 <file path=ppt/slides/slide4.xml><?xml version="1.0" encoding="utf-8"?>
-<p:sld xmlns:a="http://schemas.openxmlformats.org/drawingml/2006/main" xmlns:r="http://schemas.openxmlformats.org/officeDocument/2006/relationships" xmlns:mc="http://schemas.openxmlformats.org/markup-compatibility/2006" xmlns:mv="urn:schemas-microsoft-com:mac:vml" xmlns:p="http://schemas.openxmlformats.org/presentationml/2006/main" xmlns:c="http://schemas.openxmlformats.org/drawingml/2006/chart" xmlns:dgm="http://schemas.openxmlformats.org/drawingml/2006/diagram" xmlns:o="urn:schemas-microsoft-com:office:office" xmlns:v="urn:schemas-microsoft-com:vml" xmlns:pvml="urn:schemas-microsoft-com:office:powerpoint" xmlns:com="http://schemas.openxmlformats.org/drawingml/2006/compatibility" xmlns:p14="http://schemas.microsoft.com/office/powerpoint/2010/main" xmlns:p15="http://schemas.microsoft.com/office/powerpoint/2012/main" xmlns:ahyp="http://schemas.microsoft.com/office/drawing/2018/hyperlinkcolor">
+<p:sld xmlns:a="http://schemas.openxmlformats.org/drawingml/2006/main" xmlns:r="http://schemas.openxmlformats.org/officeDocument/2006/relationships" xmlns:p="http://schemas.openxmlformats.org/presentationml/2006/main">
   <p:cSld>
     <p:spTree>
       <p:nvGrpSpPr>
-        <p:cNvPr id="157" name="Shape 157"/>
+        <p:cNvPr id="1" name="Shape 157"/>
         <p:cNvGrpSpPr/>
         <p:nvPr/>
       </p:nvGrpSpPr>
@@ -13836,7 +13819,9 @@
       <p:sp>
         <p:nvSpPr>
           <p:cNvPr id="158" name="Google Shape;158;p17"/>
-          <p:cNvSpPr txBox="1"/>
+          <p:cNvSpPr txBox="1">
+            <a:spLocks noGrp="1"/>
+          </p:cNvSpPr>
           <p:nvPr>
             <p:ph type="title"/>
           </p:nvPr>
@@ -13855,12 +13840,12 @@
           </a:ln>
         </p:spPr>
         <p:txBody>
-          <a:bodyPr anchorCtr="0" anchor="ctr" bIns="45700" lIns="91425" spcFirstLastPara="1" rIns="91425" wrap="square" tIns="45700">
+          <a:bodyPr spcFirstLastPara="1" wrap="square" lIns="91425" tIns="45700" rIns="91425" bIns="45700" anchor="ctr" anchorCtr="0">
             <a:normAutofit/>
           </a:bodyPr>
           <a:lstStyle/>
           <a:p>
-            <a:pPr indent="0" lvl="0" marL="0" rtl="0" algn="l">
+            <a:pPr marL="0" lvl="0" indent="0" algn="l" rtl="0">
               <a:lnSpc>
                 <a:spcPct val="90000"/>
               </a:lnSpc>
@@ -13888,9 +13873,11 @@
       <p:sp>
         <p:nvSpPr>
           <p:cNvPr id="159" name="Google Shape;159;p17"/>
-          <p:cNvSpPr txBox="1"/>
+          <p:cNvSpPr txBox="1">
+            <a:spLocks noGrp="1"/>
+          </p:cNvSpPr>
           <p:nvPr>
-            <p:ph idx="1" type="body"/>
+            <p:ph type="body" idx="1"/>
           </p:nvPr>
         </p:nvSpPr>
         <p:spPr>
@@ -13907,12 +13894,12 @@
           </a:ln>
         </p:spPr>
         <p:txBody>
-          <a:bodyPr anchorCtr="0" anchor="t" bIns="45700" lIns="91425" spcFirstLastPara="1" rIns="91425" wrap="square" tIns="45700">
+          <a:bodyPr spcFirstLastPara="1" wrap="square" lIns="91425" tIns="45700" rIns="91425" bIns="45700" anchor="t" anchorCtr="0">
             <a:normAutofit/>
           </a:bodyPr>
           <a:lstStyle/>
           <a:p>
-            <a:pPr indent="-184150" lvl="0" marL="228600" rtl="0" algn="l">
+            <a:pPr marL="228600" lvl="0" indent="-184150" algn="l" rtl="0">
               <a:lnSpc>
                 <a:spcPct val="90000"/>
               </a:lnSpc>
@@ -13935,7 +13922,7 @@
             <a:endParaRPr sz="2100"/>
           </a:p>
           <a:p>
-            <a:pPr indent="-247650" lvl="1" marL="685800" rtl="0" algn="l">
+            <a:pPr marL="685800" lvl="1" indent="-247650" algn="l" rtl="0">
               <a:lnSpc>
                 <a:spcPct val="100000"/>
               </a:lnSpc>
@@ -13952,21 +13939,13 @@
               <a:buChar char="○"/>
             </a:pPr>
             <a:r>
-              <a:rPr b="1" lang="en-US" sz="2100"/>
-              <a:t>It follows </a:t>
+              <a:rPr lang="en-US" sz="2100" b="1"/>
+              <a:t>It follows everything that is described in our UML diagrams</a:t>
             </a:r>
-            <a:r>
-              <a:rPr b="1" lang="en-US" sz="2100"/>
-              <a:t>everything</a:t>
-            </a:r>
-            <a:r>
-              <a:rPr b="1" lang="en-US" sz="2100"/>
-              <a:t> that is described in our UML diagrams</a:t>
-            </a:r>
-            <a:endParaRPr b="1" sz="2100"/>
+            <a:endParaRPr sz="2100" b="1"/>
           </a:p>
           <a:p>
-            <a:pPr indent="-184150" lvl="0" marL="228600" rtl="0" algn="l">
+            <a:pPr marL="228600" lvl="0" indent="-184150" algn="l" rtl="0">
               <a:lnSpc>
                 <a:spcPct val="90000"/>
               </a:lnSpc>
@@ -13989,7 +13968,7 @@
             <a:endParaRPr sz="2100"/>
           </a:p>
           <a:p>
-            <a:pPr indent="-247650" lvl="1" marL="685800" rtl="0" algn="l">
+            <a:pPr marL="685800" lvl="1" indent="-247650" algn="l" rtl="0">
               <a:lnSpc>
                 <a:spcPct val="90000"/>
               </a:lnSpc>
@@ -14006,13 +13985,13 @@
               <a:buChar char="○"/>
             </a:pPr>
             <a:r>
-              <a:rPr b="1" lang="en-US" sz="2100"/>
+              <a:rPr lang="en-US" sz="2100" b="1"/>
               <a:t>We used interfaces to abstract away the actions that can be applied to a collection and an iterator.</a:t>
             </a:r>
-            <a:endParaRPr b="1" sz="2100"/>
+            <a:endParaRPr sz="2100" b="1"/>
           </a:p>
           <a:p>
-            <a:pPr indent="-184150" lvl="0" marL="228600" rtl="0" algn="l">
+            <a:pPr marL="228600" lvl="0" indent="-184150" algn="l" rtl="0">
               <a:lnSpc>
                 <a:spcPct val="90000"/>
               </a:lnSpc>
@@ -14035,7 +14014,7 @@
             <a:endParaRPr sz="2100"/>
           </a:p>
           <a:p>
-            <a:pPr indent="-247650" lvl="1" marL="685800" rtl="0" algn="l">
+            <a:pPr marL="685800" lvl="1" indent="-247650" algn="l" rtl="0">
               <a:lnSpc>
                 <a:spcPct val="90000"/>
               </a:lnSpc>
@@ -14052,37 +14031,13 @@
               <a:buChar char="○"/>
             </a:pPr>
             <a:r>
-              <a:rPr b="1" lang="en-US" sz="2100"/>
-              <a:t>The code is maintainable because extending and modifying the code is very simple. It is maintainable because for example the system as a whole is broken into parts and </a:t>
+              <a:rPr lang="en-US" sz="2100" b="1"/>
+              <a:t>The code is maintainable because extending and modifying the code is very simple. It is maintainable because for example the system as a whole is broken into parts and modifying the code does not require to modify the system as a whole instead you only need to modify a part of it.</a:t>
             </a:r>
-            <a:r>
-              <a:rPr b="1" lang="en-US" sz="2100"/>
-              <a:t>modifying</a:t>
-            </a:r>
-            <a:r>
-              <a:rPr b="1" lang="en-US" sz="2100"/>
-              <a:t> the code does not </a:t>
-            </a:r>
-            <a:r>
-              <a:rPr b="1" lang="en-US" sz="2100"/>
-              <a:t>require</a:t>
-            </a:r>
-            <a:r>
-              <a:rPr b="1" lang="en-US" sz="2100"/>
-              <a:t> to modify the </a:t>
-            </a:r>
-            <a:r>
-              <a:rPr b="1" lang="en-US" sz="2100"/>
-              <a:t>system</a:t>
-            </a:r>
-            <a:r>
-              <a:rPr b="1" lang="en-US" sz="2100"/>
-              <a:t> as a whole instead you only need to modify a part of it.</a:t>
-            </a:r>
-            <a:endParaRPr b="1" sz="2100"/>
+            <a:endParaRPr sz="2100" b="1"/>
           </a:p>
           <a:p>
-            <a:pPr indent="0" lvl="1" marL="457200" rtl="0" algn="l">
+            <a:pPr marL="457200" lvl="1" indent="0" algn="l" rtl="0">
               <a:lnSpc>
                 <a:spcPct val="90000"/>
               </a:lnSpc>
@@ -14098,9 +14053,6 @@
               <a:buSzPts val="2400"/>
               <a:buNone/>
             </a:pPr>
-            <a:r>
-              <a:t/>
-            </a:r>
             <a:endParaRPr sz="2100"/>
           </a:p>
         </p:txBody>
@@ -14114,11 +14066,11 @@
 </file>
 
 <file path=ppt/slides/slide5.xml><?xml version="1.0" encoding="utf-8"?>
-<p:sld xmlns:a="http://schemas.openxmlformats.org/drawingml/2006/main" xmlns:r="http://schemas.openxmlformats.org/officeDocument/2006/relationships" xmlns:mc="http://schemas.openxmlformats.org/markup-compatibility/2006" xmlns:mv="urn:schemas-microsoft-com:mac:vml" xmlns:p="http://schemas.openxmlformats.org/presentationml/2006/main" xmlns:c="http://schemas.openxmlformats.org/drawingml/2006/chart" xmlns:dgm="http://schemas.openxmlformats.org/drawingml/2006/diagram" xmlns:o="urn:schemas-microsoft-com:office:office" xmlns:v="urn:schemas-microsoft-com:vml" xmlns:pvml="urn:schemas-microsoft-com:office:powerpoint" xmlns:com="http://schemas.openxmlformats.org/drawingml/2006/compatibility" xmlns:p14="http://schemas.microsoft.com/office/powerpoint/2010/main" xmlns:p15="http://schemas.microsoft.com/office/powerpoint/2012/main" xmlns:ahyp="http://schemas.microsoft.com/office/drawing/2018/hyperlinkcolor">
+<p:sld xmlns:a="http://schemas.openxmlformats.org/drawingml/2006/main" xmlns:r="http://schemas.openxmlformats.org/officeDocument/2006/relationships" xmlns:p="http://schemas.openxmlformats.org/presentationml/2006/main">
   <p:cSld>
     <p:spTree>
       <p:nvGrpSpPr>
-        <p:cNvPr id="163" name="Shape 163"/>
+        <p:cNvPr id="1" name="Shape 163"/>
         <p:cNvGrpSpPr/>
         <p:nvPr/>
       </p:nvGrpSpPr>
@@ -14133,9 +14085,11 @@
       <p:sp>
         <p:nvSpPr>
           <p:cNvPr id="164" name="Google Shape;164;p18"/>
-          <p:cNvSpPr txBox="1"/>
+          <p:cNvSpPr txBox="1">
+            <a:spLocks noGrp="1"/>
+          </p:cNvSpPr>
           <p:nvPr>
-            <p:ph idx="1" type="body"/>
+            <p:ph type="body" idx="1"/>
           </p:nvPr>
         </p:nvSpPr>
         <p:spPr>
@@ -14152,12 +14106,12 @@
           </a:ln>
         </p:spPr>
         <p:txBody>
-          <a:bodyPr anchorCtr="0" anchor="t" bIns="45700" lIns="91425" spcFirstLastPara="1" rIns="91425" wrap="square" tIns="45700">
+          <a:bodyPr spcFirstLastPara="1" wrap="square" lIns="91425" tIns="45700" rIns="91425" bIns="45700" anchor="t" anchorCtr="0">
             <a:normAutofit lnSpcReduction="10000"/>
           </a:bodyPr>
           <a:lstStyle/>
           <a:p>
-            <a:pPr indent="-247650" lvl="0" marL="228600" rtl="0" algn="l">
+            <a:pPr marL="228600" lvl="0" indent="-247650" algn="l" rtl="0">
               <a:lnSpc>
                 <a:spcPct val="100000"/>
               </a:lnSpc>
@@ -14177,7 +14131,7 @@
             <a:endParaRPr sz="2100"/>
           </a:p>
           <a:p>
-            <a:pPr indent="-241300" lvl="1" marL="685800" rtl="0" algn="l">
+            <a:pPr marL="685800" lvl="1" indent="-241300" algn="l" rtl="0">
               <a:lnSpc>
                 <a:spcPct val="100000"/>
               </a:lnSpc>
@@ -14191,13 +14145,13 @@
               <a:buChar char="○"/>
             </a:pPr>
             <a:r>
-              <a:rPr b="1" lang="en-US" sz="2000"/>
+              <a:rPr lang="en-US" sz="2000" b="1"/>
               <a:t>We used the singleton and iterator design patterns, the singleton design pattern was used in the Transactions class and the Iterator design pattern was implemented by creating our own Collections and Iterator interfaces. We then implemented the Collections interface in the CustomerCollection and ItemCollection class. The Iterator interface was implemented in the CustomerCollectionIterator and ItemCollectionIterator class.</a:t>
             </a:r>
-            <a:endParaRPr b="1" sz="2000"/>
+            <a:endParaRPr sz="2000" b="1"/>
           </a:p>
           <a:p>
-            <a:pPr indent="-247650" lvl="0" marL="228600" rtl="0" algn="l">
+            <a:pPr marL="228600" lvl="0" indent="-247650" algn="l" rtl="0">
               <a:lnSpc>
                 <a:spcPct val="100000"/>
               </a:lnSpc>
@@ -14217,7 +14171,7 @@
             <a:endParaRPr sz="2100"/>
           </a:p>
           <a:p>
-            <a:pPr indent="-247650" lvl="1" marL="685800" rtl="0" algn="l">
+            <a:pPr marL="685800" lvl="1" indent="-247650" algn="l" rtl="0">
               <a:lnSpc>
                 <a:spcPct val="100000"/>
               </a:lnSpc>
@@ -14231,7 +14185,7 @@
               <a:buChar char="○"/>
             </a:pPr>
             <a:r>
-              <a:rPr b="1" lang="en-US" sz="2000"/>
+              <a:rPr lang="en-US" sz="2000" b="1"/>
               <a:t>The singleton design keeps a single instance of the class within itself as a field. The single reference of the instance can be accessed through a method such as getInstance(). Then the Iterator design pattern allows the sequential access of objects and without exposing the data structure that was used in the implementation.</a:t>
             </a:r>
             <a:endParaRPr sz="2100"/>
@@ -14241,7 +14195,9 @@
       <p:sp>
         <p:nvSpPr>
           <p:cNvPr id="165" name="Google Shape;165;p18"/>
-          <p:cNvSpPr txBox="1"/>
+          <p:cNvSpPr txBox="1">
+            <a:spLocks noGrp="1"/>
+          </p:cNvSpPr>
           <p:nvPr>
             <p:ph type="title"/>
           </p:nvPr>
@@ -14260,12 +14216,12 @@
           </a:ln>
         </p:spPr>
         <p:txBody>
-          <a:bodyPr anchorCtr="0" anchor="ctr" bIns="45700" lIns="91425" spcFirstLastPara="1" rIns="91425" wrap="square" tIns="45700">
+          <a:bodyPr spcFirstLastPara="1" wrap="square" lIns="91425" tIns="45700" rIns="91425" bIns="45700" anchor="ctr" anchorCtr="0">
             <a:normAutofit/>
           </a:bodyPr>
           <a:lstStyle/>
           <a:p>
-            <a:pPr indent="0" lvl="0" marL="0" rtl="0" algn="l">
+            <a:pPr marL="0" lvl="0" indent="0" algn="l" rtl="0">
               <a:lnSpc>
                 <a:spcPct val="90000"/>
               </a:lnSpc>
@@ -14299,11 +14255,11 @@
 </file>
 
 <file path=ppt/slides/slide6.xml><?xml version="1.0" encoding="utf-8"?>
-<p:sld xmlns:a="http://schemas.openxmlformats.org/drawingml/2006/main" xmlns:r="http://schemas.openxmlformats.org/officeDocument/2006/relationships" xmlns:mc="http://schemas.openxmlformats.org/markup-compatibility/2006" xmlns:mv="urn:schemas-microsoft-com:mac:vml" xmlns:p="http://schemas.openxmlformats.org/presentationml/2006/main" xmlns:c="http://schemas.openxmlformats.org/drawingml/2006/chart" xmlns:dgm="http://schemas.openxmlformats.org/drawingml/2006/diagram" xmlns:o="urn:schemas-microsoft-com:office:office" xmlns:v="urn:schemas-microsoft-com:vml" xmlns:pvml="urn:schemas-microsoft-com:office:powerpoint" xmlns:com="http://schemas.openxmlformats.org/drawingml/2006/compatibility" xmlns:p14="http://schemas.microsoft.com/office/powerpoint/2010/main" xmlns:p15="http://schemas.microsoft.com/office/powerpoint/2012/main" xmlns:ahyp="http://schemas.microsoft.com/office/drawing/2018/hyperlinkcolor">
+<p:sld xmlns:a="http://schemas.openxmlformats.org/drawingml/2006/main" xmlns:r="http://schemas.openxmlformats.org/officeDocument/2006/relationships" xmlns:p="http://schemas.openxmlformats.org/presentationml/2006/main">
   <p:cSld>
     <p:spTree>
       <p:nvGrpSpPr>
-        <p:cNvPr id="169" name="Shape 169"/>
+        <p:cNvPr id="1" name="Shape 169"/>
         <p:cNvGrpSpPr/>
         <p:nvPr/>
       </p:nvGrpSpPr>
@@ -14318,7 +14274,9 @@
       <p:sp>
         <p:nvSpPr>
           <p:cNvPr id="170" name="Google Shape;170;p19"/>
-          <p:cNvSpPr txBox="1"/>
+          <p:cNvSpPr txBox="1">
+            <a:spLocks noGrp="1"/>
+          </p:cNvSpPr>
           <p:nvPr>
             <p:ph type="title"/>
           </p:nvPr>
@@ -14333,12 +14291,12 @@
           </a:prstGeom>
         </p:spPr>
         <p:txBody>
-          <a:bodyPr anchorCtr="0" anchor="ctr" bIns="45700" lIns="91425" spcFirstLastPara="1" rIns="91425" wrap="square" tIns="45700">
+          <a:bodyPr spcFirstLastPara="1" wrap="square" lIns="91425" tIns="45700" rIns="91425" bIns="45700" anchor="ctr" anchorCtr="0">
             <a:normAutofit/>
           </a:bodyPr>
           <a:lstStyle/>
           <a:p>
-            <a:pPr indent="0" lvl="0" marL="0" rtl="0" algn="l">
+            <a:pPr marL="0" lvl="0" indent="0" algn="l" rtl="0">
               <a:spcBef>
                 <a:spcPts val="0"/>
               </a:spcBef>
@@ -14363,9 +14321,11 @@
       <p:sp>
         <p:nvSpPr>
           <p:cNvPr id="171" name="Google Shape;171;p19"/>
-          <p:cNvSpPr txBox="1"/>
+          <p:cNvSpPr txBox="1">
+            <a:spLocks noGrp="1"/>
+          </p:cNvSpPr>
           <p:nvPr>
-            <p:ph idx="1" type="body"/>
+            <p:ph type="body" idx="1"/>
           </p:nvPr>
         </p:nvSpPr>
         <p:spPr>
@@ -14378,12 +14338,12 @@
           </a:prstGeom>
         </p:spPr>
         <p:txBody>
-          <a:bodyPr anchorCtr="0" anchor="t" bIns="45700" lIns="91425" spcFirstLastPara="1" rIns="91425" wrap="square" tIns="45700">
+          <a:bodyPr spcFirstLastPara="1" wrap="square" lIns="91425" tIns="45700" rIns="91425" bIns="45700" anchor="t" anchorCtr="0">
             <a:normAutofit/>
           </a:bodyPr>
           <a:lstStyle/>
           <a:p>
-            <a:pPr indent="0" lvl="0" marL="0" rtl="0" algn="l">
+            <a:pPr marL="0" lvl="0" indent="0" algn="l" rtl="0">
               <a:spcBef>
                 <a:spcPts val="1000"/>
               </a:spcBef>
@@ -14393,13 +14353,13 @@
               <a:buNone/>
             </a:pPr>
             <a:r>
-              <a:rPr lang="en-US" sz="2100"/>
+              <a:rPr lang="en-US" sz="2100" dirty="0"/>
               <a:t>•Describe why you used the design patterns you used</a:t>
             </a:r>
-            <a:endParaRPr sz="2100"/>
+            <a:endParaRPr sz="2100" dirty="0"/>
           </a:p>
           <a:p>
-            <a:pPr indent="0" lvl="0" marL="0" rtl="0" algn="l">
+            <a:pPr marL="0" lvl="0" indent="0" algn="l" rtl="0">
               <a:spcBef>
                 <a:spcPts val="1600"/>
               </a:spcBef>
@@ -14414,17 +14374,17 @@
               <a:buNone/>
             </a:pPr>
             <a:r>
-              <a:rPr lang="en-US" sz="2100"/>
+              <a:rPr lang="en-US" sz="2100" dirty="0"/>
               <a:t>	</a:t>
             </a:r>
             <a:r>
-              <a:rPr b="1" lang="en-US" sz="2100"/>
+              <a:rPr lang="en-US" sz="2100" b="1" dirty="0"/>
               <a:t>We used the Singleton design pattern to keep a single instance of the Transactions class since not more than one is needed. And as for the Iterator design pattern we used it because it was a helpful way to iterate over a HashMap without exposing that it was a HashMap since.</a:t>
             </a:r>
-            <a:endParaRPr b="1" sz="2100"/>
+            <a:endParaRPr sz="2100" b="1" dirty="0"/>
           </a:p>
           <a:p>
-            <a:pPr indent="0" lvl="0" marL="0" rtl="0" algn="l">
+            <a:pPr marL="0" lvl="0" indent="0" algn="l" rtl="0">
               <a:spcBef>
                 <a:spcPts val="1600"/>
               </a:spcBef>
@@ -14434,13 +14394,13 @@
               <a:buNone/>
             </a:pPr>
             <a:r>
-              <a:rPr lang="en-US" sz="2100"/>
+              <a:rPr lang="en-US" sz="2100" dirty="0"/>
               <a:t>•Describe how they were used</a:t>
             </a:r>
-            <a:endParaRPr sz="2100"/>
+            <a:endParaRPr sz="2100" dirty="0"/>
           </a:p>
           <a:p>
-            <a:pPr indent="0" lvl="0" marL="0" rtl="0" algn="l">
+            <a:pPr marL="0" lvl="0" indent="0" algn="l" rtl="0">
               <a:spcBef>
                 <a:spcPts val="1600"/>
               </a:spcBef>
@@ -14455,14 +14415,14 @@
               <a:buNone/>
             </a:pPr>
             <a:r>
-              <a:rPr lang="en-US" sz="2100"/>
+              <a:rPr lang="en-US" sz="2100" dirty="0"/>
               <a:t>	</a:t>
             </a:r>
             <a:r>
-              <a:rPr b="1" lang="en-US" sz="2100"/>
+              <a:rPr lang="en-US" sz="2100" b="1" dirty="0"/>
               <a:t>The singleton design pattern was used to access methods within the Transactions class, which are used in the . And the iterator design pattern was used to iterate over a HashMap when Searching for customers. The iterator design pattern was also used to print all the Item found in a HashMap.</a:t>
             </a:r>
-            <a:endParaRPr b="1" sz="2100"/>
+            <a:endParaRPr sz="2100" b="1" dirty="0"/>
           </a:p>
         </p:txBody>
       </p:sp>
@@ -14475,11 +14435,11 @@
 </file>
 
 <file path=ppt/slides/slide7.xml><?xml version="1.0" encoding="utf-8"?>
-<p:sld xmlns:a="http://schemas.openxmlformats.org/drawingml/2006/main" xmlns:r="http://schemas.openxmlformats.org/officeDocument/2006/relationships" xmlns:mc="http://schemas.openxmlformats.org/markup-compatibility/2006" xmlns:mv="urn:schemas-microsoft-com:mac:vml" xmlns:p="http://schemas.openxmlformats.org/presentationml/2006/main" xmlns:c="http://schemas.openxmlformats.org/drawingml/2006/chart" xmlns:dgm="http://schemas.openxmlformats.org/drawingml/2006/diagram" xmlns:o="urn:schemas-microsoft-com:office:office" xmlns:v="urn:schemas-microsoft-com:vml" xmlns:pvml="urn:schemas-microsoft-com:office:powerpoint" xmlns:com="http://schemas.openxmlformats.org/drawingml/2006/compatibility" xmlns:p14="http://schemas.microsoft.com/office/powerpoint/2010/main" xmlns:p15="http://schemas.microsoft.com/office/powerpoint/2012/main" xmlns:ahyp="http://schemas.microsoft.com/office/drawing/2018/hyperlinkcolor">
+<p:sld xmlns:a="http://schemas.openxmlformats.org/drawingml/2006/main" xmlns:r="http://schemas.openxmlformats.org/officeDocument/2006/relationships" xmlns:p="http://schemas.openxmlformats.org/presentationml/2006/main">
   <p:cSld>
     <p:spTree>
       <p:nvGrpSpPr>
-        <p:cNvPr id="175" name="Shape 175"/>
+        <p:cNvPr id="1" name="Shape 175"/>
         <p:cNvGrpSpPr/>
         <p:nvPr/>
       </p:nvGrpSpPr>
@@ -14494,7 +14454,9 @@
       <p:sp>
         <p:nvSpPr>
           <p:cNvPr id="176" name="Google Shape;176;p20"/>
-          <p:cNvSpPr txBox="1"/>
+          <p:cNvSpPr txBox="1">
+            <a:spLocks noGrp="1"/>
+          </p:cNvSpPr>
           <p:nvPr>
             <p:ph type="title"/>
           </p:nvPr>
@@ -14513,12 +14475,12 @@
           </a:ln>
         </p:spPr>
         <p:txBody>
-          <a:bodyPr anchorCtr="0" anchor="ctr" bIns="45700" lIns="91425" spcFirstLastPara="1" rIns="91425" wrap="square" tIns="45700">
+          <a:bodyPr spcFirstLastPara="1" wrap="square" lIns="91425" tIns="45700" rIns="91425" bIns="45700" anchor="ctr" anchorCtr="0">
             <a:normAutofit/>
           </a:bodyPr>
           <a:lstStyle/>
           <a:p>
-            <a:pPr indent="0" lvl="0" marL="0" rtl="0" algn="ctr">
+            <a:pPr marL="0" lvl="0" indent="0" algn="ctr" rtl="0">
               <a:lnSpc>
                 <a:spcPct val="90000"/>
               </a:lnSpc>
@@ -14537,11 +14499,7 @@
             </a:pPr>
             <a:r>
               <a:rPr lang="en-US"/>
-              <a:t>UML Class Diagram</a:t>
-            </a:r>
-            <a:r>
-              <a:rPr lang="en-US"/>
-              <a:t> (Entire Diagram)</a:t>
+              <a:t>UML Class Diagram (Entire Diagram)</a:t>
             </a:r>
             <a:endParaRPr/>
           </a:p>
@@ -14584,11 +14542,11 @@
 </file>
 
 <file path=ppt/slides/slide8.xml><?xml version="1.0" encoding="utf-8"?>
-<p:sld xmlns:a="http://schemas.openxmlformats.org/drawingml/2006/main" xmlns:r="http://schemas.openxmlformats.org/officeDocument/2006/relationships" xmlns:mc="http://schemas.openxmlformats.org/markup-compatibility/2006" xmlns:mv="urn:schemas-microsoft-com:mac:vml" xmlns:p="http://schemas.openxmlformats.org/presentationml/2006/main" xmlns:c="http://schemas.openxmlformats.org/drawingml/2006/chart" xmlns:dgm="http://schemas.openxmlformats.org/drawingml/2006/diagram" xmlns:o="urn:schemas-microsoft-com:office:office" xmlns:v="urn:schemas-microsoft-com:vml" xmlns:pvml="urn:schemas-microsoft-com:office:powerpoint" xmlns:com="http://schemas.openxmlformats.org/drawingml/2006/compatibility" xmlns:p14="http://schemas.microsoft.com/office/powerpoint/2010/main" xmlns:p15="http://schemas.microsoft.com/office/powerpoint/2012/main" xmlns:ahyp="http://schemas.microsoft.com/office/drawing/2018/hyperlinkcolor">
+<p:sld xmlns:a="http://schemas.openxmlformats.org/drawingml/2006/main" xmlns:r="http://schemas.openxmlformats.org/officeDocument/2006/relationships" xmlns:p="http://schemas.openxmlformats.org/presentationml/2006/main">
   <p:cSld>
     <p:spTree>
       <p:nvGrpSpPr>
-        <p:cNvPr id="181" name="Shape 181"/>
+        <p:cNvPr id="1" name="Shape 181"/>
         <p:cNvGrpSpPr/>
         <p:nvPr/>
       </p:nvGrpSpPr>
@@ -14603,7 +14561,9 @@
       <p:sp>
         <p:nvSpPr>
           <p:cNvPr id="182" name="Google Shape;182;p21"/>
-          <p:cNvSpPr txBox="1"/>
+          <p:cNvSpPr txBox="1">
+            <a:spLocks noGrp="1"/>
+          </p:cNvSpPr>
           <p:nvPr>
             <p:ph type="title"/>
           </p:nvPr>
@@ -14622,12 +14582,12 @@
           </a:ln>
         </p:spPr>
         <p:txBody>
-          <a:bodyPr anchorCtr="0" anchor="ctr" bIns="45700" lIns="91425" spcFirstLastPara="1" rIns="91425" wrap="square" tIns="45700">
+          <a:bodyPr spcFirstLastPara="1" wrap="square" lIns="91425" tIns="45700" rIns="91425" bIns="45700" anchor="ctr" anchorCtr="0">
             <a:normAutofit/>
           </a:bodyPr>
           <a:lstStyle/>
           <a:p>
-            <a:pPr indent="0" lvl="0" marL="0" rtl="0" algn="l">
+            <a:pPr marL="0" lvl="0" indent="0" algn="l" rtl="0">
               <a:lnSpc>
                 <a:spcPct val="90000"/>
               </a:lnSpc>
@@ -14662,7 +14622,7 @@
           <a:blip r:embed="rId3">
             <a:alphaModFix/>
           </a:blip>
-          <a:srcRect b="24922" l="1243" r="37195" t="15111"/>
+          <a:srcRect l="1243" t="15111" r="37195" b="24922"/>
           <a:stretch/>
         </p:blipFill>
         <p:spPr>
@@ -14688,11 +14648,11 @@
 </file>
 
 <file path=ppt/slides/slide9.xml><?xml version="1.0" encoding="utf-8"?>
-<p:sld xmlns:a="http://schemas.openxmlformats.org/drawingml/2006/main" xmlns:r="http://schemas.openxmlformats.org/officeDocument/2006/relationships" xmlns:mc="http://schemas.openxmlformats.org/markup-compatibility/2006" xmlns:mv="urn:schemas-microsoft-com:mac:vml" xmlns:p="http://schemas.openxmlformats.org/presentationml/2006/main" xmlns:c="http://schemas.openxmlformats.org/drawingml/2006/chart" xmlns:dgm="http://schemas.openxmlformats.org/drawingml/2006/diagram" xmlns:o="urn:schemas-microsoft-com:office:office" xmlns:v="urn:schemas-microsoft-com:vml" xmlns:pvml="urn:schemas-microsoft-com:office:powerpoint" xmlns:com="http://schemas.openxmlformats.org/drawingml/2006/compatibility" xmlns:p14="http://schemas.microsoft.com/office/powerpoint/2010/main" xmlns:p15="http://schemas.microsoft.com/office/powerpoint/2012/main" xmlns:ahyp="http://schemas.microsoft.com/office/drawing/2018/hyperlinkcolor">
+<p:sld xmlns:a="http://schemas.openxmlformats.org/drawingml/2006/main" xmlns:r="http://schemas.openxmlformats.org/officeDocument/2006/relationships" xmlns:p="http://schemas.openxmlformats.org/presentationml/2006/main">
   <p:cSld>
     <p:spTree>
       <p:nvGrpSpPr>
-        <p:cNvPr id="187" name="Shape 187"/>
+        <p:cNvPr id="1" name="Shape 187"/>
         <p:cNvGrpSpPr/>
         <p:nvPr/>
       </p:nvGrpSpPr>
@@ -14707,7 +14667,9 @@
       <p:sp>
         <p:nvSpPr>
           <p:cNvPr id="188" name="Google Shape;188;p22"/>
-          <p:cNvSpPr txBox="1"/>
+          <p:cNvSpPr txBox="1">
+            <a:spLocks noGrp="1"/>
+          </p:cNvSpPr>
           <p:nvPr>
             <p:ph type="title"/>
           </p:nvPr>
@@ -14726,12 +14688,12 @@
           </a:ln>
         </p:spPr>
         <p:txBody>
-          <a:bodyPr anchorCtr="0" anchor="ctr" bIns="45700" lIns="91425" spcFirstLastPara="1" rIns="91425" wrap="square" tIns="45700">
+          <a:bodyPr spcFirstLastPara="1" wrap="square" lIns="91425" tIns="45700" rIns="91425" bIns="45700" anchor="ctr" anchorCtr="0">
             <a:normAutofit/>
           </a:bodyPr>
           <a:lstStyle/>
           <a:p>
-            <a:pPr indent="0" lvl="0" marL="0" rtl="0" algn="ctr">
+            <a:pPr marL="0" lvl="0" indent="0" algn="ctr" rtl="0">
               <a:lnSpc>
                 <a:spcPct val="90000"/>
               </a:lnSpc>
@@ -14766,7 +14728,7 @@
           <a:blip r:embed="rId3">
             <a:alphaModFix/>
           </a:blip>
-          <a:srcRect b="7326" l="25474" r="28268" t="25455"/>
+          <a:srcRect l="25474" t="25455" r="28268" b="7326"/>
           <a:stretch/>
         </p:blipFill>
         <p:spPr>
@@ -14792,7 +14754,7 @@
 </file>
 
 <file path=ppt/theme/theme1.xml><?xml version="1.0" encoding="utf-8"?>
-<a:theme xmlns:a="http://schemas.openxmlformats.org/drawingml/2006/main" xmlns:r="http://schemas.openxmlformats.org/officeDocument/2006/relationships" name="Focus">
+<a:theme xmlns:a="http://schemas.openxmlformats.org/drawingml/2006/main" name="Focus">
   <a:themeElements>
     <a:clrScheme name="Focus">
       <a:dk1>
@@ -15067,11 +15029,13 @@
       </a:bgFillStyleLst>
     </a:fmtScheme>
   </a:themeElements>
+  <a:objectDefaults/>
+  <a:extraClrSchemeLst/>
 </a:theme>
 </file>
 
 <file path=ppt/theme/theme2.xml><?xml version="1.0" encoding="utf-8"?>
-<a:theme xmlns:a="http://schemas.openxmlformats.org/drawingml/2006/main" xmlns:r="http://schemas.openxmlformats.org/officeDocument/2006/relationships">
+<a:theme xmlns:a="http://schemas.openxmlformats.org/drawingml/2006/main">
   <a:themeElements>
     <a:clrScheme name="Default">
       <a:dk1>
@@ -15346,5 +15310,7 @@
       </a:bgFillStyleLst>
     </a:fmtScheme>
   </a:themeElements>
+  <a:objectDefaults/>
+  <a:extraClrSchemeLst/>
 </a:theme>
 </file>